--- a/papers/useR_2014/UseR_2014_poster.pptx
+++ b/papers/useR_2014/UseR_2014_poster.pptx
@@ -228,7 +228,7 @@
           <a:p>
             <a:fld id="{98710013-9CD6-4924-938E-62F8982C3A00}" type="datetimeFigureOut">
               <a:rPr lang="ko-KR" altLang="en-US" smtClean="0"/>
-              <a:t>2014-06-16</a:t>
+              <a:t>2014-06-25</a:t>
             </a:fld>
             <a:endParaRPr lang="ko-KR" altLang="en-US"/>
           </a:p>
@@ -393,7 +393,7 @@
           <a:p>
             <a:fld id="{9025242E-0E58-427D-AA38-6F327CB7A29E}" type="datetimeFigureOut">
               <a:rPr lang="ko-KR" altLang="en-US" smtClean="0"/>
-              <a:t>2014-06-16</a:t>
+              <a:t>2014-06-25</a:t>
             </a:fld>
             <a:endParaRPr lang="ko-KR" altLang="en-US"/>
           </a:p>
@@ -1190,7 +1190,7 @@
           <a:p>
             <a:fld id="{E059B02A-7401-45FD-B5BB-7C11F2C0056C}" type="datetimeFigureOut">
               <a:rPr lang="ko-KR" altLang="en-US" smtClean="0"/>
-              <a:t>2014-06-16</a:t>
+              <a:t>2014-06-25</a:t>
             </a:fld>
             <a:endParaRPr lang="ko-KR" altLang="en-US"/>
           </a:p>
@@ -1360,7 +1360,7 @@
           <a:p>
             <a:fld id="{E059B02A-7401-45FD-B5BB-7C11F2C0056C}" type="datetimeFigureOut">
               <a:rPr lang="ko-KR" altLang="en-US" smtClean="0"/>
-              <a:t>2014-06-16</a:t>
+              <a:t>2014-06-25</a:t>
             </a:fld>
             <a:endParaRPr lang="ko-KR" altLang="en-US"/>
           </a:p>
@@ -1540,7 +1540,7 @@
           <a:p>
             <a:fld id="{E059B02A-7401-45FD-B5BB-7C11F2C0056C}" type="datetimeFigureOut">
               <a:rPr lang="ko-KR" altLang="en-US" smtClean="0"/>
-              <a:t>2014-06-16</a:t>
+              <a:t>2014-06-25</a:t>
             </a:fld>
             <a:endParaRPr lang="ko-KR" altLang="en-US"/>
           </a:p>
@@ -1710,7 +1710,7 @@
           <a:p>
             <a:fld id="{E059B02A-7401-45FD-B5BB-7C11F2C0056C}" type="datetimeFigureOut">
               <a:rPr lang="ko-KR" altLang="en-US" smtClean="0"/>
-              <a:t>2014-06-16</a:t>
+              <a:t>2014-06-25</a:t>
             </a:fld>
             <a:endParaRPr lang="ko-KR" altLang="en-US"/>
           </a:p>
@@ -1956,7 +1956,7 @@
           <a:p>
             <a:fld id="{E059B02A-7401-45FD-B5BB-7C11F2C0056C}" type="datetimeFigureOut">
               <a:rPr lang="ko-KR" altLang="en-US" smtClean="0"/>
-              <a:t>2014-06-16</a:t>
+              <a:t>2014-06-25</a:t>
             </a:fld>
             <a:endParaRPr lang="ko-KR" altLang="en-US"/>
           </a:p>
@@ -2244,7 +2244,7 @@
           <a:p>
             <a:fld id="{E059B02A-7401-45FD-B5BB-7C11F2C0056C}" type="datetimeFigureOut">
               <a:rPr lang="ko-KR" altLang="en-US" smtClean="0"/>
-              <a:t>2014-06-16</a:t>
+              <a:t>2014-06-25</a:t>
             </a:fld>
             <a:endParaRPr lang="ko-KR" altLang="en-US"/>
           </a:p>
@@ -2666,7 +2666,7 @@
           <a:p>
             <a:fld id="{E059B02A-7401-45FD-B5BB-7C11F2C0056C}" type="datetimeFigureOut">
               <a:rPr lang="ko-KR" altLang="en-US" smtClean="0"/>
-              <a:t>2014-06-16</a:t>
+              <a:t>2014-06-25</a:t>
             </a:fld>
             <a:endParaRPr lang="ko-KR" altLang="en-US"/>
           </a:p>
@@ -2784,7 +2784,7 @@
           <a:p>
             <a:fld id="{E059B02A-7401-45FD-B5BB-7C11F2C0056C}" type="datetimeFigureOut">
               <a:rPr lang="ko-KR" altLang="en-US" smtClean="0"/>
-              <a:t>2014-06-16</a:t>
+              <a:t>2014-06-25</a:t>
             </a:fld>
             <a:endParaRPr lang="ko-KR" altLang="en-US"/>
           </a:p>
@@ -2879,7 +2879,7 @@
           <a:p>
             <a:fld id="{E059B02A-7401-45FD-B5BB-7C11F2C0056C}" type="datetimeFigureOut">
               <a:rPr lang="ko-KR" altLang="en-US" smtClean="0"/>
-              <a:t>2014-06-16</a:t>
+              <a:t>2014-06-25</a:t>
             </a:fld>
             <a:endParaRPr lang="ko-KR" altLang="en-US"/>
           </a:p>
@@ -3156,7 +3156,7 @@
           <a:p>
             <a:fld id="{E059B02A-7401-45FD-B5BB-7C11F2C0056C}" type="datetimeFigureOut">
               <a:rPr lang="ko-KR" altLang="en-US" smtClean="0"/>
-              <a:t>2014-06-16</a:t>
+              <a:t>2014-06-25</a:t>
             </a:fld>
             <a:endParaRPr lang="ko-KR" altLang="en-US"/>
           </a:p>
@@ -3409,7 +3409,7 @@
           <a:p>
             <a:fld id="{E059B02A-7401-45FD-B5BB-7C11F2C0056C}" type="datetimeFigureOut">
               <a:rPr lang="ko-KR" altLang="en-US" smtClean="0"/>
-              <a:t>2014-06-16</a:t>
+              <a:t>2014-06-25</a:t>
             </a:fld>
             <a:endParaRPr lang="ko-KR" altLang="en-US"/>
           </a:p>
@@ -3622,7 +3622,7 @@
           <a:p>
             <a:fld id="{E059B02A-7401-45FD-B5BB-7C11F2C0056C}" type="datetimeFigureOut">
               <a:rPr lang="ko-KR" altLang="en-US" smtClean="0"/>
-              <a:t>2014-06-16</a:t>
+              <a:t>2014-06-25</a:t>
             </a:fld>
             <a:endParaRPr lang="ko-KR" altLang="en-US"/>
           </a:p>
@@ -5097,7 +5097,7 @@
       </p:sp>
       <p:pic>
         <p:nvPicPr>
-          <p:cNvPr id="56" name="그림 55"/>
+          <p:cNvPr id="57" name="그림 56"/>
           <p:cNvPicPr>
             <a:picLocks noChangeAspect="1"/>
           </p:cNvPicPr>
@@ -5105,30 +5105,6 @@
         </p:nvPicPr>
         <p:blipFill>
           <a:blip r:embed="rId4"/>
-          <a:stretch>
-            <a:fillRect/>
-          </a:stretch>
-        </p:blipFill>
-        <p:spPr>
-          <a:xfrm>
-            <a:off x="617786" y="14214767"/>
-            <a:ext cx="12807115" cy="5262657"/>
-          </a:xfrm>
-          <a:prstGeom prst="rect">
-            <a:avLst/>
-          </a:prstGeom>
-        </p:spPr>
-      </p:pic>
-      <p:pic>
-        <p:nvPicPr>
-          <p:cNvPr id="57" name="그림 56"/>
-          <p:cNvPicPr>
-            <a:picLocks noChangeAspect="1"/>
-          </p:cNvPicPr>
-          <p:nvPr/>
-        </p:nvPicPr>
-        <p:blipFill>
-          <a:blip r:embed="rId5"/>
           <a:stretch>
             <a:fillRect/>
           </a:stretch>
@@ -5186,7 +5162,7 @@
           <p:nvPr/>
         </p:nvPicPr>
         <p:blipFill>
-          <a:blip r:embed="rId6"/>
+          <a:blip r:embed="rId5"/>
           <a:stretch>
             <a:fillRect/>
           </a:stretch>
@@ -5255,30 +5231,6 @@
       </p:sp>
       <p:pic>
         <p:nvPicPr>
-          <p:cNvPr id="4" name="그림 3"/>
-          <p:cNvPicPr>
-            <a:picLocks noChangeAspect="1"/>
-          </p:cNvPicPr>
-          <p:nvPr/>
-        </p:nvPicPr>
-        <p:blipFill>
-          <a:blip r:embed="rId7"/>
-          <a:stretch>
-            <a:fillRect/>
-          </a:stretch>
-        </p:blipFill>
-        <p:spPr>
-          <a:xfrm>
-            <a:off x="16493081" y="13882649"/>
-            <a:ext cx="11304682" cy="6962927"/>
-          </a:xfrm>
-          <a:prstGeom prst="rect">
-            <a:avLst/>
-          </a:prstGeom>
-        </p:spPr>
-      </p:pic>
-      <p:pic>
-        <p:nvPicPr>
           <p:cNvPr id="15" name="그림 14"/>
           <p:cNvPicPr>
             <a:picLocks noChangeAspect="1"/>
@@ -5286,7 +5238,7 @@
           <p:nvPr/>
         </p:nvPicPr>
         <p:blipFill>
-          <a:blip r:embed="rId8"/>
+          <a:blip r:embed="rId6"/>
           <a:stretch>
             <a:fillRect/>
           </a:stretch>
@@ -9406,25 +9358,7 @@
               <a:rPr lang="en-US" altLang="ko-KR" sz="3600" b="1" dirty="0" smtClean="0">
                 <a:latin typeface="FrutigerNextLT Regular" pitchFamily="18" charset="0"/>
               </a:rPr>
-              <a:t>- Relationship Array (p nodes </a:t>
-            </a:r>
-            <a:r>
-              <a:rPr lang="en-US" altLang="ko-KR" sz="3600" b="1" dirty="0" smtClean="0">
-                <a:latin typeface="FrutigerNextLT Regular" pitchFamily="18" charset="0"/>
-              </a:rPr>
-              <a:t>by</a:t>
-            </a:r>
-            <a:r>
-              <a:rPr lang="en-US" altLang="ko-KR" sz="3600" b="1" dirty="0" smtClean="0">
-                <a:latin typeface="FrutigerNextLT Regular" pitchFamily="18" charset="0"/>
-              </a:rPr>
-              <a:t> </a:t>
-            </a:r>
-            <a:r>
-              <a:rPr lang="en-US" altLang="ko-KR" sz="3600" b="1" dirty="0" smtClean="0">
-                <a:latin typeface="FrutigerNextLT Regular" pitchFamily="18" charset="0"/>
-              </a:rPr>
-              <a:t>n nodes)</a:t>
+              <a:t>- Relationship Array (p nodes by n nodes)</a:t>
             </a:r>
             <a:endParaRPr lang="ko-KR" altLang="en-US" sz="3600" b="1" dirty="0" smtClean="0">
               <a:latin typeface="FrutigerNextLT Regular" pitchFamily="18" charset="0"/>
@@ -9441,7 +9375,7 @@
           <p:nvPr/>
         </p:nvPicPr>
         <p:blipFill>
-          <a:blip r:embed="rId9" cstate="print">
+          <a:blip r:embed="rId7" cstate="print">
             <a:extLst>
               <a:ext uri="{28A0092B-C50C-407E-A947-70E740481C1C}">
                 <a14:useLocalDpi xmlns:a14="http://schemas.microsoft.com/office/drawing/2010/main" val="0"/>
@@ -9714,7 +9648,7 @@
         </p:nvGrpSpPr>
         <p:grpSpPr>
           <a:xfrm>
-            <a:off x="17113299" y="21130845"/>
+            <a:off x="17845172" y="21635059"/>
             <a:ext cx="11147393" cy="5481244"/>
             <a:chOff x="16326251" y="21130845"/>
             <a:chExt cx="11147393" cy="5481244"/>
@@ -15924,6 +15858,2021 @@
           <a:p>
             <a:pPr algn="ctr"/>
             <a:endParaRPr lang="ko-KR" altLang="en-US" dirty="0"/>
+          </a:p>
+        </p:txBody>
+      </p:sp>
+      <p:sp>
+        <p:nvSpPr>
+          <p:cNvPr id="82" name="TextBox 81"/>
+          <p:cNvSpPr txBox="1"/>
+          <p:nvPr/>
+        </p:nvSpPr>
+        <p:spPr>
+          <a:xfrm>
+            <a:off x="794481" y="14100046"/>
+            <a:ext cx="11994374" cy="5262979"/>
+          </a:xfrm>
+          <a:prstGeom prst="rect">
+            <a:avLst/>
+          </a:prstGeom>
+          <a:noFill/>
+        </p:spPr>
+        <p:txBody>
+          <a:bodyPr wrap="none" rtlCol="0">
+            <a:spAutoFit/>
+          </a:bodyPr>
+          <a:lstStyle/>
+          <a:p>
+            <a:r>
+              <a:rPr lang="en-US" altLang="ko-KR" sz="2800" dirty="0" err="1" smtClean="0">
+                <a:solidFill>
+                  <a:schemeClr val="tx2"/>
+                </a:solidFill>
+                <a:latin typeface="Calibri Light" panose="020F0302020204030204" pitchFamily="34" charset="0"/>
+                <a:ea typeface="SimSun" panose="02010600030101010101" pitchFamily="2" charset="-122"/>
+                <a:cs typeface="Vani" panose="020B0502040204020203" pitchFamily="34" charset="0"/>
+              </a:rPr>
+              <a:t>Obj</a:t>
+            </a:r>
+            <a:r>
+              <a:rPr lang="en-US" altLang="ko-KR" sz="2800" dirty="0">
+                <a:solidFill>
+                  <a:schemeClr val="tx2"/>
+                </a:solidFill>
+                <a:latin typeface="Calibri Light" panose="020F0302020204030204" pitchFamily="34" charset="0"/>
+                <a:ea typeface="SimSun" panose="02010600030101010101" pitchFamily="2" charset="-122"/>
+                <a:cs typeface="Vani" panose="020B0502040204020203" pitchFamily="34" charset="0"/>
+              </a:rPr>
+              <a:t> </a:t>
+            </a:r>
+            <a:r>
+              <a:rPr lang="en-US" altLang="ko-KR" sz="2800" dirty="0" smtClean="0">
+                <a:solidFill>
+                  <a:schemeClr val="tx2"/>
+                </a:solidFill>
+                <a:latin typeface="Calibri Light" panose="020F0302020204030204" pitchFamily="34" charset="0"/>
+                <a:ea typeface="SimSun" panose="02010600030101010101" pitchFamily="2" charset="-122"/>
+                <a:cs typeface="Vani" panose="020B0502040204020203" pitchFamily="34" charset="0"/>
+              </a:rPr>
+              <a:t>&lt;- RIGHT({</a:t>
+            </a:r>
+          </a:p>
+          <a:p>
+            <a:r>
+              <a:rPr lang="en-US" altLang="ko-KR" sz="2800" dirty="0">
+                <a:solidFill>
+                  <a:schemeClr val="tx2"/>
+                </a:solidFill>
+                <a:latin typeface="Calibri Light" panose="020F0302020204030204" pitchFamily="34" charset="0"/>
+                <a:ea typeface="SimSun" panose="02010600030101010101" pitchFamily="2" charset="-122"/>
+                <a:cs typeface="Vani" panose="020B0502040204020203" pitchFamily="34" charset="0"/>
+              </a:rPr>
+              <a:t> </a:t>
+            </a:r>
+            <a:r>
+              <a:rPr lang="en-US" altLang="ko-KR" sz="2800" dirty="0" smtClean="0">
+                <a:solidFill>
+                  <a:schemeClr val="tx2"/>
+                </a:solidFill>
+                <a:latin typeface="Calibri Light" panose="020F0302020204030204" pitchFamily="34" charset="0"/>
+                <a:ea typeface="SimSun" panose="02010600030101010101" pitchFamily="2" charset="-122"/>
+                <a:cs typeface="Vani" panose="020B0502040204020203" pitchFamily="34" charset="0"/>
+              </a:rPr>
+              <a:t>      plot(</a:t>
+            </a:r>
+            <a:r>
+              <a:rPr lang="en-US" altLang="ko-KR" sz="2800" dirty="0" err="1" smtClean="0">
+                <a:solidFill>
+                  <a:schemeClr val="tx2"/>
+                </a:solidFill>
+                <a:latin typeface="Calibri Light" panose="020F0302020204030204" pitchFamily="34" charset="0"/>
+                <a:ea typeface="SimSun" panose="02010600030101010101" pitchFamily="2" charset="-122"/>
+                <a:cs typeface="Vani" panose="020B0502040204020203" pitchFamily="34" charset="0"/>
+              </a:rPr>
+              <a:t>conc</a:t>
+            </a:r>
+            <a:r>
+              <a:rPr lang="en-US" altLang="ko-KR" sz="2800" dirty="0" smtClean="0">
+                <a:solidFill>
+                  <a:schemeClr val="tx2"/>
+                </a:solidFill>
+                <a:latin typeface="Calibri Light" panose="020F0302020204030204" pitchFamily="34" charset="0"/>
+                <a:ea typeface="SimSun" panose="02010600030101010101" pitchFamily="2" charset="-122"/>
+                <a:cs typeface="Vani" panose="020B0502040204020203" pitchFamily="34" charset="0"/>
+              </a:rPr>
+              <a:t> ~Time, </a:t>
+            </a:r>
+            <a:r>
+              <a:rPr lang="en-US" altLang="ko-KR" sz="2800" dirty="0" err="1" smtClean="0">
+                <a:solidFill>
+                  <a:schemeClr val="tx2"/>
+                </a:solidFill>
+                <a:latin typeface="Calibri Light" panose="020F0302020204030204" pitchFamily="34" charset="0"/>
+                <a:ea typeface="SimSun" panose="02010600030101010101" pitchFamily="2" charset="-122"/>
+                <a:cs typeface="Vani" panose="020B0502040204020203" pitchFamily="34" charset="0"/>
+              </a:rPr>
+              <a:t>Theoph</a:t>
+            </a:r>
+            <a:r>
+              <a:rPr lang="en-US" altLang="ko-KR" sz="2800" dirty="0" smtClean="0">
+                <a:solidFill>
+                  <a:schemeClr val="tx2"/>
+                </a:solidFill>
+                <a:latin typeface="Calibri Light" panose="020F0302020204030204" pitchFamily="34" charset="0"/>
+                <a:ea typeface="SimSun" panose="02010600030101010101" pitchFamily="2" charset="-122"/>
+                <a:cs typeface="Vani" panose="020B0502040204020203" pitchFamily="34" charset="0"/>
+              </a:rPr>
+              <a:t>, color = color)</a:t>
+            </a:r>
+          </a:p>
+          <a:p>
+            <a:r>
+              <a:rPr lang="en-US" altLang="ko-KR" sz="2800" dirty="0">
+                <a:solidFill>
+                  <a:schemeClr val="tx2"/>
+                </a:solidFill>
+                <a:latin typeface="Calibri Light" panose="020F0302020204030204" pitchFamily="34" charset="0"/>
+                <a:ea typeface="SimSun" panose="02010600030101010101" pitchFamily="2" charset="-122"/>
+                <a:cs typeface="Vani" panose="020B0502040204020203" pitchFamily="34" charset="0"/>
+              </a:rPr>
+              <a:t> </a:t>
+            </a:r>
+            <a:r>
+              <a:rPr lang="en-US" altLang="ko-KR" sz="2800" dirty="0" smtClean="0">
+                <a:solidFill>
+                  <a:schemeClr val="tx2"/>
+                </a:solidFill>
+                <a:latin typeface="Calibri Light" panose="020F0302020204030204" pitchFamily="34" charset="0"/>
+                <a:ea typeface="SimSun" panose="02010600030101010101" pitchFamily="2" charset="-122"/>
+                <a:cs typeface="Vani" panose="020B0502040204020203" pitchFamily="34" charset="0"/>
+              </a:rPr>
+              <a:t>      </a:t>
+            </a:r>
+            <a:r>
+              <a:rPr lang="en-US" altLang="ko-KR" sz="2800" dirty="0" err="1" smtClean="0">
+                <a:solidFill>
+                  <a:schemeClr val="tx2"/>
+                </a:solidFill>
+                <a:latin typeface="Calibri Light" panose="020F0302020204030204" pitchFamily="34" charset="0"/>
+                <a:ea typeface="SimSun" panose="02010600030101010101" pitchFamily="2" charset="-122"/>
+                <a:cs typeface="Vani" panose="020B0502040204020203" pitchFamily="34" charset="0"/>
+              </a:rPr>
+              <a:t>runServer.RIGHT</a:t>
+            </a:r>
+            <a:r>
+              <a:rPr lang="en-US" altLang="ko-KR" sz="2800" dirty="0" smtClean="0">
+                <a:solidFill>
+                  <a:schemeClr val="tx2"/>
+                </a:solidFill>
+                <a:latin typeface="Calibri Light" panose="020F0302020204030204" pitchFamily="34" charset="0"/>
+                <a:ea typeface="SimSun" panose="02010600030101010101" pitchFamily="2" charset="-122"/>
+                <a:cs typeface="Vani" panose="020B0502040204020203" pitchFamily="34" charset="0"/>
+              </a:rPr>
+              <a:t>(</a:t>
+            </a:r>
+            <a:r>
+              <a:rPr lang="en-US" altLang="ko-KR" sz="2800" dirty="0" err="1" smtClean="0">
+                <a:solidFill>
+                  <a:schemeClr val="tx2"/>
+                </a:solidFill>
+                <a:latin typeface="Calibri Light" panose="020F0302020204030204" pitchFamily="34" charset="0"/>
+                <a:ea typeface="SimSun" panose="02010600030101010101" pitchFamily="2" charset="-122"/>
+                <a:cs typeface="Vani" panose="020B0502040204020203" pitchFamily="34" charset="0"/>
+              </a:rPr>
+              <a:t>loessArray</a:t>
+            </a:r>
+            <a:r>
+              <a:rPr lang="en-US" altLang="ko-KR" sz="2800" dirty="0" smtClean="0">
+                <a:solidFill>
+                  <a:schemeClr val="tx2"/>
+                </a:solidFill>
+                <a:latin typeface="Calibri Light" panose="020F0302020204030204" pitchFamily="34" charset="0"/>
+                <a:ea typeface="SimSun" panose="02010600030101010101" pitchFamily="2" charset="-122"/>
+                <a:cs typeface="Vani" panose="020B0502040204020203" pitchFamily="34" charset="0"/>
+              </a:rPr>
+              <a:t>, {</a:t>
+            </a:r>
+          </a:p>
+          <a:p>
+            <a:r>
+              <a:rPr lang="en-US" altLang="ko-KR" sz="2800" dirty="0">
+                <a:solidFill>
+                  <a:schemeClr val="tx2"/>
+                </a:solidFill>
+                <a:latin typeface="Calibri Light" panose="020F0302020204030204" pitchFamily="34" charset="0"/>
+                <a:ea typeface="SimSun" panose="02010600030101010101" pitchFamily="2" charset="-122"/>
+                <a:cs typeface="Vani" panose="020B0502040204020203" pitchFamily="34" charset="0"/>
+              </a:rPr>
+              <a:t>  </a:t>
+            </a:r>
+            <a:r>
+              <a:rPr lang="en-US" altLang="ko-KR" sz="2800" dirty="0" smtClean="0">
+                <a:solidFill>
+                  <a:schemeClr val="tx2"/>
+                </a:solidFill>
+                <a:latin typeface="Calibri Light" panose="020F0302020204030204" pitchFamily="34" charset="0"/>
+                <a:ea typeface="SimSun" panose="02010600030101010101" pitchFamily="2" charset="-122"/>
+                <a:cs typeface="Vani" panose="020B0502040204020203" pitchFamily="34" charset="0"/>
+              </a:rPr>
+              <a:t>          </a:t>
+            </a:r>
+            <a:r>
+              <a:rPr lang="en-US" altLang="ko-KR" sz="2800" dirty="0" err="1" smtClean="0">
+                <a:solidFill>
+                  <a:schemeClr val="tx2"/>
+                </a:solidFill>
+                <a:latin typeface="Calibri Light" panose="020F0302020204030204" pitchFamily="34" charset="0"/>
+                <a:ea typeface="SimSun" panose="02010600030101010101" pitchFamily="2" charset="-122"/>
+                <a:cs typeface="Vani" panose="020B0502040204020203" pitchFamily="34" charset="0"/>
+              </a:rPr>
+              <a:t>obj</a:t>
+            </a:r>
+            <a:r>
+              <a:rPr lang="en-US" altLang="ko-KR" sz="2800" dirty="0" smtClean="0">
+                <a:solidFill>
+                  <a:schemeClr val="tx2"/>
+                </a:solidFill>
+                <a:latin typeface="Calibri Light" panose="020F0302020204030204" pitchFamily="34" charset="0"/>
+                <a:ea typeface="SimSun" panose="02010600030101010101" pitchFamily="2" charset="-122"/>
+                <a:cs typeface="Vani" panose="020B0502040204020203" pitchFamily="34" charset="0"/>
+              </a:rPr>
+              <a:t> &lt;- loess(</a:t>
+            </a:r>
+            <a:r>
+              <a:rPr lang="en-US" altLang="ko-KR" sz="2800" dirty="0" err="1" smtClean="0">
+                <a:solidFill>
+                  <a:schemeClr val="tx2"/>
+                </a:solidFill>
+                <a:latin typeface="Calibri Light" panose="020F0302020204030204" pitchFamily="34" charset="0"/>
+                <a:ea typeface="SimSun" panose="02010600030101010101" pitchFamily="2" charset="-122"/>
+                <a:cs typeface="Vani" panose="020B0502040204020203" pitchFamily="34" charset="0"/>
+              </a:rPr>
+              <a:t>conc</a:t>
+            </a:r>
+            <a:r>
+              <a:rPr lang="en-US" altLang="ko-KR" sz="2800" dirty="0" smtClean="0">
+                <a:solidFill>
+                  <a:schemeClr val="tx2"/>
+                </a:solidFill>
+                <a:latin typeface="Calibri Light" panose="020F0302020204030204" pitchFamily="34" charset="0"/>
+                <a:ea typeface="SimSun" panose="02010600030101010101" pitchFamily="2" charset="-122"/>
+                <a:cs typeface="Vani" panose="020B0502040204020203" pitchFamily="34" charset="0"/>
+              </a:rPr>
+              <a:t> ~ Time, data = </a:t>
+            </a:r>
+            <a:r>
+              <a:rPr lang="en-US" altLang="ko-KR" sz="2800" dirty="0" err="1" smtClean="0">
+                <a:solidFill>
+                  <a:schemeClr val="tx2"/>
+                </a:solidFill>
+                <a:latin typeface="Calibri Light" panose="020F0302020204030204" pitchFamily="34" charset="0"/>
+                <a:ea typeface="SimSun" panose="02010600030101010101" pitchFamily="2" charset="-122"/>
+                <a:cs typeface="Vani" panose="020B0502040204020203" pitchFamily="34" charset="0"/>
+              </a:rPr>
+              <a:t>Theoph</a:t>
+            </a:r>
+            <a:r>
+              <a:rPr lang="en-US" altLang="ko-KR" sz="2800" dirty="0" smtClean="0">
+                <a:solidFill>
+                  <a:schemeClr val="tx2"/>
+                </a:solidFill>
+                <a:latin typeface="Calibri Light" panose="020F0302020204030204" pitchFamily="34" charset="0"/>
+                <a:ea typeface="SimSun" panose="02010600030101010101" pitchFamily="2" charset="-122"/>
+                <a:cs typeface="Vani" panose="020B0502040204020203" pitchFamily="34" charset="0"/>
+              </a:rPr>
+              <a:t>)</a:t>
+            </a:r>
+          </a:p>
+          <a:p>
+            <a:r>
+              <a:rPr lang="en-US" altLang="ko-KR" sz="2800" dirty="0">
+                <a:solidFill>
+                  <a:schemeClr val="tx2"/>
+                </a:solidFill>
+                <a:latin typeface="Calibri Light" panose="020F0302020204030204" pitchFamily="34" charset="0"/>
+                <a:ea typeface="SimSun" panose="02010600030101010101" pitchFamily="2" charset="-122"/>
+                <a:cs typeface="Vani" panose="020B0502040204020203" pitchFamily="34" charset="0"/>
+              </a:rPr>
+              <a:t> </a:t>
+            </a:r>
+            <a:r>
+              <a:rPr lang="en-US" altLang="ko-KR" sz="2800" dirty="0" smtClean="0">
+                <a:solidFill>
+                  <a:schemeClr val="tx2"/>
+                </a:solidFill>
+                <a:latin typeface="Calibri Light" panose="020F0302020204030204" pitchFamily="34" charset="0"/>
+                <a:ea typeface="SimSun" panose="02010600030101010101" pitchFamily="2" charset="-122"/>
+                <a:cs typeface="Vani" panose="020B0502040204020203" pitchFamily="34" charset="0"/>
+              </a:rPr>
+              <a:t>           </a:t>
+            </a:r>
+            <a:r>
+              <a:rPr lang="en-US" altLang="ko-KR" sz="2800" dirty="0" err="1" smtClean="0">
+                <a:solidFill>
+                  <a:schemeClr val="tx2"/>
+                </a:solidFill>
+                <a:latin typeface="Calibri Light" panose="020F0302020204030204" pitchFamily="34" charset="0"/>
+                <a:ea typeface="SimSun" panose="02010600030101010101" pitchFamily="2" charset="-122"/>
+                <a:cs typeface="Vani" panose="020B0502040204020203" pitchFamily="34" charset="0"/>
+              </a:rPr>
+              <a:t>xRange</a:t>
+            </a:r>
+            <a:r>
+              <a:rPr lang="en-US" altLang="ko-KR" sz="2800" dirty="0" smtClean="0">
+                <a:solidFill>
+                  <a:schemeClr val="tx2"/>
+                </a:solidFill>
+                <a:latin typeface="Calibri Light" panose="020F0302020204030204" pitchFamily="34" charset="0"/>
+                <a:ea typeface="SimSun" panose="02010600030101010101" pitchFamily="2" charset="-122"/>
+                <a:cs typeface="Vani" panose="020B0502040204020203" pitchFamily="34" charset="0"/>
+              </a:rPr>
+              <a:t> &lt;- range(</a:t>
+            </a:r>
+            <a:r>
+              <a:rPr lang="en-US" altLang="ko-KR" sz="2800" dirty="0" err="1" smtClean="0">
+                <a:solidFill>
+                  <a:schemeClr val="tx2"/>
+                </a:solidFill>
+                <a:latin typeface="Calibri Light" panose="020F0302020204030204" pitchFamily="34" charset="0"/>
+                <a:ea typeface="SimSun" panose="02010600030101010101" pitchFamily="2" charset="-122"/>
+                <a:cs typeface="Vani" panose="020B0502040204020203" pitchFamily="34" charset="0"/>
+              </a:rPr>
+              <a:t>Theoph$conc</a:t>
+            </a:r>
+            <a:r>
+              <a:rPr lang="en-US" altLang="ko-KR" sz="2800" dirty="0" smtClean="0">
+                <a:solidFill>
+                  <a:schemeClr val="tx2"/>
+                </a:solidFill>
+                <a:latin typeface="Calibri Light" panose="020F0302020204030204" pitchFamily="34" charset="0"/>
+                <a:ea typeface="SimSun" panose="02010600030101010101" pitchFamily="2" charset="-122"/>
+                <a:cs typeface="Vani" panose="020B0502040204020203" pitchFamily="34" charset="0"/>
+              </a:rPr>
+              <a:t>)</a:t>
+            </a:r>
+          </a:p>
+          <a:p>
+            <a:r>
+              <a:rPr lang="en-US" altLang="ko-KR" sz="2800" dirty="0">
+                <a:solidFill>
+                  <a:schemeClr val="tx2"/>
+                </a:solidFill>
+                <a:latin typeface="Calibri Light" panose="020F0302020204030204" pitchFamily="34" charset="0"/>
+                <a:ea typeface="SimSun" panose="02010600030101010101" pitchFamily="2" charset="-122"/>
+                <a:cs typeface="Vani" panose="020B0502040204020203" pitchFamily="34" charset="0"/>
+              </a:rPr>
+              <a:t> </a:t>
+            </a:r>
+            <a:r>
+              <a:rPr lang="en-US" altLang="ko-KR" sz="2800" dirty="0" smtClean="0">
+                <a:solidFill>
+                  <a:schemeClr val="tx2"/>
+                </a:solidFill>
+                <a:latin typeface="Calibri Light" panose="020F0302020204030204" pitchFamily="34" charset="0"/>
+                <a:ea typeface="SimSun" panose="02010600030101010101" pitchFamily="2" charset="-122"/>
+                <a:cs typeface="Vani" panose="020B0502040204020203" pitchFamily="34" charset="0"/>
+              </a:rPr>
+              <a:t>           </a:t>
+            </a:r>
+            <a:r>
+              <a:rPr lang="en-US" altLang="ko-KR" sz="2800" dirty="0" err="1" smtClean="0">
+                <a:solidFill>
+                  <a:schemeClr val="tx2"/>
+                </a:solidFill>
+                <a:latin typeface="Calibri Light" panose="020F0302020204030204" pitchFamily="34" charset="0"/>
+                <a:ea typeface="SimSun" panose="02010600030101010101" pitchFamily="2" charset="-122"/>
+                <a:cs typeface="Vani" panose="020B0502040204020203" pitchFamily="34" charset="0"/>
+              </a:rPr>
+              <a:t>simArray</a:t>
+            </a:r>
+            <a:r>
+              <a:rPr lang="en-US" altLang="ko-KR" sz="2800" dirty="0" smtClean="0">
+                <a:solidFill>
+                  <a:schemeClr val="tx2"/>
+                </a:solidFill>
+                <a:latin typeface="Calibri Light" panose="020F0302020204030204" pitchFamily="34" charset="0"/>
+                <a:ea typeface="SimSun" panose="02010600030101010101" pitchFamily="2" charset="-122"/>
+                <a:cs typeface="Vani" panose="020B0502040204020203" pitchFamily="34" charset="0"/>
+              </a:rPr>
+              <a:t> &lt;- </a:t>
+            </a:r>
+            <a:r>
+              <a:rPr lang="en-US" altLang="ko-KR" sz="2800" dirty="0" err="1" smtClean="0">
+                <a:solidFill>
+                  <a:schemeClr val="tx2"/>
+                </a:solidFill>
+                <a:latin typeface="Calibri Light" panose="020F0302020204030204" pitchFamily="34" charset="0"/>
+                <a:ea typeface="SimSun" panose="02010600030101010101" pitchFamily="2" charset="-122"/>
+                <a:cs typeface="Vani" panose="020B0502040204020203" pitchFamily="34" charset="0"/>
+              </a:rPr>
+              <a:t>data.frame</a:t>
+            </a:r>
+            <a:r>
+              <a:rPr lang="en-US" altLang="ko-KR" sz="2800" dirty="0" smtClean="0">
+                <a:solidFill>
+                  <a:schemeClr val="tx2"/>
+                </a:solidFill>
+                <a:latin typeface="Calibri Light" panose="020F0302020204030204" pitchFamily="34" charset="0"/>
+                <a:ea typeface="SimSun" panose="02010600030101010101" pitchFamily="2" charset="-122"/>
+                <a:cs typeface="Vani" panose="020B0502040204020203" pitchFamily="34" charset="0"/>
+              </a:rPr>
+              <a:t>(</a:t>
+            </a:r>
+            <a:r>
+              <a:rPr lang="en-US" altLang="ko-KR" sz="2800" dirty="0" err="1" smtClean="0">
+                <a:solidFill>
+                  <a:schemeClr val="tx2"/>
+                </a:solidFill>
+                <a:latin typeface="Calibri Light" panose="020F0302020204030204" pitchFamily="34" charset="0"/>
+                <a:ea typeface="SimSun" panose="02010600030101010101" pitchFamily="2" charset="-122"/>
+                <a:cs typeface="Vani" panose="020B0502040204020203" pitchFamily="34" charset="0"/>
+              </a:rPr>
+              <a:t>conc</a:t>
+            </a:r>
+            <a:r>
+              <a:rPr lang="en-US" altLang="ko-KR" sz="2800" dirty="0" smtClean="0">
+                <a:solidFill>
+                  <a:schemeClr val="tx2"/>
+                </a:solidFill>
+                <a:latin typeface="Calibri Light" panose="020F0302020204030204" pitchFamily="34" charset="0"/>
+                <a:ea typeface="SimSun" panose="02010600030101010101" pitchFamily="2" charset="-122"/>
+                <a:cs typeface="Vani" panose="020B0502040204020203" pitchFamily="34" charset="0"/>
+              </a:rPr>
+              <a:t> = </a:t>
+            </a:r>
+            <a:r>
+              <a:rPr lang="en-US" altLang="ko-KR" sz="2800" dirty="0" err="1" smtClean="0">
+                <a:solidFill>
+                  <a:schemeClr val="tx2"/>
+                </a:solidFill>
+                <a:latin typeface="Calibri Light" panose="020F0302020204030204" pitchFamily="34" charset="0"/>
+                <a:ea typeface="SimSun" panose="02010600030101010101" pitchFamily="2" charset="-122"/>
+                <a:cs typeface="Vani" panose="020B0502040204020203" pitchFamily="34" charset="0"/>
+              </a:rPr>
+              <a:t>seq</a:t>
+            </a:r>
+            <a:r>
+              <a:rPr lang="en-US" altLang="ko-KR" sz="2800" dirty="0" smtClean="0">
+                <a:solidFill>
+                  <a:schemeClr val="tx2"/>
+                </a:solidFill>
+                <a:latin typeface="Calibri Light" panose="020F0302020204030204" pitchFamily="34" charset="0"/>
+                <a:ea typeface="SimSun" panose="02010600030101010101" pitchFamily="2" charset="-122"/>
+                <a:cs typeface="Vani" panose="020B0502040204020203" pitchFamily="34" charset="0"/>
+              </a:rPr>
+              <a:t>(</a:t>
+            </a:r>
+            <a:r>
+              <a:rPr lang="en-US" altLang="ko-KR" sz="2800" dirty="0" err="1" smtClean="0">
+                <a:solidFill>
+                  <a:schemeClr val="tx2"/>
+                </a:solidFill>
+                <a:latin typeface="Calibri Light" panose="020F0302020204030204" pitchFamily="34" charset="0"/>
+                <a:ea typeface="SimSun" panose="02010600030101010101" pitchFamily="2" charset="-122"/>
+                <a:cs typeface="Vani" panose="020B0502040204020203" pitchFamily="34" charset="0"/>
+              </a:rPr>
+              <a:t>xRange</a:t>
+            </a:r>
+            <a:r>
+              <a:rPr lang="en-US" altLang="ko-KR" sz="2800" dirty="0" smtClean="0">
+                <a:solidFill>
+                  <a:schemeClr val="tx2"/>
+                </a:solidFill>
+                <a:latin typeface="Calibri Light" panose="020F0302020204030204" pitchFamily="34" charset="0"/>
+                <a:ea typeface="SimSun" panose="02010600030101010101" pitchFamily="2" charset="-122"/>
+                <a:cs typeface="Vani" panose="020B0502040204020203" pitchFamily="34" charset="0"/>
+              </a:rPr>
+              <a:t>[1], </a:t>
+            </a:r>
+            <a:r>
+              <a:rPr lang="en-US" altLang="ko-KR" sz="2800" dirty="0" err="1" smtClean="0">
+                <a:solidFill>
+                  <a:schemeClr val="tx2"/>
+                </a:solidFill>
+                <a:latin typeface="Calibri Light" panose="020F0302020204030204" pitchFamily="34" charset="0"/>
+                <a:ea typeface="SimSun" panose="02010600030101010101" pitchFamily="2" charset="-122"/>
+                <a:cs typeface="Vani" panose="020B0502040204020203" pitchFamily="34" charset="0"/>
+              </a:rPr>
+              <a:t>xRange</a:t>
+            </a:r>
+            <a:r>
+              <a:rPr lang="en-US" altLang="ko-KR" sz="2800" dirty="0" smtClean="0">
+                <a:solidFill>
+                  <a:schemeClr val="tx2"/>
+                </a:solidFill>
+                <a:latin typeface="Calibri Light" panose="020F0302020204030204" pitchFamily="34" charset="0"/>
+                <a:ea typeface="SimSun" panose="02010600030101010101" pitchFamily="2" charset="-122"/>
+                <a:cs typeface="Vani" panose="020B0502040204020203" pitchFamily="34" charset="0"/>
+              </a:rPr>
+              <a:t>[2], </a:t>
+            </a:r>
+            <a:r>
+              <a:rPr lang="en-US" altLang="ko-KR" sz="2800" dirty="0" err="1" smtClean="0">
+                <a:solidFill>
+                  <a:schemeClr val="tx2"/>
+                </a:solidFill>
+                <a:latin typeface="Calibri Light" panose="020F0302020204030204" pitchFamily="34" charset="0"/>
+                <a:ea typeface="SimSun" panose="02010600030101010101" pitchFamily="2" charset="-122"/>
+                <a:cs typeface="Vani" panose="020B0502040204020203" pitchFamily="34" charset="0"/>
+              </a:rPr>
+              <a:t>length.out</a:t>
+            </a:r>
+            <a:r>
+              <a:rPr lang="en-US" altLang="ko-KR" sz="2800" dirty="0" smtClean="0">
+                <a:solidFill>
+                  <a:schemeClr val="tx2"/>
+                </a:solidFill>
+                <a:latin typeface="Calibri Light" panose="020F0302020204030204" pitchFamily="34" charset="0"/>
+                <a:ea typeface="SimSun" panose="02010600030101010101" pitchFamily="2" charset="-122"/>
+                <a:cs typeface="Vani" panose="020B0502040204020203" pitchFamily="34" charset="0"/>
+              </a:rPr>
+              <a:t> = 100))</a:t>
+            </a:r>
+          </a:p>
+          <a:p>
+            <a:r>
+              <a:rPr lang="en-US" altLang="ko-KR" sz="2800" dirty="0">
+                <a:solidFill>
+                  <a:schemeClr val="tx2"/>
+                </a:solidFill>
+                <a:latin typeface="Calibri Light" panose="020F0302020204030204" pitchFamily="34" charset="0"/>
+                <a:ea typeface="SimSun" panose="02010600030101010101" pitchFamily="2" charset="-122"/>
+                <a:cs typeface="Vani" panose="020B0502040204020203" pitchFamily="34" charset="0"/>
+              </a:rPr>
+              <a:t> </a:t>
+            </a:r>
+            <a:r>
+              <a:rPr lang="en-US" altLang="ko-KR" sz="2800" dirty="0" smtClean="0">
+                <a:solidFill>
+                  <a:schemeClr val="tx2"/>
+                </a:solidFill>
+                <a:latin typeface="Calibri Light" panose="020F0302020204030204" pitchFamily="34" charset="0"/>
+                <a:ea typeface="SimSun" panose="02010600030101010101" pitchFamily="2" charset="-122"/>
+                <a:cs typeface="Vani" panose="020B0502040204020203" pitchFamily="34" charset="0"/>
+              </a:rPr>
+              <a:t>           </a:t>
+            </a:r>
+            <a:r>
+              <a:rPr lang="en-US" altLang="ko-KR" sz="2800" dirty="0" err="1" smtClean="0">
+                <a:solidFill>
+                  <a:schemeClr val="tx2"/>
+                </a:solidFill>
+                <a:latin typeface="Calibri Light" panose="020F0302020204030204" pitchFamily="34" charset="0"/>
+                <a:ea typeface="SimSun" panose="02010600030101010101" pitchFamily="2" charset="-122"/>
+                <a:cs typeface="Vani" panose="020B0502040204020203" pitchFamily="34" charset="0"/>
+              </a:rPr>
+              <a:t>simArray$Time</a:t>
+            </a:r>
+            <a:r>
+              <a:rPr lang="en-US" altLang="ko-KR" sz="2800" dirty="0" smtClean="0">
+                <a:solidFill>
+                  <a:schemeClr val="tx2"/>
+                </a:solidFill>
+                <a:latin typeface="Calibri Light" panose="020F0302020204030204" pitchFamily="34" charset="0"/>
+                <a:ea typeface="SimSun" panose="02010600030101010101" pitchFamily="2" charset="-122"/>
+                <a:cs typeface="Vani" panose="020B0502040204020203" pitchFamily="34" charset="0"/>
+              </a:rPr>
+              <a:t> &lt;- predict(</a:t>
+            </a:r>
+            <a:r>
+              <a:rPr lang="en-US" altLang="ko-KR" sz="2800" dirty="0" err="1" smtClean="0">
+                <a:solidFill>
+                  <a:schemeClr val="tx2"/>
+                </a:solidFill>
+                <a:latin typeface="Calibri Light" panose="020F0302020204030204" pitchFamily="34" charset="0"/>
+                <a:ea typeface="SimSun" panose="02010600030101010101" pitchFamily="2" charset="-122"/>
+                <a:cs typeface="Vani" panose="020B0502040204020203" pitchFamily="34" charset="0"/>
+              </a:rPr>
+              <a:t>obj</a:t>
+            </a:r>
+            <a:r>
+              <a:rPr lang="en-US" altLang="ko-KR" sz="2800" dirty="0" smtClean="0">
+                <a:solidFill>
+                  <a:schemeClr val="tx2"/>
+                </a:solidFill>
+                <a:latin typeface="Calibri Light" panose="020F0302020204030204" pitchFamily="34" charset="0"/>
+                <a:ea typeface="SimSun" panose="02010600030101010101" pitchFamily="2" charset="-122"/>
+                <a:cs typeface="Vani" panose="020B0502040204020203" pitchFamily="34" charset="0"/>
+              </a:rPr>
+              <a:t>, </a:t>
+            </a:r>
+            <a:r>
+              <a:rPr lang="en-US" altLang="ko-KR" sz="2800" dirty="0" err="1" smtClean="0">
+                <a:solidFill>
+                  <a:schemeClr val="tx2"/>
+                </a:solidFill>
+                <a:latin typeface="Calibri Light" panose="020F0302020204030204" pitchFamily="34" charset="0"/>
+                <a:ea typeface="SimSun" panose="02010600030101010101" pitchFamily="2" charset="-122"/>
+                <a:cs typeface="Vani" panose="020B0502040204020203" pitchFamily="34" charset="0"/>
+              </a:rPr>
+              <a:t>newdata</a:t>
+            </a:r>
+            <a:r>
+              <a:rPr lang="en-US" altLang="ko-KR" sz="2800" dirty="0" smtClean="0">
+                <a:solidFill>
+                  <a:schemeClr val="tx2"/>
+                </a:solidFill>
+                <a:latin typeface="Calibri Light" panose="020F0302020204030204" pitchFamily="34" charset="0"/>
+                <a:ea typeface="SimSun" panose="02010600030101010101" pitchFamily="2" charset="-122"/>
+                <a:cs typeface="Vani" panose="020B0502040204020203" pitchFamily="34" charset="0"/>
+              </a:rPr>
+              <a:t> = </a:t>
+            </a:r>
+            <a:r>
+              <a:rPr lang="en-US" altLang="ko-KR" sz="2800" dirty="0" err="1" smtClean="0">
+                <a:solidFill>
+                  <a:schemeClr val="tx2"/>
+                </a:solidFill>
+                <a:latin typeface="Calibri Light" panose="020F0302020204030204" pitchFamily="34" charset="0"/>
+                <a:ea typeface="SimSun" panose="02010600030101010101" pitchFamily="2" charset="-122"/>
+                <a:cs typeface="Vani" panose="020B0502040204020203" pitchFamily="34" charset="0"/>
+              </a:rPr>
+              <a:t>simArray</a:t>
+            </a:r>
+            <a:r>
+              <a:rPr lang="en-US" altLang="ko-KR" sz="2800" dirty="0" smtClean="0">
+                <a:solidFill>
+                  <a:schemeClr val="tx2"/>
+                </a:solidFill>
+                <a:latin typeface="Calibri Light" panose="020F0302020204030204" pitchFamily="34" charset="0"/>
+                <a:ea typeface="SimSun" panose="02010600030101010101" pitchFamily="2" charset="-122"/>
+                <a:cs typeface="Vani" panose="020B0502040204020203" pitchFamily="34" charset="0"/>
+              </a:rPr>
+              <a:t>)</a:t>
+            </a:r>
+          </a:p>
+          <a:p>
+            <a:r>
+              <a:rPr lang="en-US" altLang="ko-KR" sz="2800" dirty="0">
+                <a:solidFill>
+                  <a:schemeClr val="tx2"/>
+                </a:solidFill>
+                <a:latin typeface="Calibri Light" panose="020F0302020204030204" pitchFamily="34" charset="0"/>
+                <a:ea typeface="SimSun" panose="02010600030101010101" pitchFamily="2" charset="-122"/>
+                <a:cs typeface="Vani" panose="020B0502040204020203" pitchFamily="34" charset="0"/>
+              </a:rPr>
+              <a:t> </a:t>
+            </a:r>
+            <a:r>
+              <a:rPr lang="en-US" altLang="ko-KR" sz="2800" dirty="0" smtClean="0">
+                <a:solidFill>
+                  <a:schemeClr val="tx2"/>
+                </a:solidFill>
+                <a:latin typeface="Calibri Light" panose="020F0302020204030204" pitchFamily="34" charset="0"/>
+                <a:ea typeface="SimSun" panose="02010600030101010101" pitchFamily="2" charset="-122"/>
+                <a:cs typeface="Vani" panose="020B0502040204020203" pitchFamily="34" charset="0"/>
+              </a:rPr>
+              <a:t>           return(</a:t>
+            </a:r>
+            <a:r>
+              <a:rPr lang="en-US" altLang="ko-KR" sz="2800" dirty="0" err="1" smtClean="0">
+                <a:solidFill>
+                  <a:schemeClr val="tx2"/>
+                </a:solidFill>
+                <a:latin typeface="Calibri Light" panose="020F0302020204030204" pitchFamily="34" charset="0"/>
+                <a:ea typeface="SimSun" panose="02010600030101010101" pitchFamily="2" charset="-122"/>
+                <a:cs typeface="Vani" panose="020B0502040204020203" pitchFamily="34" charset="0"/>
+              </a:rPr>
+              <a:t>simArray</a:t>
+            </a:r>
+            <a:r>
+              <a:rPr lang="en-US" altLang="ko-KR" sz="2800" dirty="0" smtClean="0">
+                <a:solidFill>
+                  <a:schemeClr val="tx2"/>
+                </a:solidFill>
+                <a:latin typeface="Calibri Light" panose="020F0302020204030204" pitchFamily="34" charset="0"/>
+                <a:ea typeface="SimSun" panose="02010600030101010101" pitchFamily="2" charset="-122"/>
+                <a:cs typeface="Vani" panose="020B0502040204020203" pitchFamily="34" charset="0"/>
+              </a:rPr>
+              <a:t>)</a:t>
+            </a:r>
+          </a:p>
+          <a:p>
+            <a:r>
+              <a:rPr lang="en-US" altLang="ko-KR" sz="2800" dirty="0">
+                <a:solidFill>
+                  <a:schemeClr val="tx2"/>
+                </a:solidFill>
+                <a:latin typeface="Calibri Light" panose="020F0302020204030204" pitchFamily="34" charset="0"/>
+                <a:ea typeface="SimSun" panose="02010600030101010101" pitchFamily="2" charset="-122"/>
+                <a:cs typeface="Vani" panose="020B0502040204020203" pitchFamily="34" charset="0"/>
+              </a:rPr>
+              <a:t> </a:t>
+            </a:r>
+            <a:r>
+              <a:rPr lang="en-US" altLang="ko-KR" sz="2800" dirty="0" smtClean="0">
+                <a:solidFill>
+                  <a:schemeClr val="tx2"/>
+                </a:solidFill>
+                <a:latin typeface="Calibri Light" panose="020F0302020204030204" pitchFamily="34" charset="0"/>
+                <a:ea typeface="SimSun" panose="02010600030101010101" pitchFamily="2" charset="-122"/>
+                <a:cs typeface="Vani" panose="020B0502040204020203" pitchFamily="34" charset="0"/>
+              </a:rPr>
+              <a:t>      })</a:t>
+            </a:r>
+          </a:p>
+          <a:p>
+            <a:r>
+              <a:rPr lang="en-US" altLang="ko-KR" sz="2800" dirty="0">
+                <a:solidFill>
+                  <a:schemeClr val="tx2"/>
+                </a:solidFill>
+                <a:latin typeface="Calibri Light" panose="020F0302020204030204" pitchFamily="34" charset="0"/>
+                <a:ea typeface="SimSun" panose="02010600030101010101" pitchFamily="2" charset="-122"/>
+                <a:cs typeface="Vani" panose="020B0502040204020203" pitchFamily="34" charset="0"/>
+              </a:rPr>
+              <a:t> </a:t>
+            </a:r>
+            <a:r>
+              <a:rPr lang="en-US" altLang="ko-KR" sz="2800" dirty="0" smtClean="0">
+                <a:solidFill>
+                  <a:schemeClr val="tx2"/>
+                </a:solidFill>
+                <a:latin typeface="Calibri Light" panose="020F0302020204030204" pitchFamily="34" charset="0"/>
+                <a:ea typeface="SimSun" panose="02010600030101010101" pitchFamily="2" charset="-122"/>
+                <a:cs typeface="Vani" panose="020B0502040204020203" pitchFamily="34" charset="0"/>
+              </a:rPr>
+              <a:t>      lines(</a:t>
+            </a:r>
+            <a:r>
+              <a:rPr lang="en-US" altLang="ko-KR" sz="2800" dirty="0" err="1" smtClean="0">
+                <a:solidFill>
+                  <a:schemeClr val="tx2"/>
+                </a:solidFill>
+                <a:latin typeface="Calibri Light" panose="020F0302020204030204" pitchFamily="34" charset="0"/>
+                <a:ea typeface="SimSun" panose="02010600030101010101" pitchFamily="2" charset="-122"/>
+                <a:cs typeface="Vani" panose="020B0502040204020203" pitchFamily="34" charset="0"/>
+              </a:rPr>
+              <a:t>loessArray</a:t>
+            </a:r>
+            <a:r>
+              <a:rPr lang="en-US" altLang="ko-KR" sz="2800" dirty="0" smtClean="0">
+                <a:solidFill>
+                  <a:schemeClr val="tx2"/>
+                </a:solidFill>
+                <a:latin typeface="Calibri Light" panose="020F0302020204030204" pitchFamily="34" charset="0"/>
+                <a:ea typeface="SimSun" panose="02010600030101010101" pitchFamily="2" charset="-122"/>
+                <a:cs typeface="Vani" panose="020B0502040204020203" pitchFamily="34" charset="0"/>
+              </a:rPr>
+              <a:t>, Time, </a:t>
+            </a:r>
+            <a:r>
+              <a:rPr lang="en-US" altLang="ko-KR" sz="2800" dirty="0" err="1" smtClean="0">
+                <a:solidFill>
+                  <a:schemeClr val="tx2"/>
+                </a:solidFill>
+                <a:latin typeface="Calibri Light" panose="020F0302020204030204" pitchFamily="34" charset="0"/>
+                <a:ea typeface="SimSun" panose="02010600030101010101" pitchFamily="2" charset="-122"/>
+                <a:cs typeface="Vani" panose="020B0502040204020203" pitchFamily="34" charset="0"/>
+              </a:rPr>
+              <a:t>conc</a:t>
+            </a:r>
+            <a:r>
+              <a:rPr lang="en-US" altLang="ko-KR" sz="2800" dirty="0" smtClean="0">
+                <a:solidFill>
+                  <a:schemeClr val="tx2"/>
+                </a:solidFill>
+                <a:latin typeface="Calibri Light" panose="020F0302020204030204" pitchFamily="34" charset="0"/>
+                <a:ea typeface="SimSun" panose="02010600030101010101" pitchFamily="2" charset="-122"/>
+                <a:cs typeface="Vani" panose="020B0502040204020203" pitchFamily="34" charset="0"/>
+              </a:rPr>
+              <a:t>)</a:t>
+            </a:r>
+          </a:p>
+          <a:p>
+            <a:r>
+              <a:rPr lang="en-US" altLang="ko-KR" sz="2800" dirty="0">
+                <a:solidFill>
+                  <a:schemeClr val="tx2"/>
+                </a:solidFill>
+                <a:latin typeface="Calibri Light" panose="020F0302020204030204" pitchFamily="34" charset="0"/>
+                <a:ea typeface="SimSun" panose="02010600030101010101" pitchFamily="2" charset="-122"/>
+                <a:cs typeface="Vani" panose="020B0502040204020203" pitchFamily="34" charset="0"/>
+              </a:rPr>
+              <a:t> </a:t>
+            </a:r>
+            <a:r>
+              <a:rPr lang="en-US" altLang="ko-KR" sz="2800" dirty="0" smtClean="0">
+                <a:solidFill>
+                  <a:schemeClr val="tx2"/>
+                </a:solidFill>
+                <a:latin typeface="Calibri Light" panose="020F0302020204030204" pitchFamily="34" charset="0"/>
+                <a:ea typeface="SimSun" panose="02010600030101010101" pitchFamily="2" charset="-122"/>
+                <a:cs typeface="Vani" panose="020B0502040204020203" pitchFamily="34" charset="0"/>
+              </a:rPr>
+              <a:t>      </a:t>
+            </a:r>
+            <a:r>
+              <a:rPr lang="en-US" altLang="ko-KR" sz="2800" dirty="0" err="1" smtClean="0">
+                <a:solidFill>
+                  <a:schemeClr val="tx2"/>
+                </a:solidFill>
+                <a:latin typeface="Calibri Light" panose="020F0302020204030204" pitchFamily="34" charset="0"/>
+                <a:ea typeface="SimSun" panose="02010600030101010101" pitchFamily="2" charset="-122"/>
+                <a:cs typeface="Vani" panose="020B0502040204020203" pitchFamily="34" charset="0"/>
+              </a:rPr>
+              <a:t>hist</a:t>
+            </a:r>
+            <a:r>
+              <a:rPr lang="en-US" altLang="ko-KR" sz="2800" dirty="0" smtClean="0">
+                <a:solidFill>
+                  <a:schemeClr val="tx2"/>
+                </a:solidFill>
+                <a:latin typeface="Calibri Light" panose="020F0302020204030204" pitchFamily="34" charset="0"/>
+                <a:ea typeface="SimSun" panose="02010600030101010101" pitchFamily="2" charset="-122"/>
+                <a:cs typeface="Vani" panose="020B0502040204020203" pitchFamily="34" charset="0"/>
+              </a:rPr>
+              <a:t>(Time, </a:t>
+            </a:r>
+            <a:r>
+              <a:rPr lang="en-US" altLang="ko-KR" sz="2800" dirty="0" err="1" smtClean="0">
+                <a:solidFill>
+                  <a:schemeClr val="tx2"/>
+                </a:solidFill>
+                <a:latin typeface="Calibri Light" panose="020F0302020204030204" pitchFamily="34" charset="0"/>
+                <a:ea typeface="SimSun" panose="02010600030101010101" pitchFamily="2" charset="-122"/>
+                <a:cs typeface="Vani" panose="020B0502040204020203" pitchFamily="34" charset="0"/>
+              </a:rPr>
+              <a:t>Theoph</a:t>
+            </a:r>
+            <a:r>
+              <a:rPr lang="en-US" altLang="ko-KR" sz="2800" dirty="0" smtClean="0">
+                <a:solidFill>
+                  <a:schemeClr val="tx2"/>
+                </a:solidFill>
+                <a:latin typeface="Calibri Light" panose="020F0302020204030204" pitchFamily="34" charset="0"/>
+                <a:ea typeface="SimSun" panose="02010600030101010101" pitchFamily="2" charset="-122"/>
+                <a:cs typeface="Vani" panose="020B0502040204020203" pitchFamily="34" charset="0"/>
+              </a:rPr>
+              <a:t>)</a:t>
+            </a:r>
+          </a:p>
+          <a:p>
+            <a:r>
+              <a:rPr lang="en-US" altLang="ko-KR" sz="2800" dirty="0" smtClean="0">
+                <a:solidFill>
+                  <a:schemeClr val="tx2"/>
+                </a:solidFill>
+                <a:latin typeface="Calibri Light" panose="020F0302020204030204" pitchFamily="34" charset="0"/>
+                <a:ea typeface="SimSun" panose="02010600030101010101" pitchFamily="2" charset="-122"/>
+                <a:cs typeface="Vani" panose="020B0502040204020203" pitchFamily="34" charset="0"/>
+              </a:rPr>
+              <a:t>}, </a:t>
+            </a:r>
+            <a:r>
+              <a:rPr lang="en-US" altLang="ko-KR" sz="2800" dirty="0" err="1" smtClean="0">
+                <a:solidFill>
+                  <a:schemeClr val="tx2"/>
+                </a:solidFill>
+                <a:latin typeface="Calibri Light" panose="020F0302020204030204" pitchFamily="34" charset="0"/>
+                <a:ea typeface="SimSun" panose="02010600030101010101" pitchFamily="2" charset="-122"/>
+                <a:cs typeface="Vani" panose="020B0502040204020203" pitchFamily="34" charset="0"/>
+              </a:rPr>
+              <a:t>Theoph</a:t>
+            </a:r>
+            <a:r>
+              <a:rPr lang="en-US" altLang="ko-KR" sz="2800" dirty="0" smtClean="0">
+                <a:solidFill>
+                  <a:schemeClr val="tx2"/>
+                </a:solidFill>
+                <a:latin typeface="Calibri Light" panose="020F0302020204030204" pitchFamily="34" charset="0"/>
+                <a:ea typeface="SimSun" panose="02010600030101010101" pitchFamily="2" charset="-122"/>
+                <a:cs typeface="Vani" panose="020B0502040204020203" pitchFamily="34" charset="0"/>
+              </a:rPr>
+              <a:t>)</a:t>
+            </a:r>
+          </a:p>
+        </p:txBody>
+      </p:sp>
+      <p:sp>
+        <p:nvSpPr>
+          <p:cNvPr id="83" name="TextBox 82"/>
+          <p:cNvSpPr txBox="1"/>
+          <p:nvPr/>
+        </p:nvSpPr>
+        <p:spPr>
+          <a:xfrm>
+            <a:off x="16813579" y="13786085"/>
+            <a:ext cx="12151944" cy="8217634"/>
+          </a:xfrm>
+          <a:prstGeom prst="rect">
+            <a:avLst/>
+          </a:prstGeom>
+          <a:noFill/>
+        </p:spPr>
+        <p:txBody>
+          <a:bodyPr wrap="square" rtlCol="0">
+            <a:spAutoFit/>
+          </a:bodyPr>
+          <a:lstStyle/>
+          <a:p>
+            <a:r>
+              <a:rPr lang="en-US" altLang="ko-KR" sz="2400" dirty="0">
+                <a:solidFill>
+                  <a:srgbClr val="00CC66"/>
+                </a:solidFill>
+                <a:latin typeface="Calibri" panose="020F0502020204030204" pitchFamily="34" charset="0"/>
+              </a:rPr>
+              <a:t>&lt;script&gt; </a:t>
+            </a:r>
+            <a:r>
+              <a:rPr lang="en-US" altLang="ko-KR" sz="2400" b="1" dirty="0" err="1">
+                <a:solidFill>
+                  <a:srgbClr val="BF11AA"/>
+                </a:solidFill>
+                <a:latin typeface="Calibri" panose="020F0502020204030204" pitchFamily="34" charset="0"/>
+              </a:rPr>
+              <a:t>var</a:t>
+            </a:r>
+            <a:r>
+              <a:rPr lang="en-US" altLang="ko-KR" sz="2400" dirty="0">
+                <a:latin typeface="Calibri" panose="020F0502020204030204" pitchFamily="34" charset="0"/>
+              </a:rPr>
+              <a:t> </a:t>
+            </a:r>
+            <a:r>
+              <a:rPr lang="en-US" altLang="ko-KR" sz="2400" dirty="0" err="1">
+                <a:latin typeface="Calibri" panose="020F0502020204030204" pitchFamily="34" charset="0"/>
+              </a:rPr>
+              <a:t>Theoph</a:t>
+            </a:r>
+            <a:r>
+              <a:rPr lang="en-US" altLang="ko-KR" sz="2400" dirty="0">
+                <a:latin typeface="Calibri" panose="020F0502020204030204" pitchFamily="34" charset="0"/>
+              </a:rPr>
+              <a:t> = </a:t>
+            </a:r>
+            <a:r>
+              <a:rPr lang="en-US" altLang="ko-KR" sz="2400" dirty="0" err="1">
+                <a:latin typeface="Calibri" panose="020F0502020204030204" pitchFamily="34" charset="0"/>
+              </a:rPr>
+              <a:t>createMainStructureE</a:t>
+            </a:r>
+            <a:r>
+              <a:rPr lang="en-US" altLang="ko-KR" sz="2400" dirty="0">
+                <a:latin typeface="Calibri" panose="020F0502020204030204" pitchFamily="34" charset="0"/>
+              </a:rPr>
+              <a:t>(rawArr1);</a:t>
+            </a:r>
+            <a:r>
+              <a:rPr lang="en-US" altLang="ko-KR" sz="2400" dirty="0">
+                <a:solidFill>
+                  <a:srgbClr val="00CC66"/>
+                </a:solidFill>
+                <a:latin typeface="Calibri" panose="020F0502020204030204" pitchFamily="34" charset="0"/>
+              </a:rPr>
+              <a:t>&lt;/script&gt;</a:t>
+            </a:r>
+          </a:p>
+          <a:p>
+            <a:r>
+              <a:rPr lang="en-US" altLang="ko-KR" sz="2400" dirty="0" smtClean="0">
+                <a:solidFill>
+                  <a:srgbClr val="00CC66"/>
+                </a:solidFill>
+                <a:latin typeface="Calibri" panose="020F0502020204030204" pitchFamily="34" charset="0"/>
+              </a:rPr>
+              <a:t>&lt;</a:t>
+            </a:r>
+            <a:r>
+              <a:rPr lang="en-US" altLang="ko-KR" sz="2400" dirty="0">
+                <a:solidFill>
+                  <a:srgbClr val="00CC66"/>
+                </a:solidFill>
+                <a:latin typeface="Calibri" panose="020F0502020204030204" pitchFamily="34" charset="0"/>
+              </a:rPr>
+              <a:t>script&gt;</a:t>
+            </a:r>
+          </a:p>
+          <a:p>
+            <a:r>
+              <a:rPr lang="en-US" altLang="ko-KR" sz="2400" b="1" dirty="0" err="1" smtClean="0">
+                <a:solidFill>
+                  <a:srgbClr val="BF11AA"/>
+                </a:solidFill>
+                <a:latin typeface="Calibri" panose="020F0502020204030204" pitchFamily="34" charset="0"/>
+              </a:rPr>
+              <a:t>var</a:t>
+            </a:r>
+            <a:r>
+              <a:rPr lang="en-US" altLang="ko-KR" sz="2400" dirty="0" smtClean="0">
+                <a:latin typeface="Calibri" panose="020F0502020204030204" pitchFamily="34" charset="0"/>
+              </a:rPr>
+              <a:t> </a:t>
+            </a:r>
+            <a:r>
+              <a:rPr lang="en-US" altLang="ko-KR" sz="2400" dirty="0">
+                <a:latin typeface="Calibri" panose="020F0502020204030204" pitchFamily="34" charset="0"/>
+              </a:rPr>
+              <a:t>axis1 = </a:t>
+            </a:r>
+            <a:r>
+              <a:rPr lang="en-US" altLang="ko-KR" sz="2400" b="1" dirty="0">
+                <a:solidFill>
+                  <a:srgbClr val="BF11AA"/>
+                </a:solidFill>
+                <a:latin typeface="Calibri" panose="020F0502020204030204" pitchFamily="34" charset="0"/>
+              </a:rPr>
+              <a:t>new</a:t>
+            </a:r>
+            <a:r>
+              <a:rPr lang="en-US" altLang="ko-KR" sz="2400" dirty="0">
+                <a:latin typeface="Calibri" panose="020F0502020204030204" pitchFamily="34" charset="0"/>
+              </a:rPr>
+              <a:t> Axis(1, </a:t>
+            </a:r>
+            <a:r>
+              <a:rPr lang="en-US" altLang="ko-KR" sz="2400" dirty="0" err="1">
+                <a:latin typeface="Calibri" panose="020F0502020204030204" pitchFamily="34" charset="0"/>
+              </a:rPr>
+              <a:t>Theoph</a:t>
+            </a:r>
+            <a:r>
+              <a:rPr lang="en-US" altLang="ko-KR" sz="2400" dirty="0">
+                <a:latin typeface="Calibri" panose="020F0502020204030204" pitchFamily="34" charset="0"/>
+              </a:rPr>
+              <a:t>, </a:t>
+            </a:r>
+            <a:r>
+              <a:rPr lang="en-US" altLang="ko-KR" sz="2400" dirty="0">
+                <a:solidFill>
+                  <a:srgbClr val="0000FF"/>
+                </a:solidFill>
+                <a:latin typeface="Calibri" panose="020F0502020204030204" pitchFamily="34" charset="0"/>
+              </a:rPr>
+              <a:t>'Time'</a:t>
+            </a:r>
+            <a:r>
+              <a:rPr lang="en-US" altLang="ko-KR" sz="2400" dirty="0">
+                <a:latin typeface="Calibri" panose="020F0502020204030204" pitchFamily="34" charset="0"/>
+              </a:rPr>
+              <a:t>, </a:t>
+            </a:r>
+            <a:r>
+              <a:rPr lang="en-US" altLang="ko-KR" sz="2400" dirty="0">
+                <a:solidFill>
+                  <a:srgbClr val="0000FF"/>
+                </a:solidFill>
+                <a:latin typeface="Calibri" panose="020F0502020204030204" pitchFamily="34" charset="0"/>
+              </a:rPr>
+              <a:t>'</a:t>
+            </a:r>
+            <a:r>
+              <a:rPr lang="en-US" altLang="ko-KR" sz="2400" dirty="0" err="1">
+                <a:solidFill>
+                  <a:srgbClr val="0000FF"/>
+                </a:solidFill>
+                <a:latin typeface="Calibri" panose="020F0502020204030204" pitchFamily="34" charset="0"/>
+              </a:rPr>
+              <a:t>conc</a:t>
+            </a:r>
+            <a:r>
+              <a:rPr lang="en-US" altLang="ko-KR" sz="2400" dirty="0">
+                <a:solidFill>
+                  <a:srgbClr val="0000FF"/>
+                </a:solidFill>
+                <a:latin typeface="Calibri" panose="020F0502020204030204" pitchFamily="34" charset="0"/>
+              </a:rPr>
+              <a:t>'</a:t>
+            </a:r>
+            <a:r>
+              <a:rPr lang="en-US" altLang="ko-KR" sz="2400" dirty="0">
+                <a:latin typeface="Calibri" panose="020F0502020204030204" pitchFamily="34" charset="0"/>
+              </a:rPr>
+              <a:t>, {legend: </a:t>
+            </a:r>
+            <a:r>
+              <a:rPr lang="en-US" altLang="ko-KR" sz="2400" dirty="0">
+                <a:solidFill>
+                  <a:srgbClr val="0000FF"/>
+                </a:solidFill>
+                <a:latin typeface="Calibri" panose="020F0502020204030204" pitchFamily="34" charset="0"/>
+              </a:rPr>
+              <a:t>'Subject'</a:t>
+            </a:r>
+            <a:r>
+              <a:rPr lang="en-US" altLang="ko-KR" sz="2400" dirty="0">
+                <a:latin typeface="Calibri" panose="020F0502020204030204" pitchFamily="34" charset="0"/>
+              </a:rPr>
+              <a:t>});</a:t>
+            </a:r>
+          </a:p>
+          <a:p>
+            <a:r>
+              <a:rPr lang="en-US" altLang="ko-KR" sz="2400" b="1" dirty="0" err="1" smtClean="0">
+                <a:solidFill>
+                  <a:srgbClr val="BF11AA"/>
+                </a:solidFill>
+                <a:latin typeface="Calibri" panose="020F0502020204030204" pitchFamily="34" charset="0"/>
+              </a:rPr>
+              <a:t>var</a:t>
+            </a:r>
+            <a:r>
+              <a:rPr lang="en-US" altLang="ko-KR" sz="2400" dirty="0" smtClean="0">
+                <a:latin typeface="Calibri" panose="020F0502020204030204" pitchFamily="34" charset="0"/>
+              </a:rPr>
+              <a:t> </a:t>
+            </a:r>
+            <a:r>
+              <a:rPr lang="en-US" altLang="ko-KR" sz="2400" dirty="0">
+                <a:latin typeface="Calibri" panose="020F0502020204030204" pitchFamily="34" charset="0"/>
+              </a:rPr>
+              <a:t>point1 = </a:t>
+            </a:r>
+            <a:r>
+              <a:rPr lang="en-US" altLang="ko-KR" sz="2400" b="1" dirty="0">
+                <a:solidFill>
+                  <a:srgbClr val="BF11AA"/>
+                </a:solidFill>
+                <a:latin typeface="Calibri" panose="020F0502020204030204" pitchFamily="34" charset="0"/>
+              </a:rPr>
+              <a:t>new</a:t>
+            </a:r>
+            <a:r>
+              <a:rPr lang="en-US" altLang="ko-KR" sz="2400" dirty="0">
+                <a:latin typeface="Calibri" panose="020F0502020204030204" pitchFamily="34" charset="0"/>
+              </a:rPr>
+              <a:t> Dot(axis1, </a:t>
+            </a:r>
+            <a:r>
+              <a:rPr lang="en-US" altLang="ko-KR" sz="2400" dirty="0" err="1">
+                <a:latin typeface="Calibri" panose="020F0502020204030204" pitchFamily="34" charset="0"/>
+              </a:rPr>
+              <a:t>Theoph</a:t>
+            </a:r>
+            <a:r>
+              <a:rPr lang="en-US" altLang="ko-KR" sz="2400" dirty="0">
+                <a:latin typeface="Calibri" panose="020F0502020204030204" pitchFamily="34" charset="0"/>
+              </a:rPr>
+              <a:t>, </a:t>
+            </a:r>
+            <a:r>
+              <a:rPr lang="en-US" altLang="ko-KR" sz="2400" dirty="0">
+                <a:solidFill>
+                  <a:srgbClr val="0000FF"/>
+                </a:solidFill>
+                <a:latin typeface="Calibri" panose="020F0502020204030204" pitchFamily="34" charset="0"/>
+              </a:rPr>
+              <a:t>'Time'</a:t>
+            </a:r>
+            <a:r>
+              <a:rPr lang="en-US" altLang="ko-KR" sz="2400" dirty="0">
+                <a:latin typeface="Calibri" panose="020F0502020204030204" pitchFamily="34" charset="0"/>
+              </a:rPr>
+              <a:t>, </a:t>
+            </a:r>
+            <a:r>
+              <a:rPr lang="en-US" altLang="ko-KR" sz="2400" dirty="0">
+                <a:solidFill>
+                  <a:srgbClr val="0000FF"/>
+                </a:solidFill>
+                <a:latin typeface="Calibri" panose="020F0502020204030204" pitchFamily="34" charset="0"/>
+              </a:rPr>
+              <a:t>'</a:t>
+            </a:r>
+            <a:r>
+              <a:rPr lang="en-US" altLang="ko-KR" sz="2400" dirty="0" err="1">
+                <a:solidFill>
+                  <a:srgbClr val="0000FF"/>
+                </a:solidFill>
+                <a:latin typeface="Calibri" panose="020F0502020204030204" pitchFamily="34" charset="0"/>
+              </a:rPr>
+              <a:t>conc</a:t>
+            </a:r>
+            <a:r>
+              <a:rPr lang="en-US" altLang="ko-KR" sz="2400" dirty="0">
+                <a:solidFill>
+                  <a:srgbClr val="0000FF"/>
+                </a:solidFill>
+                <a:latin typeface="Calibri" panose="020F0502020204030204" pitchFamily="34" charset="0"/>
+              </a:rPr>
+              <a:t>'</a:t>
+            </a:r>
+            <a:r>
+              <a:rPr lang="en-US" altLang="ko-KR" sz="2400" dirty="0">
+                <a:latin typeface="Calibri" panose="020F0502020204030204" pitchFamily="34" charset="0"/>
+              </a:rPr>
+              <a:t>, {});</a:t>
+            </a:r>
+          </a:p>
+          <a:p>
+            <a:r>
+              <a:rPr lang="en-US" altLang="ko-KR" sz="2400" b="1" dirty="0" err="1" smtClean="0">
+                <a:solidFill>
+                  <a:srgbClr val="BF11AA"/>
+                </a:solidFill>
+                <a:latin typeface="Calibri" panose="020F0502020204030204" pitchFamily="34" charset="0"/>
+              </a:rPr>
+              <a:t>var</a:t>
+            </a:r>
+            <a:r>
+              <a:rPr lang="en-US" altLang="ko-KR" sz="2400" dirty="0" smtClean="0">
+                <a:latin typeface="Calibri" panose="020F0502020204030204" pitchFamily="34" charset="0"/>
+              </a:rPr>
+              <a:t> </a:t>
+            </a:r>
+            <a:r>
+              <a:rPr lang="en-US" altLang="ko-KR" sz="2400" dirty="0">
+                <a:latin typeface="Calibri" panose="020F0502020204030204" pitchFamily="34" charset="0"/>
+              </a:rPr>
+              <a:t>histObj1 = </a:t>
+            </a:r>
+            <a:r>
+              <a:rPr lang="en-US" altLang="ko-KR" sz="2400" b="1" dirty="0">
+                <a:solidFill>
+                  <a:srgbClr val="BF11AA"/>
+                </a:solidFill>
+                <a:latin typeface="Calibri" panose="020F0502020204030204" pitchFamily="34" charset="0"/>
+              </a:rPr>
+              <a:t>new</a:t>
+            </a:r>
+            <a:r>
+              <a:rPr lang="en-US" altLang="ko-KR" sz="2400" dirty="0">
+                <a:latin typeface="Calibri" panose="020F0502020204030204" pitchFamily="34" charset="0"/>
+              </a:rPr>
+              <a:t> </a:t>
+            </a:r>
+            <a:r>
+              <a:rPr lang="en-US" altLang="ko-KR" sz="2400" dirty="0" err="1">
+                <a:latin typeface="Calibri" panose="020F0502020204030204" pitchFamily="34" charset="0"/>
+              </a:rPr>
+              <a:t>ddply</a:t>
+            </a:r>
+            <a:r>
+              <a:rPr lang="en-US" altLang="ko-KR" sz="2400" dirty="0">
+                <a:latin typeface="Calibri" panose="020F0502020204030204" pitchFamily="34" charset="0"/>
+              </a:rPr>
+              <a:t>(</a:t>
+            </a:r>
+            <a:r>
+              <a:rPr lang="en-US" altLang="ko-KR" sz="2400" dirty="0" err="1">
+                <a:latin typeface="Calibri" panose="020F0502020204030204" pitchFamily="34" charset="0"/>
+              </a:rPr>
+              <a:t>Theoph</a:t>
+            </a:r>
+            <a:r>
+              <a:rPr lang="en-US" altLang="ko-KR" sz="2400" dirty="0">
+                <a:latin typeface="Calibri" panose="020F0502020204030204" pitchFamily="34" charset="0"/>
+              </a:rPr>
+              <a:t>, [</a:t>
+            </a:r>
+            <a:r>
+              <a:rPr lang="en-US" altLang="ko-KR" sz="2400" dirty="0">
+                <a:solidFill>
+                  <a:srgbClr val="0000FF"/>
+                </a:solidFill>
+                <a:latin typeface="Calibri" panose="020F0502020204030204" pitchFamily="34" charset="0"/>
+              </a:rPr>
+              <a:t>'Time'</a:t>
+            </a:r>
+            <a:r>
+              <a:rPr lang="en-US" altLang="ko-KR" sz="2400" dirty="0">
+                <a:latin typeface="Calibri" panose="020F0502020204030204" pitchFamily="34" charset="0"/>
+              </a:rPr>
+              <a:t>], {});</a:t>
+            </a:r>
+          </a:p>
+          <a:p>
+            <a:r>
+              <a:rPr lang="en-US" altLang="ko-KR" sz="2400" b="1" dirty="0" err="1" smtClean="0">
+                <a:solidFill>
+                  <a:srgbClr val="BF11AA"/>
+                </a:solidFill>
+                <a:latin typeface="Calibri" panose="020F0502020204030204" pitchFamily="34" charset="0"/>
+              </a:rPr>
+              <a:t>var</a:t>
+            </a:r>
+            <a:r>
+              <a:rPr lang="en-US" altLang="ko-KR" sz="2400" dirty="0" smtClean="0">
+                <a:latin typeface="Calibri" panose="020F0502020204030204" pitchFamily="34" charset="0"/>
+              </a:rPr>
+              <a:t> </a:t>
+            </a:r>
+            <a:r>
+              <a:rPr lang="en-US" altLang="ko-KR" sz="2400" dirty="0">
+                <a:latin typeface="Calibri" panose="020F0502020204030204" pitchFamily="34" charset="0"/>
+              </a:rPr>
+              <a:t>axis2 = </a:t>
+            </a:r>
+            <a:r>
+              <a:rPr lang="en-US" altLang="ko-KR" sz="2400" b="1" dirty="0">
+                <a:solidFill>
+                  <a:srgbClr val="BF11AA"/>
+                </a:solidFill>
+                <a:latin typeface="Calibri" panose="020F0502020204030204" pitchFamily="34" charset="0"/>
+              </a:rPr>
+              <a:t>new</a:t>
+            </a:r>
+            <a:r>
+              <a:rPr lang="en-US" altLang="ko-KR" sz="2400" dirty="0">
+                <a:latin typeface="Calibri" panose="020F0502020204030204" pitchFamily="34" charset="0"/>
+              </a:rPr>
+              <a:t> Axis(2, histObj1, </a:t>
+            </a:r>
+            <a:r>
+              <a:rPr lang="en-US" altLang="ko-KR" sz="2400" dirty="0">
+                <a:solidFill>
+                  <a:srgbClr val="0000FF"/>
+                </a:solidFill>
+                <a:latin typeface="Calibri" panose="020F0502020204030204" pitchFamily="34" charset="0"/>
+              </a:rPr>
+              <a:t>'Time</a:t>
+            </a:r>
+            <a:r>
+              <a:rPr lang="en-US" altLang="ko-KR" sz="2400" dirty="0" smtClean="0">
+                <a:solidFill>
+                  <a:srgbClr val="0000FF"/>
+                </a:solidFill>
+                <a:latin typeface="Calibri" panose="020F0502020204030204" pitchFamily="34" charset="0"/>
+              </a:rPr>
+              <a:t>'</a:t>
+            </a:r>
+            <a:r>
+              <a:rPr lang="en-US" altLang="ko-KR" sz="2400" dirty="0" smtClean="0">
+                <a:latin typeface="Calibri" panose="020F0502020204030204" pitchFamily="34" charset="0"/>
+              </a:rPr>
+              <a:t>, </a:t>
+            </a:r>
+            <a:r>
+              <a:rPr lang="en-US" altLang="ko-KR" sz="2400" dirty="0" smtClean="0">
+                <a:solidFill>
+                  <a:srgbClr val="0000FF"/>
+                </a:solidFill>
+                <a:latin typeface="Calibri" panose="020F0502020204030204" pitchFamily="34" charset="0"/>
+              </a:rPr>
+              <a:t>'frequency'</a:t>
+            </a:r>
+            <a:r>
+              <a:rPr lang="en-US" altLang="ko-KR" sz="2400" dirty="0" smtClean="0">
+                <a:latin typeface="Calibri" panose="020F0502020204030204" pitchFamily="34" charset="0"/>
+              </a:rPr>
+              <a:t>, </a:t>
+            </a:r>
+            <a:r>
+              <a:rPr lang="en-US" altLang="ko-KR" sz="2400" dirty="0">
+                <a:latin typeface="Calibri" panose="020F0502020204030204" pitchFamily="34" charset="0"/>
+              </a:rPr>
+              <a:t>{});</a:t>
+            </a:r>
+          </a:p>
+          <a:p>
+            <a:r>
+              <a:rPr lang="en-US" altLang="ko-KR" sz="2400" b="1" dirty="0" err="1" smtClean="0">
+                <a:solidFill>
+                  <a:srgbClr val="BF11AA"/>
+                </a:solidFill>
+                <a:latin typeface="Calibri" panose="020F0502020204030204" pitchFamily="34" charset="0"/>
+              </a:rPr>
+              <a:t>var</a:t>
+            </a:r>
+            <a:r>
+              <a:rPr lang="en-US" altLang="ko-KR" sz="2400" dirty="0" smtClean="0">
+                <a:latin typeface="Calibri" panose="020F0502020204030204" pitchFamily="34" charset="0"/>
+              </a:rPr>
+              <a:t> </a:t>
+            </a:r>
+            <a:r>
+              <a:rPr lang="en-US" altLang="ko-KR" sz="2400" dirty="0">
+                <a:latin typeface="Calibri" panose="020F0502020204030204" pitchFamily="34" charset="0"/>
+              </a:rPr>
+              <a:t>hist1 = </a:t>
+            </a:r>
+            <a:r>
+              <a:rPr lang="en-US" altLang="ko-KR" sz="2400" b="1" dirty="0">
+                <a:solidFill>
+                  <a:srgbClr val="BF11AA"/>
+                </a:solidFill>
+                <a:latin typeface="Calibri" panose="020F0502020204030204" pitchFamily="34" charset="0"/>
+              </a:rPr>
+              <a:t>new</a:t>
+            </a:r>
+            <a:r>
+              <a:rPr lang="en-US" altLang="ko-KR" sz="2400" dirty="0">
+                <a:latin typeface="Calibri" panose="020F0502020204030204" pitchFamily="34" charset="0"/>
+              </a:rPr>
+              <a:t> Bar(axis2, histObj1, </a:t>
+            </a:r>
+            <a:r>
+              <a:rPr lang="en-US" altLang="ko-KR" sz="2400" dirty="0">
+                <a:solidFill>
+                  <a:srgbClr val="0000FF"/>
+                </a:solidFill>
+                <a:latin typeface="Calibri" panose="020F0502020204030204" pitchFamily="34" charset="0"/>
+              </a:rPr>
+              <a:t>'Time</a:t>
+            </a:r>
+            <a:r>
+              <a:rPr lang="en-US" altLang="ko-KR" sz="2400" dirty="0" smtClean="0">
+                <a:solidFill>
+                  <a:srgbClr val="0000FF"/>
+                </a:solidFill>
+                <a:latin typeface="Calibri" panose="020F0502020204030204" pitchFamily="34" charset="0"/>
+              </a:rPr>
+              <a:t>'</a:t>
+            </a:r>
+            <a:r>
+              <a:rPr lang="en-US" altLang="ko-KR" sz="2400" dirty="0" smtClean="0">
+                <a:latin typeface="Calibri" panose="020F0502020204030204" pitchFamily="34" charset="0"/>
+              </a:rPr>
+              <a:t>, </a:t>
+            </a:r>
+            <a:r>
+              <a:rPr lang="en-US" altLang="ko-KR" sz="2400" dirty="0">
+                <a:solidFill>
+                  <a:srgbClr val="0000FF"/>
+                </a:solidFill>
+                <a:latin typeface="Calibri" panose="020F0502020204030204" pitchFamily="34" charset="0"/>
+              </a:rPr>
+              <a:t>'frequency'</a:t>
+            </a:r>
+            <a:r>
+              <a:rPr lang="en-US" altLang="ko-KR" sz="2400" dirty="0">
+                <a:latin typeface="Calibri" panose="020F0502020204030204" pitchFamily="34" charset="0"/>
+              </a:rPr>
+              <a:t>, </a:t>
+            </a:r>
+            <a:r>
+              <a:rPr lang="en-US" altLang="ko-KR" sz="2400" dirty="0" smtClean="0">
+                <a:latin typeface="Calibri" panose="020F0502020204030204" pitchFamily="34" charset="0"/>
+              </a:rPr>
+              <a:t>{});</a:t>
+            </a:r>
+            <a:endParaRPr lang="en-US" altLang="ko-KR" sz="2400" dirty="0">
+              <a:latin typeface="Calibri" panose="020F0502020204030204" pitchFamily="34" charset="0"/>
+            </a:endParaRPr>
+          </a:p>
+          <a:p>
+            <a:r>
+              <a:rPr lang="en-US" altLang="ko-KR" sz="2400" dirty="0" err="1" smtClean="0">
+                <a:latin typeface="Calibri" panose="020F0502020204030204" pitchFamily="34" charset="0"/>
+              </a:rPr>
+              <a:t>Theoph.draw</a:t>
+            </a:r>
+            <a:r>
+              <a:rPr lang="en-US" altLang="ko-KR" sz="2400" dirty="0" smtClean="0">
+                <a:latin typeface="Calibri" panose="020F0502020204030204" pitchFamily="34" charset="0"/>
+              </a:rPr>
+              <a:t>();</a:t>
+            </a:r>
+          </a:p>
+          <a:p>
+            <a:r>
+              <a:rPr lang="en-US" altLang="ko-KR" sz="2400" b="1" dirty="0" err="1" smtClean="0">
+                <a:solidFill>
+                  <a:srgbClr val="BF11AA"/>
+                </a:solidFill>
+                <a:latin typeface="Calibri" panose="020F0502020204030204" pitchFamily="34" charset="0"/>
+              </a:rPr>
+              <a:t>var</a:t>
+            </a:r>
+            <a:r>
+              <a:rPr lang="en-US" altLang="ko-KR" sz="2400" dirty="0" smtClean="0">
+                <a:latin typeface="Calibri" panose="020F0502020204030204" pitchFamily="34" charset="0"/>
+              </a:rPr>
+              <a:t> </a:t>
+            </a:r>
+            <a:r>
+              <a:rPr lang="en-US" altLang="ko-KR" sz="2400" dirty="0" err="1">
+                <a:latin typeface="Calibri" panose="020F0502020204030204" pitchFamily="34" charset="0"/>
+              </a:rPr>
+              <a:t>AllAxisObjArr</a:t>
+            </a:r>
+            <a:r>
+              <a:rPr lang="en-US" altLang="ko-KR" sz="2400" dirty="0">
+                <a:latin typeface="Calibri" panose="020F0502020204030204" pitchFamily="34" charset="0"/>
+              </a:rPr>
+              <a:t> = [axis1, axis2]; </a:t>
+            </a:r>
+          </a:p>
+          <a:p>
+            <a:r>
+              <a:rPr lang="en-US" altLang="ko-KR" sz="2400" dirty="0" err="1" smtClean="0">
+                <a:latin typeface="Calibri" panose="020F0502020204030204" pitchFamily="34" charset="0"/>
+              </a:rPr>
+              <a:t>eventTrigger</a:t>
+            </a:r>
+            <a:r>
+              <a:rPr lang="en-US" altLang="ko-KR" sz="2400" dirty="0" smtClean="0">
+                <a:latin typeface="Calibri" panose="020F0502020204030204" pitchFamily="34" charset="0"/>
+              </a:rPr>
+              <a:t>(</a:t>
+            </a:r>
+            <a:r>
+              <a:rPr lang="en-US" altLang="ko-KR" sz="2400" dirty="0" err="1" smtClean="0">
+                <a:latin typeface="Calibri" panose="020F0502020204030204" pitchFamily="34" charset="0"/>
+              </a:rPr>
+              <a:t>AllAxisObjArr</a:t>
+            </a:r>
+            <a:r>
+              <a:rPr lang="en-US" altLang="ko-KR" sz="2400" dirty="0">
+                <a:latin typeface="Calibri" panose="020F0502020204030204" pitchFamily="34" charset="0"/>
+              </a:rPr>
+              <a:t>);</a:t>
+            </a:r>
+          </a:p>
+          <a:p>
+            <a:r>
+              <a:rPr lang="en-US" altLang="ko-KR" sz="2400" dirty="0" smtClean="0">
+                <a:solidFill>
+                  <a:srgbClr val="00CC66"/>
+                </a:solidFill>
+                <a:latin typeface="Calibri" panose="020F0502020204030204" pitchFamily="34" charset="0"/>
+              </a:rPr>
+              <a:t>&lt;/</a:t>
+            </a:r>
+            <a:r>
+              <a:rPr lang="en-US" altLang="ko-KR" sz="2400" dirty="0">
+                <a:solidFill>
+                  <a:srgbClr val="00CC66"/>
+                </a:solidFill>
+                <a:latin typeface="Calibri" panose="020F0502020204030204" pitchFamily="34" charset="0"/>
+              </a:rPr>
+              <a:t>script&gt;</a:t>
+            </a:r>
+          </a:p>
+          <a:p>
+            <a:r>
+              <a:rPr lang="en-US" altLang="ko-KR" sz="2400" dirty="0" smtClean="0">
+                <a:solidFill>
+                  <a:srgbClr val="00CC66"/>
+                </a:solidFill>
+                <a:latin typeface="Calibri" panose="020F0502020204030204" pitchFamily="34" charset="0"/>
+              </a:rPr>
+              <a:t>&lt;</a:t>
+            </a:r>
+            <a:r>
+              <a:rPr lang="en-US" altLang="ko-KR" sz="2400" dirty="0">
+                <a:solidFill>
+                  <a:srgbClr val="00CC66"/>
+                </a:solidFill>
+                <a:latin typeface="Calibri" panose="020F0502020204030204" pitchFamily="34" charset="0"/>
+              </a:rPr>
+              <a:t>script&gt;</a:t>
+            </a:r>
+          </a:p>
+          <a:p>
+            <a:r>
+              <a:rPr lang="en-US" altLang="ko-KR" sz="2400" dirty="0" smtClean="0">
+                <a:solidFill>
+                  <a:srgbClr val="00CC66"/>
+                </a:solidFill>
+                <a:latin typeface="Calibri" panose="020F0502020204030204" pitchFamily="34" charset="0"/>
+              </a:rPr>
+              <a:t>// </a:t>
+            </a:r>
+            <a:r>
+              <a:rPr lang="en-US" altLang="ko-KR" sz="2400" dirty="0">
+                <a:solidFill>
+                  <a:srgbClr val="00CC66"/>
+                </a:solidFill>
+                <a:latin typeface="Calibri" panose="020F0502020204030204" pitchFamily="34" charset="0"/>
+              </a:rPr>
+              <a:t>offload part.</a:t>
+            </a:r>
+          </a:p>
+          <a:p>
+            <a:r>
+              <a:rPr lang="en-US" altLang="ko-KR" sz="2400" b="1" dirty="0" err="1" smtClean="0">
+                <a:solidFill>
+                  <a:srgbClr val="BF11AA"/>
+                </a:solidFill>
+                <a:latin typeface="Calibri" panose="020F0502020204030204" pitchFamily="34" charset="0"/>
+              </a:rPr>
+              <a:t>var</a:t>
+            </a:r>
+            <a:r>
+              <a:rPr lang="en-US" altLang="ko-KR" sz="2400" dirty="0" smtClean="0">
+                <a:latin typeface="Calibri" panose="020F0502020204030204" pitchFamily="34" charset="0"/>
+              </a:rPr>
+              <a:t> </a:t>
+            </a:r>
+            <a:r>
+              <a:rPr lang="en-US" altLang="ko-KR" sz="2400" dirty="0" err="1">
+                <a:latin typeface="Calibri" panose="020F0502020204030204" pitchFamily="34" charset="0"/>
+              </a:rPr>
+              <a:t>loessArray</a:t>
+            </a:r>
+            <a:r>
+              <a:rPr lang="en-US" altLang="ko-KR" sz="2400" dirty="0">
+                <a:latin typeface="Calibri" panose="020F0502020204030204" pitchFamily="34" charset="0"/>
+              </a:rPr>
+              <a:t> = </a:t>
+            </a:r>
+            <a:r>
+              <a:rPr lang="en-US" altLang="ko-KR" sz="2400" dirty="0" err="1">
+                <a:latin typeface="Calibri" panose="020F0502020204030204" pitchFamily="34" charset="0"/>
+              </a:rPr>
+              <a:t>createMainStructureE</a:t>
+            </a:r>
+            <a:r>
+              <a:rPr lang="en-US" altLang="ko-KR" sz="2400" dirty="0">
+                <a:latin typeface="Calibri" panose="020F0502020204030204" pitchFamily="34" charset="0"/>
+              </a:rPr>
+              <a:t>(</a:t>
+            </a:r>
+            <a:r>
+              <a:rPr lang="en-US" altLang="ko-KR" sz="2400" dirty="0">
+                <a:solidFill>
+                  <a:srgbClr val="0000FF"/>
+                </a:solidFill>
+                <a:latin typeface="Calibri" panose="020F0502020204030204" pitchFamily="34" charset="0"/>
+              </a:rPr>
+              <a:t>'</a:t>
+            </a:r>
+            <a:r>
+              <a:rPr lang="en-US" altLang="ko-KR" sz="2400" dirty="0" err="1">
+                <a:solidFill>
+                  <a:srgbClr val="0000FF"/>
+                </a:solidFill>
+                <a:latin typeface="Calibri" panose="020F0502020204030204" pitchFamily="34" charset="0"/>
+              </a:rPr>
+              <a:t>Theoph</a:t>
+            </a:r>
+            <a:r>
+              <a:rPr lang="en-US" altLang="ko-KR" sz="2400" dirty="0">
+                <a:solidFill>
+                  <a:srgbClr val="0000FF"/>
+                </a:solidFill>
+                <a:latin typeface="Calibri" panose="020F0502020204030204" pitchFamily="34" charset="0"/>
+              </a:rPr>
+              <a:t>'</a:t>
+            </a:r>
+            <a:r>
+              <a:rPr lang="en-US" altLang="ko-KR" sz="2400" dirty="0">
+                <a:latin typeface="Calibri" panose="020F0502020204030204" pitchFamily="34" charset="0"/>
+              </a:rPr>
+              <a:t>); </a:t>
+            </a:r>
+          </a:p>
+          <a:p>
+            <a:r>
+              <a:rPr lang="en-US" altLang="ko-KR" sz="2400" b="1" dirty="0" err="1" smtClean="0">
+                <a:solidFill>
+                  <a:srgbClr val="BF11AA"/>
+                </a:solidFill>
+                <a:latin typeface="Calibri" panose="020F0502020204030204" pitchFamily="34" charset="0"/>
+              </a:rPr>
+              <a:t>var</a:t>
+            </a:r>
+            <a:r>
+              <a:rPr lang="en-US" altLang="ko-KR" sz="2400" dirty="0" smtClean="0">
+                <a:latin typeface="Calibri" panose="020F0502020204030204" pitchFamily="34" charset="0"/>
+              </a:rPr>
+              <a:t> </a:t>
+            </a:r>
+            <a:r>
+              <a:rPr lang="en-US" altLang="ko-KR" sz="2400" dirty="0">
+                <a:latin typeface="Calibri" panose="020F0502020204030204" pitchFamily="34" charset="0"/>
+              </a:rPr>
+              <a:t>loffObj1 = new </a:t>
+            </a:r>
+            <a:r>
+              <a:rPr lang="en-US" altLang="ko-KR" sz="2400" dirty="0" err="1">
+                <a:latin typeface="Calibri" panose="020F0502020204030204" pitchFamily="34" charset="0"/>
+              </a:rPr>
+              <a:t>MakeLineObj</a:t>
+            </a:r>
+            <a:r>
+              <a:rPr lang="en-US" altLang="ko-KR" sz="2400" dirty="0">
+                <a:latin typeface="Calibri" panose="020F0502020204030204" pitchFamily="34" charset="0"/>
+              </a:rPr>
+              <a:t>(</a:t>
+            </a:r>
+            <a:r>
+              <a:rPr lang="en-US" altLang="ko-KR" sz="2400" dirty="0" err="1">
+                <a:latin typeface="Calibri" panose="020F0502020204030204" pitchFamily="34" charset="0"/>
+              </a:rPr>
+              <a:t>loessArray</a:t>
+            </a:r>
+            <a:r>
+              <a:rPr lang="en-US" altLang="ko-KR" sz="2400" dirty="0">
+                <a:latin typeface="Calibri" panose="020F0502020204030204" pitchFamily="34" charset="0"/>
+              </a:rPr>
+              <a:t>, </a:t>
+            </a:r>
+            <a:r>
+              <a:rPr lang="en-US" altLang="ko-KR" sz="2400" dirty="0">
+                <a:solidFill>
+                  <a:srgbClr val="0000FF"/>
+                </a:solidFill>
+                <a:latin typeface="Calibri" panose="020F0502020204030204" pitchFamily="34" charset="0"/>
+              </a:rPr>
+              <a:t>'Time'</a:t>
+            </a:r>
+            <a:r>
+              <a:rPr lang="en-US" altLang="ko-KR" sz="2400" dirty="0">
+                <a:latin typeface="Calibri" panose="020F0502020204030204" pitchFamily="34" charset="0"/>
+              </a:rPr>
+              <a:t>, </a:t>
+            </a:r>
+            <a:r>
+              <a:rPr lang="en-US" altLang="ko-KR" sz="2400" dirty="0">
+                <a:solidFill>
+                  <a:srgbClr val="0000FF"/>
+                </a:solidFill>
+                <a:latin typeface="Calibri" panose="020F0502020204030204" pitchFamily="34" charset="0"/>
+              </a:rPr>
+              <a:t>'</a:t>
+            </a:r>
+            <a:r>
+              <a:rPr lang="en-US" altLang="ko-KR" sz="2400" dirty="0" err="1">
+                <a:solidFill>
+                  <a:srgbClr val="0000FF"/>
+                </a:solidFill>
+                <a:latin typeface="Calibri" panose="020F0502020204030204" pitchFamily="34" charset="0"/>
+              </a:rPr>
+              <a:t>conc</a:t>
+            </a:r>
+            <a:r>
+              <a:rPr lang="en-US" altLang="ko-KR" sz="2400" dirty="0">
+                <a:solidFill>
+                  <a:srgbClr val="0000FF"/>
+                </a:solidFill>
+                <a:latin typeface="Calibri" panose="020F0502020204030204" pitchFamily="34" charset="0"/>
+              </a:rPr>
+              <a:t>'</a:t>
+            </a:r>
+            <a:r>
+              <a:rPr lang="en-US" altLang="ko-KR" sz="2400" dirty="0">
+                <a:latin typeface="Calibri" panose="020F0502020204030204" pitchFamily="34" charset="0"/>
+              </a:rPr>
+              <a:t>, {});</a:t>
+            </a:r>
+          </a:p>
+          <a:p>
+            <a:r>
+              <a:rPr lang="en-US" altLang="ko-KR" sz="2400" b="1" dirty="0" err="1" smtClean="0">
+                <a:solidFill>
+                  <a:srgbClr val="BF11AA"/>
+                </a:solidFill>
+                <a:latin typeface="Calibri" panose="020F0502020204030204" pitchFamily="34" charset="0"/>
+              </a:rPr>
+              <a:t>var</a:t>
+            </a:r>
+            <a:r>
+              <a:rPr lang="en-US" altLang="ko-KR" sz="2400" dirty="0" smtClean="0">
+                <a:latin typeface="Calibri" panose="020F0502020204030204" pitchFamily="34" charset="0"/>
+              </a:rPr>
+              <a:t> </a:t>
+            </a:r>
+            <a:r>
+              <a:rPr lang="en-US" altLang="ko-KR" sz="2400" dirty="0">
+                <a:latin typeface="Calibri" panose="020F0502020204030204" pitchFamily="34" charset="0"/>
+              </a:rPr>
+              <a:t>loff1 = new Line(axis1, </a:t>
+            </a:r>
+            <a:r>
+              <a:rPr lang="en-US" altLang="ko-KR" sz="2400" dirty="0" smtClean="0">
+                <a:latin typeface="Calibri" panose="020F0502020204030204" pitchFamily="34" charset="0"/>
+              </a:rPr>
+              <a:t>loffObj1, </a:t>
+            </a:r>
+            <a:r>
+              <a:rPr lang="en-US" altLang="ko-KR" sz="2400" dirty="0" smtClean="0">
+                <a:solidFill>
+                  <a:srgbClr val="0000FF"/>
+                </a:solidFill>
+                <a:latin typeface="Calibri" panose="020F0502020204030204" pitchFamily="34" charset="0"/>
+              </a:rPr>
+              <a:t>'x1'</a:t>
+            </a:r>
+            <a:r>
+              <a:rPr lang="en-US" altLang="ko-KR" sz="2400" dirty="0" smtClean="0">
+                <a:latin typeface="Calibri" panose="020F0502020204030204" pitchFamily="34" charset="0"/>
+              </a:rPr>
+              <a:t>, </a:t>
+            </a:r>
+            <a:r>
+              <a:rPr lang="en-US" altLang="ko-KR" sz="2400" dirty="0">
+                <a:solidFill>
+                  <a:srgbClr val="0000FF"/>
+                </a:solidFill>
+                <a:latin typeface="Calibri" panose="020F0502020204030204" pitchFamily="34" charset="0"/>
+              </a:rPr>
+              <a:t>'x2'</a:t>
+            </a:r>
+            <a:r>
+              <a:rPr lang="en-US" altLang="ko-KR" sz="2400" dirty="0">
+                <a:latin typeface="Calibri" panose="020F0502020204030204" pitchFamily="34" charset="0"/>
+              </a:rPr>
+              <a:t>, </a:t>
+            </a:r>
+            <a:r>
+              <a:rPr lang="en-US" altLang="ko-KR" sz="2400" dirty="0">
+                <a:solidFill>
+                  <a:srgbClr val="0000FF"/>
+                </a:solidFill>
+                <a:latin typeface="Calibri" panose="020F0502020204030204" pitchFamily="34" charset="0"/>
+              </a:rPr>
+              <a:t>'y1'</a:t>
+            </a:r>
+            <a:r>
+              <a:rPr lang="en-US" altLang="ko-KR" sz="2400" dirty="0">
+                <a:latin typeface="Calibri" panose="020F0502020204030204" pitchFamily="34" charset="0"/>
+              </a:rPr>
+              <a:t>, </a:t>
+            </a:r>
+            <a:r>
+              <a:rPr lang="en-US" altLang="ko-KR" sz="2400" dirty="0">
+                <a:solidFill>
+                  <a:srgbClr val="0000FF"/>
+                </a:solidFill>
+                <a:latin typeface="Calibri" panose="020F0502020204030204" pitchFamily="34" charset="0"/>
+              </a:rPr>
+              <a:t>'y2'</a:t>
+            </a:r>
+            <a:r>
+              <a:rPr lang="en-US" altLang="ko-KR" sz="2400" dirty="0">
+                <a:latin typeface="Calibri" panose="020F0502020204030204" pitchFamily="34" charset="0"/>
+              </a:rPr>
+              <a:t>, {});</a:t>
+            </a:r>
+          </a:p>
+          <a:p>
+            <a:r>
+              <a:rPr lang="en-US" altLang="ko-KR" sz="2400" dirty="0" smtClean="0">
+                <a:latin typeface="Calibri" panose="020F0502020204030204" pitchFamily="34" charset="0"/>
+              </a:rPr>
+              <a:t>$(</a:t>
+            </a:r>
+            <a:r>
+              <a:rPr lang="en-US" altLang="ko-KR" sz="2400" b="1" dirty="0">
+                <a:solidFill>
+                  <a:srgbClr val="BF11AA"/>
+                </a:solidFill>
+                <a:latin typeface="Calibri" panose="020F0502020204030204" pitchFamily="34" charset="0"/>
+              </a:rPr>
+              <a:t>function</a:t>
+            </a:r>
+            <a:r>
+              <a:rPr lang="en-US" altLang="ko-KR" sz="2400" dirty="0">
+                <a:latin typeface="Calibri" panose="020F0502020204030204" pitchFamily="34" charset="0"/>
+              </a:rPr>
+              <a:t>() {</a:t>
+            </a:r>
+          </a:p>
+          <a:p>
+            <a:r>
+              <a:rPr lang="en-US" altLang="ko-KR" sz="2400" dirty="0" smtClean="0">
+                <a:latin typeface="Calibri" panose="020F0502020204030204" pitchFamily="34" charset="0"/>
+              </a:rPr>
+              <a:t>           </a:t>
+            </a:r>
+            <a:r>
+              <a:rPr lang="en-US" altLang="ko-KR" sz="2400" dirty="0" err="1" smtClean="0">
+                <a:latin typeface="Calibri" panose="020F0502020204030204" pitchFamily="34" charset="0"/>
+              </a:rPr>
+              <a:t>setTimeout</a:t>
+            </a:r>
+            <a:r>
+              <a:rPr lang="en-US" altLang="ko-KR" sz="2400" dirty="0" smtClean="0">
+                <a:latin typeface="Calibri" panose="020F0502020204030204" pitchFamily="34" charset="0"/>
+              </a:rPr>
+              <a:t>(</a:t>
+            </a:r>
+            <a:r>
+              <a:rPr lang="en-US" altLang="ko-KR" sz="2400" b="1" dirty="0" smtClean="0">
+                <a:solidFill>
+                  <a:srgbClr val="BF11AA"/>
+                </a:solidFill>
+                <a:latin typeface="Calibri" panose="020F0502020204030204" pitchFamily="34" charset="0"/>
+              </a:rPr>
+              <a:t>function</a:t>
+            </a:r>
+            <a:r>
+              <a:rPr lang="en-US" altLang="ko-KR" sz="2400" dirty="0">
+                <a:latin typeface="Calibri" panose="020F0502020204030204" pitchFamily="34" charset="0"/>
+              </a:rPr>
+              <a:t>() {</a:t>
+            </a:r>
+          </a:p>
+          <a:p>
+            <a:r>
+              <a:rPr lang="en-US" altLang="ko-KR" sz="2400" dirty="0">
+                <a:latin typeface="Calibri" panose="020F0502020204030204" pitchFamily="34" charset="0"/>
+              </a:rPr>
+              <a:t>            </a:t>
+            </a:r>
+            <a:r>
+              <a:rPr lang="en-US" altLang="ko-KR" sz="2400" dirty="0" err="1">
+                <a:latin typeface="Calibri" panose="020F0502020204030204" pitchFamily="34" charset="0"/>
+              </a:rPr>
+              <a:t>window.Shiny.onInputChange</a:t>
+            </a:r>
+            <a:r>
+              <a:rPr lang="en-US" altLang="ko-KR" sz="2400" dirty="0">
+                <a:latin typeface="Calibri" panose="020F0502020204030204" pitchFamily="34" charset="0"/>
+              </a:rPr>
+              <a:t>(</a:t>
+            </a:r>
+            <a:r>
+              <a:rPr lang="en-US" altLang="ko-KR" sz="2400" dirty="0">
+                <a:solidFill>
+                  <a:srgbClr val="0000FF"/>
+                </a:solidFill>
+                <a:latin typeface="Calibri" panose="020F0502020204030204" pitchFamily="34" charset="0"/>
+              </a:rPr>
+              <a:t>'</a:t>
+            </a:r>
+            <a:r>
+              <a:rPr lang="en-US" altLang="ko-KR" sz="2400" dirty="0" err="1">
+                <a:solidFill>
+                  <a:srgbClr val="0000FF"/>
+                </a:solidFill>
+                <a:latin typeface="Calibri" panose="020F0502020204030204" pitchFamily="34" charset="0"/>
+              </a:rPr>
+              <a:t>Theoph</a:t>
+            </a:r>
+            <a:r>
+              <a:rPr lang="en-US" altLang="ko-KR" sz="2400" dirty="0">
+                <a:solidFill>
+                  <a:srgbClr val="0000FF"/>
+                </a:solidFill>
+                <a:latin typeface="Calibri" panose="020F0502020204030204" pitchFamily="34" charset="0"/>
+              </a:rPr>
+              <a:t>'</a:t>
+            </a:r>
+            <a:r>
+              <a:rPr lang="en-US" altLang="ko-KR" sz="2400" dirty="0">
+                <a:latin typeface="Calibri" panose="020F0502020204030204" pitchFamily="34" charset="0"/>
+              </a:rPr>
+              <a:t>, </a:t>
+            </a:r>
+            <a:r>
+              <a:rPr lang="en-US" altLang="ko-KR" sz="2400" dirty="0" err="1">
+                <a:latin typeface="Calibri" panose="020F0502020204030204" pitchFamily="34" charset="0"/>
+              </a:rPr>
+              <a:t>Theoph</a:t>
+            </a:r>
+            <a:r>
+              <a:rPr lang="en-US" altLang="ko-KR" sz="2400" dirty="0">
+                <a:latin typeface="Calibri" panose="020F0502020204030204" pitchFamily="34" charset="0"/>
+              </a:rPr>
+              <a:t>.$</a:t>
+            </a:r>
+            <a:r>
+              <a:rPr lang="en-US" altLang="ko-KR" sz="2400" dirty="0" err="1">
+                <a:latin typeface="Calibri" panose="020F0502020204030204" pitchFamily="34" charset="0"/>
+              </a:rPr>
+              <a:t>isHidden</a:t>
+            </a:r>
+            <a:r>
+              <a:rPr lang="en-US" altLang="ko-KR" sz="2400" dirty="0">
+                <a:latin typeface="Calibri" panose="020F0502020204030204" pitchFamily="34" charset="0"/>
+              </a:rPr>
+              <a:t>);</a:t>
+            </a:r>
+          </a:p>
+          <a:p>
+            <a:r>
+              <a:rPr lang="ko-KR" altLang="en-US" sz="2400" dirty="0">
+                <a:latin typeface="Calibri" panose="020F0502020204030204" pitchFamily="34" charset="0"/>
+              </a:rPr>
+              <a:t>          </a:t>
+            </a:r>
+            <a:r>
+              <a:rPr lang="en-US" altLang="ko-KR" sz="2400" dirty="0">
+                <a:latin typeface="Calibri" panose="020F0502020204030204" pitchFamily="34" charset="0"/>
+              </a:rPr>
+              <a:t>}, 1)</a:t>
+            </a:r>
+          </a:p>
+          <a:p>
+            <a:r>
+              <a:rPr lang="en-US" altLang="ko-KR" sz="2400" dirty="0" smtClean="0">
+                <a:latin typeface="Calibri" panose="020F0502020204030204" pitchFamily="34" charset="0"/>
+              </a:rPr>
+              <a:t>});</a:t>
+            </a:r>
+            <a:endParaRPr lang="en-US" altLang="ko-KR" sz="2400" dirty="0">
+              <a:latin typeface="Calibri" panose="020F0502020204030204" pitchFamily="34" charset="0"/>
+            </a:endParaRPr>
+          </a:p>
+          <a:p>
+            <a:r>
+              <a:rPr lang="en-US" altLang="ko-KR" sz="2400" dirty="0" smtClean="0">
+                <a:solidFill>
+                  <a:srgbClr val="00CC66"/>
+                </a:solidFill>
+                <a:latin typeface="Calibri" panose="020F0502020204030204" pitchFamily="34" charset="0"/>
+              </a:rPr>
+              <a:t>&lt;/</a:t>
+            </a:r>
+            <a:r>
+              <a:rPr lang="en-US" altLang="ko-KR" sz="2400" dirty="0">
+                <a:solidFill>
+                  <a:srgbClr val="00CC66"/>
+                </a:solidFill>
+                <a:latin typeface="Calibri" panose="020F0502020204030204" pitchFamily="34" charset="0"/>
+              </a:rPr>
+              <a:t>script&gt;</a:t>
+            </a:r>
+            <a:endParaRPr lang="ko-KR" altLang="en-US" sz="2400" dirty="0">
+              <a:solidFill>
+                <a:srgbClr val="00CC66"/>
+              </a:solidFill>
+              <a:latin typeface="Calibri" panose="020F0502020204030204" pitchFamily="34" charset="0"/>
+            </a:endParaRPr>
           </a:p>
         </p:txBody>
       </p:sp>

--- a/papers/useR_2014/UseR_2014_poster.pptx
+++ b/papers/useR_2014/UseR_2014_poster.pptx
@@ -11,8 +11,8 @@
     <p:handoutMasterId r:id="rId8"/>
   </p:handoutMasterIdLst>
   <p:sldIdLst>
-    <p:sldId id="272" r:id="rId2"/>
-    <p:sldId id="274" r:id="rId3"/>
+    <p:sldId id="274" r:id="rId2"/>
+    <p:sldId id="272" r:id="rId3"/>
     <p:sldId id="273" r:id="rId4"/>
     <p:sldId id="270" r:id="rId5"/>
     <p:sldId id="271" r:id="rId6"/>
@@ -116,7 +116,7 @@
   </p:defaultTextStyle>
   <p:extLst>
     <p:ext uri="{EFAFB233-063F-42B5-8137-9DF3F51BA10A}">
-      <p15:sldGuideLst xmlns:p15="http://schemas.microsoft.com/office/powerpoint/2012/main">
+      <p15:sldGuideLst xmlns:p15="http://schemas.microsoft.com/office/powerpoint/2012/main" xmlns="">
         <p15:guide id="1" orient="horz" pos="13483">
           <p15:clr>
             <a:srgbClr val="A4A3A4"/>
@@ -130,7 +130,7 @@
       </p15:sldGuideLst>
     </p:ext>
     <p:ext uri="{2D200454-40CA-4A62-9FC3-DE9A4176ACB9}">
-      <p15:notesGuideLst xmlns:p15="http://schemas.microsoft.com/office/powerpoint/2012/main">
+      <p15:notesGuideLst xmlns:p15="http://schemas.microsoft.com/office/powerpoint/2012/main" xmlns="">
         <p15:guide id="1" orient="horz" pos="2880">
           <p15:clr>
             <a:srgbClr val="A4A3A4"/>
@@ -229,7 +229,7 @@
           <a:p>
             <a:fld id="{98710013-9CD6-4924-938E-62F8982C3A00}" type="datetimeFigureOut">
               <a:rPr lang="ko-KR" altLang="en-US" smtClean="0"/>
-              <a:t>2014-06-26</a:t>
+              <a:t>6/27/14</a:t>
             </a:fld>
             <a:endParaRPr lang="ko-KR" altLang="en-US"/>
           </a:p>
@@ -394,7 +394,7 @@
           <a:p>
             <a:fld id="{9025242E-0E58-427D-AA38-6F327CB7A29E}" type="datetimeFigureOut">
               <a:rPr lang="ko-KR" altLang="en-US" smtClean="0"/>
-              <a:t>2014-06-26</a:t>
+              <a:t>6/27/14</a:t>
             </a:fld>
             <a:endParaRPr lang="ko-KR" altLang="en-US"/>
           </a:p>
@@ -739,7 +739,7 @@
     </p:spTree>
     <p:extLst>
       <p:ext uri="{BB962C8B-B14F-4D97-AF65-F5344CB8AC3E}">
-        <p14:creationId xmlns:p14="http://schemas.microsoft.com/office/powerpoint/2010/main" val="3264783879"/>
+        <p14:creationId xmlns:p14="http://schemas.microsoft.com/office/powerpoint/2010/main" val="3019154032"/>
       </p:ext>
     </p:extLst>
   </p:cSld>
@@ -826,7 +826,7 @@
     </p:spTree>
     <p:extLst>
       <p:ext uri="{BB962C8B-B14F-4D97-AF65-F5344CB8AC3E}">
-        <p14:creationId xmlns:p14="http://schemas.microsoft.com/office/powerpoint/2010/main" val="3019154032"/>
+        <p14:creationId xmlns:p14="http://schemas.microsoft.com/office/powerpoint/2010/main" val="3264783879"/>
       </p:ext>
     </p:extLst>
   </p:cSld>
@@ -1278,7 +1278,7 @@
           <a:p>
             <a:fld id="{E059B02A-7401-45FD-B5BB-7C11F2C0056C}" type="datetimeFigureOut">
               <a:rPr lang="ko-KR" altLang="en-US" smtClean="0"/>
-              <a:t>2014-06-26</a:t>
+              <a:t>6/27/14</a:t>
             </a:fld>
             <a:endParaRPr lang="ko-KR" altLang="en-US"/>
           </a:p>
@@ -1448,7 +1448,7 @@
           <a:p>
             <a:fld id="{E059B02A-7401-45FD-B5BB-7C11F2C0056C}" type="datetimeFigureOut">
               <a:rPr lang="ko-KR" altLang="en-US" smtClean="0"/>
-              <a:t>2014-06-26</a:t>
+              <a:t>6/27/14</a:t>
             </a:fld>
             <a:endParaRPr lang="ko-KR" altLang="en-US"/>
           </a:p>
@@ -1628,7 +1628,7 @@
           <a:p>
             <a:fld id="{E059B02A-7401-45FD-B5BB-7C11F2C0056C}" type="datetimeFigureOut">
               <a:rPr lang="ko-KR" altLang="en-US" smtClean="0"/>
-              <a:t>2014-06-26</a:t>
+              <a:t>6/27/14</a:t>
             </a:fld>
             <a:endParaRPr lang="ko-KR" altLang="en-US"/>
           </a:p>
@@ -1798,7 +1798,7 @@
           <a:p>
             <a:fld id="{E059B02A-7401-45FD-B5BB-7C11F2C0056C}" type="datetimeFigureOut">
               <a:rPr lang="ko-KR" altLang="en-US" smtClean="0"/>
-              <a:t>2014-06-26</a:t>
+              <a:t>6/27/14</a:t>
             </a:fld>
             <a:endParaRPr lang="ko-KR" altLang="en-US"/>
           </a:p>
@@ -2044,7 +2044,7 @@
           <a:p>
             <a:fld id="{E059B02A-7401-45FD-B5BB-7C11F2C0056C}" type="datetimeFigureOut">
               <a:rPr lang="ko-KR" altLang="en-US" smtClean="0"/>
-              <a:t>2014-06-26</a:t>
+              <a:t>6/27/14</a:t>
             </a:fld>
             <a:endParaRPr lang="ko-KR" altLang="en-US"/>
           </a:p>
@@ -2332,7 +2332,7 @@
           <a:p>
             <a:fld id="{E059B02A-7401-45FD-B5BB-7C11F2C0056C}" type="datetimeFigureOut">
               <a:rPr lang="ko-KR" altLang="en-US" smtClean="0"/>
-              <a:t>2014-06-26</a:t>
+              <a:t>6/27/14</a:t>
             </a:fld>
             <a:endParaRPr lang="ko-KR" altLang="en-US"/>
           </a:p>
@@ -2754,7 +2754,7 @@
           <a:p>
             <a:fld id="{E059B02A-7401-45FD-B5BB-7C11F2C0056C}" type="datetimeFigureOut">
               <a:rPr lang="ko-KR" altLang="en-US" smtClean="0"/>
-              <a:t>2014-06-26</a:t>
+              <a:t>6/27/14</a:t>
             </a:fld>
             <a:endParaRPr lang="ko-KR" altLang="en-US"/>
           </a:p>
@@ -2872,7 +2872,7 @@
           <a:p>
             <a:fld id="{E059B02A-7401-45FD-B5BB-7C11F2C0056C}" type="datetimeFigureOut">
               <a:rPr lang="ko-KR" altLang="en-US" smtClean="0"/>
-              <a:t>2014-06-26</a:t>
+              <a:t>6/27/14</a:t>
             </a:fld>
             <a:endParaRPr lang="ko-KR" altLang="en-US"/>
           </a:p>
@@ -2967,7 +2967,7 @@
           <a:p>
             <a:fld id="{E059B02A-7401-45FD-B5BB-7C11F2C0056C}" type="datetimeFigureOut">
               <a:rPr lang="ko-KR" altLang="en-US" smtClean="0"/>
-              <a:t>2014-06-26</a:t>
+              <a:t>6/27/14</a:t>
             </a:fld>
             <a:endParaRPr lang="ko-KR" altLang="en-US"/>
           </a:p>
@@ -3244,7 +3244,7 @@
           <a:p>
             <a:fld id="{E059B02A-7401-45FD-B5BB-7C11F2C0056C}" type="datetimeFigureOut">
               <a:rPr lang="ko-KR" altLang="en-US" smtClean="0"/>
-              <a:t>2014-06-26</a:t>
+              <a:t>6/27/14</a:t>
             </a:fld>
             <a:endParaRPr lang="ko-KR" altLang="en-US"/>
           </a:p>
@@ -3497,7 +3497,7 @@
           <a:p>
             <a:fld id="{E059B02A-7401-45FD-B5BB-7C11F2C0056C}" type="datetimeFigureOut">
               <a:rPr lang="ko-KR" altLang="en-US" smtClean="0"/>
-              <a:t>2014-06-26</a:t>
+              <a:t>6/27/14</a:t>
             </a:fld>
             <a:endParaRPr lang="ko-KR" altLang="en-US"/>
           </a:p>
@@ -3710,7 +3710,7 @@
           <a:p>
             <a:fld id="{E059B02A-7401-45FD-B5BB-7C11F2C0056C}" type="datetimeFigureOut">
               <a:rPr lang="ko-KR" altLang="en-US" smtClean="0"/>
-              <a:t>2014-06-26</a:t>
+              <a:t>6/27/14</a:t>
             </a:fld>
             <a:endParaRPr lang="ko-KR" altLang="en-US"/>
           </a:p>
@@ -4197,8 +4197,8 @@
             </a:fontRef>
           </p:style>
           <p:txBody>
-            <a:bodyPr wrap="square">
-              <a:spAutoFit/>
+            <a:bodyPr wrap="square" numCol="1">
+              <a:normAutofit/>
             </a:bodyPr>
             <a:lstStyle/>
             <a:p>
@@ -4236,7 +4236,61 @@
                   <a:latin typeface="Times New Roman" panose="02020603050405020304" pitchFamily="18" charset="0"/>
                   <a:cs typeface="Times New Roman" panose="02020603050405020304" pitchFamily="18" charset="0"/>
                 </a:rPr>
-                <a:t>(RIGHT) is the first package that implements linked graphs using HTML canvas and JavaScript and supports </a:t>
+                <a:t>(RIGHT) is the first package </a:t>
+              </a:r>
+              <a:r>
+                <a:rPr lang="en-US" altLang="ko-KR" sz="4400" dirty="0" smtClean="0">
+                  <a:latin typeface="Times New Roman" panose="02020603050405020304" pitchFamily="18" charset="0"/>
+                  <a:cs typeface="Times New Roman" panose="02020603050405020304" pitchFamily="18" charset="0"/>
+                </a:rPr>
+                <a:t/>
+              </a:r>
+              <a:br>
+                <a:rPr lang="en-US" altLang="ko-KR" sz="4400" dirty="0" smtClean="0">
+                  <a:latin typeface="Times New Roman" panose="02020603050405020304" pitchFamily="18" charset="0"/>
+                  <a:cs typeface="Times New Roman" panose="02020603050405020304" pitchFamily="18" charset="0"/>
+                </a:rPr>
+              </a:br>
+              <a:r>
+                <a:rPr lang="en-US" altLang="ko-KR" sz="4400" dirty="0" smtClean="0">
+                  <a:latin typeface="Times New Roman" panose="02020603050405020304" pitchFamily="18" charset="0"/>
+                  <a:cs typeface="Times New Roman" panose="02020603050405020304" pitchFamily="18" charset="0"/>
+                </a:rPr>
+                <a:t>that </a:t>
+              </a:r>
+              <a:r>
+                <a:rPr lang="en-US" altLang="ko-KR" sz="4400" dirty="0" smtClean="0">
+                  <a:latin typeface="Times New Roman" panose="02020603050405020304" pitchFamily="18" charset="0"/>
+                  <a:cs typeface="Times New Roman" panose="02020603050405020304" pitchFamily="18" charset="0"/>
+                </a:rPr>
+                <a:t>implements linked graphs using HTML canvas and </a:t>
+              </a:r>
+              <a:r>
+                <a:rPr lang="en-US" altLang="ko-KR" sz="4400" dirty="0" smtClean="0">
+                  <a:latin typeface="Times New Roman" panose="02020603050405020304" pitchFamily="18" charset="0"/>
+                  <a:cs typeface="Times New Roman" panose="02020603050405020304" pitchFamily="18" charset="0"/>
+                </a:rPr>
+                <a:t/>
+              </a:r>
+              <a:br>
+                <a:rPr lang="en-US" altLang="ko-KR" sz="4400" dirty="0" smtClean="0">
+                  <a:latin typeface="Times New Roman" panose="02020603050405020304" pitchFamily="18" charset="0"/>
+                  <a:cs typeface="Times New Roman" panose="02020603050405020304" pitchFamily="18" charset="0"/>
+                </a:rPr>
+              </a:br>
+              <a:r>
+                <a:rPr lang="en-US" altLang="ko-KR" sz="4400" dirty="0" smtClean="0">
+                  <a:latin typeface="Times New Roman" panose="02020603050405020304" pitchFamily="18" charset="0"/>
+                  <a:cs typeface="Times New Roman" panose="02020603050405020304" pitchFamily="18" charset="0"/>
+                </a:rPr>
+                <a:t>JavaScript </a:t>
+              </a:r>
+              <a:r>
+                <a:rPr lang="en-US" altLang="ko-KR" sz="4400" dirty="0" smtClean="0">
+                  <a:latin typeface="Times New Roman" panose="02020603050405020304" pitchFamily="18" charset="0"/>
+                  <a:cs typeface="Times New Roman" panose="02020603050405020304" pitchFamily="18" charset="0"/>
+                </a:rPr>
+                <a:t>and supports </a:t>
               </a:r>
               <a:r>
                 <a:rPr lang="en-US" altLang="ko-KR" sz="4400" dirty="0">
@@ -4274,15 +4328,19 @@
                   <a:latin typeface="Times New Roman" panose="02020603050405020304" pitchFamily="18" charset="0"/>
                   <a:cs typeface="Times New Roman" panose="02020603050405020304" pitchFamily="18" charset="0"/>
                 </a:rPr>
-                <a:t>Also, HTML canvas and JavaScript make it possible to deliver the visualization to various platforms, including mobile devices since they are standard web technologies </a:t>
+                <a:t>Also, HTML canvas and JavaScript make it possible to deliver the visualization to various platforms, including mobile devices since they are standard web </a:t>
               </a:r>
               <a:r>
                 <a:rPr lang="en-US" altLang="ko-KR" sz="4400" dirty="0" smtClean="0">
                   <a:latin typeface="Times New Roman" panose="02020603050405020304" pitchFamily="18" charset="0"/>
                   <a:cs typeface="Times New Roman" panose="02020603050405020304" pitchFamily="18" charset="0"/>
                 </a:rPr>
-                <a:t>.</a:t>
+                <a:t>technologies.</a:t>
               </a:r>
+              <a:endParaRPr lang="en-US" altLang="ko-KR" sz="4400" dirty="0" smtClean="0">
+                <a:latin typeface="Times New Roman" panose="02020603050405020304" pitchFamily="18" charset="0"/>
+                <a:cs typeface="Times New Roman" panose="02020603050405020304" pitchFamily="18" charset="0"/>
+              </a:endParaRPr>
             </a:p>
           </p:txBody>
         </p:sp>
@@ -4352,8 +4410,8 @@
         </p:nvSpPr>
         <p:spPr>
           <a:xfrm>
-            <a:off x="700554" y="935981"/>
-            <a:ext cx="25448693" cy="4770537"/>
+            <a:off x="378347" y="935981"/>
+            <a:ext cx="29523279" cy="4770537"/>
           </a:xfrm>
           <a:prstGeom prst="rect">
             <a:avLst/>
@@ -4402,7 +4460,7 @@
           <a:p>
             <a:pPr algn="ctr"/>
             <a:r>
-              <a:rPr lang="en-US" altLang="ko-KR" sz="4000" dirty="0" err="1">
+              <a:rPr lang="en-US" altLang="ko-KR" sz="4000" dirty="0">
                 <a:solidFill>
                   <a:schemeClr val="bg1"/>
                 </a:solidFill>
@@ -4410,10 +4468,10 @@
                 <a:ea typeface="Ebrima" pitchFamily="2" charset="0"/>
                 <a:cs typeface="Times New Roman" pitchFamily="18" charset="0"/>
               </a:rPr>
-              <a:t>ChungHa</a:t>
-            </a:r>
-            <a:r>
-              <a:rPr lang="en-US" altLang="ko-KR" sz="4000" dirty="0">
+              <a:t>ChungHa Sung</a:t>
+            </a:r>
+            <a:r>
+              <a:rPr lang="en-US" altLang="ko-KR" sz="4000" baseline="30000" dirty="0">
                 <a:solidFill>
                   <a:schemeClr val="bg1"/>
                 </a:solidFill>
@@ -4421,10 +4479,10 @@
                 <a:ea typeface="Ebrima" pitchFamily="2" charset="0"/>
                 <a:cs typeface="Times New Roman" pitchFamily="18" charset="0"/>
               </a:rPr>
-              <a:t> Sung</a:t>
-            </a:r>
-            <a:r>
-              <a:rPr lang="en-US" altLang="ko-KR" sz="4000" baseline="30000" dirty="0">
+              <a:t>†</a:t>
+            </a:r>
+            <a:r>
+              <a:rPr lang="en-US" altLang="ko-KR" sz="4000" dirty="0">
                 <a:solidFill>
                   <a:schemeClr val="bg1"/>
                 </a:solidFill>
@@ -4432,10 +4490,10 @@
                 <a:ea typeface="Ebrima" pitchFamily="2" charset="0"/>
                 <a:cs typeface="Times New Roman" pitchFamily="18" charset="0"/>
               </a:rPr>
-              <a:t>†</a:t>
-            </a:r>
-            <a:r>
-              <a:rPr lang="en-US" altLang="ko-KR" sz="4000" dirty="0">
+              <a:t>, </a:t>
+            </a:r>
+            <a:r>
+              <a:rPr lang="en-US" altLang="ko-KR" sz="4000" dirty="0" err="1" smtClean="0">
                 <a:solidFill>
                   <a:schemeClr val="bg1"/>
                 </a:solidFill>
@@ -4443,10 +4501,10 @@
                 <a:ea typeface="Ebrima" pitchFamily="2" charset="0"/>
                 <a:cs typeface="Times New Roman" pitchFamily="18" charset="0"/>
               </a:rPr>
-              <a:t>, </a:t>
-            </a:r>
-            <a:r>
-              <a:rPr lang="en-US" altLang="ko-KR" sz="4000" dirty="0" err="1">
+              <a:t>JongHyun</a:t>
+            </a:r>
+            <a:r>
+              <a:rPr lang="en-US" altLang="ko-KR" sz="4000" dirty="0" smtClean="0">
                 <a:solidFill>
                   <a:schemeClr val="bg1"/>
                 </a:solidFill>
@@ -4454,10 +4512,10 @@
                 <a:ea typeface="Ebrima" pitchFamily="2" charset="0"/>
                 <a:cs typeface="Times New Roman" pitchFamily="18" charset="0"/>
               </a:rPr>
-              <a:t>JongHyun</a:t>
-            </a:r>
-            <a:r>
-              <a:rPr lang="en-US" altLang="ko-KR" sz="4000" dirty="0">
+              <a:t> Bae</a:t>
+            </a:r>
+            <a:r>
+              <a:rPr lang="en-US" altLang="ko-KR" sz="4000" baseline="30000" dirty="0">
                 <a:solidFill>
                   <a:schemeClr val="bg1"/>
                 </a:solidFill>
@@ -4465,10 +4523,10 @@
                 <a:ea typeface="Ebrima" pitchFamily="2" charset="0"/>
                 <a:cs typeface="Times New Roman" pitchFamily="18" charset="0"/>
               </a:rPr>
-              <a:t> Bae</a:t>
-            </a:r>
-            <a:r>
-              <a:rPr lang="en-US" altLang="ko-KR" sz="4000" baseline="30000" dirty="0">
+              <a:t>†</a:t>
+            </a:r>
+            <a:r>
+              <a:rPr lang="en-US" altLang="ko-KR" sz="4000" dirty="0" smtClean="0">
                 <a:solidFill>
                   <a:schemeClr val="bg1"/>
                 </a:solidFill>
@@ -4476,10 +4534,10 @@
                 <a:ea typeface="Ebrima" pitchFamily="2" charset="0"/>
                 <a:cs typeface="Times New Roman" pitchFamily="18" charset="0"/>
               </a:rPr>
-              <a:t>†</a:t>
-            </a:r>
-            <a:r>
-              <a:rPr lang="en-US" altLang="ko-KR" sz="4000" dirty="0">
+              <a:t>, </a:t>
+            </a:r>
+            <a:r>
+              <a:rPr lang="en-US" altLang="ko-KR" sz="4000" dirty="0" err="1" smtClean="0">
                 <a:solidFill>
                   <a:schemeClr val="bg1"/>
                 </a:solidFill>
@@ -4487,10 +4545,10 @@
                 <a:ea typeface="Ebrima" pitchFamily="2" charset="0"/>
                 <a:cs typeface="Times New Roman" pitchFamily="18" charset="0"/>
               </a:rPr>
-              <a:t>, </a:t>
-            </a:r>
-            <a:r>
-              <a:rPr lang="en-US" altLang="ko-KR" sz="4000" dirty="0" err="1">
+              <a:t>SangGi</a:t>
+            </a:r>
+            <a:r>
+              <a:rPr lang="en-US" altLang="ko-KR" sz="4000" dirty="0" smtClean="0">
                 <a:solidFill>
                   <a:schemeClr val="bg1"/>
                 </a:solidFill>
@@ -4498,10 +4556,10 @@
                 <a:ea typeface="Ebrima" pitchFamily="2" charset="0"/>
                 <a:cs typeface="Times New Roman" pitchFamily="18" charset="0"/>
               </a:rPr>
-              <a:t>SangGi</a:t>
-            </a:r>
-            <a:r>
-              <a:rPr lang="en-US" altLang="ko-KR" sz="4000" dirty="0">
+              <a:t> Hong</a:t>
+            </a:r>
+            <a:r>
+              <a:rPr lang="en-US" altLang="ko-KR" sz="4000" baseline="30000" dirty="0">
                 <a:solidFill>
                   <a:schemeClr val="bg1"/>
                 </a:solidFill>
@@ -4509,10 +4567,10 @@
                 <a:ea typeface="Ebrima" pitchFamily="2" charset="0"/>
                 <a:cs typeface="Times New Roman" pitchFamily="18" charset="0"/>
               </a:rPr>
-              <a:t> Hong</a:t>
-            </a:r>
-            <a:r>
-              <a:rPr lang="en-US" altLang="ko-KR" sz="4000" baseline="30000" dirty="0">
+              <a:t>†</a:t>
+            </a:r>
+            <a:r>
+              <a:rPr lang="en-US" altLang="ko-KR" sz="4000" dirty="0" smtClean="0">
                 <a:solidFill>
                   <a:schemeClr val="bg1"/>
                 </a:solidFill>
@@ -4520,10 +4578,10 @@
                 <a:ea typeface="Ebrima" pitchFamily="2" charset="0"/>
                 <a:cs typeface="Times New Roman" pitchFamily="18" charset="0"/>
               </a:rPr>
-              <a:t>†</a:t>
-            </a:r>
-            <a:r>
-              <a:rPr lang="en-US" altLang="ko-KR" sz="4000" dirty="0">
+              <a:t>, </a:t>
+            </a:r>
+            <a:r>
+              <a:rPr lang="en-US" altLang="ko-KR" sz="4000" dirty="0" err="1" smtClean="0">
                 <a:solidFill>
                   <a:schemeClr val="bg1"/>
                 </a:solidFill>
@@ -4531,10 +4589,10 @@
                 <a:ea typeface="Ebrima" pitchFamily="2" charset="0"/>
                 <a:cs typeface="Times New Roman" pitchFamily="18" charset="0"/>
               </a:rPr>
-              <a:t>, </a:t>
-            </a:r>
-            <a:r>
-              <a:rPr lang="en-US" altLang="ko-KR" sz="4000" dirty="0" err="1">
+              <a:t>TaeJoon</a:t>
+            </a:r>
+            <a:r>
+              <a:rPr lang="en-US" altLang="ko-KR" sz="4000" dirty="0" smtClean="0">
                 <a:solidFill>
                   <a:schemeClr val="bg1"/>
                 </a:solidFill>
@@ -4542,7 +4600,7 @@
                 <a:ea typeface="Ebrima" pitchFamily="2" charset="0"/>
                 <a:cs typeface="Times New Roman" pitchFamily="18" charset="0"/>
               </a:rPr>
-              <a:t>TaeJoon</a:t>
+              <a:t> </a:t>
             </a:r>
             <a:r>
               <a:rPr lang="en-US" altLang="ko-KR" sz="4000" dirty="0">
@@ -4553,7 +4611,7 @@
                 <a:ea typeface="Ebrima" pitchFamily="2" charset="0"/>
                 <a:cs typeface="Times New Roman" pitchFamily="18" charset="0"/>
               </a:rPr>
-              <a:t> Song</a:t>
+              <a:t>Song</a:t>
             </a:r>
             <a:r>
               <a:rPr lang="en-US" altLang="ko-KR" sz="4000" baseline="30000" dirty="0">
@@ -4705,7 +4763,7 @@
               <a:t>{sch8906, </a:t>
             </a:r>
             <a:r>
-              <a:rPr lang="en-US" altLang="ko-KR" sz="4000" dirty="0" err="1">
+              <a:rPr lang="en-US" altLang="ko-KR" sz="4000" dirty="0" err="1" smtClean="0">
                 <a:solidFill>
                   <a:schemeClr val="bg1"/>
                 </a:solidFill>
@@ -4716,7 +4774,7 @@
               <a:t>bnbbkr</a:t>
             </a:r>
             <a:r>
-              <a:rPr lang="en-US" altLang="ko-KR" sz="4000" dirty="0">
+              <a:rPr lang="en-US" altLang="ko-KR" sz="4000" dirty="0" smtClean="0">
                 <a:solidFill>
                   <a:schemeClr val="bg1"/>
                 </a:solidFill>
@@ -4727,7 +4785,7 @@
               <a:t>, </a:t>
             </a:r>
             <a:r>
-              <a:rPr lang="en-US" altLang="ko-KR" sz="4000" dirty="0" err="1">
+              <a:rPr lang="en-US" altLang="ko-KR" sz="4000" dirty="0" err="1" smtClean="0">
                 <a:solidFill>
                   <a:schemeClr val="bg1"/>
                 </a:solidFill>
@@ -4738,7 +4796,7 @@
               <a:t>bethetaedu</a:t>
             </a:r>
             <a:r>
-              <a:rPr lang="en-US" altLang="ko-KR" sz="4000" dirty="0">
+              <a:rPr lang="en-US" altLang="ko-KR" sz="4000" dirty="0" smtClean="0">
                 <a:solidFill>
                   <a:schemeClr val="bg1"/>
                 </a:solidFill>
@@ -4746,10 +4804,10 @@
                 <a:ea typeface="Ebrima" pitchFamily="2" charset="0"/>
                 <a:cs typeface="Times New Roman" pitchFamily="18" charset="0"/>
               </a:rPr>
-              <a:t>, thepotter89, </a:t>
-            </a:r>
-            <a:r>
-              <a:rPr lang="en-US" altLang="ko-KR" sz="4000" dirty="0" err="1">
+              <a:t>, thepotter89</a:t>
+            </a:r>
+            <a:r>
+              <a:rPr lang="en-US" altLang="ko-KR" sz="4000" dirty="0">
                 <a:solidFill>
                   <a:schemeClr val="bg1"/>
                 </a:solidFill>
@@ -4757,10 +4815,10 @@
                 <a:ea typeface="Ebrima" pitchFamily="2" charset="0"/>
                 <a:cs typeface="Times New Roman" pitchFamily="18" charset="0"/>
               </a:rPr>
-              <a:t>jaewlee</a:t>
-            </a:r>
-            <a:r>
-              <a:rPr lang="en-US" altLang="ko-KR" sz="4000" dirty="0">
+              <a:t>, </a:t>
+            </a:r>
+            <a:r>
+              <a:rPr lang="en-US" altLang="ko-KR" sz="4000" dirty="0" err="1">
                 <a:solidFill>
                   <a:schemeClr val="bg1"/>
                 </a:solidFill>
@@ -4768,10 +4826,10 @@
                 <a:ea typeface="Ebrima" pitchFamily="2" charset="0"/>
                 <a:cs typeface="Times New Roman" pitchFamily="18" charset="0"/>
               </a:rPr>
-              <a:t>, </a:t>
-            </a:r>
-            <a:r>
-              <a:rPr lang="en-US" altLang="ko-KR" sz="4000" dirty="0" err="1">
+              <a:t>jaewlee</a:t>
+            </a:r>
+            <a:r>
+              <a:rPr lang="en-US" altLang="ko-KR" sz="4000" dirty="0">
                 <a:solidFill>
                   <a:schemeClr val="bg1"/>
                 </a:solidFill>
@@ -4779,10 +4837,10 @@
                 <a:ea typeface="Ebrima" pitchFamily="2" charset="0"/>
                 <a:cs typeface="Times New Roman" pitchFamily="18" charset="0"/>
               </a:rPr>
-              <a:t>flammy</a:t>
-            </a:r>
-            <a:r>
-              <a:rPr lang="en-US" altLang="ko-KR" sz="4000" dirty="0">
+              <a:t>, </a:t>
+            </a:r>
+            <a:r>
+              <a:rPr lang="en-US" altLang="ko-KR" sz="4000" dirty="0" err="1">
                 <a:solidFill>
                   <a:schemeClr val="bg1"/>
                 </a:solidFill>
@@ -4790,9 +4848,20 @@
                 <a:ea typeface="Ebrima" pitchFamily="2" charset="0"/>
                 <a:cs typeface="Times New Roman" pitchFamily="18" charset="0"/>
               </a:rPr>
+              <a:t>flammy</a:t>
+            </a:r>
+            <a:r>
+              <a:rPr lang="en-US" altLang="ko-KR" sz="4000" dirty="0">
+                <a:solidFill>
+                  <a:schemeClr val="bg1"/>
+                </a:solidFill>
+                <a:latin typeface="Times New Roman" pitchFamily="18" charset="0"/>
+                <a:ea typeface="Ebrima" pitchFamily="2" charset="0"/>
+                <a:cs typeface="Times New Roman" pitchFamily="18" charset="0"/>
+              </a:rPr>
               <a:t>}@gmail.com</a:t>
             </a:r>
-            <a:endParaRPr lang="ko-KR" altLang="en-US" sz="4000" b="1">
+            <a:endParaRPr lang="ko-KR" altLang="en-US" sz="4000" b="1" dirty="0">
               <a:latin typeface="FrutigerNextLT Regular" pitchFamily="18" charset="0"/>
             </a:endParaRPr>
           </a:p>
@@ -4972,16 +5041,16 @@
               <a:t>deep insight when </a:t>
             </a:r>
             <a:r>
-              <a:rPr lang="en-US" altLang="ko-KR" sz="4400" dirty="0" err="1" smtClean="0">
+              <a:rPr lang="en-US" altLang="ko-KR" sz="4400" dirty="0" smtClean="0">
                 <a:solidFill>
                   <a:schemeClr val="tx1"/>
                 </a:solidFill>
                 <a:latin typeface="Times New Roman" panose="02020603050405020304" pitchFamily="18" charset="0"/>
                 <a:cs typeface="Times New Roman" panose="02020603050405020304" pitchFamily="18" charset="0"/>
               </a:rPr>
-              <a:t>analyz</a:t>
-            </a:r>
-            <a:r>
+              <a:t/>
+            </a:r>
+            <a:br>
               <a:rPr lang="en-US" altLang="ko-KR" sz="4400" dirty="0" smtClean="0">
                 <a:solidFill>
                   <a:schemeClr val="tx1"/>
@@ -4989,9 +5058,8 @@
                 <a:latin typeface="Times New Roman" panose="02020603050405020304" pitchFamily="18" charset="0"/>
                 <a:cs typeface="Times New Roman" panose="02020603050405020304" pitchFamily="18" charset="0"/>
               </a:rPr>
-              <a:t>-</a:t>
-            </a:r>
-            <a:br>
+            </a:br>
+            <a:r>
               <a:rPr lang="en-US" altLang="ko-KR" sz="4400" dirty="0" smtClean="0">
                 <a:solidFill>
                   <a:schemeClr val="tx1"/>
@@ -4999,16 +5067,17 @@
                 <a:latin typeface="Times New Roman" panose="02020603050405020304" pitchFamily="18" charset="0"/>
                 <a:cs typeface="Times New Roman" panose="02020603050405020304" pitchFamily="18" charset="0"/>
               </a:rPr>
-            </a:br>
-            <a:r>
-              <a:rPr lang="en-US" altLang="ko-KR" sz="4400" dirty="0" err="1" smtClean="0">
+              <a:t>analyzing </a:t>
+            </a:r>
+            <a:r>
+              <a:rPr lang="en-US" altLang="ko-KR" sz="4400" dirty="0" smtClean="0">
                 <a:solidFill>
                   <a:schemeClr val="tx1"/>
                 </a:solidFill>
                 <a:latin typeface="Times New Roman" panose="02020603050405020304" pitchFamily="18" charset="0"/>
                 <a:cs typeface="Times New Roman" panose="02020603050405020304" pitchFamily="18" charset="0"/>
               </a:rPr>
-              <a:t>ing</a:t>
+              <a:t>the </a:t>
             </a:r>
             <a:r>
               <a:rPr lang="en-US" altLang="ko-KR" sz="4400" dirty="0" smtClean="0">
@@ -5018,7 +5087,17 @@
                 <a:latin typeface="Times New Roman" panose="02020603050405020304" pitchFamily="18" charset="0"/>
                 <a:cs typeface="Times New Roman" panose="02020603050405020304" pitchFamily="18" charset="0"/>
               </a:rPr>
-              <a:t> the large set of data.</a:t>
+              <a:t>data large set.</a:t>
+            </a:r>
+            <a:r>
+              <a:rPr lang="en-US" altLang="ko-KR" sz="4400" dirty="0" smtClean="0">
+                <a:solidFill>
+                  <a:schemeClr val="tx1"/>
+                </a:solidFill>
+                <a:latin typeface="Times New Roman" panose="02020603050405020304" pitchFamily="18" charset="0"/>
+                <a:cs typeface="Times New Roman" panose="02020603050405020304" pitchFamily="18" charset="0"/>
+              </a:rPr>
+              <a:t/>
             </a:r>
             <a:br>
               <a:rPr lang="en-US" altLang="ko-KR" sz="4400" dirty="0" smtClean="0">
@@ -5068,30 +5147,6 @@
           </a:p>
         </p:txBody>
       </p:sp>
-      <p:pic>
-        <p:nvPicPr>
-          <p:cNvPr id="19" name="그림 18"/>
-          <p:cNvPicPr>
-            <a:picLocks noChangeAspect="1"/>
-          </p:cNvPicPr>
-          <p:nvPr/>
-        </p:nvPicPr>
-        <p:blipFill>
-          <a:blip r:embed="rId3"/>
-          <a:stretch>
-            <a:fillRect/>
-          </a:stretch>
-        </p:blipFill>
-        <p:spPr>
-          <a:xfrm>
-            <a:off x="21873320" y="7002303"/>
-            <a:ext cx="7737527" cy="3510470"/>
-          </a:xfrm>
-          <a:prstGeom prst="rect">
-            <a:avLst/>
-          </a:prstGeom>
-        </p:spPr>
-      </p:pic>
       <p:sp>
         <p:nvSpPr>
           <p:cNvPr id="12" name="Rounded Rectangle 1691"/>
@@ -5326,30 +5381,6 @@
           </a:p>
         </p:txBody>
       </p:sp>
-      <p:pic>
-        <p:nvPicPr>
-          <p:cNvPr id="57" name="그림 56"/>
-          <p:cNvPicPr>
-            <a:picLocks noChangeAspect="1"/>
-          </p:cNvPicPr>
-          <p:nvPr/>
-        </p:nvPicPr>
-        <p:blipFill>
-          <a:blip r:embed="rId4"/>
-          <a:stretch>
-            <a:fillRect/>
-          </a:stretch>
-        </p:blipFill>
-        <p:spPr>
-          <a:xfrm>
-            <a:off x="522363" y="21154671"/>
-            <a:ext cx="13373200" cy="6762584"/>
-          </a:xfrm>
-          <a:prstGeom prst="rect">
-            <a:avLst/>
-          </a:prstGeom>
-        </p:spPr>
-      </p:pic>
       <p:sp>
         <p:nvSpPr>
           <p:cNvPr id="58" name="TextBox 57"/>
@@ -5384,30 +5415,6 @@
           </a:p>
         </p:txBody>
       </p:sp>
-      <p:pic>
-        <p:nvPicPr>
-          <p:cNvPr id="59" name="그림 58"/>
-          <p:cNvPicPr>
-            <a:picLocks noChangeAspect="1"/>
-          </p:cNvPicPr>
-          <p:nvPr/>
-        </p:nvPicPr>
-        <p:blipFill>
-          <a:blip r:embed="rId5"/>
-          <a:stretch>
-            <a:fillRect/>
-          </a:stretch>
-        </p:blipFill>
-        <p:spPr>
-          <a:xfrm>
-            <a:off x="617786" y="29680061"/>
-            <a:ext cx="13204236" cy="6647235"/>
-          </a:xfrm>
-          <a:prstGeom prst="rect">
-            <a:avLst/>
-          </a:prstGeom>
-        </p:spPr>
-      </p:pic>
       <p:sp>
         <p:nvSpPr>
           <p:cNvPr id="9" name="아래쪽 화살표 8"/>
@@ -5416,7 +5423,7 @@
         </p:nvSpPr>
         <p:spPr>
           <a:xfrm>
-            <a:off x="4231572" y="28072533"/>
+            <a:off x="4338787" y="27956990"/>
             <a:ext cx="5976664" cy="1497273"/>
           </a:xfrm>
           <a:prstGeom prst="downArrow">
@@ -5469,7 +5476,7 @@
           <p:nvPr/>
         </p:nvPicPr>
         <p:blipFill>
-          <a:blip r:embed="rId6"/>
+          <a:blip r:embed="rId3"/>
           <a:stretch>
             <a:fillRect/>
           </a:stretch>
@@ -5493,7 +5500,7 @@
           <p:nvPr>
             <p:extLst>
               <p:ext uri="{D42A27DB-BD31-4B8C-83A1-F6EECF244321}">
-                <p14:modId xmlns:p14="http://schemas.microsoft.com/office/powerpoint/2010/main" val="2546725176"/>
+                <p14:modId xmlns:p14="http://schemas.microsoft.com/office/powerpoint/2010/main" val="3943789300"/>
               </p:ext>
             </p:extLst>
           </p:nvPr>
@@ -5523,7 +5530,7 @@
                     <a:lstStyle/>
                     <a:p>
                       <a:pPr algn="ctr" latinLnBrk="1"/>
-                      <a:endParaRPr lang="ko-KR" altLang="en-US" sz="1800" b="0" dirty="0">
+                      <a:endParaRPr lang="ko-KR" altLang="en-US" sz="2400" b="1" dirty="0">
                         <a:solidFill>
                           <a:schemeClr val="tx1"/>
                         </a:solidFill>
@@ -5593,7 +5600,7 @@
                     <a:p>
                       <a:pPr algn="ctr" latinLnBrk="1"/>
                       <a:r>
-                        <a:rPr lang="en-US" altLang="ko-KR" sz="1800" b="0" dirty="0" smtClean="0">
+                        <a:rPr lang="en-US" altLang="ko-KR" sz="2400" b="1" dirty="0" smtClean="0">
                           <a:solidFill>
                             <a:schemeClr val="tx1"/>
                           </a:solidFill>
@@ -5601,7 +5608,7 @@
                         </a:rPr>
                         <a:t>0</a:t>
                       </a:r>
-                      <a:endParaRPr lang="ko-KR" altLang="en-US" sz="1800" b="0" dirty="0">
+                      <a:endParaRPr lang="ko-KR" altLang="en-US" sz="2400" b="1" dirty="0">
                         <a:solidFill>
                           <a:schemeClr val="tx1"/>
                         </a:solidFill>
@@ -5669,7 +5676,7 @@
                     <a:p>
                       <a:pPr algn="ctr" latinLnBrk="1"/>
                       <a:r>
-                        <a:rPr lang="en-US" altLang="ko-KR" sz="1800" b="0" dirty="0" smtClean="0">
+                        <a:rPr lang="en-US" altLang="ko-KR" sz="2400" b="1" dirty="0" smtClean="0">
                           <a:solidFill>
                             <a:schemeClr val="tx1"/>
                           </a:solidFill>
@@ -5677,7 +5684,7 @@
                         </a:rPr>
                         <a:t>1</a:t>
                       </a:r>
-                      <a:endParaRPr lang="ko-KR" altLang="en-US" sz="1800" b="0" dirty="0">
+                      <a:endParaRPr lang="ko-KR" altLang="en-US" sz="2400" b="1" dirty="0">
                         <a:solidFill>
                           <a:schemeClr val="tx1"/>
                         </a:solidFill>
@@ -5745,7 +5752,7 @@
                     <a:p>
                       <a:pPr algn="ctr" latinLnBrk="1"/>
                       <a:r>
-                        <a:rPr lang="en-US" altLang="ko-KR" sz="1800" b="0" dirty="0" smtClean="0">
+                        <a:rPr lang="en-US" altLang="ko-KR" sz="2400" b="1" dirty="0" smtClean="0">
                           <a:solidFill>
                             <a:schemeClr val="tx1"/>
                           </a:solidFill>
@@ -5753,7 +5760,7 @@
                         </a:rPr>
                         <a:t>2</a:t>
                       </a:r>
-                      <a:endParaRPr lang="ko-KR" altLang="en-US" sz="1800" b="0" dirty="0">
+                      <a:endParaRPr lang="ko-KR" altLang="en-US" sz="2400" b="1" dirty="0">
                         <a:solidFill>
                           <a:schemeClr val="tx1"/>
                         </a:solidFill>
@@ -5821,7 +5828,7 @@
                     <a:p>
                       <a:pPr algn="ctr" latinLnBrk="1"/>
                       <a:r>
-                        <a:rPr lang="en-US" altLang="ko-KR" sz="1800" b="0" kern="1200" dirty="0" smtClean="0">
+                        <a:rPr lang="en-US" altLang="ko-KR" sz="2400" b="1" kern="1200" dirty="0" smtClean="0">
                           <a:solidFill>
                             <a:schemeClr val="tx1"/>
                           </a:solidFill>
@@ -5831,7 +5838,7 @@
                         </a:rPr>
                         <a:t>…</a:t>
                       </a:r>
-                      <a:endParaRPr lang="ko-KR" altLang="en-US" sz="1800" b="0" dirty="0">
+                      <a:endParaRPr lang="ko-KR" altLang="en-US" sz="2400" b="1" dirty="0">
                         <a:solidFill>
                           <a:schemeClr val="tx1"/>
                         </a:solidFill>
@@ -5899,7 +5906,7 @@
                     <a:p>
                       <a:pPr algn="ctr" latinLnBrk="1"/>
                       <a:r>
-                        <a:rPr lang="en-US" altLang="ko-KR" sz="1800" b="0" dirty="0" smtClean="0">
+                        <a:rPr lang="en-US" altLang="ko-KR" sz="2400" b="1" dirty="0" smtClean="0">
                           <a:solidFill>
                             <a:schemeClr val="tx1"/>
                           </a:solidFill>
@@ -5907,7 +5914,7 @@
                         </a:rPr>
                         <a:t>n-1</a:t>
                       </a:r>
-                      <a:endParaRPr lang="ko-KR" altLang="en-US" sz="1800" b="0" dirty="0">
+                      <a:endParaRPr lang="ko-KR" altLang="en-US" sz="2400" b="1" dirty="0">
                         <a:solidFill>
                           <a:schemeClr val="tx1"/>
                         </a:solidFill>
@@ -5977,7 +5984,7 @@
                     <a:p>
                       <a:pPr algn="ctr" latinLnBrk="1"/>
                       <a:r>
-                        <a:rPr lang="en-US" altLang="ko-KR" sz="1800" b="0" dirty="0" smtClean="0">
+                        <a:rPr lang="en-US" altLang="ko-KR" sz="2400" b="1" dirty="0" smtClean="0">
                           <a:solidFill>
                             <a:schemeClr val="tx1"/>
                           </a:solidFill>
@@ -5985,7 +5992,7 @@
                         </a:rPr>
                         <a:t>0</a:t>
                       </a:r>
-                      <a:endParaRPr lang="ko-KR" altLang="en-US" sz="1800" b="0" dirty="0">
+                      <a:endParaRPr lang="ko-KR" altLang="en-US" sz="2400" b="1" dirty="0">
                         <a:solidFill>
                           <a:schemeClr val="tx1"/>
                         </a:solidFill>
@@ -6050,7 +6057,7 @@
                     <a:p>
                       <a:pPr algn="ctr" latinLnBrk="1"/>
                       <a:r>
-                        <a:rPr lang="en-US" altLang="ko-KR" sz="1800" b="0" dirty="0" smtClean="0">
+                        <a:rPr lang="en-US" altLang="ko-KR" sz="2400" b="1" dirty="0" smtClean="0">
                           <a:solidFill>
                             <a:schemeClr val="tx1"/>
                           </a:solidFill>
@@ -6058,7 +6065,7 @@
                         </a:rPr>
                         <a:t>1</a:t>
                       </a:r>
-                      <a:endParaRPr lang="ko-KR" altLang="en-US" sz="1800" b="0" dirty="0">
+                      <a:endParaRPr lang="ko-KR" altLang="en-US" sz="2400" b="1" dirty="0">
                         <a:solidFill>
                           <a:schemeClr val="tx1"/>
                         </a:solidFill>
@@ -6121,7 +6128,7 @@
                     <a:p>
                       <a:pPr algn="ctr" latinLnBrk="1"/>
                       <a:r>
-                        <a:rPr lang="en-US" altLang="ko-KR" sz="1800" b="0" dirty="0" smtClean="0">
+                        <a:rPr lang="en-US" altLang="ko-KR" sz="2400" b="1" dirty="0" smtClean="0">
                           <a:solidFill>
                             <a:schemeClr val="tx1"/>
                           </a:solidFill>
@@ -6129,7 +6136,7 @@
                         </a:rPr>
                         <a:t>0</a:t>
                       </a:r>
-                      <a:endParaRPr lang="ko-KR" altLang="en-US" sz="1800" b="0" dirty="0">
+                      <a:endParaRPr lang="ko-KR" altLang="en-US" sz="2400" b="1" dirty="0">
                         <a:solidFill>
                           <a:schemeClr val="tx1"/>
                         </a:solidFill>
@@ -6192,7 +6199,7 @@
                     <a:p>
                       <a:pPr algn="ctr" latinLnBrk="1"/>
                       <a:r>
-                        <a:rPr lang="en-US" altLang="ko-KR" sz="1800" b="0" dirty="0" smtClean="0">
+                        <a:rPr lang="en-US" altLang="ko-KR" sz="2400" b="1" dirty="0" smtClean="0">
                           <a:solidFill>
                             <a:schemeClr val="tx1"/>
                           </a:solidFill>
@@ -6200,7 +6207,7 @@
                         </a:rPr>
                         <a:t>0</a:t>
                       </a:r>
-                      <a:endParaRPr lang="ko-KR" altLang="en-US" sz="1800" b="0" dirty="0">
+                      <a:endParaRPr lang="ko-KR" altLang="en-US" sz="2400" b="1" dirty="0">
                         <a:solidFill>
                           <a:schemeClr val="tx1"/>
                         </a:solidFill>
@@ -6263,7 +6270,7 @@
                     <a:p>
                       <a:pPr algn="ctr" latinLnBrk="1"/>
                       <a:r>
-                        <a:rPr lang="en-US" altLang="ko-KR" sz="1800" b="0" kern="1200" dirty="0" smtClean="0">
+                        <a:rPr lang="en-US" altLang="ko-KR" sz="2400" b="1" kern="1200" dirty="0" smtClean="0">
                           <a:solidFill>
                             <a:schemeClr val="tx1"/>
                           </a:solidFill>
@@ -6273,7 +6280,7 @@
                         </a:rPr>
                         <a:t>…</a:t>
                       </a:r>
-                      <a:endParaRPr lang="ko-KR" altLang="en-US" sz="1800" b="0" dirty="0">
+                      <a:endParaRPr lang="ko-KR" altLang="en-US" sz="2400" b="1" dirty="0">
                         <a:solidFill>
                           <a:schemeClr val="tx1"/>
                         </a:solidFill>
@@ -6336,7 +6343,7 @@
                     <a:p>
                       <a:pPr algn="ctr" latinLnBrk="1"/>
                       <a:r>
-                        <a:rPr lang="en-US" altLang="ko-KR" sz="1800" b="0" dirty="0" smtClean="0">
+                        <a:rPr lang="en-US" altLang="ko-KR" sz="2400" b="1" dirty="0" smtClean="0">
                           <a:solidFill>
                             <a:schemeClr val="tx1"/>
                           </a:solidFill>
@@ -6344,7 +6351,7 @@
                         </a:rPr>
                         <a:t>0</a:t>
                       </a:r>
-                      <a:endParaRPr lang="ko-KR" altLang="en-US" sz="1800" b="0" dirty="0">
+                      <a:endParaRPr lang="ko-KR" altLang="en-US" sz="2400" b="1" dirty="0">
                         <a:solidFill>
                           <a:schemeClr val="tx1"/>
                         </a:solidFill>
@@ -6409,7 +6416,7 @@
                     <a:p>
                       <a:pPr algn="ctr" latinLnBrk="1"/>
                       <a:r>
-                        <a:rPr lang="en-US" altLang="ko-KR" sz="1800" b="0" dirty="0" smtClean="0">
+                        <a:rPr lang="en-US" altLang="ko-KR" sz="2400" b="1" dirty="0" smtClean="0">
                           <a:solidFill>
                             <a:schemeClr val="tx1"/>
                           </a:solidFill>
@@ -6417,7 +6424,7 @@
                         </a:rPr>
                         <a:t>1</a:t>
                       </a:r>
-                      <a:endParaRPr lang="ko-KR" altLang="en-US" sz="1800" b="0" dirty="0">
+                      <a:endParaRPr lang="ko-KR" altLang="en-US" sz="2400" b="1" dirty="0">
                         <a:solidFill>
                           <a:schemeClr val="tx1"/>
                         </a:solidFill>
@@ -6482,7 +6489,7 @@
                     <a:p>
                       <a:pPr algn="ctr" latinLnBrk="1"/>
                       <a:r>
-                        <a:rPr lang="en-US" altLang="ko-KR" sz="1800" b="0" dirty="0" smtClean="0">
+                        <a:rPr lang="en-US" altLang="ko-KR" sz="2400" b="1" dirty="0" smtClean="0">
                           <a:solidFill>
                             <a:schemeClr val="tx1"/>
                           </a:solidFill>
@@ -6490,7 +6497,7 @@
                         </a:rPr>
                         <a:t>0</a:t>
                       </a:r>
-                      <a:endParaRPr lang="ko-KR" altLang="en-US" sz="1800" b="0" dirty="0">
+                      <a:endParaRPr lang="ko-KR" altLang="en-US" sz="2400" b="1" dirty="0">
                         <a:solidFill>
                           <a:schemeClr val="tx1"/>
                         </a:solidFill>
@@ -6553,7 +6560,7 @@
                     <a:p>
                       <a:pPr algn="ctr" latinLnBrk="1"/>
                       <a:r>
-                        <a:rPr lang="en-US" altLang="ko-KR" sz="1800" b="0" dirty="0" smtClean="0">
+                        <a:rPr lang="en-US" altLang="ko-KR" sz="2400" b="1" dirty="0" smtClean="0">
                           <a:solidFill>
                             <a:schemeClr val="tx1"/>
                           </a:solidFill>
@@ -6561,7 +6568,7 @@
                         </a:rPr>
                         <a:t>1</a:t>
                       </a:r>
-                      <a:endParaRPr lang="ko-KR" altLang="en-US" sz="1800" b="0" dirty="0">
+                      <a:endParaRPr lang="ko-KR" altLang="en-US" sz="2400" b="1" dirty="0">
                         <a:solidFill>
                           <a:schemeClr val="tx1"/>
                         </a:solidFill>
@@ -6624,7 +6631,7 @@
                     <a:p>
                       <a:pPr algn="ctr" latinLnBrk="1"/>
                       <a:r>
-                        <a:rPr lang="en-US" altLang="ko-KR" sz="1800" b="0" dirty="0" smtClean="0">
+                        <a:rPr lang="en-US" altLang="ko-KR" sz="2400" b="1" dirty="0" smtClean="0">
                           <a:solidFill>
                             <a:schemeClr val="tx1"/>
                           </a:solidFill>
@@ -6632,7 +6639,7 @@
                         </a:rPr>
                         <a:t>1</a:t>
                       </a:r>
-                      <a:endParaRPr lang="ko-KR" altLang="en-US" sz="1800" b="0" dirty="0">
+                      <a:endParaRPr lang="ko-KR" altLang="en-US" sz="2400" b="1" dirty="0">
                         <a:solidFill>
                           <a:schemeClr val="tx1"/>
                         </a:solidFill>
@@ -6695,7 +6702,7 @@
                     <a:p>
                       <a:pPr algn="ctr" latinLnBrk="1"/>
                       <a:r>
-                        <a:rPr lang="en-US" altLang="ko-KR" sz="1800" b="0" kern="1200" dirty="0" smtClean="0">
+                        <a:rPr lang="en-US" altLang="ko-KR" sz="2400" b="1" kern="1200" dirty="0" smtClean="0">
                           <a:solidFill>
                             <a:schemeClr val="tx1"/>
                           </a:solidFill>
@@ -6705,7 +6712,7 @@
                         </a:rPr>
                         <a:t>…</a:t>
                       </a:r>
-                      <a:endParaRPr lang="ko-KR" altLang="en-US" sz="1800" b="0" dirty="0">
+                      <a:endParaRPr lang="ko-KR" altLang="en-US" sz="2400" b="1" dirty="0">
                         <a:solidFill>
                           <a:schemeClr val="tx1"/>
                         </a:solidFill>
@@ -6768,7 +6775,7 @@
                     <a:p>
                       <a:pPr algn="ctr" latinLnBrk="1"/>
                       <a:r>
-                        <a:rPr lang="en-US" altLang="ko-KR" sz="1800" b="0" dirty="0" smtClean="0">
+                        <a:rPr lang="en-US" altLang="ko-KR" sz="2400" b="1" dirty="0" smtClean="0">
                           <a:solidFill>
                             <a:schemeClr val="tx1"/>
                           </a:solidFill>
@@ -6776,7 +6783,7 @@
                         </a:rPr>
                         <a:t>0</a:t>
                       </a:r>
-                      <a:endParaRPr lang="ko-KR" altLang="en-US" sz="1800" b="0" dirty="0">
+                      <a:endParaRPr lang="ko-KR" altLang="en-US" sz="2400" b="1" dirty="0">
                         <a:solidFill>
                           <a:schemeClr val="tx1"/>
                         </a:solidFill>
@@ -6841,7 +6848,7 @@
                     <a:p>
                       <a:pPr algn="ctr" latinLnBrk="1"/>
                       <a:r>
-                        <a:rPr lang="en-US" altLang="ko-KR" sz="1800" b="0" dirty="0" smtClean="0">
+                        <a:rPr lang="en-US" altLang="ko-KR" sz="2400" b="1" dirty="0" smtClean="0">
                           <a:solidFill>
                             <a:schemeClr val="tx1"/>
                           </a:solidFill>
@@ -6849,7 +6856,7 @@
                         </a:rPr>
                         <a:t>2</a:t>
                       </a:r>
-                      <a:endParaRPr lang="ko-KR" altLang="en-US" sz="1800" b="0" dirty="0">
+                      <a:endParaRPr lang="ko-KR" altLang="en-US" sz="2400" b="1" dirty="0">
                         <a:solidFill>
                           <a:schemeClr val="tx1"/>
                         </a:solidFill>
@@ -6914,7 +6921,7 @@
                     <a:p>
                       <a:pPr algn="ctr" latinLnBrk="1"/>
                       <a:r>
-                        <a:rPr lang="en-US" altLang="ko-KR" sz="1800" b="0" dirty="0" smtClean="0">
+                        <a:rPr lang="en-US" altLang="ko-KR" sz="2400" b="1" dirty="0" smtClean="0">
                           <a:solidFill>
                             <a:schemeClr val="tx1"/>
                           </a:solidFill>
@@ -6922,7 +6929,7 @@
                         </a:rPr>
                         <a:t>0</a:t>
                       </a:r>
-                      <a:endParaRPr lang="ko-KR" altLang="en-US" sz="1800" b="0" dirty="0">
+                      <a:endParaRPr lang="ko-KR" altLang="en-US" sz="2400" b="1" dirty="0">
                         <a:solidFill>
                           <a:schemeClr val="tx1"/>
                         </a:solidFill>
@@ -6985,7 +6992,7 @@
                     <a:p>
                       <a:pPr algn="ctr" latinLnBrk="1"/>
                       <a:r>
-                        <a:rPr lang="en-US" altLang="ko-KR" sz="1800" b="0" dirty="0" smtClean="0">
+                        <a:rPr lang="en-US" altLang="ko-KR" sz="2400" b="1" dirty="0" smtClean="0">
                           <a:solidFill>
                             <a:schemeClr val="tx1"/>
                           </a:solidFill>
@@ -6993,7 +7000,7 @@
                         </a:rPr>
                         <a:t>0</a:t>
                       </a:r>
-                      <a:endParaRPr lang="ko-KR" altLang="en-US" sz="1800" b="0" dirty="0">
+                      <a:endParaRPr lang="ko-KR" altLang="en-US" sz="2400" b="1" dirty="0">
                         <a:solidFill>
                           <a:schemeClr val="tx1"/>
                         </a:solidFill>
@@ -7056,7 +7063,7 @@
                     <a:p>
                       <a:pPr algn="ctr" latinLnBrk="1"/>
                       <a:r>
-                        <a:rPr lang="en-US" altLang="ko-KR" sz="1800" b="0" dirty="0" smtClean="0">
+                        <a:rPr lang="en-US" altLang="ko-KR" sz="2400" b="1" dirty="0" smtClean="0">
                           <a:solidFill>
                             <a:schemeClr val="tx1"/>
                           </a:solidFill>
@@ -7064,7 +7071,7 @@
                         </a:rPr>
                         <a:t>0</a:t>
                       </a:r>
-                      <a:endParaRPr lang="ko-KR" altLang="en-US" sz="1800" b="0" dirty="0">
+                      <a:endParaRPr lang="ko-KR" altLang="en-US" sz="2400" b="1" dirty="0">
                         <a:solidFill>
                           <a:schemeClr val="tx1"/>
                         </a:solidFill>
@@ -7127,7 +7134,7 @@
                     <a:p>
                       <a:pPr algn="ctr" latinLnBrk="1"/>
                       <a:r>
-                        <a:rPr lang="en-US" altLang="ko-KR" sz="1800" b="0" kern="1200" dirty="0" smtClean="0">
+                        <a:rPr lang="en-US" altLang="ko-KR" sz="2400" b="1" kern="1200" dirty="0" smtClean="0">
                           <a:solidFill>
                             <a:schemeClr val="tx1"/>
                           </a:solidFill>
@@ -7137,7 +7144,7 @@
                         </a:rPr>
                         <a:t>…</a:t>
                       </a:r>
-                      <a:endParaRPr lang="ko-KR" altLang="en-US" sz="1800" b="0" dirty="0">
+                      <a:endParaRPr lang="ko-KR" altLang="en-US" sz="2400" b="1" dirty="0">
                         <a:solidFill>
                           <a:schemeClr val="tx1"/>
                         </a:solidFill>
@@ -7200,7 +7207,7 @@
                     <a:p>
                       <a:pPr algn="ctr" latinLnBrk="1"/>
                       <a:r>
-                        <a:rPr lang="en-US" altLang="ko-KR" sz="1800" b="0" dirty="0" smtClean="0">
+                        <a:rPr lang="en-US" altLang="ko-KR" sz="2400" b="1" dirty="0" smtClean="0">
                           <a:solidFill>
                             <a:schemeClr val="tx1"/>
                           </a:solidFill>
@@ -7208,7 +7215,7 @@
                         </a:rPr>
                         <a:t>0</a:t>
                       </a:r>
-                      <a:endParaRPr lang="ko-KR" altLang="en-US" sz="1800" b="0" dirty="0">
+                      <a:endParaRPr lang="ko-KR" altLang="en-US" sz="2400" b="1" dirty="0">
                         <a:solidFill>
                           <a:schemeClr val="tx1"/>
                         </a:solidFill>
@@ -7273,7 +7280,7 @@
                     <a:p>
                       <a:pPr algn="ctr" latinLnBrk="1"/>
                       <a:r>
-                        <a:rPr lang="en-US" altLang="ko-KR" sz="1800" b="0" dirty="0" smtClean="0">
+                        <a:rPr lang="en-US" altLang="ko-KR" sz="2400" b="1" dirty="0" smtClean="0">
                           <a:solidFill>
                             <a:schemeClr val="tx1"/>
                           </a:solidFill>
@@ -7281,7 +7288,7 @@
                         </a:rPr>
                         <a:t>3</a:t>
                       </a:r>
-                      <a:endParaRPr lang="ko-KR" altLang="en-US" sz="1800" b="0" dirty="0">
+                      <a:endParaRPr lang="ko-KR" altLang="en-US" sz="2400" b="1" dirty="0">
                         <a:solidFill>
                           <a:schemeClr val="tx1"/>
                         </a:solidFill>
@@ -7346,7 +7353,7 @@
                     <a:p>
                       <a:pPr algn="ctr" latinLnBrk="1"/>
                       <a:r>
-                        <a:rPr lang="en-US" altLang="ko-KR" sz="1800" b="0" dirty="0" smtClean="0">
+                        <a:rPr lang="en-US" altLang="ko-KR" sz="2400" b="1" dirty="0" smtClean="0">
                           <a:solidFill>
                             <a:schemeClr val="tx1"/>
                           </a:solidFill>
@@ -7354,7 +7361,7 @@
                         </a:rPr>
                         <a:t>1</a:t>
                       </a:r>
-                      <a:endParaRPr lang="ko-KR" altLang="en-US" sz="1800" b="0" dirty="0">
+                      <a:endParaRPr lang="ko-KR" altLang="en-US" sz="2400" b="1" dirty="0">
                         <a:solidFill>
                           <a:schemeClr val="tx1"/>
                         </a:solidFill>
@@ -7417,7 +7424,7 @@
                     <a:p>
                       <a:pPr algn="ctr" latinLnBrk="1"/>
                       <a:r>
-                        <a:rPr lang="en-US" altLang="ko-KR" sz="1800" b="0" dirty="0" smtClean="0">
+                        <a:rPr lang="en-US" altLang="ko-KR" sz="2400" b="1" dirty="0" smtClean="0">
                           <a:solidFill>
                             <a:schemeClr val="tx1"/>
                           </a:solidFill>
@@ -7425,7 +7432,7 @@
                         </a:rPr>
                         <a:t>1</a:t>
                       </a:r>
-                      <a:endParaRPr lang="ko-KR" altLang="en-US" sz="1800" b="0" dirty="0">
+                      <a:endParaRPr lang="ko-KR" altLang="en-US" sz="2400" b="1" dirty="0">
                         <a:solidFill>
                           <a:schemeClr val="tx1"/>
                         </a:solidFill>
@@ -7488,7 +7495,7 @@
                     <a:p>
                       <a:pPr algn="ctr" latinLnBrk="1"/>
                       <a:r>
-                        <a:rPr lang="en-US" altLang="ko-KR" sz="1800" b="0" dirty="0" smtClean="0">
+                        <a:rPr lang="en-US" altLang="ko-KR" sz="2400" b="1" dirty="0" smtClean="0">
                           <a:solidFill>
                             <a:schemeClr val="tx1"/>
                           </a:solidFill>
@@ -7496,7 +7503,7 @@
                         </a:rPr>
                         <a:t>0</a:t>
                       </a:r>
-                      <a:endParaRPr lang="ko-KR" altLang="en-US" sz="1800" b="0" dirty="0">
+                      <a:endParaRPr lang="ko-KR" altLang="en-US" sz="2400" b="1" dirty="0">
                         <a:solidFill>
                           <a:schemeClr val="tx1"/>
                         </a:solidFill>
@@ -7559,7 +7566,7 @@
                     <a:p>
                       <a:pPr algn="ctr" latinLnBrk="1"/>
                       <a:r>
-                        <a:rPr lang="en-US" altLang="ko-KR" sz="1800" b="0" kern="1200" dirty="0" smtClean="0">
+                        <a:rPr lang="en-US" altLang="ko-KR" sz="2400" b="1" kern="1200" dirty="0" smtClean="0">
                           <a:solidFill>
                             <a:schemeClr val="tx1"/>
                           </a:solidFill>
@@ -7569,7 +7576,7 @@
                         </a:rPr>
                         <a:t>…</a:t>
                       </a:r>
-                      <a:endParaRPr lang="ko-KR" altLang="en-US" sz="1800" b="0" dirty="0">
+                      <a:endParaRPr lang="ko-KR" altLang="en-US" sz="2400" b="1" dirty="0">
                         <a:solidFill>
                           <a:schemeClr val="tx1"/>
                         </a:solidFill>
@@ -7632,7 +7639,7 @@
                     <a:p>
                       <a:pPr algn="ctr" latinLnBrk="1"/>
                       <a:r>
-                        <a:rPr lang="en-US" altLang="ko-KR" sz="1800" b="0" dirty="0" smtClean="0">
+                        <a:rPr lang="en-US" altLang="ko-KR" sz="2400" b="1" dirty="0" smtClean="0">
                           <a:solidFill>
                             <a:schemeClr val="tx1"/>
                           </a:solidFill>
@@ -7640,7 +7647,7 @@
                         </a:rPr>
                         <a:t>0</a:t>
                       </a:r>
-                      <a:endParaRPr lang="ko-KR" altLang="en-US" sz="1800" b="0" dirty="0">
+                      <a:endParaRPr lang="ko-KR" altLang="en-US" sz="2400" b="1" dirty="0">
                         <a:solidFill>
                           <a:schemeClr val="tx1"/>
                         </a:solidFill>
@@ -7705,7 +7712,7 @@
                     <a:p>
                       <a:pPr algn="ctr" latinLnBrk="1"/>
                       <a:r>
-                        <a:rPr lang="en-US" altLang="ko-KR" sz="1800" b="0" dirty="0" smtClean="0">
+                        <a:rPr lang="en-US" altLang="ko-KR" sz="2400" b="1" dirty="0" smtClean="0">
                           <a:solidFill>
                             <a:schemeClr val="tx1"/>
                           </a:solidFill>
@@ -7713,7 +7720,7 @@
                         </a:rPr>
                         <a:t>4</a:t>
                       </a:r>
-                      <a:endParaRPr lang="ko-KR" altLang="en-US" sz="1800" b="0" dirty="0">
+                      <a:endParaRPr lang="ko-KR" altLang="en-US" sz="2400" b="1" dirty="0">
                         <a:solidFill>
                           <a:schemeClr val="tx1"/>
                         </a:solidFill>
@@ -7778,7 +7785,7 @@
                     <a:p>
                       <a:pPr algn="ctr" latinLnBrk="1"/>
                       <a:r>
-                        <a:rPr lang="en-US" altLang="ko-KR" sz="1800" b="0" dirty="0" smtClean="0">
+                        <a:rPr lang="en-US" altLang="ko-KR" sz="2400" b="1" dirty="0" smtClean="0">
                           <a:solidFill>
                             <a:schemeClr val="tx1"/>
                           </a:solidFill>
@@ -7786,7 +7793,7 @@
                         </a:rPr>
                         <a:t>0</a:t>
                       </a:r>
-                      <a:endParaRPr lang="ko-KR" altLang="en-US" sz="1800" b="0" dirty="0">
+                      <a:endParaRPr lang="ko-KR" altLang="en-US" sz="2400" b="1" dirty="0">
                         <a:solidFill>
                           <a:schemeClr val="tx1"/>
                         </a:solidFill>
@@ -7849,7 +7856,7 @@
                     <a:p>
                       <a:pPr algn="ctr" latinLnBrk="1"/>
                       <a:r>
-                        <a:rPr lang="en-US" altLang="ko-KR" sz="1800" b="0" dirty="0" smtClean="0">
+                        <a:rPr lang="en-US" altLang="ko-KR" sz="2400" b="1" dirty="0" smtClean="0">
                           <a:solidFill>
                             <a:schemeClr val="tx1"/>
                           </a:solidFill>
@@ -7857,7 +7864,7 @@
                         </a:rPr>
                         <a:t>0</a:t>
                       </a:r>
-                      <a:endParaRPr lang="ko-KR" altLang="en-US" sz="1800" b="0" dirty="0">
+                      <a:endParaRPr lang="ko-KR" altLang="en-US" sz="2400" b="1" dirty="0">
                         <a:solidFill>
                           <a:schemeClr val="tx1"/>
                         </a:solidFill>
@@ -7920,7 +7927,7 @@
                     <a:p>
                       <a:pPr algn="ctr" latinLnBrk="1"/>
                       <a:r>
-                        <a:rPr lang="en-US" altLang="ko-KR" sz="1800" b="0" dirty="0" smtClean="0">
+                        <a:rPr lang="en-US" altLang="ko-KR" sz="2400" b="1" dirty="0" smtClean="0">
                           <a:solidFill>
                             <a:schemeClr val="tx1"/>
                           </a:solidFill>
@@ -7928,7 +7935,7 @@
                         </a:rPr>
                         <a:t>0</a:t>
                       </a:r>
-                      <a:endParaRPr lang="ko-KR" altLang="en-US" sz="1800" b="0" dirty="0">
+                      <a:endParaRPr lang="ko-KR" altLang="en-US" sz="2400" b="1" dirty="0">
                         <a:solidFill>
                           <a:schemeClr val="tx1"/>
                         </a:solidFill>
@@ -7991,7 +7998,7 @@
                     <a:p>
                       <a:pPr algn="ctr" latinLnBrk="1"/>
                       <a:r>
-                        <a:rPr lang="en-US" altLang="ko-KR" sz="1800" b="0" kern="1200" dirty="0" smtClean="0">
+                        <a:rPr lang="en-US" altLang="ko-KR" sz="2400" b="1" kern="1200" dirty="0" smtClean="0">
                           <a:solidFill>
                             <a:schemeClr val="tx1"/>
                           </a:solidFill>
@@ -8001,7 +8008,7 @@
                         </a:rPr>
                         <a:t>…</a:t>
                       </a:r>
-                      <a:endParaRPr lang="ko-KR" altLang="en-US" sz="1800" b="0" dirty="0">
+                      <a:endParaRPr lang="ko-KR" altLang="en-US" sz="2400" b="1" dirty="0">
                         <a:solidFill>
                           <a:schemeClr val="tx1"/>
                         </a:solidFill>
@@ -8064,7 +8071,7 @@
                     <a:p>
                       <a:pPr algn="ctr" latinLnBrk="1"/>
                       <a:r>
-                        <a:rPr lang="en-US" altLang="ko-KR" sz="1800" b="0" dirty="0" smtClean="0">
+                        <a:rPr lang="en-US" altLang="ko-KR" sz="2400" b="1" dirty="0" smtClean="0">
                           <a:solidFill>
                             <a:schemeClr val="tx1"/>
                           </a:solidFill>
@@ -8072,7 +8079,7 @@
                         </a:rPr>
                         <a:t>0</a:t>
                       </a:r>
-                      <a:endParaRPr lang="ko-KR" altLang="en-US" sz="1800" b="0" dirty="0">
+                      <a:endParaRPr lang="ko-KR" altLang="en-US" sz="2400" b="1" dirty="0">
                         <a:solidFill>
                           <a:schemeClr val="tx1"/>
                         </a:solidFill>
@@ -8137,7 +8144,7 @@
                     <a:p>
                       <a:pPr algn="ctr" latinLnBrk="1"/>
                       <a:r>
-                        <a:rPr lang="en-US" altLang="ko-KR" sz="1800" b="0" dirty="0" smtClean="0">
+                        <a:rPr lang="en-US" altLang="ko-KR" sz="2400" b="1" dirty="0" smtClean="0">
                           <a:solidFill>
                             <a:schemeClr val="tx1"/>
                           </a:solidFill>
@@ -8145,7 +8152,7 @@
                         </a:rPr>
                         <a:t>5</a:t>
                       </a:r>
-                      <a:endParaRPr lang="ko-KR" altLang="en-US" sz="1800" b="0" dirty="0">
+                      <a:endParaRPr lang="ko-KR" altLang="en-US" sz="2400" b="1" dirty="0">
                         <a:solidFill>
                           <a:schemeClr val="tx1"/>
                         </a:solidFill>
@@ -8210,7 +8217,7 @@
                     <a:p>
                       <a:pPr algn="ctr" latinLnBrk="1"/>
                       <a:r>
-                        <a:rPr lang="en-US" altLang="ko-KR" sz="1800" b="0" dirty="0" smtClean="0">
+                        <a:rPr lang="en-US" altLang="ko-KR" sz="2400" b="1" dirty="0" smtClean="0">
                           <a:solidFill>
                             <a:schemeClr val="tx1"/>
                           </a:solidFill>
@@ -8218,7 +8225,7 @@
                         </a:rPr>
                         <a:t>0</a:t>
                       </a:r>
-                      <a:endParaRPr lang="ko-KR" altLang="en-US" sz="1800" b="0" dirty="0">
+                      <a:endParaRPr lang="ko-KR" altLang="en-US" sz="2400" b="1" dirty="0">
                         <a:solidFill>
                           <a:schemeClr val="tx1"/>
                         </a:solidFill>
@@ -8281,7 +8288,7 @@
                     <a:p>
                       <a:pPr algn="ctr" latinLnBrk="1"/>
                       <a:r>
-                        <a:rPr lang="en-US" altLang="ko-KR" sz="1800" b="0" dirty="0" smtClean="0">
+                        <a:rPr lang="en-US" altLang="ko-KR" sz="2400" b="1" dirty="0" smtClean="0">
                           <a:solidFill>
                             <a:schemeClr val="tx1"/>
                           </a:solidFill>
@@ -8289,7 +8296,7 @@
                         </a:rPr>
                         <a:t>0</a:t>
                       </a:r>
-                      <a:endParaRPr lang="ko-KR" altLang="en-US" sz="1800" b="0" dirty="0">
+                      <a:endParaRPr lang="ko-KR" altLang="en-US" sz="2400" b="1" dirty="0">
                         <a:solidFill>
                           <a:schemeClr val="tx1"/>
                         </a:solidFill>
@@ -8352,7 +8359,7 @@
                     <a:p>
                       <a:pPr algn="ctr" latinLnBrk="1"/>
                       <a:r>
-                        <a:rPr lang="en-US" altLang="ko-KR" sz="1800" b="0" dirty="0" smtClean="0">
+                        <a:rPr lang="en-US" altLang="ko-KR" sz="2400" b="1" dirty="0" smtClean="0">
                           <a:solidFill>
                             <a:schemeClr val="tx1"/>
                           </a:solidFill>
@@ -8360,7 +8367,7 @@
                         </a:rPr>
                         <a:t>1</a:t>
                       </a:r>
-                      <a:endParaRPr lang="ko-KR" altLang="en-US" sz="1800" b="0" dirty="0">
+                      <a:endParaRPr lang="ko-KR" altLang="en-US" sz="2400" b="1" dirty="0">
                         <a:solidFill>
                           <a:schemeClr val="tx1"/>
                         </a:solidFill>
@@ -8423,7 +8430,7 @@
                     <a:p>
                       <a:pPr algn="ctr" latinLnBrk="1"/>
                       <a:r>
-                        <a:rPr lang="en-US" altLang="ko-KR" sz="1800" b="0" kern="1200" dirty="0" smtClean="0">
+                        <a:rPr lang="en-US" altLang="ko-KR" sz="2400" b="1" kern="1200" dirty="0" smtClean="0">
                           <a:solidFill>
                             <a:schemeClr val="tx1"/>
                           </a:solidFill>
@@ -8433,7 +8440,7 @@
                         </a:rPr>
                         <a:t>…</a:t>
                       </a:r>
-                      <a:endParaRPr lang="ko-KR" altLang="en-US" sz="1800" b="0" dirty="0">
+                      <a:endParaRPr lang="ko-KR" altLang="en-US" sz="2400" b="1" dirty="0">
                         <a:solidFill>
                           <a:schemeClr val="tx1"/>
                         </a:solidFill>
@@ -8496,7 +8503,7 @@
                     <a:p>
                       <a:pPr algn="ctr" latinLnBrk="1"/>
                       <a:r>
-                        <a:rPr lang="en-US" altLang="ko-KR" sz="1800" b="0" dirty="0" smtClean="0">
+                        <a:rPr lang="en-US" altLang="ko-KR" sz="2400" b="1" dirty="0" smtClean="0">
                           <a:solidFill>
                             <a:schemeClr val="tx1"/>
                           </a:solidFill>
@@ -8504,7 +8511,7 @@
                         </a:rPr>
                         <a:t>1</a:t>
                       </a:r>
-                      <a:endParaRPr lang="ko-KR" altLang="en-US" sz="1800" b="0" dirty="0">
+                      <a:endParaRPr lang="ko-KR" altLang="en-US" sz="2400" b="1" dirty="0">
                         <a:solidFill>
                           <a:schemeClr val="tx1"/>
                         </a:solidFill>
@@ -8585,7 +8592,7 @@
                         <a:defRPr/>
                       </a:pPr>
                       <a:r>
-                        <a:rPr lang="en-US" altLang="ko-KR" sz="1800" b="0" kern="1200" dirty="0" smtClean="0">
+                        <a:rPr lang="en-US" altLang="ko-KR" sz="2400" b="1" kern="1200" dirty="0" smtClean="0">
                           <a:solidFill>
                             <a:schemeClr val="tx1"/>
                           </a:solidFill>
@@ -8595,7 +8602,7 @@
                         </a:rPr>
                         <a:t>︙</a:t>
                       </a:r>
-                      <a:endParaRPr lang="ko-KR" altLang="en-US" sz="1800" b="0" kern="1200" dirty="0" smtClean="0">
+                      <a:endParaRPr lang="ko-KR" altLang="en-US" sz="2400" b="1" kern="1200" dirty="0" smtClean="0">
                         <a:solidFill>
                           <a:schemeClr val="tx1"/>
                         </a:solidFill>
@@ -8662,7 +8669,7 @@
                     <a:p>
                       <a:pPr algn="ctr" latinLnBrk="1"/>
                       <a:r>
-                        <a:rPr lang="en-US" altLang="ko-KR" sz="1800" b="0" kern="1200" dirty="0" smtClean="0">
+                        <a:rPr lang="en-US" altLang="ko-KR" sz="2400" b="1" kern="1200" dirty="0" smtClean="0">
                           <a:solidFill>
                             <a:schemeClr val="tx1"/>
                           </a:solidFill>
@@ -8672,7 +8679,7 @@
                         </a:rPr>
                         <a:t>︙</a:t>
                       </a:r>
-                      <a:endParaRPr lang="ko-KR" altLang="en-US" sz="1800" b="0" dirty="0">
+                      <a:endParaRPr lang="ko-KR" altLang="en-US" sz="2400" b="1" dirty="0">
                         <a:solidFill>
                           <a:schemeClr val="tx1"/>
                         </a:solidFill>
@@ -8735,7 +8742,7 @@
                     <a:p>
                       <a:pPr algn="ctr" latinLnBrk="1"/>
                       <a:r>
-                        <a:rPr lang="en-US" altLang="ko-KR" sz="1800" b="0" kern="1200" dirty="0" smtClean="0">
+                        <a:rPr lang="en-US" altLang="ko-KR" sz="2400" b="1" kern="1200" dirty="0" smtClean="0">
                           <a:solidFill>
                             <a:schemeClr val="tx1"/>
                           </a:solidFill>
@@ -8745,7 +8752,7 @@
                         </a:rPr>
                         <a:t>︙</a:t>
                       </a:r>
-                      <a:endParaRPr lang="ko-KR" altLang="en-US" sz="1800" b="0" dirty="0">
+                      <a:endParaRPr lang="ko-KR" altLang="en-US" sz="2400" b="1" dirty="0">
                         <a:solidFill>
                           <a:schemeClr val="tx1"/>
                         </a:solidFill>
@@ -8808,7 +8815,7 @@
                     <a:p>
                       <a:pPr algn="ctr" latinLnBrk="1"/>
                       <a:r>
-                        <a:rPr lang="en-US" altLang="ko-KR" sz="1800" b="0" kern="1200" dirty="0" smtClean="0">
+                        <a:rPr lang="en-US" altLang="ko-KR" sz="2400" b="1" kern="1200" dirty="0" smtClean="0">
                           <a:solidFill>
                             <a:schemeClr val="tx1"/>
                           </a:solidFill>
@@ -8818,7 +8825,7 @@
                         </a:rPr>
                         <a:t>︙</a:t>
                       </a:r>
-                      <a:endParaRPr lang="ko-KR" altLang="en-US" sz="1800" b="0" dirty="0">
+                      <a:endParaRPr lang="ko-KR" altLang="en-US" sz="2400" b="1" dirty="0">
                         <a:solidFill>
                           <a:schemeClr val="tx1"/>
                         </a:solidFill>
@@ -8880,7 +8887,7 @@
                     <a:lstStyle/>
                     <a:p>
                       <a:pPr algn="ctr" latinLnBrk="1"/>
-                      <a:endParaRPr lang="ko-KR" altLang="en-US" sz="1800" b="0" dirty="0">
+                      <a:endParaRPr lang="ko-KR" altLang="en-US" sz="2400" b="1" dirty="0">
                         <a:solidFill>
                           <a:schemeClr val="tx1"/>
                         </a:solidFill>
@@ -8943,7 +8950,7 @@
                     <a:p>
                       <a:pPr algn="ctr" latinLnBrk="1"/>
                       <a:r>
-                        <a:rPr lang="en-US" altLang="ko-KR" sz="1800" b="0" kern="1200" dirty="0" smtClean="0">
+                        <a:rPr lang="en-US" altLang="ko-KR" sz="2400" b="1" kern="1200" dirty="0" smtClean="0">
                           <a:solidFill>
                             <a:schemeClr val="tx1"/>
                           </a:solidFill>
@@ -8953,7 +8960,7 @@
                         </a:rPr>
                         <a:t>︙</a:t>
                       </a:r>
-                      <a:endParaRPr lang="ko-KR" altLang="en-US" sz="1800" b="0" dirty="0">
+                      <a:endParaRPr lang="ko-KR" altLang="en-US" sz="2400" b="1" dirty="0">
                         <a:solidFill>
                           <a:schemeClr val="tx1"/>
                         </a:solidFill>
@@ -9018,7 +9025,7 @@
                     <a:p>
                       <a:pPr algn="ctr" latinLnBrk="1"/>
                       <a:r>
-                        <a:rPr lang="en-US" altLang="ko-KR" sz="1800" b="0" dirty="0" smtClean="0">
+                        <a:rPr lang="en-US" altLang="ko-KR" sz="2400" b="1" dirty="0" smtClean="0">
                           <a:solidFill>
                             <a:schemeClr val="tx1"/>
                           </a:solidFill>
@@ -9026,7 +9033,7 @@
                         </a:rPr>
                         <a:t>p-1</a:t>
                       </a:r>
-                      <a:endParaRPr lang="ko-KR" altLang="en-US" sz="1800" b="0" dirty="0">
+                      <a:endParaRPr lang="ko-KR" altLang="en-US" sz="2400" b="1" dirty="0">
                         <a:solidFill>
                           <a:schemeClr val="tx1"/>
                         </a:solidFill>
@@ -9091,7 +9098,7 @@
                     <a:p>
                       <a:pPr algn="ctr" latinLnBrk="1"/>
                       <a:r>
-                        <a:rPr lang="en-US" altLang="ko-KR" sz="1800" b="0" dirty="0" smtClean="0">
+                        <a:rPr lang="en-US" altLang="ko-KR" sz="2400" b="1" dirty="0" smtClean="0">
                           <a:solidFill>
                             <a:schemeClr val="tx1"/>
                           </a:solidFill>
@@ -9099,7 +9106,7 @@
                         </a:rPr>
                         <a:t>0</a:t>
                       </a:r>
-                      <a:endParaRPr lang="ko-KR" altLang="en-US" sz="1800" b="0" dirty="0">
+                      <a:endParaRPr lang="ko-KR" altLang="en-US" sz="2400" b="1" dirty="0">
                         <a:solidFill>
                           <a:schemeClr val="tx1"/>
                         </a:solidFill>
@@ -9162,7 +9169,7 @@
                     <a:p>
                       <a:pPr algn="ctr" latinLnBrk="1"/>
                       <a:r>
-                        <a:rPr lang="en-US" altLang="ko-KR" sz="1800" b="0" dirty="0" smtClean="0">
+                        <a:rPr lang="en-US" altLang="ko-KR" sz="2400" b="1" dirty="0" smtClean="0">
                           <a:solidFill>
                             <a:schemeClr val="tx1"/>
                           </a:solidFill>
@@ -9170,7 +9177,7 @@
                         </a:rPr>
                         <a:t>0</a:t>
                       </a:r>
-                      <a:endParaRPr lang="ko-KR" altLang="en-US" sz="1800" b="0" dirty="0">
+                      <a:endParaRPr lang="ko-KR" altLang="en-US" sz="2400" b="1" dirty="0">
                         <a:solidFill>
                           <a:schemeClr val="tx1"/>
                         </a:solidFill>
@@ -9233,7 +9240,7 @@
                     <a:p>
                       <a:pPr algn="ctr" latinLnBrk="1"/>
                       <a:r>
-                        <a:rPr lang="en-US" altLang="ko-KR" sz="1800" b="0" dirty="0" smtClean="0">
+                        <a:rPr lang="en-US" altLang="ko-KR" sz="2400" b="1" dirty="0" smtClean="0">
                           <a:solidFill>
                             <a:schemeClr val="tx1"/>
                           </a:solidFill>
@@ -9241,7 +9248,7 @@
                         </a:rPr>
                         <a:t>0</a:t>
                       </a:r>
-                      <a:endParaRPr lang="ko-KR" altLang="en-US" sz="1800" b="0" dirty="0">
+                      <a:endParaRPr lang="ko-KR" altLang="en-US" sz="2400" b="1" dirty="0">
                         <a:solidFill>
                           <a:schemeClr val="tx1"/>
                         </a:solidFill>
@@ -9304,7 +9311,7 @@
                     <a:p>
                       <a:pPr algn="ctr" latinLnBrk="1"/>
                       <a:r>
-                        <a:rPr lang="en-US" altLang="ko-KR" sz="1800" b="0" kern="1200" dirty="0" smtClean="0">
+                        <a:rPr lang="en-US" altLang="ko-KR" sz="2400" b="1" kern="1200" dirty="0" smtClean="0">
                           <a:solidFill>
                             <a:schemeClr val="tx1"/>
                           </a:solidFill>
@@ -9314,7 +9321,7 @@
                         </a:rPr>
                         <a:t>…</a:t>
                       </a:r>
-                      <a:endParaRPr lang="ko-KR" altLang="en-US" sz="1800" b="0" dirty="0">
+                      <a:endParaRPr lang="ko-KR" altLang="en-US" sz="2400" b="1" dirty="0">
                         <a:solidFill>
                           <a:schemeClr val="tx1"/>
                         </a:solidFill>
@@ -9377,7 +9384,7 @@
                     <a:p>
                       <a:pPr algn="ctr" latinLnBrk="1"/>
                       <a:r>
-                        <a:rPr lang="en-US" altLang="ko-KR" sz="1800" b="0" dirty="0" smtClean="0">
+                        <a:rPr lang="en-US" altLang="ko-KR" sz="2400" b="1" dirty="0" smtClean="0">
                           <a:solidFill>
                             <a:schemeClr val="tx1"/>
                           </a:solidFill>
@@ -9385,7 +9392,7 @@
                         </a:rPr>
                         <a:t>0</a:t>
                       </a:r>
-                      <a:endParaRPr lang="ko-KR" altLang="en-US" sz="1800" b="0" dirty="0">
+                      <a:endParaRPr lang="ko-KR" altLang="en-US" sz="2400" b="1" dirty="0">
                         <a:solidFill>
                           <a:schemeClr val="tx1"/>
                         </a:solidFill>
@@ -9541,8 +9548,17 @@
               <a:rPr lang="en-US" altLang="ko-KR" sz="3600" b="1" dirty="0" smtClean="0">
                 <a:latin typeface="FrutigerNextLT Regular" pitchFamily="18" charset="0"/>
               </a:rPr>
-              <a:t>&lt;Event Structure&gt;</a:t>
-            </a:r>
+              <a:t>&lt;Event </a:t>
+            </a:r>
+            <a:r>
+              <a:rPr lang="en-US" altLang="ko-KR" sz="3600" b="1" dirty="0" smtClean="0">
+                <a:latin typeface="FrutigerNextLT Regular" pitchFamily="18" charset="0"/>
+              </a:rPr>
+              <a:t>Processing Data Structures&gt;</a:t>
+            </a:r>
+            <a:endParaRPr lang="en-US" altLang="ko-KR" sz="3600" b="1" dirty="0" smtClean="0">
+              <a:latin typeface="FrutigerNextLT Regular" pitchFamily="18" charset="0"/>
+            </a:endParaRPr>
           </a:p>
           <a:p>
             <a:r>
@@ -9561,7 +9577,30 @@
               <a:rPr lang="en-US" altLang="ko-KR" sz="3600" b="1" dirty="0" smtClean="0">
                 <a:latin typeface="FrutigerNextLT Regular" pitchFamily="18" charset="0"/>
               </a:rPr>
-              <a:t> (length of nodes): array for checking selected nodes of graph</a:t>
+              <a:t> (length of nodes): array </a:t>
+            </a:r>
+            <a:r>
+              <a:rPr lang="en-US" altLang="ko-KR" sz="3600" b="1" dirty="0" smtClean="0">
+                <a:latin typeface="FrutigerNextLT Regular" pitchFamily="18" charset="0"/>
+              </a:rPr>
+              <a:t/>
+            </a:r>
+            <a:br>
+              <a:rPr lang="en-US" altLang="ko-KR" sz="3600" b="1" dirty="0" smtClean="0">
+                <a:latin typeface="FrutigerNextLT Regular" pitchFamily="18" charset="0"/>
+              </a:rPr>
+            </a:br>
+            <a:r>
+              <a:rPr lang="en-US" altLang="ko-KR" sz="3600" b="1" dirty="0" smtClean="0">
+                <a:latin typeface="FrutigerNextLT Regular" pitchFamily="18" charset="0"/>
+              </a:rPr>
+              <a:t>for </a:t>
+            </a:r>
+            <a:r>
+              <a:rPr lang="en-US" altLang="ko-KR" sz="3600" b="1" dirty="0" smtClean="0">
+                <a:latin typeface="FrutigerNextLT Regular" pitchFamily="18" charset="0"/>
+              </a:rPr>
+              <a:t>checking selected nodes of graph</a:t>
             </a:r>
           </a:p>
           <a:p>
@@ -9589,7 +9628,19 @@
               <a:rPr lang="en-US" altLang="ko-KR" sz="3600" b="1" dirty="0" smtClean="0">
                 <a:latin typeface="FrutigerNextLT Regular" pitchFamily="18" charset="0"/>
               </a:rPr>
-              <a:t>- Relationship Array (p nodes by n nodes)</a:t>
+              <a:t>- Relationship Array (p </a:t>
+            </a:r>
+            <a:r>
+              <a:rPr lang="en-US" altLang="ko-KR" sz="3600" b="1" dirty="0" smtClean="0">
+                <a:latin typeface="FrutigerNextLT Regular" pitchFamily="18" charset="0"/>
+              </a:rPr>
+              <a:t>by n </a:t>
+            </a:r>
+            <a:r>
+              <a:rPr lang="en-US" altLang="ko-KR" sz="3600" b="1" dirty="0" smtClean="0">
+                <a:latin typeface="FrutigerNextLT Regular" pitchFamily="18" charset="0"/>
+              </a:rPr>
+              <a:t>nodes)</a:t>
             </a:r>
             <a:endParaRPr lang="ko-KR" altLang="en-US" sz="3600" b="1" dirty="0" smtClean="0">
               <a:latin typeface="FrutigerNextLT Regular" pitchFamily="18" charset="0"/>
@@ -9606,7 +9657,7 @@
           <p:nvPr/>
         </p:nvPicPr>
         <p:blipFill>
-          <a:blip r:embed="rId7" cstate="print">
+          <a:blip r:embed="rId4" cstate="print">
             <a:extLst>
               <a:ext uri="{28A0092B-C50C-407E-A947-70E740481C1C}">
                 <a14:useLocalDpi xmlns:a14="http://schemas.microsoft.com/office/drawing/2010/main" val="0"/>
@@ -9620,15 +9671,15 @@
         </p:blipFill>
         <p:spPr bwMode="auto">
           <a:xfrm>
-            <a:off x="25213819" y="783140"/>
-            <a:ext cx="4694799" cy="4294535"/>
+            <a:off x="26229219" y="1098006"/>
+            <a:ext cx="3878271" cy="3547621"/>
           </a:xfrm>
           <a:prstGeom prst="rect">
             <a:avLst/>
           </a:prstGeom>
           <a:noFill/>
           <a:extLst>
-            <a:ext uri="{909E8E84-426E-40DD-AFC4-6F175D3DCCD1}">
+            <a:ext uri="{909E8E84-426E-40dd-AFC4-6F175D3DCCD1}">
               <a14:hiddenFill xmlns:a14="http://schemas.microsoft.com/office/drawing/2010/main">
                 <a:solidFill>
                   <a:srgbClr val="FFFFFF"/>
@@ -9661,27 +9712,95 @@
           <a:p>
             <a:pPr algn="just"/>
             <a:r>
+              <a:rPr lang="en-US" altLang="ko-KR" sz="3600" dirty="0" smtClean="0">
+                <a:latin typeface="Times New Roman" panose="02020603050405020304" pitchFamily="18" charset="0"/>
+                <a:cs typeface="Times New Roman" panose="02020603050405020304" pitchFamily="18" charset="0"/>
+              </a:rPr>
+              <a:t>This work was supported in part by the </a:t>
+            </a:r>
+            <a:r>
               <a:rPr lang="en-US" altLang="ko-KR" sz="3600" b="1" dirty="0" smtClean="0">
                 <a:latin typeface="Times New Roman" panose="02020603050405020304" pitchFamily="18" charset="0"/>
                 <a:cs typeface="Times New Roman" panose="02020603050405020304" pitchFamily="18" charset="0"/>
               </a:rPr>
-              <a:t>This work was supported in part by the Korean Ministry of Science, ICT &amp; Future Planning (KEIT-10047038) and by Google Summer of Code (</a:t>
-            </a:r>
-            <a:r>
-              <a:rPr lang="en-US" altLang="ko-KR" sz="3600" b="1" dirty="0" err="1" smtClean="0">
-                <a:latin typeface="Times New Roman" panose="02020603050405020304" pitchFamily="18" charset="0"/>
-                <a:cs typeface="Times New Roman" panose="02020603050405020304" pitchFamily="18" charset="0"/>
-              </a:rPr>
-              <a:t>GSoC</a:t>
+              <a:t>Korean Ministry of Science, ICT &amp; </a:t>
             </a:r>
             <a:r>
               <a:rPr lang="en-US" altLang="ko-KR" sz="3600" b="1" dirty="0" smtClean="0">
                 <a:latin typeface="Times New Roman" panose="02020603050405020304" pitchFamily="18" charset="0"/>
                 <a:cs typeface="Times New Roman" panose="02020603050405020304" pitchFamily="18" charset="0"/>
               </a:rPr>
+              <a:t/>
+            </a:r>
+            <a:br>
+              <a:rPr lang="en-US" altLang="ko-KR" sz="3600" b="1" dirty="0" smtClean="0">
+                <a:latin typeface="Times New Roman" panose="02020603050405020304" pitchFamily="18" charset="0"/>
+                <a:cs typeface="Times New Roman" panose="02020603050405020304" pitchFamily="18" charset="0"/>
+              </a:rPr>
+            </a:br>
+            <a:r>
+              <a:rPr lang="en-US" altLang="ko-KR" sz="3600" b="1" dirty="0" smtClean="0">
+                <a:latin typeface="Times New Roman" panose="02020603050405020304" pitchFamily="18" charset="0"/>
+                <a:cs typeface="Times New Roman" panose="02020603050405020304" pitchFamily="18" charset="0"/>
+              </a:rPr>
+              <a:t>Future </a:t>
+            </a:r>
+            <a:r>
+              <a:rPr lang="en-US" altLang="ko-KR" sz="3600" b="1" dirty="0" smtClean="0">
+                <a:latin typeface="Times New Roman" panose="02020603050405020304" pitchFamily="18" charset="0"/>
+                <a:cs typeface="Times New Roman" panose="02020603050405020304" pitchFamily="18" charset="0"/>
+              </a:rPr>
+              <a:t>Planning</a:t>
+            </a:r>
+            <a:r>
+              <a:rPr lang="en-US" altLang="ko-KR" sz="3600" dirty="0" smtClean="0">
+                <a:latin typeface="Times New Roman" panose="02020603050405020304" pitchFamily="18" charset="0"/>
+                <a:cs typeface="Times New Roman" panose="02020603050405020304" pitchFamily="18" charset="0"/>
+              </a:rPr>
+              <a:t> (KEIT-10047038) and by </a:t>
+            </a:r>
+            <a:r>
+              <a:rPr lang="en-US" altLang="ko-KR" sz="3600" b="1" dirty="0" smtClean="0">
+                <a:latin typeface="Times New Roman" panose="02020603050405020304" pitchFamily="18" charset="0"/>
+                <a:cs typeface="Times New Roman" panose="02020603050405020304" pitchFamily="18" charset="0"/>
+              </a:rPr>
+              <a:t>Google Summer of Code </a:t>
+            </a:r>
+            <a:r>
+              <a:rPr lang="en-US" altLang="ko-KR" sz="3600" b="1" dirty="0" smtClean="0">
+                <a:latin typeface="Times New Roman" panose="02020603050405020304" pitchFamily="18" charset="0"/>
+                <a:cs typeface="Times New Roman" panose="02020603050405020304" pitchFamily="18" charset="0"/>
+              </a:rPr>
+              <a:t/>
+            </a:r>
+            <a:br>
+              <a:rPr lang="en-US" altLang="ko-KR" sz="3600" b="1" dirty="0" smtClean="0">
+                <a:latin typeface="Times New Roman" panose="02020603050405020304" pitchFamily="18" charset="0"/>
+                <a:cs typeface="Times New Roman" panose="02020603050405020304" pitchFamily="18" charset="0"/>
+              </a:rPr>
+            </a:br>
+            <a:r>
+              <a:rPr lang="en-US" altLang="ko-KR" sz="3600" dirty="0" smtClean="0">
+                <a:latin typeface="Times New Roman" panose="02020603050405020304" pitchFamily="18" charset="0"/>
+                <a:cs typeface="Times New Roman" panose="02020603050405020304" pitchFamily="18" charset="0"/>
+              </a:rPr>
+              <a:t>(</a:t>
+            </a:r>
+            <a:r>
+              <a:rPr lang="en-US" altLang="ko-KR" sz="3600" dirty="0" err="1" smtClean="0">
+                <a:latin typeface="Times New Roman" panose="02020603050405020304" pitchFamily="18" charset="0"/>
+                <a:cs typeface="Times New Roman" panose="02020603050405020304" pitchFamily="18" charset="0"/>
+              </a:rPr>
+              <a:t>GSoC</a:t>
+            </a:r>
+            <a:r>
+              <a:rPr lang="en-US" altLang="ko-KR" sz="3600" dirty="0" smtClean="0">
+                <a:latin typeface="Times New Roman" panose="02020603050405020304" pitchFamily="18" charset="0"/>
+                <a:cs typeface="Times New Roman" panose="02020603050405020304" pitchFamily="18" charset="0"/>
+              </a:rPr>
               <a:t>) 2013 and 2014.</a:t>
             </a:r>
-            <a:endParaRPr lang="en-US" altLang="ko-KR" sz="3600" b="1" dirty="0">
+            <a:endParaRPr lang="en-US" altLang="ko-KR" sz="3600" dirty="0">
               <a:latin typeface="Times New Roman" panose="02020603050405020304" pitchFamily="18" charset="0"/>
               <a:cs typeface="Times New Roman" panose="02020603050405020304" pitchFamily="18" charset="0"/>
             </a:endParaRPr>
@@ -9811,7 +9930,55 @@
                   <a:latin typeface="Times New Roman" panose="02020603050405020304" pitchFamily="18" charset="0"/>
                   <a:cs typeface="Times New Roman" panose="02020603050405020304" pitchFamily="18" charset="0"/>
                 </a:rPr>
-                <a:t>This project is still under development</a:t>
+                <a:t>This project is still under </a:t>
+              </a:r>
+              <a:r>
+                <a:rPr lang="en-US" altLang="ko-KR" sz="4400" dirty="0" smtClean="0">
+                  <a:latin typeface="Times New Roman" panose="02020603050405020304" pitchFamily="18" charset="0"/>
+                  <a:cs typeface="Times New Roman" panose="02020603050405020304" pitchFamily="18" charset="0"/>
+                </a:rPr>
+                <a:t>active development:</a:t>
+              </a:r>
+              <a:endParaRPr lang="en-US" altLang="ko-KR" sz="4400" dirty="0" smtClean="0">
+                <a:latin typeface="Times New Roman" panose="02020603050405020304" pitchFamily="18" charset="0"/>
+                <a:cs typeface="Times New Roman" panose="02020603050405020304" pitchFamily="18" charset="0"/>
+              </a:endParaRPr>
+            </a:p>
+            <a:p>
+              <a:pPr algn="just"/>
+              <a:r>
+                <a:rPr lang="en-US" altLang="ko-KR" sz="4400" dirty="0" smtClean="0">
+                  <a:latin typeface="Times New Roman" panose="02020603050405020304" pitchFamily="18" charset="0"/>
+                  <a:cs typeface="Times New Roman" panose="02020603050405020304" pitchFamily="18" charset="0"/>
+                </a:rPr>
+                <a:t>- To provide server-offload using Shiny for users to help them </a:t>
+              </a:r>
+              <a:r>
+                <a:rPr lang="en-US" altLang="ko-KR" sz="4400" dirty="0">
+                  <a:latin typeface="Times New Roman" panose="02020603050405020304" pitchFamily="18" charset="0"/>
+                  <a:cs typeface="Times New Roman" panose="02020603050405020304" pitchFamily="18" charset="0"/>
+                </a:rPr>
+                <a:t/>
+              </a:r>
+              <a:br>
+                <a:rPr lang="en-US" altLang="ko-KR" sz="4400" dirty="0">
+                  <a:latin typeface="Times New Roman" panose="02020603050405020304" pitchFamily="18" charset="0"/>
+                  <a:cs typeface="Times New Roman" panose="02020603050405020304" pitchFamily="18" charset="0"/>
+                </a:rPr>
+              </a:br>
+              <a:r>
+                <a:rPr lang="en-US" altLang="ko-KR" sz="4400" dirty="0" smtClean="0">
+                  <a:latin typeface="Times New Roman" panose="02020603050405020304" pitchFamily="18" charset="0"/>
+                  <a:cs typeface="Times New Roman" panose="02020603050405020304" pitchFamily="18" charset="0"/>
+                </a:rPr>
+                <a:t>draw </a:t>
+              </a:r>
+              <a:r>
+                <a:rPr lang="en-US" altLang="ko-KR" sz="4400" dirty="0" smtClean="0">
+                  <a:latin typeface="Times New Roman" panose="02020603050405020304" pitchFamily="18" charset="0"/>
+                  <a:cs typeface="Times New Roman" panose="02020603050405020304" pitchFamily="18" charset="0"/>
+                </a:rPr>
+                <a:t>graphs on low-computing devices, such as mobile.</a:t>
               </a:r>
             </a:p>
             <a:p>
@@ -9821,7 +9988,14 @@
                   <a:latin typeface="Times New Roman" panose="02020603050405020304" pitchFamily="18" charset="0"/>
                   <a:cs typeface="Times New Roman" panose="02020603050405020304" pitchFamily="18" charset="0"/>
                 </a:rPr>
-                <a:t>- To provide server-offload using Shiny for users to help them to draw graphs on low-computing devices, such as mobile.</a:t>
+                <a:t>- To develop</a:t>
+              </a:r>
+              <a:r>
+                <a:rPr lang="en-US" altLang="ko-KR" sz="4400" dirty="0" smtClean="0">
+                  <a:latin typeface="Times New Roman" panose="02020603050405020304" pitchFamily="18" charset="0"/>
+                  <a:cs typeface="Times New Roman" panose="02020603050405020304" pitchFamily="18" charset="0"/>
+                </a:rPr>
+                <a:t> an intuitive API to make it easy to draw graphs </a:t>
               </a:r>
             </a:p>
             <a:p>
@@ -9831,8 +10005,12 @@
                   <a:latin typeface="Times New Roman" panose="02020603050405020304" pitchFamily="18" charset="0"/>
                   <a:cs typeface="Times New Roman" panose="02020603050405020304" pitchFamily="18" charset="0"/>
                 </a:rPr>
-                <a:t>- To improve API to be intuitive for making drawing graphs easy such as ggplot2.</a:t>
+                <a:t>(e.g., ggplot2-based API)  </a:t>
               </a:r>
+              <a:endParaRPr lang="en-US" altLang="ko-KR" sz="4400" dirty="0" smtClean="0">
+                <a:latin typeface="Times New Roman" panose="02020603050405020304" pitchFamily="18" charset="0"/>
+                <a:cs typeface="Times New Roman" panose="02020603050405020304" pitchFamily="18" charset="0"/>
+              </a:endParaRPr>
             </a:p>
           </p:txBody>
         </p:sp>
@@ -9863,7 +10041,24 @@
               <a:rPr lang="en-US" altLang="ko-KR" sz="4000" dirty="0" smtClean="0">
                 <a:latin typeface="FrutigerNextLT Regular" pitchFamily="18" charset="0"/>
               </a:rPr>
-              <a:t>Code generation</a:t>
+              <a:t>Code </a:t>
+            </a:r>
+            <a:r>
+              <a:rPr lang="en-US" altLang="ko-KR" sz="4000" dirty="0" smtClean="0">
+                <a:latin typeface="FrutigerNextLT Regular" pitchFamily="18" charset="0"/>
+              </a:rPr>
+              <a:t/>
+            </a:r>
+            <a:br>
+              <a:rPr lang="en-US" altLang="ko-KR" sz="4000" dirty="0" smtClean="0">
+                <a:latin typeface="FrutigerNextLT Regular" pitchFamily="18" charset="0"/>
+              </a:rPr>
+            </a:br>
+            <a:r>
+              <a:rPr lang="en-US" altLang="ko-KR" sz="4000" dirty="0" smtClean="0">
+                <a:latin typeface="FrutigerNextLT Regular" pitchFamily="18" charset="0"/>
+              </a:rPr>
+              <a:t>generation</a:t>
             </a:r>
             <a:endParaRPr lang="ko-KR" altLang="en-US" sz="4000" dirty="0" smtClean="0">
               <a:latin typeface="FrutigerNextLT Regular" pitchFamily="18" charset="0"/>
@@ -9879,10 +10074,10 @@
         </p:nvGrpSpPr>
         <p:grpSpPr>
           <a:xfrm>
-            <a:off x="17845172" y="21635059"/>
-            <a:ext cx="11147393" cy="5481244"/>
+            <a:off x="17845172" y="21827674"/>
+            <a:ext cx="11145990" cy="5481245"/>
             <a:chOff x="16326251" y="21130845"/>
-            <a:chExt cx="11147393" cy="5481244"/>
+            <a:chExt cx="11145990" cy="5481245"/>
           </a:xfrm>
         </p:grpSpPr>
         <p:sp>
@@ -9923,12 +10118,12 @@
             </a:fontRef>
           </p:style>
           <p:txBody>
-            <a:bodyPr rtlCol="0" anchor="ctr"/>
+            <a:bodyPr lIns="0" rIns="0" rtlCol="0" anchor="ctr"/>
             <a:lstStyle/>
             <a:p>
               <a:pPr algn="ctr"/>
               <a:r>
-                <a:rPr lang="en-US" altLang="ko-KR" sz="1200" b="1" dirty="0" err="1" smtClean="0">
+                <a:rPr lang="en-US" altLang="ko-KR" sz="1700" b="1" dirty="0" err="1" smtClean="0">
                   <a:solidFill>
                     <a:schemeClr val="tx1"/>
                   </a:solidFill>
@@ -9938,7 +10133,7 @@
                 </a:rPr>
                 <a:t>Theoph</a:t>
               </a:r>
-              <a:endParaRPr lang="ko-KR" altLang="en-US" sz="1200" b="1" dirty="0">
+              <a:endParaRPr lang="ko-KR" altLang="en-US" sz="1700" b="1" dirty="0">
                 <a:solidFill>
                   <a:schemeClr val="tx1"/>
                 </a:solidFill>
@@ -9987,12 +10182,12 @@
             </a:fontRef>
           </p:style>
           <p:txBody>
-            <a:bodyPr rtlCol="0" anchor="ctr"/>
+            <a:bodyPr lIns="0" rIns="0" rtlCol="0" anchor="ctr"/>
             <a:lstStyle/>
             <a:p>
               <a:pPr algn="ctr"/>
               <a:r>
-                <a:rPr lang="en-US" altLang="ko-KR" sz="1200" b="1" dirty="0" smtClean="0">
+                <a:rPr lang="en-US" altLang="ko-KR" sz="1800" b="1" dirty="0" smtClean="0">
                   <a:solidFill>
                     <a:schemeClr val="tx1"/>
                   </a:solidFill>
@@ -10002,7 +10197,7 @@
                 </a:rPr>
                 <a:t>histObj1</a:t>
               </a:r>
-              <a:endParaRPr lang="ko-KR" altLang="en-US" sz="1200" b="1" dirty="0">
+              <a:endParaRPr lang="ko-KR" altLang="en-US" sz="1800" b="1" dirty="0">
                 <a:solidFill>
                   <a:schemeClr val="tx1"/>
                 </a:solidFill>
@@ -10051,12 +10246,12 @@
             </a:fontRef>
           </p:style>
           <p:txBody>
-            <a:bodyPr rtlCol="0" anchor="ctr"/>
+            <a:bodyPr lIns="0" rIns="0" rtlCol="0" anchor="ctr"/>
             <a:lstStyle/>
             <a:p>
               <a:pPr algn="ctr"/>
               <a:r>
-                <a:rPr lang="en-US" altLang="ko-KR" sz="1200" b="1" dirty="0" smtClean="0">
+                <a:rPr lang="en-US" altLang="ko-KR" sz="1800" b="1" dirty="0" smtClean="0">
                   <a:solidFill>
                     <a:schemeClr val="tx1"/>
                   </a:solidFill>
@@ -10066,7 +10261,7 @@
                 </a:rPr>
                 <a:t>loffObj1</a:t>
               </a:r>
-              <a:endParaRPr lang="ko-KR" altLang="en-US" sz="1200" b="1" dirty="0">
+              <a:endParaRPr lang="ko-KR" altLang="en-US" sz="1800" b="1" dirty="0">
                 <a:solidFill>
                   <a:schemeClr val="tx1"/>
                 </a:solidFill>
@@ -10207,14 +10402,14 @@
             <a:p>
               <a:pPr algn="ctr"/>
               <a:r>
-                <a:rPr lang="en-US" altLang="ko-KR" sz="1800" dirty="0">
+                <a:rPr lang="en-US" altLang="ko-KR" sz="2800" dirty="0">
                   <a:solidFill>
                     <a:schemeClr val="tx1"/>
                   </a:solidFill>
                 </a:rPr>
                 <a:t>R</a:t>
               </a:r>
-              <a:endParaRPr lang="ko-KR" altLang="en-US" sz="1800" dirty="0">
+              <a:endParaRPr lang="ko-KR" altLang="en-US" sz="2800" dirty="0">
                 <a:solidFill>
                   <a:schemeClr val="tx1"/>
                 </a:solidFill>
@@ -10303,19 +10498,19 @@
             </a:fontRef>
           </p:style>
           <p:txBody>
-            <a:bodyPr rtlCol="0" anchor="ctr"/>
+            <a:bodyPr lIns="0" rIns="0" rtlCol="0" anchor="ctr"/>
             <a:lstStyle/>
             <a:p>
               <a:pPr algn="ctr"/>
               <a:r>
-                <a:rPr lang="en-US" altLang="ko-KR" sz="1400" dirty="0" smtClean="0">
+                <a:rPr lang="en-US" altLang="ko-KR" sz="2000" dirty="0" smtClean="0">
                   <a:solidFill>
                     <a:schemeClr val="tx1"/>
                   </a:solidFill>
                 </a:rPr>
                 <a:t>dot</a:t>
               </a:r>
-              <a:endParaRPr lang="ko-KR" altLang="en-US" sz="1400" dirty="0">
+              <a:endParaRPr lang="ko-KR" altLang="en-US" sz="2000" dirty="0">
                 <a:solidFill>
                   <a:schemeClr val="tx1"/>
                 </a:solidFill>
@@ -10400,19 +10595,19 @@
             </a:fontRef>
           </p:style>
           <p:txBody>
-            <a:bodyPr rtlCol="0" anchor="ctr"/>
+            <a:bodyPr lIns="0" rIns="0" rtlCol="0" anchor="ctr"/>
             <a:lstStyle/>
             <a:p>
               <a:pPr algn="ctr"/>
               <a:r>
-                <a:rPr lang="en-US" altLang="ko-KR" sz="1400" dirty="0" smtClean="0">
+                <a:rPr lang="en-US" altLang="ko-KR" sz="2000" dirty="0" smtClean="0">
                   <a:solidFill>
                     <a:schemeClr val="tx1"/>
                   </a:solidFill>
                 </a:rPr>
                 <a:t>line</a:t>
               </a:r>
-              <a:endParaRPr lang="ko-KR" altLang="en-US" sz="1400" dirty="0">
+              <a:endParaRPr lang="ko-KR" altLang="en-US" sz="2000" dirty="0">
                 <a:solidFill>
                   <a:schemeClr val="tx1"/>
                 </a:solidFill>
@@ -10460,19 +10655,19 @@
             </a:fontRef>
           </p:style>
           <p:txBody>
-            <a:bodyPr rtlCol="0" anchor="ctr"/>
+            <a:bodyPr lIns="0" rIns="0" rtlCol="0" anchor="ctr"/>
             <a:lstStyle/>
             <a:p>
               <a:pPr algn="ctr"/>
               <a:r>
-                <a:rPr lang="en-US" altLang="ko-KR" sz="1400" dirty="0" smtClean="0">
+                <a:rPr lang="en-US" altLang="ko-KR" sz="2000" dirty="0" smtClean="0">
                   <a:solidFill>
                     <a:schemeClr val="tx1"/>
                   </a:solidFill>
                 </a:rPr>
                 <a:t>bar</a:t>
               </a:r>
-              <a:endParaRPr lang="ko-KR" altLang="en-US" sz="1400" dirty="0">
+              <a:endParaRPr lang="ko-KR" altLang="en-US" sz="2000" dirty="0">
                 <a:solidFill>
                   <a:schemeClr val="tx1"/>
                 </a:solidFill>
@@ -10597,14 +10792,14 @@
             <a:p>
               <a:pPr algn="ctr"/>
               <a:r>
-                <a:rPr lang="en-US" altLang="ko-KR" sz="1800" dirty="0" smtClean="0">
+                <a:rPr lang="en-US" altLang="ko-KR" sz="2800" dirty="0" smtClean="0">
                   <a:solidFill>
                     <a:schemeClr val="tx1"/>
                   </a:solidFill>
                 </a:rPr>
                 <a:t>Axis1</a:t>
               </a:r>
-              <a:endParaRPr lang="ko-KR" altLang="en-US" sz="1800" dirty="0">
+              <a:endParaRPr lang="ko-KR" altLang="en-US" sz="2800" dirty="0">
                 <a:solidFill>
                   <a:schemeClr val="tx1"/>
                 </a:solidFill>
@@ -10729,14 +10924,14 @@
             <a:p>
               <a:pPr algn="ctr"/>
               <a:r>
-                <a:rPr lang="en-US" altLang="ko-KR" sz="1800" dirty="0" smtClean="0">
+                <a:rPr lang="en-US" altLang="ko-KR" sz="2800" dirty="0" smtClean="0">
                   <a:solidFill>
                     <a:schemeClr val="tx1"/>
                   </a:solidFill>
                 </a:rPr>
                 <a:t>Axis2</a:t>
               </a:r>
-              <a:endParaRPr lang="ko-KR" altLang="en-US" sz="1800" dirty="0">
+              <a:endParaRPr lang="ko-KR" altLang="en-US" sz="2800" dirty="0">
                 <a:solidFill>
                   <a:schemeClr val="tx1"/>
                 </a:solidFill>
@@ -10823,7 +11018,7 @@
             <a:lstStyle/>
             <a:p>
               <a:pPr algn="ctr"/>
-              <a:endParaRPr lang="ko-KR" altLang="en-US" sz="1200" b="1" dirty="0">
+              <a:endParaRPr lang="ko-KR" altLang="en-US" sz="1800" b="1" dirty="0">
                 <a:solidFill>
                   <a:schemeClr val="tx1"/>
                 </a:solidFill>
@@ -10878,7 +11073,7 @@
             <a:lstStyle/>
             <a:p>
               <a:pPr algn="ctr"/>
-              <a:endParaRPr lang="ko-KR" altLang="en-US" sz="1400" dirty="0">
+              <a:endParaRPr lang="ko-KR" altLang="en-US" sz="2000" dirty="0">
                 <a:solidFill>
                   <a:schemeClr val="tx1"/>
                 </a:solidFill>
@@ -10928,7 +11123,7 @@
             <a:lstStyle/>
             <a:p>
               <a:pPr algn="ctr"/>
-              <a:endParaRPr lang="ko-KR" altLang="en-US" dirty="0">
+              <a:endParaRPr lang="ko-KR" altLang="en-US" sz="11500" dirty="0">
                 <a:solidFill>
                   <a:schemeClr val="tx1"/>
                 </a:solidFill>
@@ -10945,7 +11140,7 @@
           <p:spPr>
             <a:xfrm>
               <a:off x="24559064" y="25114195"/>
-              <a:ext cx="2645276" cy="584775"/>
+              <a:ext cx="2645476" cy="584776"/>
             </a:xfrm>
             <a:prstGeom prst="rect">
               <a:avLst/>
@@ -10974,7 +11169,7 @@
           <p:spPr>
             <a:xfrm>
               <a:off x="24559064" y="25578249"/>
-              <a:ext cx="2914580" cy="584775"/>
+              <a:ext cx="2913177" cy="584776"/>
             </a:xfrm>
             <a:prstGeom prst="rect">
               <a:avLst/>
@@ -11003,7 +11198,7 @@
           <p:spPr>
             <a:xfrm>
               <a:off x="24559064" y="26027314"/>
-              <a:ext cx="2523448" cy="584775"/>
+              <a:ext cx="2522445" cy="584776"/>
             </a:xfrm>
             <a:prstGeom prst="rect">
               <a:avLst/>
@@ -11033,14 +11228,14 @@
           <p:nvPr>
             <p:extLst>
               <p:ext uri="{D42A27DB-BD31-4B8C-83A1-F6EECF244321}">
-                <p14:modId xmlns:p14="http://schemas.microsoft.com/office/powerpoint/2010/main" val="789064070"/>
+                <p14:modId xmlns:p14="http://schemas.microsoft.com/office/powerpoint/2010/main" val="1558851417"/>
               </p:ext>
             </p:extLst>
           </p:nvPr>
         </p:nvGraphicFramePr>
         <p:xfrm>
-          <a:off x="21153523" y="27927618"/>
-          <a:ext cx="1983797" cy="1559104"/>
+          <a:off x="21009508" y="27687983"/>
+          <a:ext cx="2195375" cy="1853183"/>
         </p:xfrm>
         <a:graphic>
           <a:graphicData uri="http://schemas.openxmlformats.org/drawingml/2006/table">
@@ -11049,12 +11244,12 @@
                 <a:tableStyleId>{5C22544A-7EE6-4342-B048-85BDC9FD1C3A}</a:tableStyleId>
               </a:tblPr>
               <a:tblGrid>
-                <a:gridCol w="387666"/>
-                <a:gridCol w="262776"/>
-                <a:gridCol w="262776"/>
-                <a:gridCol w="304406"/>
-                <a:gridCol w="304406"/>
-                <a:gridCol w="461767"/>
+                <a:gridCol w="429011"/>
+                <a:gridCol w="290802"/>
+                <a:gridCol w="290802"/>
+                <a:gridCol w="320665"/>
+                <a:gridCol w="288032"/>
+                <a:gridCol w="576063"/>
               </a:tblGrid>
               <a:tr h="192376">
                 <a:tc>
@@ -11063,7 +11258,7 @@
                     <a:lstStyle/>
                     <a:p>
                       <a:pPr algn="ctr" latinLnBrk="1"/>
-                      <a:endParaRPr lang="ko-KR" altLang="en-US" sz="500" b="0" dirty="0">
+                      <a:endParaRPr lang="ko-KR" altLang="en-US" sz="1400" b="1" dirty="0">
                         <a:solidFill>
                           <a:schemeClr val="tx1"/>
                         </a:solidFill>
@@ -11071,7 +11266,7 @@
                       </a:endParaRPr>
                     </a:p>
                   </a:txBody>
-                  <a:tcPr marL="118688" marR="118688" marT="59344" marB="59344" anchor="ctr">
+                  <a:tcPr marL="118688" marR="118688" marT="9144" marB="9144" anchor="ctr">
                     <a:lnL w="12700" cap="flat" cmpd="sng" algn="ctr">
                       <a:solidFill>
                         <a:schemeClr val="tx1"/>
@@ -11133,7 +11328,7 @@
                     <a:p>
                       <a:pPr algn="ctr" latinLnBrk="1"/>
                       <a:r>
-                        <a:rPr lang="en-US" altLang="ko-KR" sz="500" b="0" dirty="0" smtClean="0">
+                        <a:rPr lang="en-US" altLang="ko-KR" sz="1400" b="1" dirty="0" smtClean="0">
                           <a:solidFill>
                             <a:schemeClr val="tx1"/>
                           </a:solidFill>
@@ -11141,7 +11336,7 @@
                         </a:rPr>
                         <a:t>0</a:t>
                       </a:r>
-                      <a:endParaRPr lang="ko-KR" altLang="en-US" sz="500" b="0" dirty="0">
+                      <a:endParaRPr lang="ko-KR" altLang="en-US" sz="1400" b="1" dirty="0">
                         <a:solidFill>
                           <a:schemeClr val="tx1"/>
                         </a:solidFill>
@@ -11149,7 +11344,7 @@
                       </a:endParaRPr>
                     </a:p>
                   </a:txBody>
-                  <a:tcPr marL="118688" marR="118688" marT="59344" marB="59344" anchor="ctr">
+                  <a:tcPr marL="118688" marR="118688" marT="9144" marB="9144" anchor="ctr">
                     <a:lnL w="12700" cap="flat" cmpd="sng" algn="ctr">
                       <a:solidFill>
                         <a:schemeClr val="tx1"/>
@@ -11209,7 +11404,7 @@
                     <a:p>
                       <a:pPr algn="ctr" latinLnBrk="1"/>
                       <a:r>
-                        <a:rPr lang="en-US" altLang="ko-KR" sz="500" b="0" dirty="0" smtClean="0">
+                        <a:rPr lang="en-US" altLang="ko-KR" sz="1400" b="1" dirty="0" smtClean="0">
                           <a:solidFill>
                             <a:schemeClr val="tx1"/>
                           </a:solidFill>
@@ -11217,7 +11412,7 @@
                         </a:rPr>
                         <a:t>1</a:t>
                       </a:r>
-                      <a:endParaRPr lang="ko-KR" altLang="en-US" sz="500" b="0" dirty="0">
+                      <a:endParaRPr lang="ko-KR" altLang="en-US" sz="1400" b="1" dirty="0">
                         <a:solidFill>
                           <a:schemeClr val="tx1"/>
                         </a:solidFill>
@@ -11225,7 +11420,7 @@
                       </a:endParaRPr>
                     </a:p>
                   </a:txBody>
-                  <a:tcPr marL="118688" marR="118688" marT="59344" marB="59344" anchor="ctr">
+                  <a:tcPr marL="118688" marR="118688" marT="9144" marB="9144" anchor="ctr">
                     <a:lnL w="12700" cap="flat" cmpd="sng" algn="ctr">
                       <a:solidFill>
                         <a:schemeClr val="tx1"/>
@@ -11285,7 +11480,7 @@
                     <a:p>
                       <a:pPr algn="ctr" latinLnBrk="1"/>
                       <a:r>
-                        <a:rPr lang="en-US" altLang="ko-KR" sz="500" b="0" dirty="0" smtClean="0">
+                        <a:rPr lang="en-US" altLang="ko-KR" sz="1400" b="1" dirty="0" smtClean="0">
                           <a:solidFill>
                             <a:schemeClr val="tx1"/>
                           </a:solidFill>
@@ -11293,7 +11488,7 @@
                         </a:rPr>
                         <a:t>2</a:t>
                       </a:r>
-                      <a:endParaRPr lang="ko-KR" altLang="en-US" sz="500" b="0" dirty="0">
+                      <a:endParaRPr lang="ko-KR" altLang="en-US" sz="1400" b="1" dirty="0">
                         <a:solidFill>
                           <a:schemeClr val="tx1"/>
                         </a:solidFill>
@@ -11301,7 +11496,7 @@
                       </a:endParaRPr>
                     </a:p>
                   </a:txBody>
-                  <a:tcPr marL="118688" marR="118688" marT="59344" marB="59344" anchor="ctr">
+                  <a:tcPr marL="118688" marR="118688" marT="9144" marB="9144" anchor="ctr">
                     <a:lnL w="12700" cap="flat" cmpd="sng" algn="ctr">
                       <a:solidFill>
                         <a:schemeClr val="tx1"/>
@@ -11361,7 +11556,7 @@
                     <a:p>
                       <a:pPr algn="ctr" latinLnBrk="1"/>
                       <a:r>
-                        <a:rPr lang="en-US" altLang="ko-KR" sz="500" b="0" dirty="0" smtClean="0">
+                        <a:rPr lang="en-US" altLang="ko-KR" sz="1400" b="1" dirty="0" smtClean="0">
                           <a:solidFill>
                             <a:schemeClr val="tx1"/>
                           </a:solidFill>
@@ -11369,7 +11564,7 @@
                         </a:rPr>
                         <a:t>…</a:t>
                       </a:r>
-                      <a:endParaRPr lang="ko-KR" altLang="en-US" sz="500" b="0" dirty="0">
+                      <a:endParaRPr lang="ko-KR" altLang="en-US" sz="1400" b="1" dirty="0">
                         <a:solidFill>
                           <a:schemeClr val="tx1"/>
                         </a:solidFill>
@@ -11377,7 +11572,7 @@
                       </a:endParaRPr>
                     </a:p>
                   </a:txBody>
-                  <a:tcPr marL="118688" marR="118688" marT="59344" marB="59344">
+                  <a:tcPr marL="118688" marR="118688" marT="9144" marB="9144">
                     <a:lnL w="12700" cap="flat" cmpd="sng" algn="ctr">
                       <a:solidFill>
                         <a:schemeClr val="tx1"/>
@@ -11437,7 +11632,7 @@
                     <a:p>
                       <a:pPr algn="ctr" latinLnBrk="1"/>
                       <a:r>
-                        <a:rPr lang="en-US" altLang="ko-KR" sz="500" b="0" dirty="0" smtClean="0">
+                        <a:rPr lang="en-US" altLang="ko-KR" sz="1400" b="1" dirty="0" smtClean="0">
                           <a:solidFill>
                             <a:schemeClr val="tx1"/>
                           </a:solidFill>
@@ -11445,7 +11640,7 @@
                         </a:rPr>
                         <a:t>n-1</a:t>
                       </a:r>
-                      <a:endParaRPr lang="ko-KR" altLang="en-US" sz="500" b="0" dirty="0">
+                      <a:endParaRPr lang="ko-KR" altLang="en-US" sz="1400" b="1" dirty="0">
                         <a:solidFill>
                           <a:schemeClr val="tx1"/>
                         </a:solidFill>
@@ -11453,7 +11648,7 @@
                       </a:endParaRPr>
                     </a:p>
                   </a:txBody>
-                  <a:tcPr marL="118688" marR="118688" marT="59344" marB="59344" anchor="ctr">
+                  <a:tcPr marL="118688" marR="118688" marT="9144" marB="9144" anchor="ctr">
                     <a:lnL w="12700" cap="flat" cmpd="sng" algn="ctr">
                       <a:solidFill>
                         <a:schemeClr val="tx1"/>
@@ -11515,7 +11710,7 @@
                     <a:p>
                       <a:pPr algn="ctr" latinLnBrk="1"/>
                       <a:r>
-                        <a:rPr lang="en-US" altLang="ko-KR" sz="500" b="0" dirty="0" smtClean="0">
+                        <a:rPr lang="en-US" altLang="ko-KR" sz="1400" b="1" dirty="0" smtClean="0">
                           <a:solidFill>
                             <a:schemeClr val="tx1"/>
                           </a:solidFill>
@@ -11523,7 +11718,7 @@
                         </a:rPr>
                         <a:t>0</a:t>
                       </a:r>
-                      <a:endParaRPr lang="ko-KR" altLang="en-US" sz="500" b="0" dirty="0">
+                      <a:endParaRPr lang="ko-KR" altLang="en-US" sz="1400" b="1" dirty="0">
                         <a:solidFill>
                           <a:schemeClr val="tx1"/>
                         </a:solidFill>
@@ -11531,7 +11726,7 @@
                       </a:endParaRPr>
                     </a:p>
                   </a:txBody>
-                  <a:tcPr marL="118688" marR="118688" marT="59344" marB="59344" anchor="ctr">
+                  <a:tcPr marL="118688" marR="118688" marT="9144" marB="9144" anchor="ctr">
                     <a:lnL w="12700" cap="flat" cmpd="sng" algn="ctr">
                       <a:solidFill>
                         <a:schemeClr val="tx1"/>
@@ -11588,7 +11783,7 @@
                     <a:p>
                       <a:pPr algn="ctr" latinLnBrk="1"/>
                       <a:r>
-                        <a:rPr lang="en-US" altLang="ko-KR" sz="500" b="0" dirty="0" smtClean="0">
+                        <a:rPr lang="en-US" altLang="ko-KR" sz="1400" b="1" dirty="0" smtClean="0">
                           <a:solidFill>
                             <a:schemeClr val="tx1"/>
                           </a:solidFill>
@@ -11596,7 +11791,7 @@
                         </a:rPr>
                         <a:t>1</a:t>
                       </a:r>
-                      <a:endParaRPr lang="ko-KR" altLang="en-US" sz="500" b="0" dirty="0">
+                      <a:endParaRPr lang="ko-KR" altLang="en-US" sz="1400" b="1" dirty="0">
                         <a:solidFill>
                           <a:schemeClr val="tx1"/>
                         </a:solidFill>
@@ -11604,7 +11799,7 @@
                       </a:endParaRPr>
                     </a:p>
                   </a:txBody>
-                  <a:tcPr marL="118688" marR="118688" marT="59344" marB="59344" anchor="ctr">
+                  <a:tcPr marL="118688" marR="118688" marT="9144" marB="9144" anchor="ctr">
                     <a:lnL w="12700" cap="flat" cmpd="sng" algn="ctr">
                       <a:solidFill>
                         <a:schemeClr val="tx1"/>
@@ -11659,7 +11854,7 @@
                     <a:p>
                       <a:pPr algn="ctr" latinLnBrk="1"/>
                       <a:r>
-                        <a:rPr lang="en-US" altLang="ko-KR" sz="500" b="0" dirty="0" smtClean="0">
+                        <a:rPr lang="en-US" altLang="ko-KR" sz="1400" b="1" dirty="0" smtClean="0">
                           <a:solidFill>
                             <a:schemeClr val="tx1"/>
                           </a:solidFill>
@@ -11667,7 +11862,7 @@
                         </a:rPr>
                         <a:t>0</a:t>
                       </a:r>
-                      <a:endParaRPr lang="ko-KR" altLang="en-US" sz="500" b="0" dirty="0">
+                      <a:endParaRPr lang="ko-KR" altLang="en-US" sz="1400" b="1" dirty="0">
                         <a:solidFill>
                           <a:schemeClr val="tx1"/>
                         </a:solidFill>
@@ -11675,7 +11870,7 @@
                       </a:endParaRPr>
                     </a:p>
                   </a:txBody>
-                  <a:tcPr marL="118688" marR="118688" marT="59344" marB="59344" anchor="ctr">
+                  <a:tcPr marL="118688" marR="118688" marT="9144" marB="9144" anchor="ctr">
                     <a:lnL w="12700" cap="flat" cmpd="sng" algn="ctr">
                       <a:solidFill>
                         <a:schemeClr val="tx1"/>
@@ -11730,7 +11925,7 @@
                     <a:p>
                       <a:pPr algn="ctr" latinLnBrk="1"/>
                       <a:r>
-                        <a:rPr lang="en-US" altLang="ko-KR" sz="500" b="0" dirty="0" smtClean="0">
+                        <a:rPr lang="en-US" altLang="ko-KR" sz="1400" b="1" dirty="0" smtClean="0">
                           <a:solidFill>
                             <a:schemeClr val="tx1"/>
                           </a:solidFill>
@@ -11738,7 +11933,7 @@
                         </a:rPr>
                         <a:t>0</a:t>
                       </a:r>
-                      <a:endParaRPr lang="ko-KR" altLang="en-US" sz="500" b="0" dirty="0">
+                      <a:endParaRPr lang="ko-KR" altLang="en-US" sz="1400" b="1" dirty="0">
                         <a:solidFill>
                           <a:schemeClr val="tx1"/>
                         </a:solidFill>
@@ -11746,7 +11941,7 @@
                       </a:endParaRPr>
                     </a:p>
                   </a:txBody>
-                  <a:tcPr marL="118688" marR="118688" marT="59344" marB="59344" anchor="ctr">
+                  <a:tcPr marL="118688" marR="118688" marT="9144" marB="9144" anchor="ctr">
                     <a:lnL w="12700" cap="flat" cmpd="sng" algn="ctr">
                       <a:solidFill>
                         <a:schemeClr val="tx1"/>
@@ -11817,7 +12012,7 @@
                         <a:defRPr/>
                       </a:pPr>
                       <a:r>
-                        <a:rPr lang="en-US" altLang="ko-KR" sz="500" b="0" kern="1200" dirty="0" smtClean="0">
+                        <a:rPr lang="en-US" altLang="ko-KR" sz="1400" b="1" kern="1200" dirty="0" smtClean="0">
                           <a:solidFill>
                             <a:schemeClr val="tx1"/>
                           </a:solidFill>
@@ -11827,7 +12022,7 @@
                         </a:rPr>
                         <a:t>…</a:t>
                       </a:r>
-                      <a:endParaRPr lang="ko-KR" altLang="en-US" sz="500" b="0" kern="1200" dirty="0" smtClean="0">
+                      <a:endParaRPr lang="ko-KR" altLang="en-US" sz="1400" b="1" kern="1200" dirty="0" smtClean="0">
                         <a:solidFill>
                           <a:schemeClr val="tx1"/>
                         </a:solidFill>
@@ -11837,7 +12032,7 @@
                       </a:endParaRPr>
                     </a:p>
                   </a:txBody>
-                  <a:tcPr marL="118688" marR="118688" marT="59344" marB="59344" anchor="ctr">
+                  <a:tcPr marL="118688" marR="118688" marT="9144" marB="9144" anchor="ctr">
                     <a:lnL w="12700" cap="flat" cmpd="sng" algn="ctr">
                       <a:solidFill>
                         <a:schemeClr val="tx1"/>
@@ -11892,7 +12087,7 @@
                     <a:p>
                       <a:pPr algn="ctr" latinLnBrk="1"/>
                       <a:r>
-                        <a:rPr lang="en-US" altLang="ko-KR" sz="500" b="0" dirty="0" smtClean="0">
+                        <a:rPr lang="en-US" altLang="ko-KR" sz="1400" b="1" dirty="0" smtClean="0">
                           <a:solidFill>
                             <a:schemeClr val="tx1"/>
                           </a:solidFill>
@@ -11900,7 +12095,7 @@
                         </a:rPr>
                         <a:t>0</a:t>
                       </a:r>
-                      <a:endParaRPr lang="ko-KR" altLang="en-US" sz="500" b="0" dirty="0">
+                      <a:endParaRPr lang="ko-KR" altLang="en-US" sz="1400" b="1" dirty="0">
                         <a:solidFill>
                           <a:schemeClr val="tx1"/>
                         </a:solidFill>
@@ -11908,7 +12103,7 @@
                       </a:endParaRPr>
                     </a:p>
                   </a:txBody>
-                  <a:tcPr marL="118688" marR="118688" marT="59344" marB="59344" anchor="ctr">
+                  <a:tcPr marL="118688" marR="118688" marT="9144" marB="9144" anchor="ctr">
                     <a:lnL w="12700" cap="flat" cmpd="sng" algn="ctr">
                       <a:solidFill>
                         <a:schemeClr val="tx1"/>
@@ -11965,7 +12160,7 @@
                     <a:p>
                       <a:pPr algn="ctr" latinLnBrk="1"/>
                       <a:r>
-                        <a:rPr lang="en-US" altLang="ko-KR" sz="500" b="0" dirty="0" smtClean="0">
+                        <a:rPr lang="en-US" altLang="ko-KR" sz="1400" b="1" dirty="0" smtClean="0">
                           <a:solidFill>
                             <a:schemeClr val="tx1"/>
                           </a:solidFill>
@@ -11973,7 +12168,7 @@
                         </a:rPr>
                         <a:t>1</a:t>
                       </a:r>
-                      <a:endParaRPr lang="ko-KR" altLang="en-US" sz="500" b="0" dirty="0">
+                      <a:endParaRPr lang="ko-KR" altLang="en-US" sz="1400" b="1" dirty="0">
                         <a:solidFill>
                           <a:schemeClr val="tx1"/>
                         </a:solidFill>
@@ -11981,7 +12176,7 @@
                       </a:endParaRPr>
                     </a:p>
                   </a:txBody>
-                  <a:tcPr marL="118688" marR="118688" marT="59344" marB="59344" anchor="ctr">
+                  <a:tcPr marL="118688" marR="118688" marT="9144" marB="9144" anchor="ctr">
                     <a:lnL w="12700" cap="flat" cmpd="sng" algn="ctr">
                       <a:solidFill>
                         <a:schemeClr val="tx1"/>
@@ -12038,7 +12233,7 @@
                     <a:p>
                       <a:pPr algn="ctr" latinLnBrk="1"/>
                       <a:r>
-                        <a:rPr lang="en-US" altLang="ko-KR" sz="500" b="0" dirty="0" smtClean="0">
+                        <a:rPr lang="en-US" altLang="ko-KR" sz="1400" b="1" dirty="0" smtClean="0">
                           <a:solidFill>
                             <a:schemeClr val="tx1"/>
                           </a:solidFill>
@@ -12046,7 +12241,7 @@
                         </a:rPr>
                         <a:t>0</a:t>
                       </a:r>
-                      <a:endParaRPr lang="ko-KR" altLang="en-US" sz="500" b="0" dirty="0">
+                      <a:endParaRPr lang="ko-KR" altLang="en-US" sz="1400" b="1" dirty="0">
                         <a:solidFill>
                           <a:schemeClr val="tx1"/>
                         </a:solidFill>
@@ -12054,7 +12249,7 @@
                       </a:endParaRPr>
                     </a:p>
                   </a:txBody>
-                  <a:tcPr marL="118688" marR="118688" marT="59344" marB="59344" anchor="ctr">
+                  <a:tcPr marL="118688" marR="118688" marT="9144" marB="9144" anchor="ctr">
                     <a:lnL w="12700" cap="flat" cmpd="sng" algn="ctr">
                       <a:solidFill>
                         <a:schemeClr val="tx1"/>
@@ -12109,7 +12304,7 @@
                     <a:p>
                       <a:pPr algn="ctr" latinLnBrk="1"/>
                       <a:r>
-                        <a:rPr lang="en-US" altLang="ko-KR" sz="500" b="0" dirty="0" smtClean="0">
+                        <a:rPr lang="en-US" altLang="ko-KR" sz="1400" b="1" dirty="0" smtClean="0">
                           <a:solidFill>
                             <a:schemeClr val="tx1"/>
                           </a:solidFill>
@@ -12117,7 +12312,7 @@
                         </a:rPr>
                         <a:t>1</a:t>
                       </a:r>
-                      <a:endParaRPr lang="ko-KR" altLang="en-US" sz="500" b="0" dirty="0">
+                      <a:endParaRPr lang="ko-KR" altLang="en-US" sz="1400" b="1" dirty="0">
                         <a:solidFill>
                           <a:schemeClr val="tx1"/>
                         </a:solidFill>
@@ -12125,7 +12320,7 @@
                       </a:endParaRPr>
                     </a:p>
                   </a:txBody>
-                  <a:tcPr marL="118688" marR="118688" marT="59344" marB="59344" anchor="ctr">
+                  <a:tcPr marL="118688" marR="118688" marT="9144" marB="9144" anchor="ctr">
                     <a:lnL w="12700" cap="flat" cmpd="sng" algn="ctr">
                       <a:solidFill>
                         <a:schemeClr val="tx1"/>
@@ -12180,7 +12375,7 @@
                     <a:p>
                       <a:pPr algn="ctr" latinLnBrk="1"/>
                       <a:r>
-                        <a:rPr lang="en-US" altLang="ko-KR" sz="500" b="0" dirty="0" smtClean="0">
+                        <a:rPr lang="en-US" altLang="ko-KR" sz="1400" b="1" dirty="0" smtClean="0">
                           <a:solidFill>
                             <a:schemeClr val="tx1"/>
                           </a:solidFill>
@@ -12188,7 +12383,7 @@
                         </a:rPr>
                         <a:t>1</a:t>
                       </a:r>
-                      <a:endParaRPr lang="ko-KR" altLang="en-US" sz="500" b="0" dirty="0">
+                      <a:endParaRPr lang="ko-KR" altLang="en-US" sz="1400" b="1" dirty="0">
                         <a:solidFill>
                           <a:schemeClr val="tx1"/>
                         </a:solidFill>
@@ -12196,7 +12391,7 @@
                       </a:endParaRPr>
                     </a:p>
                   </a:txBody>
-                  <a:tcPr marL="118688" marR="118688" marT="59344" marB="59344" anchor="ctr">
+                  <a:tcPr marL="118688" marR="118688" marT="9144" marB="9144" anchor="ctr">
                     <a:lnL w="12700" cap="flat" cmpd="sng" algn="ctr">
                       <a:solidFill>
                         <a:schemeClr val="tx1"/>
@@ -12267,7 +12462,7 @@
                         <a:defRPr/>
                       </a:pPr>
                       <a:r>
-                        <a:rPr lang="en-US" altLang="ko-KR" sz="500" b="0" kern="1200" smtClean="0">
+                        <a:rPr lang="en-US" altLang="ko-KR" sz="1400" b="1" kern="1200" smtClean="0">
                           <a:solidFill>
                             <a:schemeClr val="tx1"/>
                           </a:solidFill>
@@ -12277,7 +12472,7 @@
                         </a:rPr>
                         <a:t>…</a:t>
                       </a:r>
-                      <a:endParaRPr lang="ko-KR" altLang="en-US" sz="500" b="0" kern="1200" smtClean="0">
+                      <a:endParaRPr lang="ko-KR" altLang="en-US" sz="1400" b="1" kern="1200" smtClean="0">
                         <a:solidFill>
                           <a:schemeClr val="tx1"/>
                         </a:solidFill>
@@ -12287,7 +12482,7 @@
                       </a:endParaRPr>
                     </a:p>
                   </a:txBody>
-                  <a:tcPr marL="118688" marR="118688" marT="59344" marB="59344" anchor="ctr">
+                  <a:tcPr marL="118688" marR="118688" marT="9144" marB="9144" anchor="ctr">
                     <a:lnL w="12700" cap="flat" cmpd="sng" algn="ctr">
                       <a:solidFill>
                         <a:schemeClr val="tx1"/>
@@ -12342,7 +12537,7 @@
                     <a:p>
                       <a:pPr algn="ctr" latinLnBrk="1"/>
                       <a:r>
-                        <a:rPr lang="en-US" altLang="ko-KR" sz="500" b="0" dirty="0" smtClean="0">
+                        <a:rPr lang="en-US" altLang="ko-KR" sz="1400" b="1" dirty="0" smtClean="0">
                           <a:solidFill>
                             <a:schemeClr val="tx1"/>
                           </a:solidFill>
@@ -12350,7 +12545,7 @@
                         </a:rPr>
                         <a:t>0</a:t>
                       </a:r>
-                      <a:endParaRPr lang="ko-KR" altLang="en-US" sz="500" b="0" dirty="0">
+                      <a:endParaRPr lang="ko-KR" altLang="en-US" sz="1400" b="1" dirty="0">
                         <a:solidFill>
                           <a:schemeClr val="tx1"/>
                         </a:solidFill>
@@ -12358,7 +12553,7 @@
                       </a:endParaRPr>
                     </a:p>
                   </a:txBody>
-                  <a:tcPr marL="118688" marR="118688" marT="59344" marB="59344" anchor="ctr">
+                  <a:tcPr marL="118688" marR="118688" marT="9144" marB="9144" anchor="ctr">
                     <a:lnL w="12700" cap="flat" cmpd="sng" algn="ctr">
                       <a:solidFill>
                         <a:schemeClr val="tx1"/>
@@ -12415,7 +12610,7 @@
                     <a:p>
                       <a:pPr algn="ctr" latinLnBrk="1"/>
                       <a:r>
-                        <a:rPr lang="en-US" altLang="ko-KR" sz="500" b="0" dirty="0" smtClean="0">
+                        <a:rPr lang="en-US" altLang="ko-KR" sz="1400" b="1" dirty="0" smtClean="0">
                           <a:solidFill>
                             <a:schemeClr val="tx1"/>
                           </a:solidFill>
@@ -12423,7 +12618,7 @@
                         </a:rPr>
                         <a:t>2</a:t>
                       </a:r>
-                      <a:endParaRPr lang="ko-KR" altLang="en-US" sz="500" b="0" dirty="0">
+                      <a:endParaRPr lang="ko-KR" altLang="en-US" sz="1400" b="1" dirty="0">
                         <a:solidFill>
                           <a:schemeClr val="tx1"/>
                         </a:solidFill>
@@ -12431,7 +12626,7 @@
                       </a:endParaRPr>
                     </a:p>
                   </a:txBody>
-                  <a:tcPr marL="118688" marR="118688" marT="59344" marB="59344" anchor="ctr">
+                  <a:tcPr marL="118688" marR="118688" marT="9144" marB="9144" anchor="ctr">
                     <a:lnL w="12700" cap="flat" cmpd="sng" algn="ctr">
                       <a:solidFill>
                         <a:schemeClr val="tx1"/>
@@ -12488,7 +12683,7 @@
                     <a:p>
                       <a:pPr algn="ctr" latinLnBrk="1"/>
                       <a:r>
-                        <a:rPr lang="en-US" altLang="ko-KR" sz="500" b="0" dirty="0" smtClean="0">
+                        <a:rPr lang="en-US" altLang="ko-KR" sz="1400" b="1" dirty="0" smtClean="0">
                           <a:solidFill>
                             <a:schemeClr val="tx1"/>
                           </a:solidFill>
@@ -12496,7 +12691,7 @@
                         </a:rPr>
                         <a:t>0</a:t>
                       </a:r>
-                      <a:endParaRPr lang="ko-KR" altLang="en-US" sz="500" b="0" dirty="0">
+                      <a:endParaRPr lang="ko-KR" altLang="en-US" sz="1400" b="1" dirty="0">
                         <a:solidFill>
                           <a:schemeClr val="tx1"/>
                         </a:solidFill>
@@ -12504,7 +12699,7 @@
                       </a:endParaRPr>
                     </a:p>
                   </a:txBody>
-                  <a:tcPr marL="118688" marR="118688" marT="59344" marB="59344" anchor="ctr">
+                  <a:tcPr marL="118688" marR="118688" marT="9144" marB="9144" anchor="ctr">
                     <a:lnL w="12700" cap="flat" cmpd="sng" algn="ctr">
                       <a:solidFill>
                         <a:schemeClr val="tx1"/>
@@ -12559,7 +12754,7 @@
                     <a:p>
                       <a:pPr algn="ctr" latinLnBrk="1"/>
                       <a:r>
-                        <a:rPr lang="en-US" altLang="ko-KR" sz="500" b="0" dirty="0" smtClean="0">
+                        <a:rPr lang="en-US" altLang="ko-KR" sz="1400" b="1" dirty="0" smtClean="0">
                           <a:solidFill>
                             <a:schemeClr val="tx1"/>
                           </a:solidFill>
@@ -12567,7 +12762,7 @@
                         </a:rPr>
                         <a:t>0</a:t>
                       </a:r>
-                      <a:endParaRPr lang="ko-KR" altLang="en-US" sz="500" b="0" dirty="0">
+                      <a:endParaRPr lang="ko-KR" altLang="en-US" sz="1400" b="1" dirty="0">
                         <a:solidFill>
                           <a:schemeClr val="tx1"/>
                         </a:solidFill>
@@ -12575,7 +12770,7 @@
                       </a:endParaRPr>
                     </a:p>
                   </a:txBody>
-                  <a:tcPr marL="118688" marR="118688" marT="59344" marB="59344" anchor="ctr">
+                  <a:tcPr marL="118688" marR="118688" marT="9144" marB="9144" anchor="ctr">
                     <a:lnL w="12700" cap="flat" cmpd="sng" algn="ctr">
                       <a:solidFill>
                         <a:schemeClr val="tx1"/>
@@ -12630,7 +12825,7 @@
                     <a:p>
                       <a:pPr algn="ctr" latinLnBrk="1"/>
                       <a:r>
-                        <a:rPr lang="en-US" altLang="ko-KR" sz="500" b="0" dirty="0" smtClean="0">
+                        <a:rPr lang="en-US" altLang="ko-KR" sz="1400" b="1" dirty="0" smtClean="0">
                           <a:solidFill>
                             <a:schemeClr val="tx1"/>
                           </a:solidFill>
@@ -12638,7 +12833,7 @@
                         </a:rPr>
                         <a:t>0</a:t>
                       </a:r>
-                      <a:endParaRPr lang="ko-KR" altLang="en-US" sz="500" b="0" dirty="0">
+                      <a:endParaRPr lang="ko-KR" altLang="en-US" sz="1400" b="1" dirty="0">
                         <a:solidFill>
                           <a:schemeClr val="tx1"/>
                         </a:solidFill>
@@ -12646,7 +12841,7 @@
                       </a:endParaRPr>
                     </a:p>
                   </a:txBody>
-                  <a:tcPr marL="118688" marR="118688" marT="59344" marB="59344" anchor="ctr">
+                  <a:tcPr marL="118688" marR="118688" marT="9144" marB="9144" anchor="ctr">
                     <a:lnL w="12700" cap="flat" cmpd="sng" algn="ctr">
                       <a:solidFill>
                         <a:schemeClr val="tx1"/>
@@ -12717,7 +12912,7 @@
                         <a:defRPr/>
                       </a:pPr>
                       <a:r>
-                        <a:rPr lang="en-US" altLang="ko-KR" sz="500" b="0" kern="1200" dirty="0" smtClean="0">
+                        <a:rPr lang="en-US" altLang="ko-KR" sz="1400" b="1" kern="1200" dirty="0" smtClean="0">
                           <a:solidFill>
                             <a:schemeClr val="tx1"/>
                           </a:solidFill>
@@ -12727,7 +12922,7 @@
                         </a:rPr>
                         <a:t>…</a:t>
                       </a:r>
-                      <a:endParaRPr lang="ko-KR" altLang="en-US" sz="500" b="0" kern="1200" dirty="0" smtClean="0">
+                      <a:endParaRPr lang="ko-KR" altLang="en-US" sz="1400" b="1" kern="1200" dirty="0" smtClean="0">
                         <a:solidFill>
                           <a:schemeClr val="tx1"/>
                         </a:solidFill>
@@ -12737,7 +12932,7 @@
                       </a:endParaRPr>
                     </a:p>
                   </a:txBody>
-                  <a:tcPr marL="118688" marR="118688" marT="59344" marB="59344" anchor="ctr">
+                  <a:tcPr marL="118688" marR="118688" marT="9144" marB="9144" anchor="ctr">
                     <a:lnL w="12700" cap="flat" cmpd="sng" algn="ctr">
                       <a:solidFill>
                         <a:schemeClr val="tx1"/>
@@ -12792,7 +12987,7 @@
                     <a:p>
                       <a:pPr algn="ctr" latinLnBrk="1"/>
                       <a:r>
-                        <a:rPr lang="en-US" altLang="ko-KR" sz="500" b="0" dirty="0" smtClean="0">
+                        <a:rPr lang="en-US" altLang="ko-KR" sz="1400" b="1" dirty="0" smtClean="0">
                           <a:solidFill>
                             <a:schemeClr val="tx1"/>
                           </a:solidFill>
@@ -12800,7 +12995,7 @@
                         </a:rPr>
                         <a:t>0</a:t>
                       </a:r>
-                      <a:endParaRPr lang="ko-KR" altLang="en-US" sz="500" b="0" dirty="0">
+                      <a:endParaRPr lang="ko-KR" altLang="en-US" sz="1400" b="1" dirty="0">
                         <a:solidFill>
                           <a:schemeClr val="tx1"/>
                         </a:solidFill>
@@ -12808,7 +13003,7 @@
                       </a:endParaRPr>
                     </a:p>
                   </a:txBody>
-                  <a:tcPr marL="118688" marR="118688" marT="59344" marB="59344" anchor="ctr">
+                  <a:tcPr marL="118688" marR="118688" marT="9144" marB="9144" anchor="ctr">
                     <a:lnL w="12700" cap="flat" cmpd="sng" algn="ctr">
                       <a:solidFill>
                         <a:schemeClr val="tx1"/>
@@ -12865,7 +13060,7 @@
                     <a:p>
                       <a:pPr algn="ctr" latinLnBrk="1"/>
                       <a:r>
-                        <a:rPr lang="en-US" altLang="ko-KR" sz="500" b="0" dirty="0" smtClean="0">
+                        <a:rPr lang="en-US" altLang="ko-KR" sz="1400" b="1" dirty="0" smtClean="0">
                           <a:solidFill>
                             <a:schemeClr val="tx1"/>
                           </a:solidFill>
@@ -12873,7 +13068,7 @@
                         </a:rPr>
                         <a:t>3</a:t>
                       </a:r>
-                      <a:endParaRPr lang="ko-KR" altLang="en-US" sz="500" b="0" dirty="0">
+                      <a:endParaRPr lang="ko-KR" altLang="en-US" sz="1400" b="1" dirty="0">
                         <a:solidFill>
                           <a:schemeClr val="tx1"/>
                         </a:solidFill>
@@ -12881,7 +13076,7 @@
                       </a:endParaRPr>
                     </a:p>
                   </a:txBody>
-                  <a:tcPr marL="118688" marR="118688" marT="59344" marB="59344" anchor="ctr">
+                  <a:tcPr marL="118688" marR="118688" marT="9144" marB="9144" anchor="ctr">
                     <a:lnL w="12700" cap="flat" cmpd="sng" algn="ctr">
                       <a:solidFill>
                         <a:schemeClr val="tx1"/>
@@ -12938,7 +13133,7 @@
                     <a:p>
                       <a:pPr algn="ctr" latinLnBrk="1"/>
                       <a:r>
-                        <a:rPr lang="en-US" altLang="ko-KR" sz="500" b="0" dirty="0" smtClean="0">
+                        <a:rPr lang="en-US" altLang="ko-KR" sz="1400" b="1" dirty="0" smtClean="0">
                           <a:solidFill>
                             <a:schemeClr val="tx1"/>
                           </a:solidFill>
@@ -12946,7 +13141,7 @@
                         </a:rPr>
                         <a:t>1</a:t>
                       </a:r>
-                      <a:endParaRPr lang="ko-KR" altLang="en-US" sz="500" b="0" dirty="0">
+                      <a:endParaRPr lang="ko-KR" altLang="en-US" sz="1400" b="1" dirty="0">
                         <a:solidFill>
                           <a:schemeClr val="tx1"/>
                         </a:solidFill>
@@ -12954,7 +13149,7 @@
                       </a:endParaRPr>
                     </a:p>
                   </a:txBody>
-                  <a:tcPr marL="118688" marR="118688" marT="59344" marB="59344" anchor="ctr">
+                  <a:tcPr marL="118688" marR="118688" marT="9144" marB="9144" anchor="ctr">
                     <a:lnL w="12700" cap="flat" cmpd="sng" algn="ctr">
                       <a:solidFill>
                         <a:schemeClr val="tx1"/>
@@ -13009,7 +13204,7 @@
                     <a:p>
                       <a:pPr algn="ctr" latinLnBrk="1"/>
                       <a:r>
-                        <a:rPr lang="en-US" altLang="ko-KR" sz="500" b="0" dirty="0" smtClean="0">
+                        <a:rPr lang="en-US" altLang="ko-KR" sz="1400" b="1" dirty="0" smtClean="0">
                           <a:solidFill>
                             <a:schemeClr val="tx1"/>
                           </a:solidFill>
@@ -13017,7 +13212,7 @@
                         </a:rPr>
                         <a:t>1</a:t>
                       </a:r>
-                      <a:endParaRPr lang="ko-KR" altLang="en-US" sz="500" b="0" dirty="0">
+                      <a:endParaRPr lang="ko-KR" altLang="en-US" sz="1400" b="1" dirty="0">
                         <a:solidFill>
                           <a:schemeClr val="tx1"/>
                         </a:solidFill>
@@ -13025,7 +13220,7 @@
                       </a:endParaRPr>
                     </a:p>
                   </a:txBody>
-                  <a:tcPr marL="118688" marR="118688" marT="59344" marB="59344" anchor="ctr">
+                  <a:tcPr marL="118688" marR="118688" marT="9144" marB="9144" anchor="ctr">
                     <a:lnL w="12700" cap="flat" cmpd="sng" algn="ctr">
                       <a:solidFill>
                         <a:schemeClr val="tx1"/>
@@ -13080,7 +13275,7 @@
                     <a:p>
                       <a:pPr algn="ctr" latinLnBrk="1"/>
                       <a:r>
-                        <a:rPr lang="en-US" altLang="ko-KR" sz="500" b="0" dirty="0" smtClean="0">
+                        <a:rPr lang="en-US" altLang="ko-KR" sz="1400" b="1" dirty="0" smtClean="0">
                           <a:solidFill>
                             <a:schemeClr val="tx1"/>
                           </a:solidFill>
@@ -13088,7 +13283,7 @@
                         </a:rPr>
                         <a:t>0</a:t>
                       </a:r>
-                      <a:endParaRPr lang="ko-KR" altLang="en-US" sz="500" b="0" dirty="0">
+                      <a:endParaRPr lang="ko-KR" altLang="en-US" sz="1400" b="1" dirty="0">
                         <a:solidFill>
                           <a:schemeClr val="tx1"/>
                         </a:solidFill>
@@ -13096,7 +13291,7 @@
                       </a:endParaRPr>
                     </a:p>
                   </a:txBody>
-                  <a:tcPr marL="118688" marR="118688" marT="59344" marB="59344" anchor="ctr">
+                  <a:tcPr marL="118688" marR="118688" marT="9144" marB="9144" anchor="ctr">
                     <a:lnL w="12700" cap="flat" cmpd="sng" algn="ctr">
                       <a:solidFill>
                         <a:schemeClr val="tx1"/>
@@ -13167,7 +13362,7 @@
                         <a:defRPr/>
                       </a:pPr>
                       <a:r>
-                        <a:rPr lang="en-US" altLang="ko-KR" sz="500" b="0" kern="1200" dirty="0" smtClean="0">
+                        <a:rPr lang="en-US" altLang="ko-KR" sz="1400" b="1" kern="1200" dirty="0" smtClean="0">
                           <a:solidFill>
                             <a:schemeClr val="tx1"/>
                           </a:solidFill>
@@ -13177,7 +13372,7 @@
                         </a:rPr>
                         <a:t>…</a:t>
                       </a:r>
-                      <a:endParaRPr lang="ko-KR" altLang="en-US" sz="500" b="0" kern="1200" dirty="0" smtClean="0">
+                      <a:endParaRPr lang="ko-KR" altLang="en-US" sz="1400" b="1" kern="1200" dirty="0" smtClean="0">
                         <a:solidFill>
                           <a:schemeClr val="tx1"/>
                         </a:solidFill>
@@ -13187,7 +13382,7 @@
                       </a:endParaRPr>
                     </a:p>
                   </a:txBody>
-                  <a:tcPr marL="118688" marR="118688" marT="59344" marB="59344" anchor="ctr">
+                  <a:tcPr marL="118688" marR="118688" marT="9144" marB="9144" anchor="ctr">
                     <a:lnL w="12700" cap="flat" cmpd="sng" algn="ctr">
                       <a:solidFill>
                         <a:schemeClr val="tx1"/>
@@ -13242,7 +13437,7 @@
                     <a:p>
                       <a:pPr algn="ctr" latinLnBrk="1"/>
                       <a:r>
-                        <a:rPr lang="en-US" altLang="ko-KR" sz="500" b="0" dirty="0" smtClean="0">
+                        <a:rPr lang="en-US" altLang="ko-KR" sz="1400" b="1" dirty="0" smtClean="0">
                           <a:solidFill>
                             <a:schemeClr val="tx1"/>
                           </a:solidFill>
@@ -13250,7 +13445,7 @@
                         </a:rPr>
                         <a:t>0</a:t>
                       </a:r>
-                      <a:endParaRPr lang="ko-KR" altLang="en-US" sz="500" b="0" dirty="0">
+                      <a:endParaRPr lang="ko-KR" altLang="en-US" sz="1400" b="1" dirty="0">
                         <a:solidFill>
                           <a:schemeClr val="tx1"/>
                         </a:solidFill>
@@ -13258,7 +13453,7 @@
                       </a:endParaRPr>
                     </a:p>
                   </a:txBody>
-                  <a:tcPr marL="118688" marR="118688" marT="59344" marB="59344" anchor="ctr">
+                  <a:tcPr marL="118688" marR="118688" marT="9144" marB="9144" anchor="ctr">
                     <a:lnL w="12700" cap="flat" cmpd="sng" algn="ctr">
                       <a:solidFill>
                         <a:schemeClr val="tx1"/>
@@ -13315,7 +13510,7 @@
                     <a:p>
                       <a:pPr algn="ctr" latinLnBrk="1"/>
                       <a:r>
-                        <a:rPr lang="en-US" altLang="ko-KR" sz="500" b="0" dirty="0" smtClean="0">
+                        <a:rPr lang="en-US" altLang="ko-KR" sz="1400" b="1" dirty="0" smtClean="0">
                           <a:solidFill>
                             <a:schemeClr val="tx1"/>
                           </a:solidFill>
@@ -13323,7 +13518,7 @@
                         </a:rPr>
                         <a:t>4</a:t>
                       </a:r>
-                      <a:endParaRPr lang="ko-KR" altLang="en-US" sz="500" b="0" dirty="0">
+                      <a:endParaRPr lang="ko-KR" altLang="en-US" sz="1400" b="1" dirty="0">
                         <a:solidFill>
                           <a:schemeClr val="tx1"/>
                         </a:solidFill>
@@ -13331,7 +13526,7 @@
                       </a:endParaRPr>
                     </a:p>
                   </a:txBody>
-                  <a:tcPr marL="118688" marR="118688" marT="59344" marB="59344" anchor="ctr">
+                  <a:tcPr marL="118688" marR="118688" marT="9144" marB="9144" anchor="ctr">
                     <a:lnL w="12700" cap="flat" cmpd="sng" algn="ctr">
                       <a:solidFill>
                         <a:schemeClr val="tx1"/>
@@ -13388,7 +13583,7 @@
                     <a:p>
                       <a:pPr algn="ctr" latinLnBrk="1"/>
                       <a:r>
-                        <a:rPr lang="en-US" altLang="ko-KR" sz="500" b="0" dirty="0" smtClean="0">
+                        <a:rPr lang="en-US" altLang="ko-KR" sz="1400" b="1" dirty="0" smtClean="0">
                           <a:solidFill>
                             <a:schemeClr val="tx1"/>
                           </a:solidFill>
@@ -13396,7 +13591,7 @@
                         </a:rPr>
                         <a:t>0</a:t>
                       </a:r>
-                      <a:endParaRPr lang="ko-KR" altLang="en-US" sz="500" b="0" dirty="0">
+                      <a:endParaRPr lang="ko-KR" altLang="en-US" sz="1400" b="1" dirty="0">
                         <a:solidFill>
                           <a:schemeClr val="tx1"/>
                         </a:solidFill>
@@ -13404,7 +13599,7 @@
                       </a:endParaRPr>
                     </a:p>
                   </a:txBody>
-                  <a:tcPr marL="118688" marR="118688" marT="59344" marB="59344" anchor="ctr">
+                  <a:tcPr marL="118688" marR="118688" marT="9144" marB="9144" anchor="ctr">
                     <a:lnL w="12700" cap="flat" cmpd="sng" algn="ctr">
                       <a:solidFill>
                         <a:schemeClr val="tx1"/>
@@ -13459,7 +13654,7 @@
                     <a:p>
                       <a:pPr algn="ctr" latinLnBrk="1"/>
                       <a:r>
-                        <a:rPr lang="en-US" altLang="ko-KR" sz="500" b="0" dirty="0" smtClean="0">
+                        <a:rPr lang="en-US" altLang="ko-KR" sz="1400" b="1" dirty="0" smtClean="0">
                           <a:solidFill>
                             <a:schemeClr val="tx1"/>
                           </a:solidFill>
@@ -13467,7 +13662,7 @@
                         </a:rPr>
                         <a:t>0</a:t>
                       </a:r>
-                      <a:endParaRPr lang="ko-KR" altLang="en-US" sz="500" b="0" dirty="0">
+                      <a:endParaRPr lang="ko-KR" altLang="en-US" sz="1400" b="1" dirty="0">
                         <a:solidFill>
                           <a:schemeClr val="tx1"/>
                         </a:solidFill>
@@ -13475,7 +13670,7 @@
                       </a:endParaRPr>
                     </a:p>
                   </a:txBody>
-                  <a:tcPr marL="118688" marR="118688" marT="59344" marB="59344" anchor="ctr">
+                  <a:tcPr marL="118688" marR="118688" marT="9144" marB="9144" anchor="ctr">
                     <a:lnL w="12700" cap="flat" cmpd="sng" algn="ctr">
                       <a:solidFill>
                         <a:schemeClr val="tx1"/>
@@ -13530,7 +13725,7 @@
                     <a:p>
                       <a:pPr algn="ctr" latinLnBrk="1"/>
                       <a:r>
-                        <a:rPr lang="en-US" altLang="ko-KR" sz="500" b="0" dirty="0" smtClean="0">
+                        <a:rPr lang="en-US" altLang="ko-KR" sz="1400" b="1" dirty="0" smtClean="0">
                           <a:solidFill>
                             <a:schemeClr val="tx1"/>
                           </a:solidFill>
@@ -13538,7 +13733,7 @@
                         </a:rPr>
                         <a:t>0</a:t>
                       </a:r>
-                      <a:endParaRPr lang="ko-KR" altLang="en-US" sz="500" b="0" dirty="0">
+                      <a:endParaRPr lang="ko-KR" altLang="en-US" sz="1400" b="1" dirty="0">
                         <a:solidFill>
                           <a:schemeClr val="tx1"/>
                         </a:solidFill>
@@ -13546,7 +13741,7 @@
                       </a:endParaRPr>
                     </a:p>
                   </a:txBody>
-                  <a:tcPr marL="118688" marR="118688" marT="59344" marB="59344" anchor="ctr">
+                  <a:tcPr marL="118688" marR="118688" marT="9144" marB="9144" anchor="ctr">
                     <a:lnL w="12700" cap="flat" cmpd="sng" algn="ctr">
                       <a:solidFill>
                         <a:schemeClr val="tx1"/>
@@ -13617,7 +13812,7 @@
                         <a:defRPr/>
                       </a:pPr>
                       <a:r>
-                        <a:rPr lang="en-US" altLang="ko-KR" sz="500" b="0" kern="1200" dirty="0" smtClean="0">
+                        <a:rPr lang="en-US" altLang="ko-KR" sz="1400" b="1" kern="1200" dirty="0" smtClean="0">
                           <a:solidFill>
                             <a:schemeClr val="tx1"/>
                           </a:solidFill>
@@ -13627,7 +13822,7 @@
                         </a:rPr>
                         <a:t>…</a:t>
                       </a:r>
-                      <a:endParaRPr lang="ko-KR" altLang="en-US" sz="500" b="0" kern="1200" dirty="0" smtClean="0">
+                      <a:endParaRPr lang="ko-KR" altLang="en-US" sz="1400" b="1" kern="1200" dirty="0" smtClean="0">
                         <a:solidFill>
                           <a:schemeClr val="tx1"/>
                         </a:solidFill>
@@ -13637,7 +13832,7 @@
                       </a:endParaRPr>
                     </a:p>
                   </a:txBody>
-                  <a:tcPr marL="118688" marR="118688" marT="59344" marB="59344" anchor="ctr">
+                  <a:tcPr marL="118688" marR="118688" marT="9144" marB="9144" anchor="ctr">
                     <a:lnL w="12700" cap="flat" cmpd="sng" algn="ctr">
                       <a:solidFill>
                         <a:schemeClr val="tx1"/>
@@ -13692,7 +13887,7 @@
                     <a:p>
                       <a:pPr algn="ctr" latinLnBrk="1"/>
                       <a:r>
-                        <a:rPr lang="en-US" altLang="ko-KR" sz="500" b="0" dirty="0" smtClean="0">
+                        <a:rPr lang="en-US" altLang="ko-KR" sz="1400" b="1" dirty="0" smtClean="0">
                           <a:solidFill>
                             <a:schemeClr val="tx1"/>
                           </a:solidFill>
@@ -13700,7 +13895,7 @@
                         </a:rPr>
                         <a:t>0</a:t>
                       </a:r>
-                      <a:endParaRPr lang="ko-KR" altLang="en-US" sz="500" b="0" dirty="0">
+                      <a:endParaRPr lang="ko-KR" altLang="en-US" sz="1400" b="1" dirty="0">
                         <a:solidFill>
                           <a:schemeClr val="tx1"/>
                         </a:solidFill>
@@ -13708,7 +13903,7 @@
                       </a:endParaRPr>
                     </a:p>
                   </a:txBody>
-                  <a:tcPr marL="118688" marR="118688" marT="59344" marB="59344" anchor="ctr">
+                  <a:tcPr marL="118688" marR="118688" marT="9144" marB="9144" anchor="ctr">
                     <a:lnL w="12700" cap="flat" cmpd="sng" algn="ctr">
                       <a:solidFill>
                         <a:schemeClr val="tx1"/>
@@ -13765,7 +13960,7 @@
                     <a:p>
                       <a:pPr algn="ctr" latinLnBrk="1"/>
                       <a:r>
-                        <a:rPr lang="en-US" altLang="ko-KR" sz="500" b="0" dirty="0" smtClean="0">
+                        <a:rPr lang="en-US" altLang="ko-KR" sz="1400" b="1" dirty="0" smtClean="0">
                           <a:solidFill>
                             <a:schemeClr val="tx1"/>
                           </a:solidFill>
@@ -13773,7 +13968,7 @@
                         </a:rPr>
                         <a:t>︙</a:t>
                       </a:r>
-                      <a:endParaRPr lang="ko-KR" altLang="en-US" sz="500" b="0" dirty="0">
+                      <a:endParaRPr lang="ko-KR" altLang="en-US" sz="1400" b="1" dirty="0">
                         <a:solidFill>
                           <a:schemeClr val="tx1"/>
                         </a:solidFill>
@@ -13781,7 +13976,7 @@
                       </a:endParaRPr>
                     </a:p>
                   </a:txBody>
-                  <a:tcPr marL="118688" marR="118688" marT="59344" marB="59344" anchor="ctr">
+                  <a:tcPr marL="118688" marR="118688" marT="9144" marB="9144" anchor="ctr">
                     <a:lnL w="12700" cap="flat" cmpd="sng" algn="ctr">
                       <a:solidFill>
                         <a:schemeClr val="tx1"/>
@@ -13854,7 +14049,7 @@
                         <a:defRPr/>
                       </a:pPr>
                       <a:r>
-                        <a:rPr lang="en-US" altLang="ko-KR" sz="500" b="0" kern="1200" dirty="0" smtClean="0">
+                        <a:rPr lang="en-US" altLang="ko-KR" sz="1400" b="1" kern="1200" dirty="0" smtClean="0">
                           <a:solidFill>
                             <a:schemeClr val="tx1"/>
                           </a:solidFill>
@@ -13864,7 +14059,7 @@
                         </a:rPr>
                         <a:t>︙</a:t>
                       </a:r>
-                      <a:endParaRPr lang="ko-KR" altLang="en-US" sz="500" b="0" kern="1200" dirty="0" smtClean="0">
+                      <a:endParaRPr lang="ko-KR" altLang="en-US" sz="1400" b="1" kern="1200" dirty="0" smtClean="0">
                         <a:solidFill>
                           <a:schemeClr val="tx1"/>
                         </a:solidFill>
@@ -13874,7 +14069,7 @@
                       </a:endParaRPr>
                     </a:p>
                   </a:txBody>
-                  <a:tcPr marL="118688" marR="118688" marT="59344" marB="59344" anchor="ctr">
+                  <a:tcPr marL="118688" marR="118688" marT="9144" marB="9144" anchor="ctr">
                     <a:lnL w="12700" cap="flat" cmpd="sng" algn="ctr">
                       <a:solidFill>
                         <a:schemeClr val="tx1"/>
@@ -13945,7 +14140,7 @@
                         <a:defRPr/>
                       </a:pPr>
                       <a:r>
-                        <a:rPr lang="en-US" altLang="ko-KR" sz="500" b="0" kern="1200" dirty="0" smtClean="0">
+                        <a:rPr lang="en-US" altLang="ko-KR" sz="1400" b="1" kern="1200" dirty="0" smtClean="0">
                           <a:solidFill>
                             <a:schemeClr val="tx1"/>
                           </a:solidFill>
@@ -13955,7 +14150,7 @@
                         </a:rPr>
                         <a:t>︙</a:t>
                       </a:r>
-                      <a:endParaRPr lang="ko-KR" altLang="en-US" sz="500" b="0" kern="1200" dirty="0" smtClean="0">
+                      <a:endParaRPr lang="ko-KR" altLang="en-US" sz="1400" b="1" kern="1200" dirty="0" smtClean="0">
                         <a:solidFill>
                           <a:schemeClr val="tx1"/>
                         </a:solidFill>
@@ -13965,7 +14160,7 @@
                       </a:endParaRPr>
                     </a:p>
                   </a:txBody>
-                  <a:tcPr marL="118688" marR="118688" marT="59344" marB="59344" anchor="ctr">
+                  <a:tcPr marL="118688" marR="118688" marT="9144" marB="9144" anchor="ctr">
                     <a:lnL w="12700" cap="flat" cmpd="sng" algn="ctr">
                       <a:solidFill>
                         <a:schemeClr val="tx1"/>
@@ -14036,7 +14231,7 @@
                         <a:defRPr/>
                       </a:pPr>
                       <a:r>
-                        <a:rPr lang="en-US" altLang="ko-KR" sz="500" b="0" kern="1200" dirty="0" smtClean="0">
+                        <a:rPr lang="en-US" altLang="ko-KR" sz="1400" b="1" kern="1200" dirty="0" smtClean="0">
                           <a:solidFill>
                             <a:schemeClr val="tx1"/>
                           </a:solidFill>
@@ -14046,7 +14241,7 @@
                         </a:rPr>
                         <a:t>︙</a:t>
                       </a:r>
-                      <a:endParaRPr lang="ko-KR" altLang="en-US" sz="500" b="0" kern="1200" dirty="0" smtClean="0">
+                      <a:endParaRPr lang="ko-KR" altLang="en-US" sz="1400" b="1" kern="1200" dirty="0" smtClean="0">
                         <a:solidFill>
                           <a:schemeClr val="tx1"/>
                         </a:solidFill>
@@ -14056,7 +14251,7 @@
                       </a:endParaRPr>
                     </a:p>
                   </a:txBody>
-                  <a:tcPr marL="118688" marR="118688" marT="59344" marB="59344" anchor="ctr">
+                  <a:tcPr marL="118688" marR="118688" marT="9144" marB="9144" anchor="ctr">
                     <a:lnL w="12700" cap="flat" cmpd="sng" algn="ctr">
                       <a:solidFill>
                         <a:schemeClr val="tx1"/>
@@ -14127,7 +14322,7 @@
                         <a:defRPr/>
                       </a:pPr>
                       <a:r>
-                        <a:rPr lang="en-US" altLang="ko-KR" sz="500" b="0" kern="1200" dirty="0" smtClean="0">
+                        <a:rPr lang="en-US" altLang="ko-KR" sz="1400" b="1" kern="1200" dirty="0" smtClean="0">
                           <a:solidFill>
                             <a:schemeClr val="tx1"/>
                           </a:solidFill>
@@ -14137,7 +14332,7 @@
                         </a:rPr>
                         <a:t>︙</a:t>
                       </a:r>
-                      <a:endParaRPr lang="ko-KR" altLang="en-US" sz="500" b="0" kern="1200" dirty="0" smtClean="0">
+                      <a:endParaRPr lang="ko-KR" altLang="en-US" sz="1400" b="1" kern="1200" dirty="0" smtClean="0">
                         <a:solidFill>
                           <a:schemeClr val="tx1"/>
                         </a:solidFill>
@@ -14147,7 +14342,7 @@
                       </a:endParaRPr>
                     </a:p>
                   </a:txBody>
-                  <a:tcPr marL="118688" marR="118688" marT="59344" marB="59344" anchor="ctr">
+                  <a:tcPr marL="118688" marR="118688" marT="9144" marB="9144" anchor="ctr">
                     <a:lnL w="12700" cap="flat" cmpd="sng" algn="ctr">
                       <a:solidFill>
                         <a:schemeClr val="tx1"/>
@@ -14218,7 +14413,7 @@
                         <a:defRPr/>
                       </a:pPr>
                       <a:r>
-                        <a:rPr lang="en-US" altLang="ko-KR" sz="500" b="0" kern="1200" dirty="0" smtClean="0">
+                        <a:rPr lang="en-US" altLang="ko-KR" sz="1400" b="1" kern="1200" dirty="0" smtClean="0">
                           <a:solidFill>
                             <a:schemeClr val="tx1"/>
                           </a:solidFill>
@@ -14228,7 +14423,7 @@
                         </a:rPr>
                         <a:t>︙</a:t>
                       </a:r>
-                      <a:endParaRPr lang="ko-KR" altLang="en-US" sz="500" b="0" kern="1200" dirty="0" smtClean="0">
+                      <a:endParaRPr lang="ko-KR" altLang="en-US" sz="1400" b="1" kern="1200" dirty="0" smtClean="0">
                         <a:solidFill>
                           <a:schemeClr val="tx1"/>
                         </a:solidFill>
@@ -14238,7 +14433,7 @@
                       </a:endParaRPr>
                     </a:p>
                   </a:txBody>
-                  <a:tcPr marL="118688" marR="118688" marT="59344" marB="59344" anchor="ctr">
+                  <a:tcPr marL="118688" marR="118688" marT="9144" marB="9144" anchor="ctr">
                     <a:lnL w="12700" cap="flat" cmpd="sng" algn="ctr">
                       <a:solidFill>
                         <a:schemeClr val="tx1"/>
@@ -14295,15 +14490,15 @@
                     <a:p>
                       <a:pPr algn="ctr" latinLnBrk="1"/>
                       <a:r>
-                        <a:rPr lang="en-US" altLang="ko-KR" sz="500" b="0" dirty="0" smtClean="0">
+                        <a:rPr lang="en-US" altLang="ko-KR" sz="1400" b="1" dirty="0" smtClean="0">
                           <a:solidFill>
                             <a:schemeClr val="tx1"/>
                           </a:solidFill>
                           <a:latin typeface="+mj-lt"/>
                         </a:rPr>
-                        <a:t>p-1</a:t>
+                        <a:t>P-1</a:t>
                       </a:r>
-                      <a:endParaRPr lang="ko-KR" altLang="en-US" sz="500" b="0" dirty="0">
+                      <a:endParaRPr lang="ko-KR" altLang="en-US" sz="1400" b="1" dirty="0">
                         <a:solidFill>
                           <a:schemeClr val="tx1"/>
                         </a:solidFill>
@@ -14311,7 +14506,7 @@
                       </a:endParaRPr>
                     </a:p>
                   </a:txBody>
-                  <a:tcPr marL="118688" marR="118688" marT="59344" marB="59344" anchor="ctr">
+                  <a:tcPr marL="0" marR="0" marT="9144" marB="9144" anchor="ctr">
                     <a:lnL w="12700" cap="flat" cmpd="sng" algn="ctr">
                       <a:solidFill>
                         <a:schemeClr val="tx1"/>
@@ -14368,7 +14563,7 @@
                     <a:p>
                       <a:pPr algn="ctr" latinLnBrk="1"/>
                       <a:r>
-                        <a:rPr lang="en-US" altLang="ko-KR" sz="500" b="0" dirty="0" smtClean="0">
+                        <a:rPr lang="en-US" altLang="ko-KR" sz="1400" b="1" dirty="0" smtClean="0">
                           <a:solidFill>
                             <a:schemeClr val="tx1"/>
                           </a:solidFill>
@@ -14376,7 +14571,7 @@
                         </a:rPr>
                         <a:t>0</a:t>
                       </a:r>
-                      <a:endParaRPr lang="ko-KR" altLang="en-US" sz="500" b="0" dirty="0">
+                      <a:endParaRPr lang="ko-KR" altLang="en-US" sz="1400" b="1" dirty="0">
                         <a:solidFill>
                           <a:schemeClr val="tx1"/>
                         </a:solidFill>
@@ -14384,7 +14579,7 @@
                       </a:endParaRPr>
                     </a:p>
                   </a:txBody>
-                  <a:tcPr marL="118688" marR="118688" marT="59344" marB="59344" anchor="ctr">
+                  <a:tcPr marL="118688" marR="118688" marT="9144" marB="9144" anchor="ctr">
                     <a:lnL w="12700" cap="flat" cmpd="sng" algn="ctr">
                       <a:solidFill>
                         <a:schemeClr val="tx1"/>
@@ -14439,7 +14634,7 @@
                     <a:p>
                       <a:pPr algn="ctr" latinLnBrk="1"/>
                       <a:r>
-                        <a:rPr lang="en-US" altLang="ko-KR" sz="500" b="0" dirty="0" smtClean="0">
+                        <a:rPr lang="en-US" altLang="ko-KR" sz="1400" b="1" dirty="0" smtClean="0">
                           <a:solidFill>
                             <a:schemeClr val="tx1"/>
                           </a:solidFill>
@@ -14447,7 +14642,7 @@
                         </a:rPr>
                         <a:t>0</a:t>
                       </a:r>
-                      <a:endParaRPr lang="ko-KR" altLang="en-US" sz="500" b="0" dirty="0">
+                      <a:endParaRPr lang="ko-KR" altLang="en-US" sz="1400" b="1" dirty="0">
                         <a:solidFill>
                           <a:schemeClr val="tx1"/>
                         </a:solidFill>
@@ -14455,7 +14650,7 @@
                       </a:endParaRPr>
                     </a:p>
                   </a:txBody>
-                  <a:tcPr marL="118688" marR="118688" marT="59344" marB="59344" anchor="ctr">
+                  <a:tcPr marL="118688" marR="118688" marT="9144" marB="9144" anchor="ctr">
                     <a:lnL w="12700" cap="flat" cmpd="sng" algn="ctr">
                       <a:solidFill>
                         <a:schemeClr val="tx1"/>
@@ -14510,7 +14705,7 @@
                     <a:p>
                       <a:pPr algn="ctr" latinLnBrk="1"/>
                       <a:r>
-                        <a:rPr lang="en-US" altLang="ko-KR" sz="500" b="0" dirty="0" smtClean="0">
+                        <a:rPr lang="en-US" altLang="ko-KR" sz="1400" b="1" dirty="0" smtClean="0">
                           <a:solidFill>
                             <a:schemeClr val="tx1"/>
                           </a:solidFill>
@@ -14518,7 +14713,7 @@
                         </a:rPr>
                         <a:t>0</a:t>
                       </a:r>
-                      <a:endParaRPr lang="ko-KR" altLang="en-US" sz="500" b="0" dirty="0">
+                      <a:endParaRPr lang="ko-KR" altLang="en-US" sz="1400" b="1" dirty="0">
                         <a:solidFill>
                           <a:schemeClr val="tx1"/>
                         </a:solidFill>
@@ -14526,7 +14721,7 @@
                       </a:endParaRPr>
                     </a:p>
                   </a:txBody>
-                  <a:tcPr marL="118688" marR="118688" marT="59344" marB="59344" anchor="ctr">
+                  <a:tcPr marL="118688" marR="118688" marT="9144" marB="9144" anchor="ctr">
                     <a:lnL w="12700" cap="flat" cmpd="sng" algn="ctr">
                       <a:solidFill>
                         <a:schemeClr val="tx1"/>
@@ -14581,7 +14776,7 @@
                     <a:p>
                       <a:pPr algn="ctr" latinLnBrk="1"/>
                       <a:r>
-                        <a:rPr lang="en-US" altLang="ko-KR" sz="500" b="0" kern="1200" dirty="0" smtClean="0">
+                        <a:rPr lang="en-US" altLang="ko-KR" sz="1400" b="1" kern="1200" dirty="0" smtClean="0">
                           <a:solidFill>
                             <a:schemeClr val="tx1"/>
                           </a:solidFill>
@@ -14591,7 +14786,7 @@
                         </a:rPr>
                         <a:t>…</a:t>
                       </a:r>
-                      <a:endParaRPr lang="ko-KR" altLang="en-US" sz="500" b="0" kern="1200" dirty="0">
+                      <a:endParaRPr lang="ko-KR" altLang="en-US" sz="1400" b="1" kern="1200" dirty="0">
                         <a:solidFill>
                           <a:schemeClr val="tx1"/>
                         </a:solidFill>
@@ -14601,7 +14796,7 @@
                       </a:endParaRPr>
                     </a:p>
                   </a:txBody>
-                  <a:tcPr marL="118688" marR="118688" marT="59344" marB="59344" anchor="ctr">
+                  <a:tcPr marL="118688" marR="118688" marT="9144" marB="9144" anchor="ctr">
                     <a:lnL w="12700" cap="flat" cmpd="sng" algn="ctr">
                       <a:solidFill>
                         <a:schemeClr val="tx1"/>
@@ -14656,7 +14851,7 @@
                     <a:p>
                       <a:pPr algn="ctr" latinLnBrk="1"/>
                       <a:r>
-                        <a:rPr lang="en-US" altLang="ko-KR" sz="500" b="0" dirty="0" smtClean="0">
+                        <a:rPr lang="en-US" altLang="ko-KR" sz="1400" b="1" dirty="0" smtClean="0">
                           <a:solidFill>
                             <a:schemeClr val="tx1"/>
                           </a:solidFill>
@@ -14664,7 +14859,7 @@
                         </a:rPr>
                         <a:t>0</a:t>
                       </a:r>
-                      <a:endParaRPr lang="ko-KR" altLang="en-US" sz="500" b="0" dirty="0">
+                      <a:endParaRPr lang="ko-KR" altLang="en-US" sz="1400" b="1" dirty="0">
                         <a:solidFill>
                           <a:schemeClr val="tx1"/>
                         </a:solidFill>
@@ -14672,7 +14867,7 @@
                       </a:endParaRPr>
                     </a:p>
                   </a:txBody>
-                  <a:tcPr marL="118688" marR="118688" marT="59344" marB="59344" anchor="ctr">
+                  <a:tcPr marL="118688" marR="118688" marT="9144" marB="9144" anchor="ctr">
                     <a:lnL w="12700" cap="flat" cmpd="sng" algn="ctr">
                       <a:solidFill>
                         <a:schemeClr val="tx1"/>
@@ -14734,14 +14929,14 @@
           <p:nvPr>
             <p:extLst>
               <p:ext uri="{D42A27DB-BD31-4B8C-83A1-F6EECF244321}">
-                <p14:modId xmlns:p14="http://schemas.microsoft.com/office/powerpoint/2010/main" val="909438644"/>
+                <p14:modId xmlns:p14="http://schemas.microsoft.com/office/powerpoint/2010/main" val="2663791675"/>
               </p:ext>
             </p:extLst>
           </p:nvPr>
         </p:nvGraphicFramePr>
         <p:xfrm>
           <a:off x="16427816" y="28618180"/>
-          <a:ext cx="3142672" cy="304800"/>
+          <a:ext cx="3142672" cy="365760"/>
         </p:xfrm>
         <a:graphic>
           <a:graphicData uri="http://schemas.openxmlformats.org/drawingml/2006/table">
@@ -14766,7 +14961,7 @@
                     <a:p>
                       <a:pPr algn="ctr" latinLnBrk="1"/>
                       <a:r>
-                        <a:rPr lang="en-US" altLang="ko-KR" sz="1400" b="0" dirty="0" smtClean="0">
+                        <a:rPr lang="en-US" altLang="ko-KR" sz="1800" b="1" dirty="0" smtClean="0">
                           <a:solidFill>
                             <a:schemeClr val="tx1"/>
                           </a:solidFill>
@@ -14775,7 +14970,7 @@
                         </a:rPr>
                         <a:t>1</a:t>
                       </a:r>
-                      <a:endParaRPr lang="ko-KR" altLang="en-US" sz="1400" b="0" dirty="0">
+                      <a:endParaRPr lang="ko-KR" altLang="en-US" sz="1800" b="1" dirty="0">
                         <a:solidFill>
                           <a:schemeClr val="tx1"/>
                         </a:solidFill>
@@ -14833,7 +15028,7 @@
                     <a:p>
                       <a:pPr algn="ctr" latinLnBrk="1"/>
                       <a:r>
-                        <a:rPr lang="en-US" altLang="ko-KR" sz="1400" b="0" dirty="0" smtClean="0">
+                        <a:rPr lang="en-US" altLang="ko-KR" sz="1800" b="1" dirty="0" smtClean="0">
                           <a:solidFill>
                             <a:schemeClr val="tx1"/>
                           </a:solidFill>
@@ -14842,7 +15037,7 @@
                         </a:rPr>
                         <a:t>0</a:t>
                       </a:r>
-                      <a:endParaRPr lang="ko-KR" altLang="en-US" sz="1400" b="0" dirty="0">
+                      <a:endParaRPr lang="ko-KR" altLang="en-US" sz="1800" b="1" dirty="0">
                         <a:solidFill>
                           <a:schemeClr val="tx1"/>
                         </a:solidFill>
@@ -14900,7 +15095,7 @@
                     <a:p>
                       <a:pPr algn="ctr" latinLnBrk="1"/>
                       <a:r>
-                        <a:rPr lang="en-US" altLang="ko-KR" sz="1400" b="0" dirty="0" smtClean="0">
+                        <a:rPr lang="en-US" altLang="ko-KR" sz="1800" b="1" dirty="0" smtClean="0">
                           <a:solidFill>
                             <a:schemeClr val="tx1"/>
                           </a:solidFill>
@@ -14909,7 +15104,7 @@
                         </a:rPr>
                         <a:t>0</a:t>
                       </a:r>
-                      <a:endParaRPr lang="ko-KR" altLang="en-US" sz="1400" b="0" dirty="0">
+                      <a:endParaRPr lang="ko-KR" altLang="en-US" sz="1800" b="1" dirty="0">
                         <a:solidFill>
                           <a:schemeClr val="tx1"/>
                         </a:solidFill>
@@ -14967,7 +15162,7 @@
                     <a:p>
                       <a:pPr algn="ctr" latinLnBrk="1"/>
                       <a:r>
-                        <a:rPr lang="en-US" altLang="ko-KR" sz="1400" b="0" dirty="0" smtClean="0">
+                        <a:rPr lang="en-US" altLang="ko-KR" sz="1800" b="1" dirty="0" smtClean="0">
                           <a:solidFill>
                             <a:schemeClr val="tx1"/>
                           </a:solidFill>
@@ -14976,7 +15171,7 @@
                         </a:rPr>
                         <a:t>0</a:t>
                       </a:r>
-                      <a:endParaRPr lang="ko-KR" altLang="en-US" sz="1400" b="0" dirty="0">
+                      <a:endParaRPr lang="ko-KR" altLang="en-US" sz="1800" b="1" dirty="0">
                         <a:solidFill>
                           <a:schemeClr val="tx1"/>
                         </a:solidFill>
@@ -15034,7 +15229,7 @@
                     <a:p>
                       <a:pPr algn="ctr" latinLnBrk="1"/>
                       <a:r>
-                        <a:rPr lang="en-US" altLang="ko-KR" sz="1400" b="0" dirty="0" smtClean="0">
+                        <a:rPr lang="en-US" altLang="ko-KR" sz="1800" b="1" dirty="0" smtClean="0">
                           <a:solidFill>
                             <a:schemeClr val="tx1"/>
                           </a:solidFill>
@@ -15043,7 +15238,7 @@
                         </a:rPr>
                         <a:t>0</a:t>
                       </a:r>
-                      <a:endParaRPr lang="ko-KR" altLang="en-US" sz="1400" b="0" dirty="0">
+                      <a:endParaRPr lang="ko-KR" altLang="en-US" sz="1800" b="1" dirty="0">
                         <a:solidFill>
                           <a:schemeClr val="tx1"/>
                         </a:solidFill>
@@ -15101,16 +15296,16 @@
                     <a:p>
                       <a:pPr algn="ctr" latinLnBrk="1"/>
                       <a:r>
-                        <a:rPr lang="en-US" altLang="ko-KR" sz="1400" b="0" dirty="0" smtClean="0">
+                        <a:rPr lang="en-US" altLang="ko-KR" sz="1800" b="1" dirty="0" smtClean="0">
                           <a:solidFill>
                             <a:schemeClr val="tx1"/>
                           </a:solidFill>
                           <a:latin typeface="+mn-ea"/>
                           <a:ea typeface="+mn-ea"/>
                         </a:rPr>
-                        <a:t>〮〮〮</a:t>
+                        <a:t> 〮〮</a:t>
                       </a:r>
-                      <a:endParaRPr lang="ko-KR" altLang="en-US" sz="1400" b="0" dirty="0">
+                      <a:endParaRPr lang="ko-KR" altLang="en-US" sz="1800" b="1" dirty="0">
                         <a:solidFill>
                           <a:schemeClr val="tx1"/>
                         </a:solidFill>
@@ -15168,7 +15363,7 @@
                     <a:p>
                       <a:pPr algn="ctr" latinLnBrk="1"/>
                       <a:r>
-                        <a:rPr lang="en-US" altLang="ko-KR" sz="1400" b="0" dirty="0" smtClean="0">
+                        <a:rPr lang="en-US" altLang="ko-KR" sz="1800" b="1" dirty="0" smtClean="0">
                           <a:solidFill>
                             <a:schemeClr val="tx1"/>
                           </a:solidFill>
@@ -15177,7 +15372,7 @@
                         </a:rPr>
                         <a:t>1</a:t>
                       </a:r>
-                      <a:endParaRPr lang="ko-KR" altLang="en-US" sz="1400" b="0" dirty="0">
+                      <a:endParaRPr lang="ko-KR" altLang="en-US" sz="1800" b="1" dirty="0">
                         <a:solidFill>
                           <a:schemeClr val="tx1"/>
                         </a:solidFill>
@@ -15241,8 +15436,8 @@
         </p:nvSpPr>
         <p:spPr>
           <a:xfrm>
-            <a:off x="16774359" y="29014766"/>
-            <a:ext cx="2449581" cy="338554"/>
+            <a:off x="16376368" y="29014766"/>
+            <a:ext cx="3156107" cy="400110"/>
           </a:xfrm>
           <a:prstGeom prst="rect">
             <a:avLst/>
@@ -15255,15 +15450,16 @@
           </a:bodyPr>
           <a:lstStyle/>
           <a:p>
-            <a:r>
-              <a:rPr lang="en-US" altLang="ko-KR" sz="1600" dirty="0" err="1" smtClean="0"/>
+            <a:pPr algn="ctr"/>
+            <a:r>
+              <a:rPr lang="en-US" altLang="ko-KR" sz="2000" b="1" dirty="0" err="1" smtClean="0"/>
               <a:t>isSelected</a:t>
             </a:r>
             <a:r>
-              <a:rPr lang="en-US" altLang="ko-KR" sz="1600" dirty="0" smtClean="0"/>
+              <a:rPr lang="en-US" altLang="ko-KR" sz="2000" b="1" dirty="0" smtClean="0"/>
               <a:t> for dot graph</a:t>
             </a:r>
-            <a:endParaRPr lang="ko-KR" altLang="en-US" sz="1600" dirty="0"/>
+            <a:endParaRPr lang="ko-KR" altLang="en-US" sz="2000" b="1" dirty="0"/>
           </a:p>
         </p:txBody>
       </p:sp>
@@ -15275,7 +15471,7 @@
         </p:nvSpPr>
         <p:spPr>
           <a:xfrm>
-            <a:off x="19709186" y="28069194"/>
+            <a:off x="19532475" y="28069194"/>
             <a:ext cx="1444336" cy="1444336"/>
           </a:xfrm>
           <a:prstGeom prst="mathMultiply">
@@ -15325,8 +15521,8 @@
         </p:nvSpPr>
         <p:spPr>
           <a:xfrm>
-            <a:off x="21132735" y="29581937"/>
-            <a:ext cx="2166170" cy="338554"/>
+            <a:off x="20468579" y="29727573"/>
+            <a:ext cx="3326902" cy="461665"/>
           </a:xfrm>
           <a:prstGeom prst="rect">
             <a:avLst/>
@@ -15339,11 +15535,12 @@
           </a:bodyPr>
           <a:lstStyle/>
           <a:p>
-            <a:r>
-              <a:rPr lang="en-US" altLang="ko-KR" sz="1600" dirty="0" smtClean="0"/>
+            <a:pPr algn="ctr"/>
+            <a:r>
+              <a:rPr lang="en-US" altLang="ko-KR" sz="2400" b="1" dirty="0" smtClean="0"/>
               <a:t>&lt;Relationship Array&gt;</a:t>
             </a:r>
-            <a:endParaRPr lang="ko-KR" altLang="en-US" sz="1600" dirty="0"/>
+            <a:endParaRPr lang="ko-KR" altLang="en-US" sz="2400" b="1" dirty="0"/>
           </a:p>
         </p:txBody>
       </p:sp>
@@ -15356,14 +15553,14 @@
           <p:nvPr>
             <p:extLst>
               <p:ext uri="{D42A27DB-BD31-4B8C-83A1-F6EECF244321}">
-                <p14:modId xmlns:p14="http://schemas.microsoft.com/office/powerpoint/2010/main" val="2104460654"/>
+                <p14:modId xmlns:p14="http://schemas.microsoft.com/office/powerpoint/2010/main" val="2076625019"/>
               </p:ext>
             </p:extLst>
           </p:nvPr>
         </p:nvGraphicFramePr>
         <p:xfrm>
-          <a:off x="24657423" y="28616448"/>
-          <a:ext cx="2117585" cy="304800"/>
+          <a:off x="24573035" y="28605062"/>
+          <a:ext cx="3384375" cy="365760"/>
         </p:xfrm>
         <a:graphic>
           <a:graphicData uri="http://schemas.openxmlformats.org/drawingml/2006/table">
@@ -15372,11 +15569,11 @@
                 <a:tableStyleId>{5C22544A-7EE6-4342-B048-85BDC9FD1C3A}</a:tableStyleId>
               </a:tblPr>
               <a:tblGrid>
-                <a:gridCol w="423517"/>
-                <a:gridCol w="423517"/>
-                <a:gridCol w="423517"/>
-                <a:gridCol w="423517"/>
-                <a:gridCol w="423517"/>
+                <a:gridCol w="676875"/>
+                <a:gridCol w="676875"/>
+                <a:gridCol w="676875"/>
+                <a:gridCol w="676875"/>
+                <a:gridCol w="676875"/>
               </a:tblGrid>
               <a:tr h="254577">
                 <a:tc>
@@ -15386,7 +15583,7 @@
                     <a:p>
                       <a:pPr algn="ctr" latinLnBrk="1"/>
                       <a:r>
-                        <a:rPr lang="en-US" altLang="ko-KR" sz="1400" b="0" dirty="0" smtClean="0">
+                        <a:rPr lang="en-US" altLang="ko-KR" sz="1800" b="1" dirty="0" smtClean="0">
                           <a:solidFill>
                             <a:schemeClr val="tx1"/>
                           </a:solidFill>
@@ -15395,7 +15592,7 @@
                         </a:rPr>
                         <a:t>1</a:t>
                       </a:r>
-                      <a:endParaRPr lang="ko-KR" altLang="en-US" sz="1400" b="0" dirty="0">
+                      <a:endParaRPr lang="ko-KR" altLang="en-US" sz="1800" b="1" dirty="0">
                         <a:solidFill>
                           <a:schemeClr val="tx1"/>
                         </a:solidFill>
@@ -15456,7 +15653,7 @@
                     <a:p>
                       <a:pPr algn="ctr" latinLnBrk="1"/>
                       <a:r>
-                        <a:rPr lang="en-US" altLang="ko-KR" sz="1400" b="0" dirty="0" smtClean="0">
+                        <a:rPr lang="en-US" altLang="ko-KR" sz="1800" b="1" dirty="0" smtClean="0">
                           <a:solidFill>
                             <a:schemeClr val="tx1"/>
                           </a:solidFill>
@@ -15465,7 +15662,7 @@
                         </a:rPr>
                         <a:t>0</a:t>
                       </a:r>
-                      <a:endParaRPr lang="ko-KR" altLang="en-US" sz="1400" b="0" dirty="0">
+                      <a:endParaRPr lang="ko-KR" altLang="en-US" sz="1800" b="1" dirty="0">
                         <a:solidFill>
                           <a:schemeClr val="tx1"/>
                         </a:solidFill>
@@ -15526,7 +15723,7 @@
                     <a:p>
                       <a:pPr algn="ctr" latinLnBrk="1"/>
                       <a:r>
-                        <a:rPr lang="en-US" altLang="ko-KR" sz="1400" b="0" dirty="0" smtClean="0">
+                        <a:rPr lang="en-US" altLang="ko-KR" sz="1800" b="1" dirty="0" smtClean="0">
                           <a:solidFill>
                             <a:schemeClr val="tx1"/>
                           </a:solidFill>
@@ -15535,7 +15732,7 @@
                         </a:rPr>
                         <a:t>1</a:t>
                       </a:r>
-                      <a:endParaRPr lang="ko-KR" altLang="en-US" sz="1400" b="0" dirty="0">
+                      <a:endParaRPr lang="ko-KR" altLang="en-US" sz="1800" b="1" dirty="0">
                         <a:solidFill>
                           <a:schemeClr val="tx1"/>
                         </a:solidFill>
@@ -15596,16 +15793,16 @@
                     <a:p>
                       <a:pPr algn="ctr" latinLnBrk="1"/>
                       <a:r>
-                        <a:rPr lang="en-US" altLang="ko-KR" sz="1400" b="0" dirty="0" smtClean="0">
+                        <a:rPr lang="en-US" altLang="ko-KR" sz="1800" b="1" dirty="0" smtClean="0">
                           <a:solidFill>
                             <a:schemeClr val="tx1"/>
                           </a:solidFill>
                           <a:latin typeface="+mn-ea"/>
                           <a:ea typeface="+mn-ea"/>
                         </a:rPr>
-                        <a:t>〮〮〮</a:t>
+                        <a:t>〮〮</a:t>
                       </a:r>
-                      <a:endParaRPr lang="ko-KR" altLang="en-US" sz="1400" b="0" dirty="0">
+                      <a:endParaRPr lang="ko-KR" altLang="en-US" sz="1800" b="1" dirty="0">
                         <a:solidFill>
                           <a:schemeClr val="tx1"/>
                         </a:solidFill>
@@ -15666,7 +15863,7 @@
                     <a:p>
                       <a:pPr algn="ctr" latinLnBrk="1"/>
                       <a:r>
-                        <a:rPr lang="en-US" altLang="ko-KR" sz="1400" b="0" dirty="0" smtClean="0">
+                        <a:rPr lang="en-US" altLang="ko-KR" sz="1800" b="1" dirty="0" smtClean="0">
                           <a:solidFill>
                             <a:schemeClr val="tx1"/>
                           </a:solidFill>
@@ -15675,7 +15872,7 @@
                         </a:rPr>
                         <a:t>1</a:t>
                       </a:r>
-                      <a:endParaRPr lang="ko-KR" altLang="en-US" sz="1400" b="0" dirty="0">
+                      <a:endParaRPr lang="ko-KR" altLang="en-US" sz="1800" b="1" dirty="0">
                         <a:solidFill>
                           <a:schemeClr val="tx1"/>
                         </a:solidFill>
@@ -15742,8 +15939,8 @@
         </p:nvSpPr>
         <p:spPr>
           <a:xfrm>
-            <a:off x="17308257" y="27410215"/>
-            <a:ext cx="1381789" cy="369332"/>
+            <a:off x="16931117" y="27410215"/>
+            <a:ext cx="2136072" cy="523220"/>
           </a:xfrm>
           <a:prstGeom prst="rect">
             <a:avLst/>
@@ -15756,11 +15953,12 @@
           </a:bodyPr>
           <a:lstStyle/>
           <a:p>
-            <a:r>
-              <a:rPr lang="en-US" altLang="ko-KR" sz="1800" dirty="0" smtClean="0"/>
+            <a:pPr algn="ctr"/>
+            <a:r>
+              <a:rPr lang="en-US" altLang="ko-KR" sz="2800" b="1" dirty="0" smtClean="0"/>
               <a:t>Dot update</a:t>
             </a:r>
-            <a:endParaRPr lang="ko-KR" altLang="en-US" sz="1800" dirty="0"/>
+            <a:endParaRPr lang="ko-KR" altLang="en-US" sz="2800" b="1" dirty="0"/>
           </a:p>
         </p:txBody>
       </p:sp>
@@ -15772,8 +15970,8 @@
         </p:nvSpPr>
         <p:spPr>
           <a:xfrm>
-            <a:off x="24665024" y="27410215"/>
-            <a:ext cx="2110834" cy="369332"/>
+            <a:off x="24653889" y="27410215"/>
+            <a:ext cx="3344084" cy="523220"/>
           </a:xfrm>
           <a:prstGeom prst="rect">
             <a:avLst/>
@@ -15786,11 +15984,12 @@
           </a:bodyPr>
           <a:lstStyle/>
           <a:p>
-            <a:r>
-              <a:rPr lang="en-US" altLang="ko-KR" sz="1800" dirty="0" smtClean="0"/>
+            <a:pPr algn="ctr"/>
+            <a:r>
+              <a:rPr lang="en-US" altLang="ko-KR" sz="2800" b="1" dirty="0" smtClean="0"/>
               <a:t>Histogram Update</a:t>
             </a:r>
-            <a:endParaRPr lang="ko-KR" altLang="en-US" sz="1800" dirty="0"/>
+            <a:endParaRPr lang="ko-KR" altLang="en-US" sz="2800" b="1" dirty="0"/>
           </a:p>
         </p:txBody>
       </p:sp>
@@ -15892,8 +16091,8 @@
         </p:nvSpPr>
         <p:spPr>
           <a:xfrm>
-            <a:off x="17480419" y="27967655"/>
-            <a:ext cx="1037463" cy="369332"/>
+            <a:off x="17300227" y="27884982"/>
+            <a:ext cx="1367682" cy="461665"/>
           </a:xfrm>
           <a:prstGeom prst="rect">
             <a:avLst/>
@@ -15907,10 +16106,10 @@
           <a:lstStyle/>
           <a:p>
             <a:r>
-              <a:rPr lang="en-US" altLang="ko-KR" sz="1800" dirty="0" smtClean="0"/>
+              <a:rPr lang="en-US" altLang="ko-KR" sz="2400" b="1" dirty="0" smtClean="0"/>
               <a:t>p nodes</a:t>
             </a:r>
-            <a:endParaRPr lang="ko-KR" altLang="en-US" sz="1800" dirty="0"/>
+            <a:endParaRPr lang="ko-KR" altLang="en-US" sz="2400" b="1" dirty="0"/>
           </a:p>
         </p:txBody>
       </p:sp>
@@ -15960,8 +16159,8 @@
         </p:nvSpPr>
         <p:spPr>
           <a:xfrm>
-            <a:off x="24187136" y="29010436"/>
-            <a:ext cx="3066609" cy="338554"/>
+            <a:off x="24291832" y="29037110"/>
+            <a:ext cx="3976519" cy="400110"/>
           </a:xfrm>
           <a:prstGeom prst="rect">
             <a:avLst/>
@@ -15974,15 +16173,16 @@
           </a:bodyPr>
           <a:lstStyle/>
           <a:p>
-            <a:r>
-              <a:rPr lang="en-US" altLang="ko-KR" sz="1600" dirty="0" err="1" smtClean="0"/>
+            <a:pPr algn="ctr"/>
+            <a:r>
+              <a:rPr lang="en-US" altLang="ko-KR" sz="2000" b="1" dirty="0" err="1" smtClean="0"/>
               <a:t>isSelected</a:t>
             </a:r>
             <a:r>
-              <a:rPr lang="en-US" altLang="ko-KR" sz="1600" dirty="0" smtClean="0"/>
+              <a:rPr lang="en-US" altLang="ko-KR" sz="2000" b="1" dirty="0" smtClean="0"/>
               <a:t> for histogram graph</a:t>
             </a:r>
-            <a:endParaRPr lang="ko-KR" altLang="en-US" sz="1600" dirty="0"/>
+            <a:endParaRPr lang="ko-KR" altLang="en-US" sz="2000" b="1" dirty="0"/>
           </a:p>
         </p:txBody>
       </p:sp>
@@ -15994,7 +16194,7 @@
         </p:nvSpPr>
         <p:spPr>
           <a:xfrm>
-            <a:off x="25785270" y="28199946"/>
+            <a:off x="26966823" y="28199946"/>
             <a:ext cx="990588" cy="814820"/>
           </a:xfrm>
           <a:prstGeom prst="arc">
@@ -16032,8 +16232,8 @@
         </p:nvSpPr>
         <p:spPr>
           <a:xfrm>
-            <a:off x="25201708" y="27967655"/>
-            <a:ext cx="1037463" cy="369332"/>
+            <a:off x="25581147" y="27884982"/>
+            <a:ext cx="1362122" cy="461665"/>
           </a:xfrm>
           <a:prstGeom prst="rect">
             <a:avLst/>
@@ -16047,10 +16247,10 @@
           <a:lstStyle/>
           <a:p>
             <a:r>
-              <a:rPr lang="en-US" altLang="ko-KR" sz="1800" dirty="0" smtClean="0"/>
+              <a:rPr lang="en-US" altLang="ko-KR" sz="2400" b="1" dirty="0" smtClean="0"/>
               <a:t>n nodes</a:t>
             </a:r>
-            <a:endParaRPr lang="ko-KR" altLang="en-US" sz="1800" dirty="0"/>
+            <a:endParaRPr lang="ko-KR" altLang="en-US" sz="2400" b="1" dirty="0"/>
           </a:p>
         </p:txBody>
       </p:sp>
@@ -16062,7 +16262,7 @@
         </p:nvSpPr>
         <p:spPr>
           <a:xfrm flipH="1">
-            <a:off x="24665021" y="28190854"/>
+            <a:off x="24590559" y="28190854"/>
             <a:ext cx="990588" cy="814820"/>
           </a:xfrm>
           <a:prstGeom prst="arc">
@@ -16101,7 +16301,7 @@
         <p:spPr>
           <a:xfrm>
             <a:off x="794481" y="14100046"/>
-            <a:ext cx="11994374" cy="5262979"/>
+            <a:ext cx="12833338" cy="5693867"/>
           </a:xfrm>
           <a:prstGeom prst="rect">
             <a:avLst/>
@@ -16109,7 +16309,7 @@
           <a:noFill/>
         </p:spPr>
         <p:txBody>
-          <a:bodyPr wrap="none" rtlCol="0">
+          <a:bodyPr wrap="square" rtlCol="0">
             <a:spAutoFit/>
           </a:bodyPr>
           <a:lstStyle/>
@@ -16117,33 +16317,33 @@
             <a:r>
               <a:rPr lang="en-US" altLang="ko-KR" sz="2800" dirty="0" err="1" smtClean="0">
                 <a:solidFill>
-                  <a:schemeClr val="tx2"/>
-                </a:solidFill>
-                <a:latin typeface="Calibri Light" panose="020F0302020204030204" pitchFamily="34" charset="0"/>
+                  <a:srgbClr val="0000FF"/>
+                </a:solidFill>
+                <a:latin typeface="Consolas"/>
                 <a:ea typeface="SimSun" panose="02010600030101010101" pitchFamily="2" charset="-122"/>
-                <a:cs typeface="Vani" panose="020B0502040204020203" pitchFamily="34" charset="0"/>
+                <a:cs typeface="Consolas"/>
               </a:rPr>
               <a:t>Obj</a:t>
             </a:r>
             <a:r>
               <a:rPr lang="en-US" altLang="ko-KR" sz="2800" dirty="0">
                 <a:solidFill>
-                  <a:schemeClr val="tx2"/>
-                </a:solidFill>
-                <a:latin typeface="Calibri Light" panose="020F0302020204030204" pitchFamily="34" charset="0"/>
+                  <a:srgbClr val="0000FF"/>
+                </a:solidFill>
+                <a:latin typeface="Consolas"/>
                 <a:ea typeface="SimSun" panose="02010600030101010101" pitchFamily="2" charset="-122"/>
-                <a:cs typeface="Vani" panose="020B0502040204020203" pitchFamily="34" charset="0"/>
+                <a:cs typeface="Consolas"/>
               </a:rPr>
               <a:t> </a:t>
             </a:r>
             <a:r>
               <a:rPr lang="en-US" altLang="ko-KR" sz="2800" dirty="0" smtClean="0">
                 <a:solidFill>
-                  <a:schemeClr val="tx2"/>
-                </a:solidFill>
-                <a:latin typeface="Calibri Light" panose="020F0302020204030204" pitchFamily="34" charset="0"/>
+                  <a:srgbClr val="0000FF"/>
+                </a:solidFill>
+                <a:latin typeface="Consolas"/>
                 <a:ea typeface="SimSun" panose="02010600030101010101" pitchFamily="2" charset="-122"/>
-                <a:cs typeface="Vani" panose="020B0502040204020203" pitchFamily="34" charset="0"/>
+                <a:cs typeface="Consolas"/>
               </a:rPr>
               <a:t>&lt;- RIGHT({</a:t>
             </a:r>
@@ -16152,66 +16352,66 @@
             <a:r>
               <a:rPr lang="en-US" altLang="ko-KR" sz="2800" dirty="0">
                 <a:solidFill>
-                  <a:schemeClr val="tx2"/>
-                </a:solidFill>
-                <a:latin typeface="Calibri Light" panose="020F0302020204030204" pitchFamily="34" charset="0"/>
+                  <a:srgbClr val="0000FF"/>
+                </a:solidFill>
+                <a:latin typeface="Consolas"/>
                 <a:ea typeface="SimSun" panose="02010600030101010101" pitchFamily="2" charset="-122"/>
-                <a:cs typeface="Vani" panose="020B0502040204020203" pitchFamily="34" charset="0"/>
+                <a:cs typeface="Consolas"/>
               </a:rPr>
               <a:t> </a:t>
             </a:r>
             <a:r>
               <a:rPr lang="en-US" altLang="ko-KR" sz="2800" dirty="0" smtClean="0">
                 <a:solidFill>
-                  <a:schemeClr val="tx2"/>
-                </a:solidFill>
-                <a:latin typeface="Calibri Light" panose="020F0302020204030204" pitchFamily="34" charset="0"/>
+                  <a:srgbClr val="0000FF"/>
+                </a:solidFill>
+                <a:latin typeface="Consolas"/>
                 <a:ea typeface="SimSun" panose="02010600030101010101" pitchFamily="2" charset="-122"/>
-                <a:cs typeface="Vani" panose="020B0502040204020203" pitchFamily="34" charset="0"/>
+                <a:cs typeface="Consolas"/>
               </a:rPr>
               <a:t>      plot(</a:t>
             </a:r>
             <a:r>
               <a:rPr lang="en-US" altLang="ko-KR" sz="2800" dirty="0" err="1" smtClean="0">
                 <a:solidFill>
-                  <a:schemeClr val="tx2"/>
-                </a:solidFill>
-                <a:latin typeface="Calibri Light" panose="020F0302020204030204" pitchFamily="34" charset="0"/>
+                  <a:srgbClr val="0000FF"/>
+                </a:solidFill>
+                <a:latin typeface="Consolas"/>
                 <a:ea typeface="SimSun" panose="02010600030101010101" pitchFamily="2" charset="-122"/>
-                <a:cs typeface="Vani" panose="020B0502040204020203" pitchFamily="34" charset="0"/>
+                <a:cs typeface="Consolas"/>
               </a:rPr>
               <a:t>conc</a:t>
             </a:r>
             <a:r>
               <a:rPr lang="en-US" altLang="ko-KR" sz="2800" dirty="0" smtClean="0">
                 <a:solidFill>
-                  <a:schemeClr val="tx2"/>
-                </a:solidFill>
-                <a:latin typeface="Calibri Light" panose="020F0302020204030204" pitchFamily="34" charset="0"/>
+                  <a:srgbClr val="0000FF"/>
+                </a:solidFill>
+                <a:latin typeface="Consolas"/>
                 <a:ea typeface="SimSun" panose="02010600030101010101" pitchFamily="2" charset="-122"/>
-                <a:cs typeface="Vani" panose="020B0502040204020203" pitchFamily="34" charset="0"/>
+                <a:cs typeface="Consolas"/>
               </a:rPr>
               <a:t> ~Time, </a:t>
             </a:r>
             <a:r>
               <a:rPr lang="en-US" altLang="ko-KR" sz="2800" dirty="0" err="1" smtClean="0">
                 <a:solidFill>
-                  <a:schemeClr val="tx2"/>
-                </a:solidFill>
-                <a:latin typeface="Calibri Light" panose="020F0302020204030204" pitchFamily="34" charset="0"/>
+                  <a:srgbClr val="0000FF"/>
+                </a:solidFill>
+                <a:latin typeface="Consolas"/>
                 <a:ea typeface="SimSun" panose="02010600030101010101" pitchFamily="2" charset="-122"/>
-                <a:cs typeface="Vani" panose="020B0502040204020203" pitchFamily="34" charset="0"/>
+                <a:cs typeface="Consolas"/>
               </a:rPr>
               <a:t>Theoph</a:t>
             </a:r>
             <a:r>
               <a:rPr lang="en-US" altLang="ko-KR" sz="2800" dirty="0" smtClean="0">
                 <a:solidFill>
-                  <a:schemeClr val="tx2"/>
-                </a:solidFill>
-                <a:latin typeface="Calibri Light" panose="020F0302020204030204" pitchFamily="34" charset="0"/>
+                  <a:srgbClr val="0000FF"/>
+                </a:solidFill>
+                <a:latin typeface="Consolas"/>
                 <a:ea typeface="SimSun" panose="02010600030101010101" pitchFamily="2" charset="-122"/>
-                <a:cs typeface="Vani" panose="020B0502040204020203" pitchFamily="34" charset="0"/>
+                <a:cs typeface="Consolas"/>
               </a:rPr>
               <a:t>, color = color)</a:t>
             </a:r>
@@ -16220,66 +16420,66 @@
             <a:r>
               <a:rPr lang="en-US" altLang="ko-KR" sz="2800" dirty="0">
                 <a:solidFill>
-                  <a:schemeClr val="tx2"/>
-                </a:solidFill>
-                <a:latin typeface="Calibri Light" panose="020F0302020204030204" pitchFamily="34" charset="0"/>
+                  <a:srgbClr val="0000FF"/>
+                </a:solidFill>
+                <a:latin typeface="Consolas"/>
                 <a:ea typeface="SimSun" panose="02010600030101010101" pitchFamily="2" charset="-122"/>
-                <a:cs typeface="Vani" panose="020B0502040204020203" pitchFamily="34" charset="0"/>
+                <a:cs typeface="Consolas"/>
               </a:rPr>
               <a:t> </a:t>
             </a:r>
             <a:r>
               <a:rPr lang="en-US" altLang="ko-KR" sz="2800" dirty="0" smtClean="0">
                 <a:solidFill>
-                  <a:schemeClr val="tx2"/>
-                </a:solidFill>
-                <a:latin typeface="Calibri Light" panose="020F0302020204030204" pitchFamily="34" charset="0"/>
+                  <a:srgbClr val="0000FF"/>
+                </a:solidFill>
+                <a:latin typeface="Consolas"/>
                 <a:ea typeface="SimSun" panose="02010600030101010101" pitchFamily="2" charset="-122"/>
-                <a:cs typeface="Vani" panose="020B0502040204020203" pitchFamily="34" charset="0"/>
+                <a:cs typeface="Consolas"/>
               </a:rPr>
               <a:t>      </a:t>
             </a:r>
             <a:r>
               <a:rPr lang="en-US" altLang="ko-KR" sz="2800" dirty="0" err="1" smtClean="0">
                 <a:solidFill>
-                  <a:schemeClr val="tx2"/>
-                </a:solidFill>
-                <a:latin typeface="Calibri Light" panose="020F0302020204030204" pitchFamily="34" charset="0"/>
+                  <a:srgbClr val="0000FF"/>
+                </a:solidFill>
+                <a:latin typeface="Consolas"/>
                 <a:ea typeface="SimSun" panose="02010600030101010101" pitchFamily="2" charset="-122"/>
-                <a:cs typeface="Vani" panose="020B0502040204020203" pitchFamily="34" charset="0"/>
+                <a:cs typeface="Consolas"/>
               </a:rPr>
               <a:t>runServer.RIGHT</a:t>
             </a:r>
             <a:r>
               <a:rPr lang="en-US" altLang="ko-KR" sz="2800" dirty="0" smtClean="0">
                 <a:solidFill>
-                  <a:schemeClr val="tx2"/>
-                </a:solidFill>
-                <a:latin typeface="Calibri Light" panose="020F0302020204030204" pitchFamily="34" charset="0"/>
+                  <a:srgbClr val="0000FF"/>
+                </a:solidFill>
+                <a:latin typeface="Consolas"/>
                 <a:ea typeface="SimSun" panose="02010600030101010101" pitchFamily="2" charset="-122"/>
-                <a:cs typeface="Vani" panose="020B0502040204020203" pitchFamily="34" charset="0"/>
+                <a:cs typeface="Consolas"/>
               </a:rPr>
               <a:t>(</a:t>
             </a:r>
             <a:r>
               <a:rPr lang="en-US" altLang="ko-KR" sz="2800" dirty="0" err="1" smtClean="0">
                 <a:solidFill>
-                  <a:schemeClr val="tx2"/>
-                </a:solidFill>
-                <a:latin typeface="Calibri Light" panose="020F0302020204030204" pitchFamily="34" charset="0"/>
+                  <a:srgbClr val="0000FF"/>
+                </a:solidFill>
+                <a:latin typeface="Consolas"/>
                 <a:ea typeface="SimSun" panose="02010600030101010101" pitchFamily="2" charset="-122"/>
-                <a:cs typeface="Vani" panose="020B0502040204020203" pitchFamily="34" charset="0"/>
+                <a:cs typeface="Consolas"/>
               </a:rPr>
               <a:t>loessArray</a:t>
             </a:r>
             <a:r>
               <a:rPr lang="en-US" altLang="ko-KR" sz="2800" dirty="0" smtClean="0">
                 <a:solidFill>
-                  <a:schemeClr val="tx2"/>
-                </a:solidFill>
-                <a:latin typeface="Calibri Light" panose="020F0302020204030204" pitchFamily="34" charset="0"/>
+                  <a:srgbClr val="0000FF"/>
+                </a:solidFill>
+                <a:latin typeface="Consolas"/>
                 <a:ea typeface="SimSun" panose="02010600030101010101" pitchFamily="2" charset="-122"/>
-                <a:cs typeface="Vani" panose="020B0502040204020203" pitchFamily="34" charset="0"/>
+                <a:cs typeface="Consolas"/>
               </a:rPr>
               <a:t>, {</a:t>
             </a:r>
@@ -16288,88 +16488,88 @@
             <a:r>
               <a:rPr lang="en-US" altLang="ko-KR" sz="2800" dirty="0">
                 <a:solidFill>
-                  <a:schemeClr val="tx2"/>
-                </a:solidFill>
-                <a:latin typeface="Calibri Light" panose="020F0302020204030204" pitchFamily="34" charset="0"/>
+                  <a:srgbClr val="0000FF"/>
+                </a:solidFill>
+                <a:latin typeface="Consolas"/>
                 <a:ea typeface="SimSun" panose="02010600030101010101" pitchFamily="2" charset="-122"/>
-                <a:cs typeface="Vani" panose="020B0502040204020203" pitchFamily="34" charset="0"/>
+                <a:cs typeface="Consolas"/>
               </a:rPr>
               <a:t>  </a:t>
             </a:r>
             <a:r>
               <a:rPr lang="en-US" altLang="ko-KR" sz="2800" dirty="0" smtClean="0">
                 <a:solidFill>
-                  <a:schemeClr val="tx2"/>
-                </a:solidFill>
-                <a:latin typeface="Calibri Light" panose="020F0302020204030204" pitchFamily="34" charset="0"/>
+                  <a:srgbClr val="0000FF"/>
+                </a:solidFill>
+                <a:latin typeface="Consolas"/>
                 <a:ea typeface="SimSun" panose="02010600030101010101" pitchFamily="2" charset="-122"/>
-                <a:cs typeface="Vani" panose="020B0502040204020203" pitchFamily="34" charset="0"/>
+                <a:cs typeface="Consolas"/>
               </a:rPr>
               <a:t>          </a:t>
             </a:r>
             <a:r>
               <a:rPr lang="en-US" altLang="ko-KR" sz="2800" dirty="0" err="1" smtClean="0">
                 <a:solidFill>
-                  <a:schemeClr val="tx2"/>
-                </a:solidFill>
-                <a:latin typeface="Calibri Light" panose="020F0302020204030204" pitchFamily="34" charset="0"/>
+                  <a:srgbClr val="0000FF"/>
+                </a:solidFill>
+                <a:latin typeface="Consolas"/>
                 <a:ea typeface="SimSun" panose="02010600030101010101" pitchFamily="2" charset="-122"/>
-                <a:cs typeface="Vani" panose="020B0502040204020203" pitchFamily="34" charset="0"/>
+                <a:cs typeface="Consolas"/>
               </a:rPr>
               <a:t>obj</a:t>
             </a:r>
             <a:r>
               <a:rPr lang="en-US" altLang="ko-KR" sz="2800" dirty="0" smtClean="0">
                 <a:solidFill>
-                  <a:schemeClr val="tx2"/>
-                </a:solidFill>
-                <a:latin typeface="Calibri Light" panose="020F0302020204030204" pitchFamily="34" charset="0"/>
+                  <a:srgbClr val="0000FF"/>
+                </a:solidFill>
+                <a:latin typeface="Consolas"/>
                 <a:ea typeface="SimSun" panose="02010600030101010101" pitchFamily="2" charset="-122"/>
-                <a:cs typeface="Vani" panose="020B0502040204020203" pitchFamily="34" charset="0"/>
+                <a:cs typeface="Consolas"/>
               </a:rPr>
               <a:t> &lt;- loess(</a:t>
             </a:r>
             <a:r>
               <a:rPr lang="en-US" altLang="ko-KR" sz="2800" dirty="0" err="1" smtClean="0">
                 <a:solidFill>
-                  <a:schemeClr val="tx2"/>
-                </a:solidFill>
-                <a:latin typeface="Calibri Light" panose="020F0302020204030204" pitchFamily="34" charset="0"/>
+                  <a:srgbClr val="0000FF"/>
+                </a:solidFill>
+                <a:latin typeface="Consolas"/>
                 <a:ea typeface="SimSun" panose="02010600030101010101" pitchFamily="2" charset="-122"/>
-                <a:cs typeface="Vani" panose="020B0502040204020203" pitchFamily="34" charset="0"/>
+                <a:cs typeface="Consolas"/>
               </a:rPr>
               <a:t>conc</a:t>
             </a:r>
             <a:r>
               <a:rPr lang="en-US" altLang="ko-KR" sz="2800" dirty="0" smtClean="0">
                 <a:solidFill>
-                  <a:schemeClr val="tx2"/>
-                </a:solidFill>
-                <a:latin typeface="Calibri Light" panose="020F0302020204030204" pitchFamily="34" charset="0"/>
+                  <a:srgbClr val="0000FF"/>
+                </a:solidFill>
+                <a:latin typeface="Consolas"/>
                 <a:ea typeface="SimSun" panose="02010600030101010101" pitchFamily="2" charset="-122"/>
-                <a:cs typeface="Vani" panose="020B0502040204020203" pitchFamily="34" charset="0"/>
+                <a:cs typeface="Consolas"/>
               </a:rPr>
               <a:t> ~ Time, data = </a:t>
             </a:r>
             <a:r>
               <a:rPr lang="en-US" altLang="ko-KR" sz="2800" dirty="0" err="1" smtClean="0">
                 <a:solidFill>
-                  <a:schemeClr val="tx2"/>
-                </a:solidFill>
-                <a:latin typeface="Calibri Light" panose="020F0302020204030204" pitchFamily="34" charset="0"/>
+                  <a:srgbClr val="0000FF"/>
+                </a:solidFill>
+                <a:latin typeface="Consolas"/>
                 <a:ea typeface="SimSun" panose="02010600030101010101" pitchFamily="2" charset="-122"/>
-                <a:cs typeface="Vani" panose="020B0502040204020203" pitchFamily="34" charset="0"/>
+                <a:cs typeface="Consolas"/>
               </a:rPr>
               <a:t>Theoph</a:t>
             </a:r>
             <a:r>
               <a:rPr lang="en-US" altLang="ko-KR" sz="2800" dirty="0" smtClean="0">
                 <a:solidFill>
-                  <a:schemeClr val="tx2"/>
-                </a:solidFill>
-                <a:latin typeface="Calibri Light" panose="020F0302020204030204" pitchFamily="34" charset="0"/>
+                  <a:srgbClr val="0000FF"/>
+                </a:solidFill>
+                <a:latin typeface="Consolas"/>
                 <a:ea typeface="SimSun" panose="02010600030101010101" pitchFamily="2" charset="-122"/>
-                <a:cs typeface="Vani" panose="020B0502040204020203" pitchFamily="34" charset="0"/>
+                <a:cs typeface="Consolas"/>
               </a:rPr>
               <a:t>)</a:t>
             </a:r>
@@ -16378,66 +16578,66 @@
             <a:r>
               <a:rPr lang="en-US" altLang="ko-KR" sz="2800" dirty="0">
                 <a:solidFill>
-                  <a:schemeClr val="tx2"/>
-                </a:solidFill>
-                <a:latin typeface="Calibri Light" panose="020F0302020204030204" pitchFamily="34" charset="0"/>
+                  <a:srgbClr val="0000FF"/>
+                </a:solidFill>
+                <a:latin typeface="Consolas"/>
                 <a:ea typeface="SimSun" panose="02010600030101010101" pitchFamily="2" charset="-122"/>
-                <a:cs typeface="Vani" panose="020B0502040204020203" pitchFamily="34" charset="0"/>
+                <a:cs typeface="Consolas"/>
               </a:rPr>
               <a:t> </a:t>
             </a:r>
             <a:r>
               <a:rPr lang="en-US" altLang="ko-KR" sz="2800" dirty="0" smtClean="0">
                 <a:solidFill>
-                  <a:schemeClr val="tx2"/>
-                </a:solidFill>
-                <a:latin typeface="Calibri Light" panose="020F0302020204030204" pitchFamily="34" charset="0"/>
+                  <a:srgbClr val="0000FF"/>
+                </a:solidFill>
+                <a:latin typeface="Consolas"/>
                 <a:ea typeface="SimSun" panose="02010600030101010101" pitchFamily="2" charset="-122"/>
-                <a:cs typeface="Vani" panose="020B0502040204020203" pitchFamily="34" charset="0"/>
+                <a:cs typeface="Consolas"/>
               </a:rPr>
               <a:t>           </a:t>
             </a:r>
             <a:r>
               <a:rPr lang="en-US" altLang="ko-KR" sz="2800" dirty="0" err="1" smtClean="0">
                 <a:solidFill>
-                  <a:schemeClr val="tx2"/>
-                </a:solidFill>
-                <a:latin typeface="Calibri Light" panose="020F0302020204030204" pitchFamily="34" charset="0"/>
+                  <a:srgbClr val="0000FF"/>
+                </a:solidFill>
+                <a:latin typeface="Consolas"/>
                 <a:ea typeface="SimSun" panose="02010600030101010101" pitchFamily="2" charset="-122"/>
-                <a:cs typeface="Vani" panose="020B0502040204020203" pitchFamily="34" charset="0"/>
+                <a:cs typeface="Consolas"/>
               </a:rPr>
               <a:t>xRange</a:t>
             </a:r>
             <a:r>
               <a:rPr lang="en-US" altLang="ko-KR" sz="2800" dirty="0" smtClean="0">
                 <a:solidFill>
-                  <a:schemeClr val="tx2"/>
-                </a:solidFill>
-                <a:latin typeface="Calibri Light" panose="020F0302020204030204" pitchFamily="34" charset="0"/>
+                  <a:srgbClr val="0000FF"/>
+                </a:solidFill>
+                <a:latin typeface="Consolas"/>
                 <a:ea typeface="SimSun" panose="02010600030101010101" pitchFamily="2" charset="-122"/>
-                <a:cs typeface="Vani" panose="020B0502040204020203" pitchFamily="34" charset="0"/>
+                <a:cs typeface="Consolas"/>
               </a:rPr>
               <a:t> &lt;- range(</a:t>
             </a:r>
             <a:r>
               <a:rPr lang="en-US" altLang="ko-KR" sz="2800" dirty="0" err="1" smtClean="0">
                 <a:solidFill>
-                  <a:schemeClr val="tx2"/>
-                </a:solidFill>
-                <a:latin typeface="Calibri Light" panose="020F0302020204030204" pitchFamily="34" charset="0"/>
+                  <a:srgbClr val="0000FF"/>
+                </a:solidFill>
+                <a:latin typeface="Consolas"/>
                 <a:ea typeface="SimSun" panose="02010600030101010101" pitchFamily="2" charset="-122"/>
-                <a:cs typeface="Vani" panose="020B0502040204020203" pitchFamily="34" charset="0"/>
+                <a:cs typeface="Consolas"/>
               </a:rPr>
               <a:t>Theoph$conc</a:t>
             </a:r>
             <a:r>
               <a:rPr lang="en-US" altLang="ko-KR" sz="2800" dirty="0" smtClean="0">
                 <a:solidFill>
-                  <a:schemeClr val="tx2"/>
-                </a:solidFill>
-                <a:latin typeface="Calibri Light" panose="020F0302020204030204" pitchFamily="34" charset="0"/>
+                  <a:srgbClr val="0000FF"/>
+                </a:solidFill>
+                <a:latin typeface="Consolas"/>
                 <a:ea typeface="SimSun" panose="02010600030101010101" pitchFamily="2" charset="-122"/>
-                <a:cs typeface="Vani" panose="020B0502040204020203" pitchFamily="34" charset="0"/>
+                <a:cs typeface="Consolas"/>
               </a:rPr>
               <a:t>)</a:t>
             </a:r>
@@ -16446,334 +16646,320 @@
             <a:r>
               <a:rPr lang="en-US" altLang="ko-KR" sz="2800" dirty="0">
                 <a:solidFill>
-                  <a:schemeClr val="tx2"/>
-                </a:solidFill>
-                <a:latin typeface="Calibri Light" panose="020F0302020204030204" pitchFamily="34" charset="0"/>
+                  <a:srgbClr val="0000FF"/>
+                </a:solidFill>
+                <a:latin typeface="Consolas"/>
                 <a:ea typeface="SimSun" panose="02010600030101010101" pitchFamily="2" charset="-122"/>
-                <a:cs typeface="Vani" panose="020B0502040204020203" pitchFamily="34" charset="0"/>
+                <a:cs typeface="Consolas"/>
               </a:rPr>
               <a:t> </a:t>
             </a:r>
             <a:r>
               <a:rPr lang="en-US" altLang="ko-KR" sz="2800" dirty="0" smtClean="0">
                 <a:solidFill>
-                  <a:schemeClr val="tx2"/>
-                </a:solidFill>
-                <a:latin typeface="Calibri Light" panose="020F0302020204030204" pitchFamily="34" charset="0"/>
+                  <a:srgbClr val="0000FF"/>
+                </a:solidFill>
+                <a:latin typeface="Consolas"/>
                 <a:ea typeface="SimSun" panose="02010600030101010101" pitchFamily="2" charset="-122"/>
-                <a:cs typeface="Vani" panose="020B0502040204020203" pitchFamily="34" charset="0"/>
+                <a:cs typeface="Consolas"/>
               </a:rPr>
               <a:t>           </a:t>
             </a:r>
             <a:r>
               <a:rPr lang="en-US" altLang="ko-KR" sz="2800" dirty="0" err="1" smtClean="0">
                 <a:solidFill>
-                  <a:schemeClr val="tx2"/>
-                </a:solidFill>
-                <a:latin typeface="Calibri Light" panose="020F0302020204030204" pitchFamily="34" charset="0"/>
+                  <a:srgbClr val="0000FF"/>
+                </a:solidFill>
+                <a:latin typeface="Consolas"/>
                 <a:ea typeface="SimSun" panose="02010600030101010101" pitchFamily="2" charset="-122"/>
-                <a:cs typeface="Vani" panose="020B0502040204020203" pitchFamily="34" charset="0"/>
+                <a:cs typeface="Consolas"/>
               </a:rPr>
               <a:t>simArray</a:t>
             </a:r>
             <a:r>
               <a:rPr lang="en-US" altLang="ko-KR" sz="2800" dirty="0" smtClean="0">
                 <a:solidFill>
-                  <a:schemeClr val="tx2"/>
-                </a:solidFill>
-                <a:latin typeface="Calibri Light" panose="020F0302020204030204" pitchFamily="34" charset="0"/>
+                  <a:srgbClr val="0000FF"/>
+                </a:solidFill>
+                <a:latin typeface="Consolas"/>
                 <a:ea typeface="SimSun" panose="02010600030101010101" pitchFamily="2" charset="-122"/>
-                <a:cs typeface="Vani" panose="020B0502040204020203" pitchFamily="34" charset="0"/>
+                <a:cs typeface="Consolas"/>
               </a:rPr>
               <a:t> &lt;- </a:t>
             </a:r>
             <a:r>
               <a:rPr lang="en-US" altLang="ko-KR" sz="2800" dirty="0" err="1" smtClean="0">
                 <a:solidFill>
-                  <a:schemeClr val="tx2"/>
-                </a:solidFill>
-                <a:latin typeface="Calibri Light" panose="020F0302020204030204" pitchFamily="34" charset="0"/>
+                  <a:srgbClr val="0000FF"/>
+                </a:solidFill>
+                <a:latin typeface="Consolas"/>
                 <a:ea typeface="SimSun" panose="02010600030101010101" pitchFamily="2" charset="-122"/>
-                <a:cs typeface="Vani" panose="020B0502040204020203" pitchFamily="34" charset="0"/>
+                <a:cs typeface="Consolas"/>
               </a:rPr>
               <a:t>data.frame</a:t>
             </a:r>
             <a:r>
               <a:rPr lang="en-US" altLang="ko-KR" sz="2800" dirty="0" smtClean="0">
                 <a:solidFill>
-                  <a:schemeClr val="tx2"/>
-                </a:solidFill>
-                <a:latin typeface="Calibri Light" panose="020F0302020204030204" pitchFamily="34" charset="0"/>
+                  <a:srgbClr val="0000FF"/>
+                </a:solidFill>
+                <a:latin typeface="Consolas"/>
                 <a:ea typeface="SimSun" panose="02010600030101010101" pitchFamily="2" charset="-122"/>
-                <a:cs typeface="Vani" panose="020B0502040204020203" pitchFamily="34" charset="0"/>
+                <a:cs typeface="Consolas"/>
               </a:rPr>
               <a:t>(</a:t>
             </a:r>
             <a:r>
               <a:rPr lang="en-US" altLang="ko-KR" sz="2800" dirty="0" err="1" smtClean="0">
                 <a:solidFill>
-                  <a:schemeClr val="tx2"/>
-                </a:solidFill>
-                <a:latin typeface="Calibri Light" panose="020F0302020204030204" pitchFamily="34" charset="0"/>
+                  <a:srgbClr val="0000FF"/>
+                </a:solidFill>
+                <a:latin typeface="Consolas"/>
                 <a:ea typeface="SimSun" panose="02010600030101010101" pitchFamily="2" charset="-122"/>
-                <a:cs typeface="Vani" panose="020B0502040204020203" pitchFamily="34" charset="0"/>
+                <a:cs typeface="Consolas"/>
               </a:rPr>
               <a:t>conc</a:t>
             </a:r>
             <a:r>
               <a:rPr lang="en-US" altLang="ko-KR" sz="2800" dirty="0" smtClean="0">
                 <a:solidFill>
-                  <a:schemeClr val="tx2"/>
-                </a:solidFill>
-                <a:latin typeface="Calibri Light" panose="020F0302020204030204" pitchFamily="34" charset="0"/>
+                  <a:srgbClr val="0000FF"/>
+                </a:solidFill>
+                <a:latin typeface="Consolas"/>
                 <a:ea typeface="SimSun" panose="02010600030101010101" pitchFamily="2" charset="-122"/>
-                <a:cs typeface="Vani" panose="020B0502040204020203" pitchFamily="34" charset="0"/>
+                <a:cs typeface="Consolas"/>
               </a:rPr>
               <a:t> = </a:t>
             </a:r>
             <a:r>
               <a:rPr lang="en-US" altLang="ko-KR" sz="2800" dirty="0" err="1" smtClean="0">
                 <a:solidFill>
-                  <a:schemeClr val="tx2"/>
-                </a:solidFill>
-                <a:latin typeface="Calibri Light" panose="020F0302020204030204" pitchFamily="34" charset="0"/>
+                  <a:srgbClr val="0000FF"/>
+                </a:solidFill>
+                <a:latin typeface="Consolas"/>
                 <a:ea typeface="SimSun" panose="02010600030101010101" pitchFamily="2" charset="-122"/>
-                <a:cs typeface="Vani" panose="020B0502040204020203" pitchFamily="34" charset="0"/>
+                <a:cs typeface="Consolas"/>
               </a:rPr>
               <a:t>seq</a:t>
             </a:r>
             <a:r>
               <a:rPr lang="en-US" altLang="ko-KR" sz="2800" dirty="0" smtClean="0">
                 <a:solidFill>
-                  <a:schemeClr val="tx2"/>
-                </a:solidFill>
-                <a:latin typeface="Calibri Light" panose="020F0302020204030204" pitchFamily="34" charset="0"/>
+                  <a:srgbClr val="0000FF"/>
+                </a:solidFill>
+                <a:latin typeface="Consolas"/>
                 <a:ea typeface="SimSun" panose="02010600030101010101" pitchFamily="2" charset="-122"/>
-                <a:cs typeface="Vani" panose="020B0502040204020203" pitchFamily="34" charset="0"/>
+                <a:cs typeface="Consolas"/>
               </a:rPr>
               <a:t>(</a:t>
             </a:r>
             <a:r>
               <a:rPr lang="en-US" altLang="ko-KR" sz="2800" dirty="0" err="1" smtClean="0">
                 <a:solidFill>
-                  <a:schemeClr val="tx2"/>
-                </a:solidFill>
-                <a:latin typeface="Calibri Light" panose="020F0302020204030204" pitchFamily="34" charset="0"/>
+                  <a:srgbClr val="0000FF"/>
+                </a:solidFill>
+                <a:latin typeface="Consolas"/>
                 <a:ea typeface="SimSun" panose="02010600030101010101" pitchFamily="2" charset="-122"/>
-                <a:cs typeface="Vani" panose="020B0502040204020203" pitchFamily="34" charset="0"/>
+                <a:cs typeface="Consolas"/>
               </a:rPr>
               <a:t>xRange</a:t>
             </a:r>
             <a:r>
               <a:rPr lang="en-US" altLang="ko-KR" sz="2800" dirty="0" smtClean="0">
                 <a:solidFill>
-                  <a:schemeClr val="tx2"/>
-                </a:solidFill>
-                <a:latin typeface="Calibri Light" panose="020F0302020204030204" pitchFamily="34" charset="0"/>
+                  <a:srgbClr val="0000FF"/>
+                </a:solidFill>
+                <a:latin typeface="Consolas"/>
                 <a:ea typeface="SimSun" panose="02010600030101010101" pitchFamily="2" charset="-122"/>
-                <a:cs typeface="Vani" panose="020B0502040204020203" pitchFamily="34" charset="0"/>
+                <a:cs typeface="Consolas"/>
               </a:rPr>
               <a:t>[1], </a:t>
             </a:r>
-            <a:r>
-              <a:rPr lang="en-US" altLang="ko-KR" sz="2800" dirty="0" err="1" smtClean="0">
-                <a:solidFill>
-                  <a:schemeClr val="tx2"/>
-                </a:solidFill>
-                <a:latin typeface="Calibri Light" panose="020F0302020204030204" pitchFamily="34" charset="0"/>
-                <a:ea typeface="SimSun" panose="02010600030101010101" pitchFamily="2" charset="-122"/>
-                <a:cs typeface="Vani" panose="020B0502040204020203" pitchFamily="34" charset="0"/>
-              </a:rPr>
-              <a:t>xRange</a:t>
-            </a:r>
-            <a:r>
-              <a:rPr lang="en-US" altLang="ko-KR" sz="2800" dirty="0" smtClean="0">
-                <a:solidFill>
-                  <a:schemeClr val="tx2"/>
-                </a:solidFill>
-                <a:latin typeface="Calibri Light" panose="020F0302020204030204" pitchFamily="34" charset="0"/>
-                <a:ea typeface="SimSun" panose="02010600030101010101" pitchFamily="2" charset="-122"/>
-                <a:cs typeface="Vani" panose="020B0502040204020203" pitchFamily="34" charset="0"/>
-              </a:rPr>
-              <a:t>[2], </a:t>
-            </a:r>
-            <a:r>
-              <a:rPr lang="en-US" altLang="ko-KR" sz="2800" dirty="0" err="1" smtClean="0">
-                <a:solidFill>
-                  <a:schemeClr val="tx2"/>
-                </a:solidFill>
-                <a:latin typeface="Calibri Light" panose="020F0302020204030204" pitchFamily="34" charset="0"/>
-                <a:ea typeface="SimSun" panose="02010600030101010101" pitchFamily="2" charset="-122"/>
-                <a:cs typeface="Vani" panose="020B0502040204020203" pitchFamily="34" charset="0"/>
-              </a:rPr>
-              <a:t>length.out</a:t>
-            </a:r>
-            <a:r>
-              <a:rPr lang="en-US" altLang="ko-KR" sz="2800" dirty="0" smtClean="0">
-                <a:solidFill>
-                  <a:schemeClr val="tx2"/>
-                </a:solidFill>
-                <a:latin typeface="Calibri Light" panose="020F0302020204030204" pitchFamily="34" charset="0"/>
-                <a:ea typeface="SimSun" panose="02010600030101010101" pitchFamily="2" charset="-122"/>
-                <a:cs typeface="Vani" panose="020B0502040204020203" pitchFamily="34" charset="0"/>
-              </a:rPr>
-              <a:t> = 100))</a:t>
-            </a:r>
+            <a:endParaRPr lang="en-US" altLang="ko-KR" sz="2800" dirty="0" smtClean="0">
+              <a:solidFill>
+                <a:srgbClr val="0000FF"/>
+              </a:solidFill>
+              <a:latin typeface="Consolas"/>
+              <a:ea typeface="SimSun" panose="02010600030101010101" pitchFamily="2" charset="-122"/>
+              <a:cs typeface="Consolas"/>
+            </a:endParaRPr>
           </a:p>
           <a:p>
             <a:r>
               <a:rPr lang="en-US" altLang="ko-KR" sz="2800" dirty="0">
                 <a:solidFill>
-                  <a:schemeClr val="tx2"/>
-                </a:solidFill>
-                <a:latin typeface="Calibri Light" panose="020F0302020204030204" pitchFamily="34" charset="0"/>
+                  <a:srgbClr val="0000FF"/>
+                </a:solidFill>
+                <a:latin typeface="Consolas"/>
                 <a:ea typeface="SimSun" panose="02010600030101010101" pitchFamily="2" charset="-122"/>
-                <a:cs typeface="Vani" panose="020B0502040204020203" pitchFamily="34" charset="0"/>
+                <a:cs typeface="Consolas"/>
               </a:rPr>
               <a:t> </a:t>
             </a:r>
             <a:r>
               <a:rPr lang="en-US" altLang="ko-KR" sz="2800" dirty="0" smtClean="0">
                 <a:solidFill>
-                  <a:schemeClr val="tx2"/>
-                </a:solidFill>
-                <a:latin typeface="Calibri Light" panose="020F0302020204030204" pitchFamily="34" charset="0"/>
+                  <a:srgbClr val="0000FF"/>
+                </a:solidFill>
+                <a:latin typeface="Consolas"/>
                 <a:ea typeface="SimSun" panose="02010600030101010101" pitchFamily="2" charset="-122"/>
-                <a:cs typeface="Vani" panose="020B0502040204020203" pitchFamily="34" charset="0"/>
-              </a:rPr>
-              <a:t>           </a:t>
+                <a:cs typeface="Consolas"/>
+              </a:rPr>
+              <a:t>                                  </a:t>
             </a:r>
             <a:r>
               <a:rPr lang="en-US" altLang="ko-KR" sz="2800" dirty="0" err="1" smtClean="0">
                 <a:solidFill>
-                  <a:schemeClr val="tx2"/>
-                </a:solidFill>
-                <a:latin typeface="Calibri Light" panose="020F0302020204030204" pitchFamily="34" charset="0"/>
+                  <a:srgbClr val="0000FF"/>
+                </a:solidFill>
+                <a:latin typeface="Consolas"/>
                 <a:ea typeface="SimSun" panose="02010600030101010101" pitchFamily="2" charset="-122"/>
-                <a:cs typeface="Vani" panose="020B0502040204020203" pitchFamily="34" charset="0"/>
-              </a:rPr>
-              <a:t>simArray$Time</a:t>
+                <a:cs typeface="Consolas"/>
+              </a:rPr>
+              <a:t>xRange</a:t>
             </a:r>
             <a:r>
               <a:rPr lang="en-US" altLang="ko-KR" sz="2800" dirty="0" smtClean="0">
                 <a:solidFill>
-                  <a:schemeClr val="tx2"/>
-                </a:solidFill>
-                <a:latin typeface="Calibri Light" panose="020F0302020204030204" pitchFamily="34" charset="0"/>
+                  <a:srgbClr val="0000FF"/>
+                </a:solidFill>
+                <a:latin typeface="Consolas"/>
                 <a:ea typeface="SimSun" panose="02010600030101010101" pitchFamily="2" charset="-122"/>
-                <a:cs typeface="Vani" panose="020B0502040204020203" pitchFamily="34" charset="0"/>
-              </a:rPr>
-              <a:t> &lt;- predict(</a:t>
+                <a:cs typeface="Consolas"/>
+              </a:rPr>
+              <a:t>[2], </a:t>
             </a:r>
             <a:r>
               <a:rPr lang="en-US" altLang="ko-KR" sz="2800" dirty="0" err="1" smtClean="0">
                 <a:solidFill>
-                  <a:schemeClr val="tx2"/>
-                </a:solidFill>
-                <a:latin typeface="Calibri Light" panose="020F0302020204030204" pitchFamily="34" charset="0"/>
+                  <a:srgbClr val="0000FF"/>
+                </a:solidFill>
+                <a:latin typeface="Consolas"/>
                 <a:ea typeface="SimSun" panose="02010600030101010101" pitchFamily="2" charset="-122"/>
-                <a:cs typeface="Vani" panose="020B0502040204020203" pitchFamily="34" charset="0"/>
-              </a:rPr>
-              <a:t>obj</a:t>
+                <a:cs typeface="Consolas"/>
+              </a:rPr>
+              <a:t>length.out</a:t>
             </a:r>
             <a:r>
               <a:rPr lang="en-US" altLang="ko-KR" sz="2800" dirty="0" smtClean="0">
                 <a:solidFill>
-                  <a:schemeClr val="tx2"/>
-                </a:solidFill>
-                <a:latin typeface="Calibri Light" panose="020F0302020204030204" pitchFamily="34" charset="0"/>
+                  <a:srgbClr val="0000FF"/>
+                </a:solidFill>
+                <a:latin typeface="Consolas"/>
                 <a:ea typeface="SimSun" panose="02010600030101010101" pitchFamily="2" charset="-122"/>
-                <a:cs typeface="Vani" panose="020B0502040204020203" pitchFamily="34" charset="0"/>
-              </a:rPr>
-              <a:t>, </a:t>
-            </a:r>
-            <a:r>
-              <a:rPr lang="en-US" altLang="ko-KR" sz="2800" dirty="0" err="1" smtClean="0">
-                <a:solidFill>
-                  <a:schemeClr val="tx2"/>
-                </a:solidFill>
-                <a:latin typeface="Calibri Light" panose="020F0302020204030204" pitchFamily="34" charset="0"/>
-                <a:ea typeface="SimSun" panose="02010600030101010101" pitchFamily="2" charset="-122"/>
-                <a:cs typeface="Vani" panose="020B0502040204020203" pitchFamily="34" charset="0"/>
-              </a:rPr>
-              <a:t>newdata</a:t>
-            </a:r>
-            <a:r>
-              <a:rPr lang="en-US" altLang="ko-KR" sz="2800" dirty="0" smtClean="0">
-                <a:solidFill>
-                  <a:schemeClr val="tx2"/>
-                </a:solidFill>
-                <a:latin typeface="Calibri Light" panose="020F0302020204030204" pitchFamily="34" charset="0"/>
-                <a:ea typeface="SimSun" panose="02010600030101010101" pitchFamily="2" charset="-122"/>
-                <a:cs typeface="Vani" panose="020B0502040204020203" pitchFamily="34" charset="0"/>
-              </a:rPr>
-              <a:t> = </a:t>
-            </a:r>
-            <a:r>
-              <a:rPr lang="en-US" altLang="ko-KR" sz="2800" dirty="0" err="1" smtClean="0">
-                <a:solidFill>
-                  <a:schemeClr val="tx2"/>
-                </a:solidFill>
-                <a:latin typeface="Calibri Light" panose="020F0302020204030204" pitchFamily="34" charset="0"/>
-                <a:ea typeface="SimSun" panose="02010600030101010101" pitchFamily="2" charset="-122"/>
-                <a:cs typeface="Vani" panose="020B0502040204020203" pitchFamily="34" charset="0"/>
-              </a:rPr>
-              <a:t>simArray</a:t>
-            </a:r>
-            <a:r>
-              <a:rPr lang="en-US" altLang="ko-KR" sz="2800" dirty="0" smtClean="0">
-                <a:solidFill>
-                  <a:schemeClr val="tx2"/>
-                </a:solidFill>
-                <a:latin typeface="Calibri Light" panose="020F0302020204030204" pitchFamily="34" charset="0"/>
-                <a:ea typeface="SimSun" panose="02010600030101010101" pitchFamily="2" charset="-122"/>
-                <a:cs typeface="Vani" panose="020B0502040204020203" pitchFamily="34" charset="0"/>
-              </a:rPr>
-              <a:t>)</a:t>
+                <a:cs typeface="Consolas"/>
+              </a:rPr>
+              <a:t> = 100))</a:t>
             </a:r>
           </a:p>
           <a:p>
             <a:r>
               <a:rPr lang="en-US" altLang="ko-KR" sz="2800" dirty="0">
                 <a:solidFill>
-                  <a:schemeClr val="tx2"/>
-                </a:solidFill>
-                <a:latin typeface="Calibri Light" panose="020F0302020204030204" pitchFamily="34" charset="0"/>
+                  <a:srgbClr val="0000FF"/>
+                </a:solidFill>
+                <a:latin typeface="Consolas"/>
                 <a:ea typeface="SimSun" panose="02010600030101010101" pitchFamily="2" charset="-122"/>
-                <a:cs typeface="Vani" panose="020B0502040204020203" pitchFamily="34" charset="0"/>
+                <a:cs typeface="Consolas"/>
               </a:rPr>
               <a:t> </a:t>
             </a:r>
             <a:r>
               <a:rPr lang="en-US" altLang="ko-KR" sz="2800" dirty="0" smtClean="0">
                 <a:solidFill>
-                  <a:schemeClr val="tx2"/>
-                </a:solidFill>
-                <a:latin typeface="Calibri Light" panose="020F0302020204030204" pitchFamily="34" charset="0"/>
+                  <a:srgbClr val="0000FF"/>
+                </a:solidFill>
+                <a:latin typeface="Consolas"/>
                 <a:ea typeface="SimSun" panose="02010600030101010101" pitchFamily="2" charset="-122"/>
-                <a:cs typeface="Vani" panose="020B0502040204020203" pitchFamily="34" charset="0"/>
-              </a:rPr>
-              <a:t>           return(</a:t>
+                <a:cs typeface="Consolas"/>
+              </a:rPr>
+              <a:t>           </a:t>
             </a:r>
             <a:r>
               <a:rPr lang="en-US" altLang="ko-KR" sz="2800" dirty="0" err="1" smtClean="0">
                 <a:solidFill>
-                  <a:schemeClr val="tx2"/>
-                </a:solidFill>
-                <a:latin typeface="Calibri Light" panose="020F0302020204030204" pitchFamily="34" charset="0"/>
+                  <a:srgbClr val="0000FF"/>
+                </a:solidFill>
+                <a:latin typeface="Consolas"/>
                 <a:ea typeface="SimSun" panose="02010600030101010101" pitchFamily="2" charset="-122"/>
-                <a:cs typeface="Vani" panose="020B0502040204020203" pitchFamily="34" charset="0"/>
+                <a:cs typeface="Consolas"/>
+              </a:rPr>
+              <a:t>simArray$Time</a:t>
+            </a:r>
+            <a:r>
+              <a:rPr lang="en-US" altLang="ko-KR" sz="2800" dirty="0" smtClean="0">
+                <a:solidFill>
+                  <a:srgbClr val="0000FF"/>
+                </a:solidFill>
+                <a:latin typeface="Consolas"/>
+                <a:ea typeface="SimSun" panose="02010600030101010101" pitchFamily="2" charset="-122"/>
+                <a:cs typeface="Consolas"/>
+              </a:rPr>
+              <a:t> &lt;- predict(</a:t>
+            </a:r>
+            <a:r>
+              <a:rPr lang="en-US" altLang="ko-KR" sz="2800" dirty="0" err="1" smtClean="0">
+                <a:solidFill>
+                  <a:srgbClr val="0000FF"/>
+                </a:solidFill>
+                <a:latin typeface="Consolas"/>
+                <a:ea typeface="SimSun" panose="02010600030101010101" pitchFamily="2" charset="-122"/>
+                <a:cs typeface="Consolas"/>
+              </a:rPr>
+              <a:t>obj</a:t>
+            </a:r>
+            <a:r>
+              <a:rPr lang="en-US" altLang="ko-KR" sz="2800" dirty="0" smtClean="0">
+                <a:solidFill>
+                  <a:srgbClr val="0000FF"/>
+                </a:solidFill>
+                <a:latin typeface="Consolas"/>
+                <a:ea typeface="SimSun" panose="02010600030101010101" pitchFamily="2" charset="-122"/>
+                <a:cs typeface="Consolas"/>
+              </a:rPr>
+              <a:t>, </a:t>
+            </a:r>
+            <a:r>
+              <a:rPr lang="en-US" altLang="ko-KR" sz="2800" dirty="0" err="1" smtClean="0">
+                <a:solidFill>
+                  <a:srgbClr val="0000FF"/>
+                </a:solidFill>
+                <a:latin typeface="Consolas"/>
+                <a:ea typeface="SimSun" panose="02010600030101010101" pitchFamily="2" charset="-122"/>
+                <a:cs typeface="Consolas"/>
+              </a:rPr>
+              <a:t>newdata</a:t>
+            </a:r>
+            <a:r>
+              <a:rPr lang="en-US" altLang="ko-KR" sz="2800" dirty="0" smtClean="0">
+                <a:solidFill>
+                  <a:srgbClr val="0000FF"/>
+                </a:solidFill>
+                <a:latin typeface="Consolas"/>
+                <a:ea typeface="SimSun" panose="02010600030101010101" pitchFamily="2" charset="-122"/>
+                <a:cs typeface="Consolas"/>
+              </a:rPr>
+              <a:t> = </a:t>
+            </a:r>
+            <a:r>
+              <a:rPr lang="en-US" altLang="ko-KR" sz="2800" dirty="0" err="1" smtClean="0">
+                <a:solidFill>
+                  <a:srgbClr val="0000FF"/>
+                </a:solidFill>
+                <a:latin typeface="Consolas"/>
+                <a:ea typeface="SimSun" panose="02010600030101010101" pitchFamily="2" charset="-122"/>
+                <a:cs typeface="Consolas"/>
               </a:rPr>
               <a:t>simArray</a:t>
             </a:r>
             <a:r>
               <a:rPr lang="en-US" altLang="ko-KR" sz="2800" dirty="0" smtClean="0">
                 <a:solidFill>
-                  <a:schemeClr val="tx2"/>
-                </a:solidFill>
-                <a:latin typeface="Calibri Light" panose="020F0302020204030204" pitchFamily="34" charset="0"/>
+                  <a:srgbClr val="0000FF"/>
+                </a:solidFill>
+                <a:latin typeface="Consolas"/>
                 <a:ea typeface="SimSun" panose="02010600030101010101" pitchFamily="2" charset="-122"/>
-                <a:cs typeface="Vani" panose="020B0502040204020203" pitchFamily="34" charset="0"/>
+                <a:cs typeface="Consolas"/>
               </a:rPr>
               <a:t>)</a:t>
             </a:r>
@@ -16782,193 +16968,239 @@
             <a:r>
               <a:rPr lang="en-US" altLang="ko-KR" sz="2800" dirty="0">
                 <a:solidFill>
-                  <a:schemeClr val="tx2"/>
-                </a:solidFill>
-                <a:latin typeface="Calibri Light" panose="020F0302020204030204" pitchFamily="34" charset="0"/>
+                  <a:srgbClr val="0000FF"/>
+                </a:solidFill>
+                <a:latin typeface="Consolas"/>
                 <a:ea typeface="SimSun" panose="02010600030101010101" pitchFamily="2" charset="-122"/>
-                <a:cs typeface="Vani" panose="020B0502040204020203" pitchFamily="34" charset="0"/>
+                <a:cs typeface="Consolas"/>
               </a:rPr>
               <a:t> </a:t>
             </a:r>
             <a:r>
               <a:rPr lang="en-US" altLang="ko-KR" sz="2800" dirty="0" smtClean="0">
                 <a:solidFill>
-                  <a:schemeClr val="tx2"/>
-                </a:solidFill>
-                <a:latin typeface="Calibri Light" panose="020F0302020204030204" pitchFamily="34" charset="0"/>
+                  <a:srgbClr val="0000FF"/>
+                </a:solidFill>
+                <a:latin typeface="Consolas"/>
                 <a:ea typeface="SimSun" panose="02010600030101010101" pitchFamily="2" charset="-122"/>
-                <a:cs typeface="Vani" panose="020B0502040204020203" pitchFamily="34" charset="0"/>
-              </a:rPr>
-              <a:t>      })</a:t>
+                <a:cs typeface="Consolas"/>
+              </a:rPr>
+              <a:t>           return(</a:t>
+            </a:r>
+            <a:r>
+              <a:rPr lang="en-US" altLang="ko-KR" sz="2800" dirty="0" err="1" smtClean="0">
+                <a:solidFill>
+                  <a:srgbClr val="0000FF"/>
+                </a:solidFill>
+                <a:latin typeface="Consolas"/>
+                <a:ea typeface="SimSun" panose="02010600030101010101" pitchFamily="2" charset="-122"/>
+                <a:cs typeface="Consolas"/>
+              </a:rPr>
+              <a:t>simArray</a:t>
+            </a:r>
+            <a:r>
+              <a:rPr lang="en-US" altLang="ko-KR" sz="2800" dirty="0" smtClean="0">
+                <a:solidFill>
+                  <a:srgbClr val="0000FF"/>
+                </a:solidFill>
+                <a:latin typeface="Consolas"/>
+                <a:ea typeface="SimSun" panose="02010600030101010101" pitchFamily="2" charset="-122"/>
+                <a:cs typeface="Consolas"/>
+              </a:rPr>
+              <a:t>)</a:t>
             </a:r>
           </a:p>
           <a:p>
             <a:r>
               <a:rPr lang="en-US" altLang="ko-KR" sz="2800" dirty="0">
                 <a:solidFill>
-                  <a:schemeClr val="tx2"/>
-                </a:solidFill>
-                <a:latin typeface="Calibri Light" panose="020F0302020204030204" pitchFamily="34" charset="0"/>
+                  <a:srgbClr val="0000FF"/>
+                </a:solidFill>
+                <a:latin typeface="Consolas"/>
                 <a:ea typeface="SimSun" panose="02010600030101010101" pitchFamily="2" charset="-122"/>
-                <a:cs typeface="Vani" panose="020B0502040204020203" pitchFamily="34" charset="0"/>
+                <a:cs typeface="Consolas"/>
               </a:rPr>
               <a:t> </a:t>
             </a:r>
             <a:r>
               <a:rPr lang="en-US" altLang="ko-KR" sz="2800" dirty="0" smtClean="0">
                 <a:solidFill>
-                  <a:schemeClr val="tx2"/>
-                </a:solidFill>
-                <a:latin typeface="Calibri Light" panose="020F0302020204030204" pitchFamily="34" charset="0"/>
+                  <a:srgbClr val="0000FF"/>
+                </a:solidFill>
+                <a:latin typeface="Consolas"/>
                 <a:ea typeface="SimSun" panose="02010600030101010101" pitchFamily="2" charset="-122"/>
-                <a:cs typeface="Vani" panose="020B0502040204020203" pitchFamily="34" charset="0"/>
-              </a:rPr>
-              <a:t>      lines(</a:t>
-            </a:r>
-            <a:r>
-              <a:rPr lang="en-US" altLang="ko-KR" sz="2800" dirty="0" err="1" smtClean="0">
-                <a:solidFill>
-                  <a:schemeClr val="tx2"/>
-                </a:solidFill>
-                <a:latin typeface="Calibri Light" panose="020F0302020204030204" pitchFamily="34" charset="0"/>
-                <a:ea typeface="SimSun" panose="02010600030101010101" pitchFamily="2" charset="-122"/>
-                <a:cs typeface="Vani" panose="020B0502040204020203" pitchFamily="34" charset="0"/>
-              </a:rPr>
-              <a:t>loessArray</a:t>
-            </a:r>
-            <a:r>
-              <a:rPr lang="en-US" altLang="ko-KR" sz="2800" dirty="0" smtClean="0">
-                <a:solidFill>
-                  <a:schemeClr val="tx2"/>
-                </a:solidFill>
-                <a:latin typeface="Calibri Light" panose="020F0302020204030204" pitchFamily="34" charset="0"/>
-                <a:ea typeface="SimSun" panose="02010600030101010101" pitchFamily="2" charset="-122"/>
-                <a:cs typeface="Vani" panose="020B0502040204020203" pitchFamily="34" charset="0"/>
-              </a:rPr>
-              <a:t>, Time, </a:t>
-            </a:r>
-            <a:r>
-              <a:rPr lang="en-US" altLang="ko-KR" sz="2800" dirty="0" err="1" smtClean="0">
-                <a:solidFill>
-                  <a:schemeClr val="tx2"/>
-                </a:solidFill>
-                <a:latin typeface="Calibri Light" panose="020F0302020204030204" pitchFamily="34" charset="0"/>
-                <a:ea typeface="SimSun" panose="02010600030101010101" pitchFamily="2" charset="-122"/>
-                <a:cs typeface="Vani" panose="020B0502040204020203" pitchFamily="34" charset="0"/>
-              </a:rPr>
-              <a:t>conc</a:t>
-            </a:r>
-            <a:r>
-              <a:rPr lang="en-US" altLang="ko-KR" sz="2800" dirty="0" smtClean="0">
-                <a:solidFill>
-                  <a:schemeClr val="tx2"/>
-                </a:solidFill>
-                <a:latin typeface="Calibri Light" panose="020F0302020204030204" pitchFamily="34" charset="0"/>
-                <a:ea typeface="SimSun" panose="02010600030101010101" pitchFamily="2" charset="-122"/>
-                <a:cs typeface="Vani" panose="020B0502040204020203" pitchFamily="34" charset="0"/>
-              </a:rPr>
-              <a:t>)</a:t>
+                <a:cs typeface="Consolas"/>
+              </a:rPr>
+              <a:t>      })</a:t>
             </a:r>
           </a:p>
           <a:p>
             <a:r>
               <a:rPr lang="en-US" altLang="ko-KR" sz="2800" dirty="0">
                 <a:solidFill>
-                  <a:schemeClr val="tx2"/>
-                </a:solidFill>
-                <a:latin typeface="Calibri Light" panose="020F0302020204030204" pitchFamily="34" charset="0"/>
+                  <a:srgbClr val="0000FF"/>
+                </a:solidFill>
+                <a:latin typeface="Consolas"/>
                 <a:ea typeface="SimSun" panose="02010600030101010101" pitchFamily="2" charset="-122"/>
-                <a:cs typeface="Vani" panose="020B0502040204020203" pitchFamily="34" charset="0"/>
+                <a:cs typeface="Consolas"/>
               </a:rPr>
               <a:t> </a:t>
             </a:r>
             <a:r>
               <a:rPr lang="en-US" altLang="ko-KR" sz="2800" dirty="0" smtClean="0">
                 <a:solidFill>
-                  <a:schemeClr val="tx2"/>
-                </a:solidFill>
-                <a:latin typeface="Calibri Light" panose="020F0302020204030204" pitchFamily="34" charset="0"/>
+                  <a:srgbClr val="0000FF"/>
+                </a:solidFill>
+                <a:latin typeface="Consolas"/>
                 <a:ea typeface="SimSun" panose="02010600030101010101" pitchFamily="2" charset="-122"/>
-                <a:cs typeface="Vani" panose="020B0502040204020203" pitchFamily="34" charset="0"/>
-              </a:rPr>
-              <a:t>      </a:t>
+                <a:cs typeface="Consolas"/>
+              </a:rPr>
+              <a:t>      lines(</a:t>
             </a:r>
             <a:r>
               <a:rPr lang="en-US" altLang="ko-KR" sz="2800" dirty="0" err="1" smtClean="0">
                 <a:solidFill>
-                  <a:schemeClr val="tx2"/>
-                </a:solidFill>
-                <a:latin typeface="Calibri Light" panose="020F0302020204030204" pitchFamily="34" charset="0"/>
+                  <a:srgbClr val="0000FF"/>
+                </a:solidFill>
+                <a:latin typeface="Consolas"/>
                 <a:ea typeface="SimSun" panose="02010600030101010101" pitchFamily="2" charset="-122"/>
-                <a:cs typeface="Vani" panose="020B0502040204020203" pitchFamily="34" charset="0"/>
-              </a:rPr>
-              <a:t>hist</a:t>
+                <a:cs typeface="Consolas"/>
+              </a:rPr>
+              <a:t>loessArray</a:t>
             </a:r>
             <a:r>
               <a:rPr lang="en-US" altLang="ko-KR" sz="2800" dirty="0" smtClean="0">
                 <a:solidFill>
-                  <a:schemeClr val="tx2"/>
-                </a:solidFill>
-                <a:latin typeface="Calibri Light" panose="020F0302020204030204" pitchFamily="34" charset="0"/>
+                  <a:srgbClr val="0000FF"/>
+                </a:solidFill>
+                <a:latin typeface="Consolas"/>
                 <a:ea typeface="SimSun" panose="02010600030101010101" pitchFamily="2" charset="-122"/>
-                <a:cs typeface="Vani" panose="020B0502040204020203" pitchFamily="34" charset="0"/>
-              </a:rPr>
-              <a:t>(Time, </a:t>
+                <a:cs typeface="Consolas"/>
+              </a:rPr>
+              <a:t>, Time, </a:t>
             </a:r>
             <a:r>
               <a:rPr lang="en-US" altLang="ko-KR" sz="2800" dirty="0" err="1" smtClean="0">
                 <a:solidFill>
-                  <a:schemeClr val="tx2"/>
-                </a:solidFill>
-                <a:latin typeface="Calibri Light" panose="020F0302020204030204" pitchFamily="34" charset="0"/>
+                  <a:srgbClr val="0000FF"/>
+                </a:solidFill>
+                <a:latin typeface="Consolas"/>
                 <a:ea typeface="SimSun" panose="02010600030101010101" pitchFamily="2" charset="-122"/>
-                <a:cs typeface="Vani" panose="020B0502040204020203" pitchFamily="34" charset="0"/>
-              </a:rPr>
-              <a:t>Theoph</a:t>
+                <a:cs typeface="Consolas"/>
+              </a:rPr>
+              <a:t>conc</a:t>
             </a:r>
             <a:r>
               <a:rPr lang="en-US" altLang="ko-KR" sz="2800" dirty="0" smtClean="0">
                 <a:solidFill>
-                  <a:schemeClr val="tx2"/>
-                </a:solidFill>
-                <a:latin typeface="Calibri Light" panose="020F0302020204030204" pitchFamily="34" charset="0"/>
+                  <a:srgbClr val="0000FF"/>
+                </a:solidFill>
+                <a:latin typeface="Consolas"/>
                 <a:ea typeface="SimSun" panose="02010600030101010101" pitchFamily="2" charset="-122"/>
-                <a:cs typeface="Vani" panose="020B0502040204020203" pitchFamily="34" charset="0"/>
+                <a:cs typeface="Consolas"/>
               </a:rPr>
               <a:t>)</a:t>
             </a:r>
           </a:p>
           <a:p>
             <a:r>
+              <a:rPr lang="en-US" altLang="ko-KR" sz="2800" dirty="0">
+                <a:solidFill>
+                  <a:srgbClr val="0000FF"/>
+                </a:solidFill>
+                <a:latin typeface="Consolas"/>
+                <a:ea typeface="SimSun" panose="02010600030101010101" pitchFamily="2" charset="-122"/>
+                <a:cs typeface="Consolas"/>
+              </a:rPr>
+              <a:t> </a:t>
+            </a:r>
+            <a:r>
               <a:rPr lang="en-US" altLang="ko-KR" sz="2800" dirty="0" smtClean="0">
                 <a:solidFill>
-                  <a:schemeClr val="tx2"/>
-                </a:solidFill>
-                <a:latin typeface="Calibri Light" panose="020F0302020204030204" pitchFamily="34" charset="0"/>
+                  <a:srgbClr val="0000FF"/>
+                </a:solidFill>
+                <a:latin typeface="Consolas"/>
                 <a:ea typeface="SimSun" panose="02010600030101010101" pitchFamily="2" charset="-122"/>
-                <a:cs typeface="Vani" panose="020B0502040204020203" pitchFamily="34" charset="0"/>
+                <a:cs typeface="Consolas"/>
+              </a:rPr>
+              <a:t>      </a:t>
+            </a:r>
+            <a:r>
+              <a:rPr lang="en-US" altLang="ko-KR" sz="2800" dirty="0" err="1" smtClean="0">
+                <a:solidFill>
+                  <a:srgbClr val="0000FF"/>
+                </a:solidFill>
+                <a:latin typeface="Consolas"/>
+                <a:ea typeface="SimSun" panose="02010600030101010101" pitchFamily="2" charset="-122"/>
+                <a:cs typeface="Consolas"/>
+              </a:rPr>
+              <a:t>hist</a:t>
+            </a:r>
+            <a:r>
+              <a:rPr lang="en-US" altLang="ko-KR" sz="2800" dirty="0" smtClean="0">
+                <a:solidFill>
+                  <a:srgbClr val="0000FF"/>
+                </a:solidFill>
+                <a:latin typeface="Consolas"/>
+                <a:ea typeface="SimSun" panose="02010600030101010101" pitchFamily="2" charset="-122"/>
+                <a:cs typeface="Consolas"/>
+              </a:rPr>
+              <a:t>(Time, </a:t>
+            </a:r>
+            <a:r>
+              <a:rPr lang="en-US" altLang="ko-KR" sz="2800" dirty="0" err="1" smtClean="0">
+                <a:solidFill>
+                  <a:srgbClr val="0000FF"/>
+                </a:solidFill>
+                <a:latin typeface="Consolas"/>
+                <a:ea typeface="SimSun" panose="02010600030101010101" pitchFamily="2" charset="-122"/>
+                <a:cs typeface="Consolas"/>
+              </a:rPr>
+              <a:t>Theoph</a:t>
+            </a:r>
+            <a:r>
+              <a:rPr lang="en-US" altLang="ko-KR" sz="2800" dirty="0" smtClean="0">
+                <a:solidFill>
+                  <a:srgbClr val="0000FF"/>
+                </a:solidFill>
+                <a:latin typeface="Consolas"/>
+                <a:ea typeface="SimSun" panose="02010600030101010101" pitchFamily="2" charset="-122"/>
+                <a:cs typeface="Consolas"/>
+              </a:rPr>
+              <a:t>)</a:t>
+            </a:r>
+          </a:p>
+          <a:p>
+            <a:r>
+              <a:rPr lang="en-US" altLang="ko-KR" sz="2800" dirty="0" smtClean="0">
+                <a:solidFill>
+                  <a:srgbClr val="0000FF"/>
+                </a:solidFill>
+                <a:latin typeface="Consolas"/>
+                <a:ea typeface="SimSun" panose="02010600030101010101" pitchFamily="2" charset="-122"/>
+                <a:cs typeface="Consolas"/>
               </a:rPr>
               <a:t>}, </a:t>
             </a:r>
             <a:r>
               <a:rPr lang="en-US" altLang="ko-KR" sz="2800" dirty="0" err="1" smtClean="0">
                 <a:solidFill>
-                  <a:schemeClr val="tx2"/>
-                </a:solidFill>
-                <a:latin typeface="Calibri Light" panose="020F0302020204030204" pitchFamily="34" charset="0"/>
+                  <a:srgbClr val="0000FF"/>
+                </a:solidFill>
+                <a:latin typeface="Consolas"/>
                 <a:ea typeface="SimSun" panose="02010600030101010101" pitchFamily="2" charset="-122"/>
-                <a:cs typeface="Vani" panose="020B0502040204020203" pitchFamily="34" charset="0"/>
+                <a:cs typeface="Consolas"/>
               </a:rPr>
               <a:t>Theoph</a:t>
             </a:r>
             <a:r>
               <a:rPr lang="en-US" altLang="ko-KR" sz="2800" dirty="0" smtClean="0">
                 <a:solidFill>
-                  <a:schemeClr val="tx2"/>
-                </a:solidFill>
-                <a:latin typeface="Calibri Light" panose="020F0302020204030204" pitchFamily="34" charset="0"/>
+                  <a:srgbClr val="0000FF"/>
+                </a:solidFill>
+                <a:latin typeface="Consolas"/>
                 <a:ea typeface="SimSun" panose="02010600030101010101" pitchFamily="2" charset="-122"/>
-                <a:cs typeface="Vani" panose="020B0502040204020203" pitchFamily="34" charset="0"/>
+                <a:cs typeface="Consolas"/>
               </a:rPr>
               <a:t>)</a:t>
             </a:r>
@@ -17000,9 +17232,10 @@
             <a:r>
               <a:rPr lang="en-US" altLang="ko-KR" sz="2400" dirty="0">
                 <a:solidFill>
-                  <a:srgbClr val="00CC66"/>
-                </a:solidFill>
-                <a:latin typeface="Calibri" panose="020F0502020204030204" pitchFamily="34" charset="0"/>
+                  <a:srgbClr val="004900"/>
+                </a:solidFill>
+                <a:latin typeface="Consolas"/>
+                <a:cs typeface="Consolas"/>
               </a:rPr>
               <a:t>&lt;script&gt; </a:t>
             </a:r>
@@ -17011,46 +17244,53 @@
                 <a:solidFill>
                   <a:srgbClr val="BF11AA"/>
                 </a:solidFill>
-                <a:latin typeface="Calibri" panose="020F0502020204030204" pitchFamily="34" charset="0"/>
+                <a:latin typeface="Consolas"/>
+                <a:cs typeface="Consolas"/>
               </a:rPr>
               <a:t>var</a:t>
             </a:r>
             <a:r>
               <a:rPr lang="en-US" altLang="ko-KR" sz="2400" dirty="0">
-                <a:latin typeface="Calibri" panose="020F0502020204030204" pitchFamily="34" charset="0"/>
+                <a:latin typeface="Consolas"/>
+                <a:cs typeface="Consolas"/>
               </a:rPr>
               <a:t> </a:t>
             </a:r>
             <a:r>
               <a:rPr lang="en-US" altLang="ko-KR" sz="2400" dirty="0" err="1">
-                <a:latin typeface="Calibri" panose="020F0502020204030204" pitchFamily="34" charset="0"/>
+                <a:latin typeface="Consolas"/>
+                <a:cs typeface="Consolas"/>
               </a:rPr>
               <a:t>Theoph</a:t>
             </a:r>
             <a:r>
               <a:rPr lang="en-US" altLang="ko-KR" sz="2400" dirty="0">
-                <a:latin typeface="Calibri" panose="020F0502020204030204" pitchFamily="34" charset="0"/>
+                <a:latin typeface="Consolas"/>
+                <a:cs typeface="Consolas"/>
               </a:rPr>
               <a:t> = </a:t>
             </a:r>
             <a:r>
               <a:rPr lang="en-US" altLang="ko-KR" sz="2400" dirty="0" err="1">
-                <a:latin typeface="Calibri" panose="020F0502020204030204" pitchFamily="34" charset="0"/>
+                <a:latin typeface="Consolas"/>
+                <a:cs typeface="Consolas"/>
               </a:rPr>
               <a:t>createMainStructureE</a:t>
             </a:r>
             <a:r>
               <a:rPr lang="en-US" altLang="ko-KR" sz="2400" dirty="0">
-                <a:latin typeface="Calibri" panose="020F0502020204030204" pitchFamily="34" charset="0"/>
+                <a:latin typeface="Consolas"/>
+                <a:cs typeface="Consolas"/>
               </a:rPr>
               <a:t>(rawArr1);</a:t>
             </a:r>
             <a:r>
               <a:rPr lang="en-US" altLang="ko-KR" sz="2400" dirty="0">
                 <a:solidFill>
-                  <a:srgbClr val="00CC66"/>
-                </a:solidFill>
-                <a:latin typeface="Calibri" panose="020F0502020204030204" pitchFamily="34" charset="0"/>
+                  <a:srgbClr val="004900"/>
+                </a:solidFill>
+                <a:latin typeface="Consolas"/>
+                <a:cs typeface="Consolas"/>
               </a:rPr>
               <a:t>&lt;/script&gt;</a:t>
             </a:r>
@@ -17059,18 +17299,20 @@
             <a:r>
               <a:rPr lang="en-US" altLang="ko-KR" sz="2400" dirty="0" smtClean="0">
                 <a:solidFill>
-                  <a:srgbClr val="00CC66"/>
-                </a:solidFill>
-                <a:latin typeface="Calibri" panose="020F0502020204030204" pitchFamily="34" charset="0"/>
+                  <a:srgbClr val="004900"/>
+                </a:solidFill>
+                <a:latin typeface="Consolas"/>
+                <a:cs typeface="Consolas"/>
               </a:rPr>
               <a:t>&lt;</a:t>
             </a:r>
             <a:r>
               <a:rPr lang="en-US" altLang="ko-KR" sz="2400" dirty="0">
                 <a:solidFill>
-                  <a:srgbClr val="00CC66"/>
-                </a:solidFill>
-                <a:latin typeface="Calibri" panose="020F0502020204030204" pitchFamily="34" charset="0"/>
+                  <a:srgbClr val="004900"/>
+                </a:solidFill>
+                <a:latin typeface="Consolas"/>
+                <a:cs typeface="Consolas"/>
               </a:rPr>
               <a:t>script&gt;</a:t>
             </a:r>
@@ -17081,19 +17323,22 @@
                 <a:solidFill>
                   <a:srgbClr val="BF11AA"/>
                 </a:solidFill>
-                <a:latin typeface="Calibri" panose="020F0502020204030204" pitchFamily="34" charset="0"/>
+                <a:latin typeface="Consolas"/>
+                <a:cs typeface="Consolas"/>
               </a:rPr>
               <a:t>var</a:t>
             </a:r>
             <a:r>
               <a:rPr lang="en-US" altLang="ko-KR" sz="2400" dirty="0" smtClean="0">
-                <a:latin typeface="Calibri" panose="020F0502020204030204" pitchFamily="34" charset="0"/>
+                <a:latin typeface="Consolas"/>
+                <a:cs typeface="Consolas"/>
               </a:rPr>
               <a:t> </a:t>
             </a:r>
             <a:r>
               <a:rPr lang="en-US" altLang="ko-KR" sz="2400" dirty="0">
-                <a:latin typeface="Calibri" panose="020F0502020204030204" pitchFamily="34" charset="0"/>
+                <a:latin typeface="Consolas"/>
+                <a:cs typeface="Consolas"/>
               </a:rPr>
               <a:t>axis1 = </a:t>
             </a:r>
@@ -17102,25 +17347,29 @@
                 <a:solidFill>
                   <a:srgbClr val="BF11AA"/>
                 </a:solidFill>
-                <a:latin typeface="Calibri" panose="020F0502020204030204" pitchFamily="34" charset="0"/>
+                <a:latin typeface="Consolas"/>
+                <a:cs typeface="Consolas"/>
               </a:rPr>
               <a:t>new</a:t>
             </a:r>
             <a:r>
               <a:rPr lang="en-US" altLang="ko-KR" sz="2400" dirty="0">
-                <a:latin typeface="Calibri" panose="020F0502020204030204" pitchFamily="34" charset="0"/>
+                <a:latin typeface="Consolas"/>
+                <a:cs typeface="Consolas"/>
               </a:rPr>
               <a:t> Axis(1, </a:t>
             </a:r>
             <a:r>
               <a:rPr lang="en-US" altLang="ko-KR" sz="2400" dirty="0" err="1">
-                <a:latin typeface="Calibri" panose="020F0502020204030204" pitchFamily="34" charset="0"/>
+                <a:latin typeface="Consolas"/>
+                <a:cs typeface="Consolas"/>
               </a:rPr>
               <a:t>Theoph</a:t>
             </a:r>
             <a:r>
               <a:rPr lang="en-US" altLang="ko-KR" sz="2400" dirty="0">
-                <a:latin typeface="Calibri" panose="020F0502020204030204" pitchFamily="34" charset="0"/>
+                <a:latin typeface="Consolas"/>
+                <a:cs typeface="Consolas"/>
               </a:rPr>
               <a:t>, </a:t>
             </a:r>
@@ -17129,13 +17378,15 @@
                 <a:solidFill>
                   <a:srgbClr val="0000FF"/>
                 </a:solidFill>
-                <a:latin typeface="Calibri" panose="020F0502020204030204" pitchFamily="34" charset="0"/>
+                <a:latin typeface="Consolas"/>
+                <a:cs typeface="Consolas"/>
               </a:rPr>
               <a:t>'Time'</a:t>
             </a:r>
             <a:r>
               <a:rPr lang="en-US" altLang="ko-KR" sz="2400" dirty="0">
-                <a:latin typeface="Calibri" panose="020F0502020204030204" pitchFamily="34" charset="0"/>
+                <a:latin typeface="Consolas"/>
+                <a:cs typeface="Consolas"/>
               </a:rPr>
               <a:t>, </a:t>
             </a:r>
@@ -17144,7 +17395,8 @@
                 <a:solidFill>
                   <a:srgbClr val="0000FF"/>
                 </a:solidFill>
-                <a:latin typeface="Calibri" panose="020F0502020204030204" pitchFamily="34" charset="0"/>
+                <a:latin typeface="Consolas"/>
+                <a:cs typeface="Consolas"/>
               </a:rPr>
               <a:t>'</a:t>
             </a:r>
@@ -17153,7 +17405,8 @@
                 <a:solidFill>
                   <a:srgbClr val="0000FF"/>
                 </a:solidFill>
-                <a:latin typeface="Calibri" panose="020F0502020204030204" pitchFamily="34" charset="0"/>
+                <a:latin typeface="Consolas"/>
+                <a:cs typeface="Consolas"/>
               </a:rPr>
               <a:t>conc</a:t>
             </a:r>
@@ -17162,13 +17415,15 @@
                 <a:solidFill>
                   <a:srgbClr val="0000FF"/>
                 </a:solidFill>
-                <a:latin typeface="Calibri" panose="020F0502020204030204" pitchFamily="34" charset="0"/>
+                <a:latin typeface="Consolas"/>
+                <a:cs typeface="Consolas"/>
               </a:rPr>
               <a:t>'</a:t>
             </a:r>
             <a:r>
               <a:rPr lang="en-US" altLang="ko-KR" sz="2400" dirty="0">
-                <a:latin typeface="Calibri" panose="020F0502020204030204" pitchFamily="34" charset="0"/>
+                <a:latin typeface="Consolas"/>
+                <a:cs typeface="Consolas"/>
               </a:rPr>
               <a:t>, {legend: </a:t>
             </a:r>
@@ -17177,13 +17432,15 @@
                 <a:solidFill>
                   <a:srgbClr val="0000FF"/>
                 </a:solidFill>
-                <a:latin typeface="Calibri" panose="020F0502020204030204" pitchFamily="34" charset="0"/>
+                <a:latin typeface="Consolas"/>
+                <a:cs typeface="Consolas"/>
               </a:rPr>
               <a:t>'Subject'</a:t>
             </a:r>
             <a:r>
               <a:rPr lang="en-US" altLang="ko-KR" sz="2400" dirty="0">
-                <a:latin typeface="Calibri" panose="020F0502020204030204" pitchFamily="34" charset="0"/>
+                <a:latin typeface="Consolas"/>
+                <a:cs typeface="Consolas"/>
               </a:rPr>
               <a:t>});</a:t>
             </a:r>
@@ -17194,19 +17451,22 @@
                 <a:solidFill>
                   <a:srgbClr val="BF11AA"/>
                 </a:solidFill>
-                <a:latin typeface="Calibri" panose="020F0502020204030204" pitchFamily="34" charset="0"/>
+                <a:latin typeface="Consolas"/>
+                <a:cs typeface="Consolas"/>
               </a:rPr>
               <a:t>var</a:t>
             </a:r>
             <a:r>
               <a:rPr lang="en-US" altLang="ko-KR" sz="2400" dirty="0" smtClean="0">
-                <a:latin typeface="Calibri" panose="020F0502020204030204" pitchFamily="34" charset="0"/>
+                <a:latin typeface="Consolas"/>
+                <a:cs typeface="Consolas"/>
               </a:rPr>
               <a:t> </a:t>
             </a:r>
             <a:r>
               <a:rPr lang="en-US" altLang="ko-KR" sz="2400" dirty="0">
-                <a:latin typeface="Calibri" panose="020F0502020204030204" pitchFamily="34" charset="0"/>
+                <a:latin typeface="Consolas"/>
+                <a:cs typeface="Consolas"/>
               </a:rPr>
               <a:t>point1 = </a:t>
             </a:r>
@@ -17215,25 +17475,29 @@
                 <a:solidFill>
                   <a:srgbClr val="BF11AA"/>
                 </a:solidFill>
-                <a:latin typeface="Calibri" panose="020F0502020204030204" pitchFamily="34" charset="0"/>
+                <a:latin typeface="Consolas"/>
+                <a:cs typeface="Consolas"/>
               </a:rPr>
               <a:t>new</a:t>
             </a:r>
             <a:r>
               <a:rPr lang="en-US" altLang="ko-KR" sz="2400" dirty="0">
-                <a:latin typeface="Calibri" panose="020F0502020204030204" pitchFamily="34" charset="0"/>
+                <a:latin typeface="Consolas"/>
+                <a:cs typeface="Consolas"/>
               </a:rPr>
               <a:t> Dot(axis1, </a:t>
             </a:r>
             <a:r>
               <a:rPr lang="en-US" altLang="ko-KR" sz="2400" dirty="0" err="1">
-                <a:latin typeface="Calibri" panose="020F0502020204030204" pitchFamily="34" charset="0"/>
+                <a:latin typeface="Consolas"/>
+                <a:cs typeface="Consolas"/>
               </a:rPr>
               <a:t>Theoph</a:t>
             </a:r>
             <a:r>
               <a:rPr lang="en-US" altLang="ko-KR" sz="2400" dirty="0">
-                <a:latin typeface="Calibri" panose="020F0502020204030204" pitchFamily="34" charset="0"/>
+                <a:latin typeface="Consolas"/>
+                <a:cs typeface="Consolas"/>
               </a:rPr>
               <a:t>, </a:t>
             </a:r>
@@ -17242,13 +17506,15 @@
                 <a:solidFill>
                   <a:srgbClr val="0000FF"/>
                 </a:solidFill>
-                <a:latin typeface="Calibri" panose="020F0502020204030204" pitchFamily="34" charset="0"/>
+                <a:latin typeface="Consolas"/>
+                <a:cs typeface="Consolas"/>
               </a:rPr>
               <a:t>'Time'</a:t>
             </a:r>
             <a:r>
               <a:rPr lang="en-US" altLang="ko-KR" sz="2400" dirty="0">
-                <a:latin typeface="Calibri" panose="020F0502020204030204" pitchFamily="34" charset="0"/>
+                <a:latin typeface="Consolas"/>
+                <a:cs typeface="Consolas"/>
               </a:rPr>
               <a:t>, </a:t>
             </a:r>
@@ -17257,7 +17523,8 @@
                 <a:solidFill>
                   <a:srgbClr val="0000FF"/>
                 </a:solidFill>
-                <a:latin typeface="Calibri" panose="020F0502020204030204" pitchFamily="34" charset="0"/>
+                <a:latin typeface="Consolas"/>
+                <a:cs typeface="Consolas"/>
               </a:rPr>
               <a:t>'</a:t>
             </a:r>
@@ -17266,7 +17533,8 @@
                 <a:solidFill>
                   <a:srgbClr val="0000FF"/>
                 </a:solidFill>
-                <a:latin typeface="Calibri" panose="020F0502020204030204" pitchFamily="34" charset="0"/>
+                <a:latin typeface="Consolas"/>
+                <a:cs typeface="Consolas"/>
               </a:rPr>
               <a:t>conc</a:t>
             </a:r>
@@ -17275,13 +17543,15 @@
                 <a:solidFill>
                   <a:srgbClr val="0000FF"/>
                 </a:solidFill>
-                <a:latin typeface="Calibri" panose="020F0502020204030204" pitchFamily="34" charset="0"/>
+                <a:latin typeface="Consolas"/>
+                <a:cs typeface="Consolas"/>
               </a:rPr>
               <a:t>'</a:t>
             </a:r>
             <a:r>
               <a:rPr lang="en-US" altLang="ko-KR" sz="2400" dirty="0">
-                <a:latin typeface="Calibri" panose="020F0502020204030204" pitchFamily="34" charset="0"/>
+                <a:latin typeface="Consolas"/>
+                <a:cs typeface="Consolas"/>
               </a:rPr>
               <a:t>, {});</a:t>
             </a:r>
@@ -17292,19 +17562,22 @@
                 <a:solidFill>
                   <a:srgbClr val="BF11AA"/>
                 </a:solidFill>
-                <a:latin typeface="Calibri" panose="020F0502020204030204" pitchFamily="34" charset="0"/>
+                <a:latin typeface="Consolas"/>
+                <a:cs typeface="Consolas"/>
               </a:rPr>
               <a:t>var</a:t>
             </a:r>
             <a:r>
               <a:rPr lang="en-US" altLang="ko-KR" sz="2400" dirty="0" smtClean="0">
-                <a:latin typeface="Calibri" panose="020F0502020204030204" pitchFamily="34" charset="0"/>
+                <a:latin typeface="Consolas"/>
+                <a:cs typeface="Consolas"/>
               </a:rPr>
               <a:t> </a:t>
             </a:r>
             <a:r>
               <a:rPr lang="en-US" altLang="ko-KR" sz="2400" dirty="0">
-                <a:latin typeface="Calibri" panose="020F0502020204030204" pitchFamily="34" charset="0"/>
+                <a:latin typeface="Consolas"/>
+                <a:cs typeface="Consolas"/>
               </a:rPr>
               <a:t>histObj1 = </a:t>
             </a:r>
@@ -17313,37 +17586,43 @@
                 <a:solidFill>
                   <a:srgbClr val="BF11AA"/>
                 </a:solidFill>
-                <a:latin typeface="Calibri" panose="020F0502020204030204" pitchFamily="34" charset="0"/>
+                <a:latin typeface="Consolas"/>
+                <a:cs typeface="Consolas"/>
               </a:rPr>
               <a:t>new</a:t>
             </a:r>
             <a:r>
               <a:rPr lang="en-US" altLang="ko-KR" sz="2400" dirty="0">
-                <a:latin typeface="Calibri" panose="020F0502020204030204" pitchFamily="34" charset="0"/>
+                <a:latin typeface="Consolas"/>
+                <a:cs typeface="Consolas"/>
               </a:rPr>
               <a:t> </a:t>
             </a:r>
             <a:r>
               <a:rPr lang="en-US" altLang="ko-KR" sz="2400" dirty="0" err="1">
-                <a:latin typeface="Calibri" panose="020F0502020204030204" pitchFamily="34" charset="0"/>
+                <a:latin typeface="Consolas"/>
+                <a:cs typeface="Consolas"/>
               </a:rPr>
               <a:t>ddply</a:t>
             </a:r>
             <a:r>
               <a:rPr lang="en-US" altLang="ko-KR" sz="2400" dirty="0">
-                <a:latin typeface="Calibri" panose="020F0502020204030204" pitchFamily="34" charset="0"/>
+                <a:latin typeface="Consolas"/>
+                <a:cs typeface="Consolas"/>
               </a:rPr>
               <a:t>(</a:t>
             </a:r>
             <a:r>
               <a:rPr lang="en-US" altLang="ko-KR" sz="2400" dirty="0" err="1">
-                <a:latin typeface="Calibri" panose="020F0502020204030204" pitchFamily="34" charset="0"/>
+                <a:latin typeface="Consolas"/>
+                <a:cs typeface="Consolas"/>
               </a:rPr>
               <a:t>Theoph</a:t>
             </a:r>
             <a:r>
               <a:rPr lang="en-US" altLang="ko-KR" sz="2400" dirty="0">
-                <a:latin typeface="Calibri" panose="020F0502020204030204" pitchFamily="34" charset="0"/>
+                <a:latin typeface="Consolas"/>
+                <a:cs typeface="Consolas"/>
               </a:rPr>
               <a:t>, [</a:t>
             </a:r>
@@ -17352,13 +17631,15 @@
                 <a:solidFill>
                   <a:srgbClr val="0000FF"/>
                 </a:solidFill>
-                <a:latin typeface="Calibri" panose="020F0502020204030204" pitchFamily="34" charset="0"/>
+                <a:latin typeface="Consolas"/>
+                <a:cs typeface="Consolas"/>
               </a:rPr>
               <a:t>'Time'</a:t>
             </a:r>
             <a:r>
               <a:rPr lang="en-US" altLang="ko-KR" sz="2400" dirty="0">
-                <a:latin typeface="Calibri" panose="020F0502020204030204" pitchFamily="34" charset="0"/>
+                <a:latin typeface="Consolas"/>
+                <a:cs typeface="Consolas"/>
               </a:rPr>
               <a:t>], {});</a:t>
             </a:r>
@@ -17369,19 +17650,22 @@
                 <a:solidFill>
                   <a:srgbClr val="BF11AA"/>
                 </a:solidFill>
-                <a:latin typeface="Calibri" panose="020F0502020204030204" pitchFamily="34" charset="0"/>
+                <a:latin typeface="Consolas"/>
+                <a:cs typeface="Consolas"/>
               </a:rPr>
               <a:t>var</a:t>
             </a:r>
             <a:r>
               <a:rPr lang="en-US" altLang="ko-KR" sz="2400" dirty="0" smtClean="0">
-                <a:latin typeface="Calibri" panose="020F0502020204030204" pitchFamily="34" charset="0"/>
+                <a:latin typeface="Consolas"/>
+                <a:cs typeface="Consolas"/>
               </a:rPr>
               <a:t> </a:t>
             </a:r>
             <a:r>
               <a:rPr lang="en-US" altLang="ko-KR" sz="2400" dirty="0">
-                <a:latin typeface="Calibri" panose="020F0502020204030204" pitchFamily="34" charset="0"/>
+                <a:latin typeface="Consolas"/>
+                <a:cs typeface="Consolas"/>
               </a:rPr>
               <a:t>axis2 = </a:t>
             </a:r>
@@ -17390,13 +17674,15 @@
                 <a:solidFill>
                   <a:srgbClr val="BF11AA"/>
                 </a:solidFill>
-                <a:latin typeface="Calibri" panose="020F0502020204030204" pitchFamily="34" charset="0"/>
+                <a:latin typeface="Consolas"/>
+                <a:cs typeface="Consolas"/>
               </a:rPr>
               <a:t>new</a:t>
             </a:r>
             <a:r>
               <a:rPr lang="en-US" altLang="ko-KR" sz="2400" dirty="0">
-                <a:latin typeface="Calibri" panose="020F0502020204030204" pitchFamily="34" charset="0"/>
+                <a:latin typeface="Consolas"/>
+                <a:cs typeface="Consolas"/>
               </a:rPr>
               <a:t> Axis(2, histObj1, </a:t>
             </a:r>
@@ -17405,7 +17691,8 @@
                 <a:solidFill>
                   <a:srgbClr val="0000FF"/>
                 </a:solidFill>
-                <a:latin typeface="Calibri" panose="020F0502020204030204" pitchFamily="34" charset="0"/>
+                <a:latin typeface="Consolas"/>
+                <a:cs typeface="Consolas"/>
               </a:rPr>
               <a:t>'Time</a:t>
             </a:r>
@@ -17414,13 +17701,15 @@
                 <a:solidFill>
                   <a:srgbClr val="0000FF"/>
                 </a:solidFill>
-                <a:latin typeface="Calibri" panose="020F0502020204030204" pitchFamily="34" charset="0"/>
+                <a:latin typeface="Consolas"/>
+                <a:cs typeface="Consolas"/>
               </a:rPr>
               <a:t>'</a:t>
             </a:r>
             <a:r>
               <a:rPr lang="en-US" altLang="ko-KR" sz="2400" dirty="0" smtClean="0">
-                <a:latin typeface="Calibri" panose="020F0502020204030204" pitchFamily="34" charset="0"/>
+                <a:latin typeface="Consolas"/>
+                <a:cs typeface="Consolas"/>
               </a:rPr>
               <a:t>, </a:t>
             </a:r>
@@ -17429,19 +17718,22 @@
                 <a:solidFill>
                   <a:srgbClr val="0000FF"/>
                 </a:solidFill>
-                <a:latin typeface="Calibri" panose="020F0502020204030204" pitchFamily="34" charset="0"/>
+                <a:latin typeface="Consolas"/>
+                <a:cs typeface="Consolas"/>
               </a:rPr>
               <a:t>'frequency'</a:t>
             </a:r>
             <a:r>
               <a:rPr lang="en-US" altLang="ko-KR" sz="2400" dirty="0" smtClean="0">
-                <a:latin typeface="Calibri" panose="020F0502020204030204" pitchFamily="34" charset="0"/>
+                <a:latin typeface="Consolas"/>
+                <a:cs typeface="Consolas"/>
               </a:rPr>
               <a:t>, </a:t>
             </a:r>
             <a:r>
               <a:rPr lang="en-US" altLang="ko-KR" sz="2400" dirty="0">
-                <a:latin typeface="Calibri" panose="020F0502020204030204" pitchFamily="34" charset="0"/>
+                <a:latin typeface="Consolas"/>
+                <a:cs typeface="Consolas"/>
               </a:rPr>
               <a:t>{});</a:t>
             </a:r>
@@ -17452,19 +17744,22 @@
                 <a:solidFill>
                   <a:srgbClr val="BF11AA"/>
                 </a:solidFill>
-                <a:latin typeface="Calibri" panose="020F0502020204030204" pitchFamily="34" charset="0"/>
+                <a:latin typeface="Consolas"/>
+                <a:cs typeface="Consolas"/>
               </a:rPr>
               <a:t>var</a:t>
             </a:r>
             <a:r>
               <a:rPr lang="en-US" altLang="ko-KR" sz="2400" dirty="0" smtClean="0">
-                <a:latin typeface="Calibri" panose="020F0502020204030204" pitchFamily="34" charset="0"/>
+                <a:latin typeface="Consolas"/>
+                <a:cs typeface="Consolas"/>
               </a:rPr>
               <a:t> </a:t>
             </a:r>
             <a:r>
               <a:rPr lang="en-US" altLang="ko-KR" sz="2400" dirty="0">
-                <a:latin typeface="Calibri" panose="020F0502020204030204" pitchFamily="34" charset="0"/>
+                <a:latin typeface="Consolas"/>
+                <a:cs typeface="Consolas"/>
               </a:rPr>
               <a:t>hist1 = </a:t>
             </a:r>
@@ -17473,13 +17768,15 @@
                 <a:solidFill>
                   <a:srgbClr val="BF11AA"/>
                 </a:solidFill>
-                <a:latin typeface="Calibri" panose="020F0502020204030204" pitchFamily="34" charset="0"/>
+                <a:latin typeface="Consolas"/>
+                <a:cs typeface="Consolas"/>
               </a:rPr>
               <a:t>new</a:t>
             </a:r>
             <a:r>
               <a:rPr lang="en-US" altLang="ko-KR" sz="2400" dirty="0">
-                <a:latin typeface="Calibri" panose="020F0502020204030204" pitchFamily="34" charset="0"/>
+                <a:latin typeface="Consolas"/>
+                <a:cs typeface="Consolas"/>
               </a:rPr>
               <a:t> Bar(axis2, histObj1, </a:t>
             </a:r>
@@ -17488,7 +17785,8 @@
                 <a:solidFill>
                   <a:srgbClr val="0000FF"/>
                 </a:solidFill>
-                <a:latin typeface="Calibri" panose="020F0502020204030204" pitchFamily="34" charset="0"/>
+                <a:latin typeface="Consolas"/>
+                <a:cs typeface="Consolas"/>
               </a:rPr>
               <a:t>'Time</a:t>
             </a:r>
@@ -17497,13 +17795,15 @@
                 <a:solidFill>
                   <a:srgbClr val="0000FF"/>
                 </a:solidFill>
-                <a:latin typeface="Calibri" panose="020F0502020204030204" pitchFamily="34" charset="0"/>
+                <a:latin typeface="Consolas"/>
+                <a:cs typeface="Consolas"/>
               </a:rPr>
               <a:t>'</a:t>
             </a:r>
             <a:r>
               <a:rPr lang="en-US" altLang="ko-KR" sz="2400" dirty="0" smtClean="0">
-                <a:latin typeface="Calibri" panose="020F0502020204030204" pitchFamily="34" charset="0"/>
+                <a:latin typeface="Consolas"/>
+                <a:cs typeface="Consolas"/>
               </a:rPr>
               <a:t>, </a:t>
             </a:r>
@@ -17512,36 +17812,42 @@
                 <a:solidFill>
                   <a:srgbClr val="0000FF"/>
                 </a:solidFill>
-                <a:latin typeface="Calibri" panose="020F0502020204030204" pitchFamily="34" charset="0"/>
+                <a:latin typeface="Consolas"/>
+                <a:cs typeface="Consolas"/>
               </a:rPr>
               <a:t>'frequency'</a:t>
             </a:r>
             <a:r>
               <a:rPr lang="en-US" altLang="ko-KR" sz="2400" dirty="0">
-                <a:latin typeface="Calibri" panose="020F0502020204030204" pitchFamily="34" charset="0"/>
+                <a:latin typeface="Consolas"/>
+                <a:cs typeface="Consolas"/>
               </a:rPr>
               <a:t>, </a:t>
             </a:r>
             <a:r>
               <a:rPr lang="en-US" altLang="ko-KR" sz="2400" dirty="0" smtClean="0">
-                <a:latin typeface="Calibri" panose="020F0502020204030204" pitchFamily="34" charset="0"/>
+                <a:latin typeface="Consolas"/>
+                <a:cs typeface="Consolas"/>
               </a:rPr>
               <a:t>{});</a:t>
             </a:r>
             <a:endParaRPr lang="en-US" altLang="ko-KR" sz="2400" dirty="0">
-              <a:latin typeface="Calibri" panose="020F0502020204030204" pitchFamily="34" charset="0"/>
+              <a:latin typeface="Consolas"/>
+              <a:cs typeface="Consolas"/>
             </a:endParaRPr>
           </a:p>
           <a:p>
             <a:r>
               <a:rPr lang="en-US" altLang="ko-KR" sz="2400" dirty="0" err="1" smtClean="0">
-                <a:latin typeface="Calibri" panose="020F0502020204030204" pitchFamily="34" charset="0"/>
+                <a:latin typeface="Consolas"/>
+                <a:cs typeface="Consolas"/>
               </a:rPr>
               <a:t>Theoph.draw</a:t>
             </a:r>
             <a:r>
               <a:rPr lang="en-US" altLang="ko-KR" sz="2400" dirty="0" smtClean="0">
-                <a:latin typeface="Calibri" panose="020F0502020204030204" pitchFamily="34" charset="0"/>
+                <a:latin typeface="Consolas"/>
+                <a:cs typeface="Consolas"/>
               </a:rPr>
               <a:t>();</a:t>
             </a:r>
@@ -17552,25 +17858,29 @@
                 <a:solidFill>
                   <a:srgbClr val="BF11AA"/>
                 </a:solidFill>
-                <a:latin typeface="Calibri" panose="020F0502020204030204" pitchFamily="34" charset="0"/>
+                <a:latin typeface="Consolas"/>
+                <a:cs typeface="Consolas"/>
               </a:rPr>
               <a:t>var</a:t>
             </a:r>
             <a:r>
               <a:rPr lang="en-US" altLang="ko-KR" sz="2400" dirty="0" smtClean="0">
-                <a:latin typeface="Calibri" panose="020F0502020204030204" pitchFamily="34" charset="0"/>
+                <a:latin typeface="Consolas"/>
+                <a:cs typeface="Consolas"/>
               </a:rPr>
               <a:t> </a:t>
             </a:r>
             <a:r>
-              <a:rPr lang="en-US" altLang="ko-KR" sz="2400" dirty="0" err="1">
-                <a:latin typeface="Calibri" panose="020F0502020204030204" pitchFamily="34" charset="0"/>
+              <a:rPr lang="en-US" altLang="ko-KR" sz="2400" dirty="0" err="1" smtClean="0">
+                <a:latin typeface="Consolas"/>
+                <a:cs typeface="Consolas"/>
               </a:rPr>
               <a:t>AllAxisObjArr</a:t>
             </a:r>
             <a:r>
-              <a:rPr lang="en-US" altLang="ko-KR" sz="2400" dirty="0">
-                <a:latin typeface="Calibri" panose="020F0502020204030204" pitchFamily="34" charset="0"/>
+              <a:rPr lang="en-US" altLang="ko-KR" sz="2400" dirty="0" smtClean="0">
+                <a:latin typeface="Consolas"/>
+                <a:cs typeface="Consolas"/>
               </a:rPr>
               <a:t> = [axis1, axis2]; </a:t>
             </a:r>
@@ -17578,25 +17888,29 @@
           <a:p>
             <a:r>
               <a:rPr lang="en-US" altLang="ko-KR" sz="2400" dirty="0" err="1" smtClean="0">
-                <a:latin typeface="Calibri" panose="020F0502020204030204" pitchFamily="34" charset="0"/>
+                <a:latin typeface="Consolas"/>
+                <a:cs typeface="Consolas"/>
               </a:rPr>
               <a:t>eventTrigger</a:t>
             </a:r>
             <a:r>
               <a:rPr lang="en-US" altLang="ko-KR" sz="2400" dirty="0" smtClean="0">
-                <a:latin typeface="Calibri" panose="020F0502020204030204" pitchFamily="34" charset="0"/>
+                <a:latin typeface="Consolas"/>
+                <a:cs typeface="Consolas"/>
               </a:rPr>
               <a:t>(</a:t>
             </a:r>
             <a:r>
               <a:rPr lang="en-US" altLang="ko-KR" sz="2400" dirty="0" err="1" smtClean="0">
-                <a:latin typeface="Calibri" panose="020F0502020204030204" pitchFamily="34" charset="0"/>
+                <a:latin typeface="Consolas"/>
+                <a:cs typeface="Consolas"/>
               </a:rPr>
               <a:t>AllAxisObjArr</a:t>
             </a:r>
             <a:r>
               <a:rPr lang="en-US" altLang="ko-KR" sz="2400" dirty="0">
-                <a:latin typeface="Calibri" panose="020F0502020204030204" pitchFamily="34" charset="0"/>
+                <a:latin typeface="Consolas"/>
+                <a:cs typeface="Consolas"/>
               </a:rPr>
               <a:t>);</a:t>
             </a:r>
@@ -17605,18 +17919,20 @@
             <a:r>
               <a:rPr lang="en-US" altLang="ko-KR" sz="2400" dirty="0" smtClean="0">
                 <a:solidFill>
-                  <a:srgbClr val="00CC66"/>
-                </a:solidFill>
-                <a:latin typeface="Calibri" panose="020F0502020204030204" pitchFamily="34" charset="0"/>
+                  <a:srgbClr val="004900"/>
+                </a:solidFill>
+                <a:latin typeface="Consolas"/>
+                <a:cs typeface="Consolas"/>
               </a:rPr>
               <a:t>&lt;/</a:t>
             </a:r>
             <a:r>
               <a:rPr lang="en-US" altLang="ko-KR" sz="2400" dirty="0">
                 <a:solidFill>
-                  <a:srgbClr val="00CC66"/>
-                </a:solidFill>
-                <a:latin typeface="Calibri" panose="020F0502020204030204" pitchFamily="34" charset="0"/>
+                  <a:srgbClr val="004900"/>
+                </a:solidFill>
+                <a:latin typeface="Consolas"/>
+                <a:cs typeface="Consolas"/>
               </a:rPr>
               <a:t>script&gt;</a:t>
             </a:r>
@@ -17625,18 +17941,20 @@
             <a:r>
               <a:rPr lang="en-US" altLang="ko-KR" sz="2400" dirty="0" smtClean="0">
                 <a:solidFill>
-                  <a:srgbClr val="00CC66"/>
-                </a:solidFill>
-                <a:latin typeface="Calibri" panose="020F0502020204030204" pitchFamily="34" charset="0"/>
+                  <a:srgbClr val="004900"/>
+                </a:solidFill>
+                <a:latin typeface="Consolas"/>
+                <a:cs typeface="Consolas"/>
               </a:rPr>
               <a:t>&lt;</a:t>
             </a:r>
             <a:r>
               <a:rPr lang="en-US" altLang="ko-KR" sz="2400" dirty="0">
                 <a:solidFill>
-                  <a:srgbClr val="00CC66"/>
-                </a:solidFill>
-                <a:latin typeface="Calibri" panose="020F0502020204030204" pitchFamily="34" charset="0"/>
+                  <a:srgbClr val="004900"/>
+                </a:solidFill>
+                <a:latin typeface="Consolas"/>
+                <a:cs typeface="Consolas"/>
               </a:rPr>
               <a:t>script&gt;</a:t>
             </a:r>
@@ -17645,18 +17963,20 @@
             <a:r>
               <a:rPr lang="en-US" altLang="ko-KR" sz="2400" dirty="0" smtClean="0">
                 <a:solidFill>
-                  <a:srgbClr val="00CC66"/>
-                </a:solidFill>
-                <a:latin typeface="Calibri" panose="020F0502020204030204" pitchFamily="34" charset="0"/>
+                  <a:srgbClr val="004900"/>
+                </a:solidFill>
+                <a:latin typeface="Consolas"/>
+                <a:cs typeface="Consolas"/>
               </a:rPr>
               <a:t>// </a:t>
             </a:r>
             <a:r>
               <a:rPr lang="en-US" altLang="ko-KR" sz="2400" dirty="0">
                 <a:solidFill>
-                  <a:srgbClr val="00CC66"/>
-                </a:solidFill>
-                <a:latin typeface="Calibri" panose="020F0502020204030204" pitchFamily="34" charset="0"/>
+                  <a:srgbClr val="004900"/>
+                </a:solidFill>
+                <a:latin typeface="Consolas"/>
+                <a:cs typeface="Consolas"/>
               </a:rPr>
               <a:t>offload part.</a:t>
             </a:r>
@@ -17667,37 +17987,43 @@
                 <a:solidFill>
                   <a:srgbClr val="BF11AA"/>
                 </a:solidFill>
-                <a:latin typeface="Calibri" panose="020F0502020204030204" pitchFamily="34" charset="0"/>
+                <a:latin typeface="Consolas"/>
+                <a:cs typeface="Consolas"/>
               </a:rPr>
               <a:t>var</a:t>
             </a:r>
             <a:r>
               <a:rPr lang="en-US" altLang="ko-KR" sz="2400" dirty="0" smtClean="0">
-                <a:latin typeface="Calibri" panose="020F0502020204030204" pitchFamily="34" charset="0"/>
+                <a:latin typeface="Consolas"/>
+                <a:cs typeface="Consolas"/>
               </a:rPr>
               <a:t> </a:t>
             </a:r>
             <a:r>
               <a:rPr lang="en-US" altLang="ko-KR" sz="2400" dirty="0" err="1">
-                <a:latin typeface="Calibri" panose="020F0502020204030204" pitchFamily="34" charset="0"/>
+                <a:latin typeface="Consolas"/>
+                <a:cs typeface="Consolas"/>
               </a:rPr>
               <a:t>loessArray</a:t>
             </a:r>
             <a:r>
               <a:rPr lang="en-US" altLang="ko-KR" sz="2400" dirty="0">
-                <a:latin typeface="Calibri" panose="020F0502020204030204" pitchFamily="34" charset="0"/>
+                <a:latin typeface="Consolas"/>
+                <a:cs typeface="Consolas"/>
               </a:rPr>
               <a:t> = </a:t>
             </a:r>
             <a:r>
               <a:rPr lang="en-US" altLang="ko-KR" sz="2400" dirty="0" err="1">
-                <a:latin typeface="Calibri" panose="020F0502020204030204" pitchFamily="34" charset="0"/>
+                <a:latin typeface="Consolas"/>
+                <a:cs typeface="Consolas"/>
               </a:rPr>
               <a:t>createMainStructureE</a:t>
             </a:r>
             <a:r>
               <a:rPr lang="en-US" altLang="ko-KR" sz="2400" dirty="0">
-                <a:latin typeface="Calibri" panose="020F0502020204030204" pitchFamily="34" charset="0"/>
+                <a:latin typeface="Consolas"/>
+                <a:cs typeface="Consolas"/>
               </a:rPr>
               <a:t>(</a:t>
             </a:r>
@@ -17706,7 +18032,8 @@
                 <a:solidFill>
                   <a:srgbClr val="0000FF"/>
                 </a:solidFill>
-                <a:latin typeface="Calibri" panose="020F0502020204030204" pitchFamily="34" charset="0"/>
+                <a:latin typeface="Consolas"/>
+                <a:cs typeface="Consolas"/>
               </a:rPr>
               <a:t>'</a:t>
             </a:r>
@@ -17715,7 +18042,8 @@
                 <a:solidFill>
                   <a:srgbClr val="0000FF"/>
                 </a:solidFill>
-                <a:latin typeface="Calibri" panose="020F0502020204030204" pitchFamily="34" charset="0"/>
+                <a:latin typeface="Consolas"/>
+                <a:cs typeface="Consolas"/>
               </a:rPr>
               <a:t>Theoph</a:t>
             </a:r>
@@ -17724,13 +18052,15 @@
                 <a:solidFill>
                   <a:srgbClr val="0000FF"/>
                 </a:solidFill>
-                <a:latin typeface="Calibri" panose="020F0502020204030204" pitchFamily="34" charset="0"/>
+                <a:latin typeface="Consolas"/>
+                <a:cs typeface="Consolas"/>
               </a:rPr>
               <a:t>'</a:t>
             </a:r>
             <a:r>
               <a:rPr lang="en-US" altLang="ko-KR" sz="2400" dirty="0">
-                <a:latin typeface="Calibri" panose="020F0502020204030204" pitchFamily="34" charset="0"/>
+                <a:latin typeface="Consolas"/>
+                <a:cs typeface="Consolas"/>
               </a:rPr>
               <a:t>); </a:t>
             </a:r>
@@ -17741,43 +18071,50 @@
                 <a:solidFill>
                   <a:srgbClr val="BF11AA"/>
                 </a:solidFill>
-                <a:latin typeface="Calibri" panose="020F0502020204030204" pitchFamily="34" charset="0"/>
+                <a:latin typeface="Consolas"/>
+                <a:cs typeface="Consolas"/>
               </a:rPr>
               <a:t>var</a:t>
             </a:r>
             <a:r>
               <a:rPr lang="en-US" altLang="ko-KR" sz="2400" dirty="0" smtClean="0">
-                <a:latin typeface="Calibri" panose="020F0502020204030204" pitchFamily="34" charset="0"/>
+                <a:latin typeface="Consolas"/>
+                <a:cs typeface="Consolas"/>
               </a:rPr>
               <a:t> </a:t>
             </a:r>
             <a:r>
               <a:rPr lang="en-US" altLang="ko-KR" sz="2400" dirty="0">
-                <a:latin typeface="Calibri" panose="020F0502020204030204" pitchFamily="34" charset="0"/>
+                <a:latin typeface="Consolas"/>
+                <a:cs typeface="Consolas"/>
               </a:rPr>
               <a:t>loffObj1 = new </a:t>
             </a:r>
             <a:r>
               <a:rPr lang="en-US" altLang="ko-KR" sz="2400" dirty="0" err="1">
-                <a:latin typeface="Calibri" panose="020F0502020204030204" pitchFamily="34" charset="0"/>
+                <a:latin typeface="Consolas"/>
+                <a:cs typeface="Consolas"/>
               </a:rPr>
               <a:t>MakeLineObj</a:t>
             </a:r>
             <a:r>
               <a:rPr lang="en-US" altLang="ko-KR" sz="2400" dirty="0">
-                <a:latin typeface="Calibri" panose="020F0502020204030204" pitchFamily="34" charset="0"/>
+                <a:latin typeface="Consolas"/>
+                <a:cs typeface="Consolas"/>
               </a:rPr>
               <a:t>(</a:t>
             </a:r>
             <a:r>
               <a:rPr lang="en-US" altLang="ko-KR" sz="2400" dirty="0" err="1">
-                <a:latin typeface="Calibri" panose="020F0502020204030204" pitchFamily="34" charset="0"/>
+                <a:latin typeface="Consolas"/>
+                <a:cs typeface="Consolas"/>
               </a:rPr>
               <a:t>loessArray</a:t>
             </a:r>
             <a:r>
               <a:rPr lang="en-US" altLang="ko-KR" sz="2400" dirty="0">
-                <a:latin typeface="Calibri" panose="020F0502020204030204" pitchFamily="34" charset="0"/>
+                <a:latin typeface="Consolas"/>
+                <a:cs typeface="Consolas"/>
               </a:rPr>
               <a:t>, </a:t>
             </a:r>
@@ -17786,13 +18123,15 @@
                 <a:solidFill>
                   <a:srgbClr val="0000FF"/>
                 </a:solidFill>
-                <a:latin typeface="Calibri" panose="020F0502020204030204" pitchFamily="34" charset="0"/>
+                <a:latin typeface="Consolas"/>
+                <a:cs typeface="Consolas"/>
               </a:rPr>
               <a:t>'Time'</a:t>
             </a:r>
             <a:r>
               <a:rPr lang="en-US" altLang="ko-KR" sz="2400" dirty="0">
-                <a:latin typeface="Calibri" panose="020F0502020204030204" pitchFamily="34" charset="0"/>
+                <a:latin typeface="Consolas"/>
+                <a:cs typeface="Consolas"/>
               </a:rPr>
               <a:t>, </a:t>
             </a:r>
@@ -17801,7 +18140,8 @@
                 <a:solidFill>
                   <a:srgbClr val="0000FF"/>
                 </a:solidFill>
-                <a:latin typeface="Calibri" panose="020F0502020204030204" pitchFamily="34" charset="0"/>
+                <a:latin typeface="Consolas"/>
+                <a:cs typeface="Consolas"/>
               </a:rPr>
               <a:t>'</a:t>
             </a:r>
@@ -17810,7 +18150,8 @@
                 <a:solidFill>
                   <a:srgbClr val="0000FF"/>
                 </a:solidFill>
-                <a:latin typeface="Calibri" panose="020F0502020204030204" pitchFamily="34" charset="0"/>
+                <a:latin typeface="Consolas"/>
+                <a:cs typeface="Consolas"/>
               </a:rPr>
               <a:t>conc</a:t>
             </a:r>
@@ -17819,13 +18160,15 @@
                 <a:solidFill>
                   <a:srgbClr val="0000FF"/>
                 </a:solidFill>
-                <a:latin typeface="Calibri" panose="020F0502020204030204" pitchFamily="34" charset="0"/>
+                <a:latin typeface="Consolas"/>
+                <a:cs typeface="Consolas"/>
               </a:rPr>
               <a:t>'</a:t>
             </a:r>
             <a:r>
               <a:rPr lang="en-US" altLang="ko-KR" sz="2400" dirty="0">
-                <a:latin typeface="Calibri" panose="020F0502020204030204" pitchFamily="34" charset="0"/>
+                <a:latin typeface="Consolas"/>
+                <a:cs typeface="Consolas"/>
               </a:rPr>
               <a:t>, {});</a:t>
             </a:r>
@@ -17836,25 +18179,29 @@
                 <a:solidFill>
                   <a:srgbClr val="BF11AA"/>
                 </a:solidFill>
-                <a:latin typeface="Calibri" panose="020F0502020204030204" pitchFamily="34" charset="0"/>
+                <a:latin typeface="Consolas"/>
+                <a:cs typeface="Consolas"/>
               </a:rPr>
               <a:t>var</a:t>
             </a:r>
             <a:r>
               <a:rPr lang="en-US" altLang="ko-KR" sz="2400" dirty="0" smtClean="0">
-                <a:latin typeface="Calibri" panose="020F0502020204030204" pitchFamily="34" charset="0"/>
+                <a:latin typeface="Consolas"/>
+                <a:cs typeface="Consolas"/>
               </a:rPr>
               <a:t> </a:t>
             </a:r>
             <a:r>
               <a:rPr lang="en-US" altLang="ko-KR" sz="2400" dirty="0">
-                <a:latin typeface="Calibri" panose="020F0502020204030204" pitchFamily="34" charset="0"/>
+                <a:latin typeface="Consolas"/>
+                <a:cs typeface="Consolas"/>
               </a:rPr>
               <a:t>loff1 = new Line(axis1, </a:t>
             </a:r>
             <a:r>
               <a:rPr lang="en-US" altLang="ko-KR" sz="2400" dirty="0" smtClean="0">
-                <a:latin typeface="Calibri" panose="020F0502020204030204" pitchFamily="34" charset="0"/>
+                <a:latin typeface="Consolas"/>
+                <a:cs typeface="Consolas"/>
               </a:rPr>
               <a:t>loffObj1, </a:t>
             </a:r>
@@ -17863,13 +18210,15 @@
                 <a:solidFill>
                   <a:srgbClr val="0000FF"/>
                 </a:solidFill>
-                <a:latin typeface="Calibri" panose="020F0502020204030204" pitchFamily="34" charset="0"/>
+                <a:latin typeface="Consolas"/>
+                <a:cs typeface="Consolas"/>
               </a:rPr>
               <a:t>'x1'</a:t>
             </a:r>
             <a:r>
               <a:rPr lang="en-US" altLang="ko-KR" sz="2400" dirty="0" smtClean="0">
-                <a:latin typeface="Calibri" panose="020F0502020204030204" pitchFamily="34" charset="0"/>
+                <a:latin typeface="Consolas"/>
+                <a:cs typeface="Consolas"/>
               </a:rPr>
               <a:t>, </a:t>
             </a:r>
@@ -17878,13 +18227,15 @@
                 <a:solidFill>
                   <a:srgbClr val="0000FF"/>
                 </a:solidFill>
-                <a:latin typeface="Calibri" panose="020F0502020204030204" pitchFamily="34" charset="0"/>
+                <a:latin typeface="Consolas"/>
+                <a:cs typeface="Consolas"/>
               </a:rPr>
               <a:t>'x2'</a:t>
             </a:r>
             <a:r>
               <a:rPr lang="en-US" altLang="ko-KR" sz="2400" dirty="0">
-                <a:latin typeface="Calibri" panose="020F0502020204030204" pitchFamily="34" charset="0"/>
+                <a:latin typeface="Consolas"/>
+                <a:cs typeface="Consolas"/>
               </a:rPr>
               <a:t>, </a:t>
             </a:r>
@@ -17893,13 +18244,15 @@
                 <a:solidFill>
                   <a:srgbClr val="0000FF"/>
                 </a:solidFill>
-                <a:latin typeface="Calibri" panose="020F0502020204030204" pitchFamily="34" charset="0"/>
+                <a:latin typeface="Consolas"/>
+                <a:cs typeface="Consolas"/>
               </a:rPr>
               <a:t>'y1'</a:t>
             </a:r>
             <a:r>
               <a:rPr lang="en-US" altLang="ko-KR" sz="2400" dirty="0">
-                <a:latin typeface="Calibri" panose="020F0502020204030204" pitchFamily="34" charset="0"/>
+                <a:latin typeface="Consolas"/>
+                <a:cs typeface="Consolas"/>
               </a:rPr>
               <a:t>, </a:t>
             </a:r>
@@ -17908,13 +18261,15 @@
                 <a:solidFill>
                   <a:srgbClr val="0000FF"/>
                 </a:solidFill>
-                <a:latin typeface="Calibri" panose="020F0502020204030204" pitchFamily="34" charset="0"/>
+                <a:latin typeface="Consolas"/>
+                <a:cs typeface="Consolas"/>
               </a:rPr>
               <a:t>'y2'</a:t>
             </a:r>
             <a:r>
               <a:rPr lang="en-US" altLang="ko-KR" sz="2400" dirty="0">
-                <a:latin typeface="Calibri" panose="020F0502020204030204" pitchFamily="34" charset="0"/>
+                <a:latin typeface="Consolas"/>
+                <a:cs typeface="Consolas"/>
               </a:rPr>
               <a:t>, {});</a:t>
             </a:r>
@@ -17922,7 +18277,8 @@
           <a:p>
             <a:r>
               <a:rPr lang="en-US" altLang="ko-KR" sz="2400" dirty="0" smtClean="0">
-                <a:latin typeface="Calibri" panose="020F0502020204030204" pitchFamily="34" charset="0"/>
+                <a:latin typeface="Consolas"/>
+                <a:cs typeface="Consolas"/>
               </a:rPr>
               <a:t>$(</a:t>
             </a:r>
@@ -17931,13 +18287,15 @@
                 <a:solidFill>
                   <a:srgbClr val="BF11AA"/>
                 </a:solidFill>
-                <a:latin typeface="Calibri" panose="020F0502020204030204" pitchFamily="34" charset="0"/>
+                <a:latin typeface="Consolas"/>
+                <a:cs typeface="Consolas"/>
               </a:rPr>
               <a:t>function</a:t>
             </a:r>
             <a:r>
               <a:rPr lang="en-US" altLang="ko-KR" sz="2400" dirty="0">
-                <a:latin typeface="Calibri" panose="020F0502020204030204" pitchFamily="34" charset="0"/>
+                <a:latin typeface="Consolas"/>
+                <a:cs typeface="Consolas"/>
               </a:rPr>
               <a:t>() {</a:t>
             </a:r>
@@ -17945,19 +18303,22 @@
           <a:p>
             <a:r>
               <a:rPr lang="en-US" altLang="ko-KR" sz="2400" dirty="0" smtClean="0">
-                <a:latin typeface="Calibri" panose="020F0502020204030204" pitchFamily="34" charset="0"/>
+                <a:latin typeface="Consolas"/>
+                <a:cs typeface="Consolas"/>
               </a:rPr>
               <a:t>           </a:t>
             </a:r>
             <a:r>
               <a:rPr lang="en-US" altLang="ko-KR" sz="2400" dirty="0" err="1" smtClean="0">
-                <a:latin typeface="Calibri" panose="020F0502020204030204" pitchFamily="34" charset="0"/>
+                <a:latin typeface="Consolas"/>
+                <a:cs typeface="Consolas"/>
               </a:rPr>
               <a:t>setTimeout</a:t>
             </a:r>
             <a:r>
               <a:rPr lang="en-US" altLang="ko-KR" sz="2400" dirty="0" smtClean="0">
-                <a:latin typeface="Calibri" panose="020F0502020204030204" pitchFamily="34" charset="0"/>
+                <a:latin typeface="Consolas"/>
+                <a:cs typeface="Consolas"/>
               </a:rPr>
               <a:t>(</a:t>
             </a:r>
@@ -17966,13 +18327,15 @@
                 <a:solidFill>
                   <a:srgbClr val="BF11AA"/>
                 </a:solidFill>
-                <a:latin typeface="Calibri" panose="020F0502020204030204" pitchFamily="34" charset="0"/>
+                <a:latin typeface="Consolas"/>
+                <a:cs typeface="Consolas"/>
               </a:rPr>
               <a:t>function</a:t>
             </a:r>
             <a:r>
               <a:rPr lang="en-US" altLang="ko-KR" sz="2400" dirty="0">
-                <a:latin typeface="Calibri" panose="020F0502020204030204" pitchFamily="34" charset="0"/>
+                <a:latin typeface="Consolas"/>
+                <a:cs typeface="Consolas"/>
               </a:rPr>
               <a:t>() {</a:t>
             </a:r>
@@ -17980,19 +18343,22 @@
           <a:p>
             <a:r>
               <a:rPr lang="en-US" altLang="ko-KR" sz="2400" dirty="0">
-                <a:latin typeface="Calibri" panose="020F0502020204030204" pitchFamily="34" charset="0"/>
+                <a:latin typeface="Consolas"/>
+                <a:cs typeface="Consolas"/>
               </a:rPr>
               <a:t>            </a:t>
             </a:r>
             <a:r>
               <a:rPr lang="en-US" altLang="ko-KR" sz="2400" dirty="0" err="1">
-                <a:latin typeface="Calibri" panose="020F0502020204030204" pitchFamily="34" charset="0"/>
+                <a:latin typeface="Consolas"/>
+                <a:cs typeface="Consolas"/>
               </a:rPr>
               <a:t>window.Shiny.onInputChange</a:t>
             </a:r>
             <a:r>
               <a:rPr lang="en-US" altLang="ko-KR" sz="2400" dirty="0">
-                <a:latin typeface="Calibri" panose="020F0502020204030204" pitchFamily="34" charset="0"/>
+                <a:latin typeface="Consolas"/>
+                <a:cs typeface="Consolas"/>
               </a:rPr>
               <a:t>(</a:t>
             </a:r>
@@ -18001,7 +18367,8 @@
                 <a:solidFill>
                   <a:srgbClr val="0000FF"/>
                 </a:solidFill>
-                <a:latin typeface="Calibri" panose="020F0502020204030204" pitchFamily="34" charset="0"/>
+                <a:latin typeface="Consolas"/>
+                <a:cs typeface="Consolas"/>
               </a:rPr>
               <a:t>'</a:t>
             </a:r>
@@ -18010,7 +18377,8 @@
                 <a:solidFill>
                   <a:srgbClr val="0000FF"/>
                 </a:solidFill>
-                <a:latin typeface="Calibri" panose="020F0502020204030204" pitchFamily="34" charset="0"/>
+                <a:latin typeface="Consolas"/>
+                <a:cs typeface="Consolas"/>
               </a:rPr>
               <a:t>Theoph</a:t>
             </a:r>
@@ -18019,37 +18387,43 @@
                 <a:solidFill>
                   <a:srgbClr val="0000FF"/>
                 </a:solidFill>
-                <a:latin typeface="Calibri" panose="020F0502020204030204" pitchFamily="34" charset="0"/>
+                <a:latin typeface="Consolas"/>
+                <a:cs typeface="Consolas"/>
               </a:rPr>
               <a:t>'</a:t>
             </a:r>
             <a:r>
               <a:rPr lang="en-US" altLang="ko-KR" sz="2400" dirty="0">
-                <a:latin typeface="Calibri" panose="020F0502020204030204" pitchFamily="34" charset="0"/>
+                <a:latin typeface="Consolas"/>
+                <a:cs typeface="Consolas"/>
               </a:rPr>
               <a:t>, </a:t>
             </a:r>
             <a:r>
               <a:rPr lang="en-US" altLang="ko-KR" sz="2400" dirty="0" err="1">
-                <a:latin typeface="Calibri" panose="020F0502020204030204" pitchFamily="34" charset="0"/>
+                <a:latin typeface="Consolas"/>
+                <a:cs typeface="Consolas"/>
               </a:rPr>
               <a:t>Theoph</a:t>
             </a:r>
             <a:r>
               <a:rPr lang="en-US" altLang="ko-KR" sz="2400" dirty="0">
-                <a:latin typeface="Calibri" panose="020F0502020204030204" pitchFamily="34" charset="0"/>
+                <a:latin typeface="Consolas"/>
+                <a:cs typeface="Consolas"/>
               </a:rPr>
               <a:t>.$</a:t>
             </a:r>
             <a:r>
               <a:rPr lang="en-US" altLang="ko-KR" sz="2400" dirty="0" err="1">
-                <a:latin typeface="Calibri" panose="020F0502020204030204" pitchFamily="34" charset="0"/>
+                <a:latin typeface="Consolas"/>
+                <a:cs typeface="Consolas"/>
               </a:rPr>
               <a:t>isHidden</a:t>
             </a:r>
             <a:r>
               <a:rPr lang="en-US" altLang="ko-KR" sz="2400" dirty="0">
-                <a:latin typeface="Calibri" panose="020F0502020204030204" pitchFamily="34" charset="0"/>
+                <a:latin typeface="Consolas"/>
+                <a:cs typeface="Consolas"/>
               </a:rPr>
               <a:t>);</a:t>
             </a:r>
@@ -18057,13 +18431,15 @@
           <a:p>
             <a:r>
               <a:rPr lang="ko-KR" altLang="en-US" sz="2400" dirty="0">
-                <a:latin typeface="Calibri" panose="020F0502020204030204" pitchFamily="34" charset="0"/>
+                <a:latin typeface="Consolas"/>
+                <a:cs typeface="Consolas"/>
               </a:rPr>
               <a:t>          </a:t>
             </a:r>
             <a:r>
               <a:rPr lang="en-US" altLang="ko-KR" sz="2400" dirty="0">
-                <a:latin typeface="Calibri" panose="020F0502020204030204" pitchFamily="34" charset="0"/>
+                <a:latin typeface="Consolas"/>
+                <a:cs typeface="Consolas"/>
               </a:rPr>
               <a:t>}, 1)</a:t>
             </a:r>
@@ -18071,46 +18447,147 @@
           <a:p>
             <a:r>
               <a:rPr lang="en-US" altLang="ko-KR" sz="2400" dirty="0" smtClean="0">
-                <a:latin typeface="Calibri" panose="020F0502020204030204" pitchFamily="34" charset="0"/>
+                <a:latin typeface="Consolas"/>
+                <a:cs typeface="Consolas"/>
               </a:rPr>
               <a:t>});</a:t>
             </a:r>
             <a:endParaRPr lang="en-US" altLang="ko-KR" sz="2400" dirty="0">
-              <a:latin typeface="Calibri" panose="020F0502020204030204" pitchFamily="34" charset="0"/>
+              <a:latin typeface="Consolas"/>
+              <a:cs typeface="Consolas"/>
             </a:endParaRPr>
           </a:p>
           <a:p>
             <a:r>
               <a:rPr lang="en-US" altLang="ko-KR" sz="2400" dirty="0" smtClean="0">
                 <a:solidFill>
-                  <a:srgbClr val="00CC66"/>
-                </a:solidFill>
-                <a:latin typeface="Calibri" panose="020F0502020204030204" pitchFamily="34" charset="0"/>
+                  <a:srgbClr val="004900"/>
+                </a:solidFill>
+                <a:latin typeface="Consolas"/>
+                <a:cs typeface="Consolas"/>
               </a:rPr>
               <a:t>&lt;/</a:t>
             </a:r>
             <a:r>
               <a:rPr lang="en-US" altLang="ko-KR" sz="2400" dirty="0">
                 <a:solidFill>
-                  <a:srgbClr val="00CC66"/>
-                </a:solidFill>
-                <a:latin typeface="Calibri" panose="020F0502020204030204" pitchFamily="34" charset="0"/>
+                  <a:srgbClr val="004900"/>
+                </a:solidFill>
+                <a:latin typeface="Consolas"/>
+                <a:cs typeface="Consolas"/>
               </a:rPr>
               <a:t>script&gt;</a:t>
             </a:r>
             <a:endParaRPr lang="ko-KR" altLang="en-US" sz="2400" dirty="0">
               <a:solidFill>
-                <a:srgbClr val="00CC66"/>
+                <a:srgbClr val="004900"/>
               </a:solidFill>
-              <a:latin typeface="Calibri" panose="020F0502020204030204" pitchFamily="34" charset="0"/>
+              <a:latin typeface="Consolas"/>
+              <a:cs typeface="Consolas"/>
             </a:endParaRPr>
           </a:p>
         </p:txBody>
       </p:sp>
+      <p:pic>
+        <p:nvPicPr>
+          <p:cNvPr id="24" name="그림 23"/>
+          <p:cNvPicPr>
+            <a:picLocks/>
+          </p:cNvPicPr>
+          <p:nvPr/>
+        </p:nvPicPr>
+        <p:blipFill>
+          <a:blip r:embed="rId5"/>
+          <a:stretch>
+            <a:fillRect/>
+          </a:stretch>
+        </p:blipFill>
+        <p:spPr>
+          <a:xfrm>
+            <a:off x="612459" y="21083425"/>
+            <a:ext cx="13374000" cy="6764400"/>
+          </a:xfrm>
+          <a:prstGeom prst="rect">
+            <a:avLst/>
+          </a:prstGeom>
+        </p:spPr>
+      </p:pic>
+      <p:pic>
+        <p:nvPicPr>
+          <p:cNvPr id="25" name="그림 24"/>
+          <p:cNvPicPr>
+            <a:picLocks/>
+          </p:cNvPicPr>
+          <p:nvPr/>
+        </p:nvPicPr>
+        <p:blipFill>
+          <a:blip r:embed="rId6"/>
+          <a:stretch>
+            <a:fillRect/>
+          </a:stretch>
+        </p:blipFill>
+        <p:spPr>
+          <a:xfrm>
+            <a:off x="594371" y="29568224"/>
+            <a:ext cx="13374000" cy="6764400"/>
+          </a:xfrm>
+          <a:prstGeom prst="rect">
+            <a:avLst/>
+          </a:prstGeom>
+        </p:spPr>
+      </p:pic>
+      <p:pic>
+        <p:nvPicPr>
+          <p:cNvPr id="27" name="그림 26"/>
+          <p:cNvPicPr>
+            <a:picLocks/>
+          </p:cNvPicPr>
+          <p:nvPr/>
+        </p:nvPicPr>
+        <p:blipFill>
+          <a:blip r:embed="rId7"/>
+          <a:stretch>
+            <a:fillRect/>
+          </a:stretch>
+        </p:blipFill>
+        <p:spPr>
+          <a:xfrm>
+            <a:off x="21877195" y="6971919"/>
+            <a:ext cx="7736400" cy="3510000"/>
+          </a:xfrm>
+          <a:prstGeom prst="rect">
+            <a:avLst/>
+          </a:prstGeom>
+        </p:spPr>
+      </p:pic>
+      <p:pic>
+        <p:nvPicPr>
+          <p:cNvPr id="3" name="Picture 2"/>
+          <p:cNvPicPr>
+            <a:picLocks noChangeAspect="1"/>
+          </p:cNvPicPr>
+          <p:nvPr/>
+        </p:nvPicPr>
+        <p:blipFill>
+          <a:blip r:embed="rId8"/>
+          <a:stretch>
+            <a:fillRect/>
+          </a:stretch>
+        </p:blipFill>
+        <p:spPr>
+          <a:xfrm>
+            <a:off x="493469" y="1602062"/>
+            <a:ext cx="3269254" cy="2480124"/>
+          </a:xfrm>
+          <a:prstGeom prst="rect">
+            <a:avLst/>
+          </a:prstGeom>
+        </p:spPr>
+      </p:pic>
     </p:spTree>
     <p:extLst>
       <p:ext uri="{BB962C8B-B14F-4D97-AF65-F5344CB8AC3E}">
-        <p14:creationId xmlns:p14="http://schemas.microsoft.com/office/powerpoint/2010/main" val="134445729"/>
+        <p14:creationId xmlns:p14="http://schemas.microsoft.com/office/powerpoint/2010/main" val="3244654379"/>
       </p:ext>
     </p:extLst>
   </p:cSld>
@@ -18120,7 +18597,7 @@
   <p:timing>
     <p:tnLst>
       <p:par>
-        <p:cTn id="1" dur="indefinite" restart="never" nodeType="tmRoot"/>
+        <p:cTn xmlns:p14="http://schemas.microsoft.com/office/powerpoint/2010/main" id="1" dur="indefinite" restart="never" nodeType="tmRoot"/>
       </p:par>
     </p:tnLst>
   </p:timing>
@@ -18461,7 +18938,7 @@
           <a:p>
             <a:pPr algn="ctr"/>
             <a:r>
-              <a:rPr lang="en-US" altLang="ko-KR" sz="4000" dirty="0">
+              <a:rPr lang="en-US" altLang="ko-KR" sz="4000" dirty="0" err="1">
                 <a:solidFill>
                   <a:schemeClr val="bg1"/>
                 </a:solidFill>
@@ -18469,10 +18946,10 @@
                 <a:ea typeface="Ebrima" pitchFamily="2" charset="0"/>
                 <a:cs typeface="Times New Roman" pitchFamily="18" charset="0"/>
               </a:rPr>
-              <a:t>ChungHa Sung</a:t>
-            </a:r>
-            <a:r>
-              <a:rPr lang="en-US" altLang="ko-KR" sz="4000" baseline="30000" dirty="0">
+              <a:t>ChungHa</a:t>
+            </a:r>
+            <a:r>
+              <a:rPr lang="en-US" altLang="ko-KR" sz="4000" dirty="0">
                 <a:solidFill>
                   <a:schemeClr val="bg1"/>
                 </a:solidFill>
@@ -18480,10 +18957,10 @@
                 <a:ea typeface="Ebrima" pitchFamily="2" charset="0"/>
                 <a:cs typeface="Times New Roman" pitchFamily="18" charset="0"/>
               </a:rPr>
-              <a:t>†</a:t>
-            </a:r>
-            <a:r>
-              <a:rPr lang="en-US" altLang="ko-KR" sz="4000" dirty="0">
+              <a:t> Sung</a:t>
+            </a:r>
+            <a:r>
+              <a:rPr lang="en-US" altLang="ko-KR" sz="4000" baseline="30000" dirty="0">
                 <a:solidFill>
                   <a:schemeClr val="bg1"/>
                 </a:solidFill>
@@ -18491,10 +18968,10 @@
                 <a:ea typeface="Ebrima" pitchFamily="2" charset="0"/>
                 <a:cs typeface="Times New Roman" pitchFamily="18" charset="0"/>
               </a:rPr>
-              <a:t>, </a:t>
-            </a:r>
-            <a:r>
-              <a:rPr lang="en-US" altLang="ko-KR" sz="4000" dirty="0" err="1" smtClean="0">
+              <a:t>†</a:t>
+            </a:r>
+            <a:r>
+              <a:rPr lang="en-US" altLang="ko-KR" sz="4000" dirty="0">
                 <a:solidFill>
                   <a:schemeClr val="bg1"/>
                 </a:solidFill>
@@ -18502,10 +18979,10 @@
                 <a:ea typeface="Ebrima" pitchFamily="2" charset="0"/>
                 <a:cs typeface="Times New Roman" pitchFamily="18" charset="0"/>
               </a:rPr>
-              <a:t>JongHyun</a:t>
-            </a:r>
-            <a:r>
-              <a:rPr lang="en-US" altLang="ko-KR" sz="4000" dirty="0" smtClean="0">
+              <a:t>, </a:t>
+            </a:r>
+            <a:r>
+              <a:rPr lang="en-US" altLang="ko-KR" sz="4000" dirty="0" err="1">
                 <a:solidFill>
                   <a:schemeClr val="bg1"/>
                 </a:solidFill>
@@ -18513,10 +18990,10 @@
                 <a:ea typeface="Ebrima" pitchFamily="2" charset="0"/>
                 <a:cs typeface="Times New Roman" pitchFamily="18" charset="0"/>
               </a:rPr>
-              <a:t> Bae</a:t>
-            </a:r>
-            <a:r>
-              <a:rPr lang="en-US" altLang="ko-KR" sz="4000" baseline="30000" dirty="0">
+              <a:t>JongHyun</a:t>
+            </a:r>
+            <a:r>
+              <a:rPr lang="en-US" altLang="ko-KR" sz="4000" dirty="0">
                 <a:solidFill>
                   <a:schemeClr val="bg1"/>
                 </a:solidFill>
@@ -18524,10 +19001,10 @@
                 <a:ea typeface="Ebrima" pitchFamily="2" charset="0"/>
                 <a:cs typeface="Times New Roman" pitchFamily="18" charset="0"/>
               </a:rPr>
-              <a:t>†</a:t>
-            </a:r>
-            <a:r>
-              <a:rPr lang="en-US" altLang="ko-KR" sz="4000" dirty="0" smtClean="0">
+              <a:t> Bae</a:t>
+            </a:r>
+            <a:r>
+              <a:rPr lang="en-US" altLang="ko-KR" sz="4000" baseline="30000" dirty="0">
                 <a:solidFill>
                   <a:schemeClr val="bg1"/>
                 </a:solidFill>
@@ -18535,10 +19012,10 @@
                 <a:ea typeface="Ebrima" pitchFamily="2" charset="0"/>
                 <a:cs typeface="Times New Roman" pitchFamily="18" charset="0"/>
               </a:rPr>
-              <a:t>, </a:t>
-            </a:r>
-            <a:r>
-              <a:rPr lang="en-US" altLang="ko-KR" sz="4000" dirty="0" err="1" smtClean="0">
+              <a:t>†</a:t>
+            </a:r>
+            <a:r>
+              <a:rPr lang="en-US" altLang="ko-KR" sz="4000" dirty="0">
                 <a:solidFill>
                   <a:schemeClr val="bg1"/>
                 </a:solidFill>
@@ -18546,10 +19023,10 @@
                 <a:ea typeface="Ebrima" pitchFamily="2" charset="0"/>
                 <a:cs typeface="Times New Roman" pitchFamily="18" charset="0"/>
               </a:rPr>
-              <a:t>SangGi</a:t>
-            </a:r>
-            <a:r>
-              <a:rPr lang="en-US" altLang="ko-KR" sz="4000" dirty="0" smtClean="0">
+              <a:t>, </a:t>
+            </a:r>
+            <a:r>
+              <a:rPr lang="en-US" altLang="ko-KR" sz="4000" dirty="0" err="1">
                 <a:solidFill>
                   <a:schemeClr val="bg1"/>
                 </a:solidFill>
@@ -18557,10 +19034,10 @@
                 <a:ea typeface="Ebrima" pitchFamily="2" charset="0"/>
                 <a:cs typeface="Times New Roman" pitchFamily="18" charset="0"/>
               </a:rPr>
-              <a:t> Hong</a:t>
-            </a:r>
-            <a:r>
-              <a:rPr lang="en-US" altLang="ko-KR" sz="4000" baseline="30000" dirty="0">
+              <a:t>SangGi</a:t>
+            </a:r>
+            <a:r>
+              <a:rPr lang="en-US" altLang="ko-KR" sz="4000" dirty="0">
                 <a:solidFill>
                   <a:schemeClr val="bg1"/>
                 </a:solidFill>
@@ -18568,10 +19045,10 @@
                 <a:ea typeface="Ebrima" pitchFamily="2" charset="0"/>
                 <a:cs typeface="Times New Roman" pitchFamily="18" charset="0"/>
               </a:rPr>
-              <a:t>†</a:t>
-            </a:r>
-            <a:r>
-              <a:rPr lang="en-US" altLang="ko-KR" sz="4000" dirty="0" smtClean="0">
+              <a:t> Hong</a:t>
+            </a:r>
+            <a:r>
+              <a:rPr lang="en-US" altLang="ko-KR" sz="4000" baseline="30000" dirty="0">
                 <a:solidFill>
                   <a:schemeClr val="bg1"/>
                 </a:solidFill>
@@ -18579,10 +19056,10 @@
                 <a:ea typeface="Ebrima" pitchFamily="2" charset="0"/>
                 <a:cs typeface="Times New Roman" pitchFamily="18" charset="0"/>
               </a:rPr>
-              <a:t>, </a:t>
-            </a:r>
-            <a:r>
-              <a:rPr lang="en-US" altLang="ko-KR" sz="4000" dirty="0" err="1" smtClean="0">
+              <a:t>†</a:t>
+            </a:r>
+            <a:r>
+              <a:rPr lang="en-US" altLang="ko-KR" sz="4000" dirty="0">
                 <a:solidFill>
                   <a:schemeClr val="bg1"/>
                 </a:solidFill>
@@ -18590,10 +19067,10 @@
                 <a:ea typeface="Ebrima" pitchFamily="2" charset="0"/>
                 <a:cs typeface="Times New Roman" pitchFamily="18" charset="0"/>
               </a:rPr>
-              <a:t>TaeJoon</a:t>
-            </a:r>
-            <a:r>
-              <a:rPr lang="en-US" altLang="ko-KR" sz="4000" dirty="0" smtClean="0">
+              <a:t>, </a:t>
+            </a:r>
+            <a:r>
+              <a:rPr lang="en-US" altLang="ko-KR" sz="4000" dirty="0" err="1">
                 <a:solidFill>
                   <a:schemeClr val="bg1"/>
                 </a:solidFill>
@@ -18601,7 +19078,7 @@
                 <a:ea typeface="Ebrima" pitchFamily="2" charset="0"/>
                 <a:cs typeface="Times New Roman" pitchFamily="18" charset="0"/>
               </a:rPr>
-              <a:t> </a:t>
+              <a:t>TaeJoon</a:t>
             </a:r>
             <a:r>
               <a:rPr lang="en-US" altLang="ko-KR" sz="4000" dirty="0">
@@ -18612,7 +19089,7 @@
                 <a:ea typeface="Ebrima" pitchFamily="2" charset="0"/>
                 <a:cs typeface="Times New Roman" pitchFamily="18" charset="0"/>
               </a:rPr>
-              <a:t>Song</a:t>
+              <a:t> Song</a:t>
             </a:r>
             <a:r>
               <a:rPr lang="en-US" altLang="ko-KR" sz="4000" baseline="30000" dirty="0">
@@ -18764,7 +19241,7 @@
               <a:t>{sch8906, </a:t>
             </a:r>
             <a:r>
-              <a:rPr lang="en-US" altLang="ko-KR" sz="4000" dirty="0" err="1" smtClean="0">
+              <a:rPr lang="en-US" altLang="ko-KR" sz="4000" dirty="0" err="1">
                 <a:solidFill>
                   <a:schemeClr val="bg1"/>
                 </a:solidFill>
@@ -18775,7 +19252,7 @@
               <a:t>bnbbkr</a:t>
             </a:r>
             <a:r>
-              <a:rPr lang="en-US" altLang="ko-KR" sz="4000" dirty="0" smtClean="0">
+              <a:rPr lang="en-US" altLang="ko-KR" sz="4000" dirty="0">
                 <a:solidFill>
                   <a:schemeClr val="bg1"/>
                 </a:solidFill>
@@ -18786,7 +19263,7 @@
               <a:t>, </a:t>
             </a:r>
             <a:r>
-              <a:rPr lang="en-US" altLang="ko-KR" sz="4000" dirty="0" err="1" smtClean="0">
+              <a:rPr lang="en-US" altLang="ko-KR" sz="4000" dirty="0" err="1">
                 <a:solidFill>
                   <a:schemeClr val="bg1"/>
                 </a:solidFill>
@@ -18797,7 +19274,7 @@
               <a:t>bethetaedu</a:t>
             </a:r>
             <a:r>
-              <a:rPr lang="en-US" altLang="ko-KR" sz="4000" dirty="0" smtClean="0">
+              <a:rPr lang="en-US" altLang="ko-KR" sz="4000" dirty="0">
                 <a:solidFill>
                   <a:schemeClr val="bg1"/>
                 </a:solidFill>
@@ -18805,10 +19282,10 @@
                 <a:ea typeface="Ebrima" pitchFamily="2" charset="0"/>
                 <a:cs typeface="Times New Roman" pitchFamily="18" charset="0"/>
               </a:rPr>
-              <a:t>, thepotter89</a:t>
-            </a:r>
-            <a:r>
-              <a:rPr lang="en-US" altLang="ko-KR" sz="4000" dirty="0">
+              <a:t>, thepotter89, </a:t>
+            </a:r>
+            <a:r>
+              <a:rPr lang="en-US" altLang="ko-KR" sz="4000" dirty="0" err="1">
                 <a:solidFill>
                   <a:schemeClr val="bg1"/>
                 </a:solidFill>
@@ -18816,10 +19293,10 @@
                 <a:ea typeface="Ebrima" pitchFamily="2" charset="0"/>
                 <a:cs typeface="Times New Roman" pitchFamily="18" charset="0"/>
               </a:rPr>
-              <a:t>, </a:t>
-            </a:r>
-            <a:r>
-              <a:rPr lang="en-US" altLang="ko-KR" sz="4000" dirty="0" err="1">
+              <a:t>jaewlee</a:t>
+            </a:r>
+            <a:r>
+              <a:rPr lang="en-US" altLang="ko-KR" sz="4000" dirty="0">
                 <a:solidFill>
                   <a:schemeClr val="bg1"/>
                 </a:solidFill>
@@ -18827,10 +19304,10 @@
                 <a:ea typeface="Ebrima" pitchFamily="2" charset="0"/>
                 <a:cs typeface="Times New Roman" pitchFamily="18" charset="0"/>
               </a:rPr>
-              <a:t>jaewlee</a:t>
-            </a:r>
-            <a:r>
-              <a:rPr lang="en-US" altLang="ko-KR" sz="4000" dirty="0">
+              <a:t>, </a:t>
+            </a:r>
+            <a:r>
+              <a:rPr lang="en-US" altLang="ko-KR" sz="4000" dirty="0" err="1">
                 <a:solidFill>
                   <a:schemeClr val="bg1"/>
                 </a:solidFill>
@@ -18838,10 +19315,10 @@
                 <a:ea typeface="Ebrima" pitchFamily="2" charset="0"/>
                 <a:cs typeface="Times New Roman" pitchFamily="18" charset="0"/>
               </a:rPr>
-              <a:t>, </a:t>
-            </a:r>
-            <a:r>
-              <a:rPr lang="en-US" altLang="ko-KR" sz="4000" dirty="0" err="1">
+              <a:t>flammy</a:t>
+            </a:r>
+            <a:r>
+              <a:rPr lang="en-US" altLang="ko-KR" sz="4000" dirty="0">
                 <a:solidFill>
                   <a:schemeClr val="bg1"/>
                 </a:solidFill>
@@ -18849,20 +19326,9 @@
                 <a:ea typeface="Ebrima" pitchFamily="2" charset="0"/>
                 <a:cs typeface="Times New Roman" pitchFamily="18" charset="0"/>
               </a:rPr>
-              <a:t>flammy</a:t>
-            </a:r>
-            <a:r>
-              <a:rPr lang="en-US" altLang="ko-KR" sz="4000" dirty="0">
-                <a:solidFill>
-                  <a:schemeClr val="bg1"/>
-                </a:solidFill>
-                <a:latin typeface="Times New Roman" pitchFamily="18" charset="0"/>
-                <a:ea typeface="Ebrima" pitchFamily="2" charset="0"/>
-                <a:cs typeface="Times New Roman" pitchFamily="18" charset="0"/>
-              </a:rPr>
               <a:t>}@gmail.com</a:t>
             </a:r>
-            <a:endParaRPr lang="ko-KR" altLang="en-US" sz="4000" b="1" dirty="0">
+            <a:endParaRPr lang="ko-KR" altLang="en-US" sz="4000" b="1">
               <a:latin typeface="FrutigerNextLT Regular" pitchFamily="18" charset="0"/>
             </a:endParaRPr>
           </a:p>
@@ -19138,6 +19604,30 @@
           </a:p>
         </p:txBody>
       </p:sp>
+      <p:pic>
+        <p:nvPicPr>
+          <p:cNvPr id="19" name="그림 18"/>
+          <p:cNvPicPr>
+            <a:picLocks noChangeAspect="1"/>
+          </p:cNvPicPr>
+          <p:nvPr/>
+        </p:nvPicPr>
+        <p:blipFill>
+          <a:blip r:embed="rId3"/>
+          <a:stretch>
+            <a:fillRect/>
+          </a:stretch>
+        </p:blipFill>
+        <p:spPr>
+          <a:xfrm>
+            <a:off x="21873320" y="7002303"/>
+            <a:ext cx="7737527" cy="3510470"/>
+          </a:xfrm>
+          <a:prstGeom prst="rect">
+            <a:avLst/>
+          </a:prstGeom>
+        </p:spPr>
+      </p:pic>
       <p:sp>
         <p:nvSpPr>
           <p:cNvPr id="12" name="Rounded Rectangle 1691"/>
@@ -19372,6 +19862,30 @@
           </a:p>
         </p:txBody>
       </p:sp>
+      <p:pic>
+        <p:nvPicPr>
+          <p:cNvPr id="57" name="그림 56"/>
+          <p:cNvPicPr>
+            <a:picLocks noChangeAspect="1"/>
+          </p:cNvPicPr>
+          <p:nvPr/>
+        </p:nvPicPr>
+        <p:blipFill>
+          <a:blip r:embed="rId4"/>
+          <a:stretch>
+            <a:fillRect/>
+          </a:stretch>
+        </p:blipFill>
+        <p:spPr>
+          <a:xfrm>
+            <a:off x="522363" y="21154671"/>
+            <a:ext cx="13373200" cy="6762584"/>
+          </a:xfrm>
+          <a:prstGeom prst="rect">
+            <a:avLst/>
+          </a:prstGeom>
+        </p:spPr>
+      </p:pic>
       <p:sp>
         <p:nvSpPr>
           <p:cNvPr id="58" name="TextBox 57"/>
@@ -19406,6 +19920,30 @@
           </a:p>
         </p:txBody>
       </p:sp>
+      <p:pic>
+        <p:nvPicPr>
+          <p:cNvPr id="59" name="그림 58"/>
+          <p:cNvPicPr>
+            <a:picLocks noChangeAspect="1"/>
+          </p:cNvPicPr>
+          <p:nvPr/>
+        </p:nvPicPr>
+        <p:blipFill>
+          <a:blip r:embed="rId5"/>
+          <a:stretch>
+            <a:fillRect/>
+          </a:stretch>
+        </p:blipFill>
+        <p:spPr>
+          <a:xfrm>
+            <a:off x="617786" y="29680061"/>
+            <a:ext cx="13204236" cy="6647235"/>
+          </a:xfrm>
+          <a:prstGeom prst="rect">
+            <a:avLst/>
+          </a:prstGeom>
+        </p:spPr>
+      </p:pic>
       <p:sp>
         <p:nvSpPr>
           <p:cNvPr id="9" name="아래쪽 화살표 8"/>
@@ -19414,7 +19952,7 @@
         </p:nvSpPr>
         <p:spPr>
           <a:xfrm>
-            <a:off x="4338787" y="27956990"/>
+            <a:off x="4231572" y="28072533"/>
             <a:ext cx="5976664" cy="1497273"/>
           </a:xfrm>
           <a:prstGeom prst="downArrow">
@@ -19467,7 +20005,7 @@
           <p:nvPr/>
         </p:nvPicPr>
         <p:blipFill>
-          <a:blip r:embed="rId3"/>
+          <a:blip r:embed="rId6"/>
           <a:stretch>
             <a:fillRect/>
           </a:stretch>
@@ -19489,7 +20027,11 @@
             <a:graphicFrameLocks noGrp="1"/>
           </p:cNvGraphicFramePr>
           <p:nvPr>
-            <p:extLst/>
+            <p:extLst>
+              <p:ext uri="{D42A27DB-BD31-4B8C-83A1-F6EECF244321}">
+                <p14:modId xmlns:p14="http://schemas.microsoft.com/office/powerpoint/2010/main" val="2224911503"/>
+              </p:ext>
+            </p:extLst>
           </p:nvPr>
         </p:nvGraphicFramePr>
         <p:xfrm>
@@ -19517,7 +20059,7 @@
                     <a:lstStyle/>
                     <a:p>
                       <a:pPr algn="ctr" latinLnBrk="1"/>
-                      <a:endParaRPr lang="ko-KR" altLang="en-US" sz="1800" b="0" dirty="0">
+                      <a:endParaRPr lang="ko-KR" altLang="en-US" sz="2400" b="1" dirty="0">
                         <a:solidFill>
                           <a:schemeClr val="tx1"/>
                         </a:solidFill>
@@ -19587,7 +20129,7 @@
                     <a:p>
                       <a:pPr algn="ctr" latinLnBrk="1"/>
                       <a:r>
-                        <a:rPr lang="en-US" altLang="ko-KR" sz="1800" b="0" dirty="0" smtClean="0">
+                        <a:rPr lang="en-US" altLang="ko-KR" sz="2400" b="1" dirty="0" smtClean="0">
                           <a:solidFill>
                             <a:schemeClr val="tx1"/>
                           </a:solidFill>
@@ -19595,7 +20137,7 @@
                         </a:rPr>
                         <a:t>0</a:t>
                       </a:r>
-                      <a:endParaRPr lang="ko-KR" altLang="en-US" sz="1800" b="0" dirty="0">
+                      <a:endParaRPr lang="ko-KR" altLang="en-US" sz="2400" b="1" dirty="0">
                         <a:solidFill>
                           <a:schemeClr val="tx1"/>
                         </a:solidFill>
@@ -19663,7 +20205,7 @@
                     <a:p>
                       <a:pPr algn="ctr" latinLnBrk="1"/>
                       <a:r>
-                        <a:rPr lang="en-US" altLang="ko-KR" sz="1800" b="0" dirty="0" smtClean="0">
+                        <a:rPr lang="en-US" altLang="ko-KR" sz="2400" b="1" dirty="0" smtClean="0">
                           <a:solidFill>
                             <a:schemeClr val="tx1"/>
                           </a:solidFill>
@@ -19671,7 +20213,7 @@
                         </a:rPr>
                         <a:t>1</a:t>
                       </a:r>
-                      <a:endParaRPr lang="ko-KR" altLang="en-US" sz="1800" b="0" dirty="0">
+                      <a:endParaRPr lang="ko-KR" altLang="en-US" sz="2400" b="1" dirty="0">
                         <a:solidFill>
                           <a:schemeClr val="tx1"/>
                         </a:solidFill>
@@ -19739,7 +20281,7 @@
                     <a:p>
                       <a:pPr algn="ctr" latinLnBrk="1"/>
                       <a:r>
-                        <a:rPr lang="en-US" altLang="ko-KR" sz="1800" b="0" dirty="0" smtClean="0">
+                        <a:rPr lang="en-US" altLang="ko-KR" sz="2400" b="1" dirty="0" smtClean="0">
                           <a:solidFill>
                             <a:schemeClr val="tx1"/>
                           </a:solidFill>
@@ -19747,7 +20289,7 @@
                         </a:rPr>
                         <a:t>2</a:t>
                       </a:r>
-                      <a:endParaRPr lang="ko-KR" altLang="en-US" sz="1800" b="0" dirty="0">
+                      <a:endParaRPr lang="ko-KR" altLang="en-US" sz="2400" b="1" dirty="0">
                         <a:solidFill>
                           <a:schemeClr val="tx1"/>
                         </a:solidFill>
@@ -19815,7 +20357,7 @@
                     <a:p>
                       <a:pPr algn="ctr" latinLnBrk="1"/>
                       <a:r>
-                        <a:rPr lang="en-US" altLang="ko-KR" sz="1800" b="0" kern="1200" dirty="0" smtClean="0">
+                        <a:rPr lang="en-US" altLang="ko-KR" sz="2400" b="1" kern="1200" dirty="0" smtClean="0">
                           <a:solidFill>
                             <a:schemeClr val="tx1"/>
                           </a:solidFill>
@@ -19825,7 +20367,7 @@
                         </a:rPr>
                         <a:t>…</a:t>
                       </a:r>
-                      <a:endParaRPr lang="ko-KR" altLang="en-US" sz="1800" b="0" dirty="0">
+                      <a:endParaRPr lang="ko-KR" altLang="en-US" sz="2400" b="1" dirty="0">
                         <a:solidFill>
                           <a:schemeClr val="tx1"/>
                         </a:solidFill>
@@ -19893,7 +20435,7 @@
                     <a:p>
                       <a:pPr algn="ctr" latinLnBrk="1"/>
                       <a:r>
-                        <a:rPr lang="en-US" altLang="ko-KR" sz="1800" b="0" dirty="0" smtClean="0">
+                        <a:rPr lang="en-US" altLang="ko-KR" sz="2400" b="1" dirty="0" smtClean="0">
                           <a:solidFill>
                             <a:schemeClr val="tx1"/>
                           </a:solidFill>
@@ -19901,7 +20443,7 @@
                         </a:rPr>
                         <a:t>n-1</a:t>
                       </a:r>
-                      <a:endParaRPr lang="ko-KR" altLang="en-US" sz="1800" b="0" dirty="0">
+                      <a:endParaRPr lang="ko-KR" altLang="en-US" sz="2400" b="1" dirty="0">
                         <a:solidFill>
                           <a:schemeClr val="tx1"/>
                         </a:solidFill>
@@ -19971,7 +20513,7 @@
                     <a:p>
                       <a:pPr algn="ctr" latinLnBrk="1"/>
                       <a:r>
-                        <a:rPr lang="en-US" altLang="ko-KR" sz="1800" b="0" dirty="0" smtClean="0">
+                        <a:rPr lang="en-US" altLang="ko-KR" sz="2400" b="1" dirty="0" smtClean="0">
                           <a:solidFill>
                             <a:schemeClr val="tx1"/>
                           </a:solidFill>
@@ -19979,7 +20521,7 @@
                         </a:rPr>
                         <a:t>0</a:t>
                       </a:r>
-                      <a:endParaRPr lang="ko-KR" altLang="en-US" sz="1800" b="0" dirty="0">
+                      <a:endParaRPr lang="ko-KR" altLang="en-US" sz="2400" b="1" dirty="0">
                         <a:solidFill>
                           <a:schemeClr val="tx1"/>
                         </a:solidFill>
@@ -20044,7 +20586,7 @@
                     <a:p>
                       <a:pPr algn="ctr" latinLnBrk="1"/>
                       <a:r>
-                        <a:rPr lang="en-US" altLang="ko-KR" sz="1800" b="0" dirty="0" smtClean="0">
+                        <a:rPr lang="en-US" altLang="ko-KR" sz="2400" b="1" dirty="0" smtClean="0">
                           <a:solidFill>
                             <a:schemeClr val="tx1"/>
                           </a:solidFill>
@@ -20052,7 +20594,7 @@
                         </a:rPr>
                         <a:t>1</a:t>
                       </a:r>
-                      <a:endParaRPr lang="ko-KR" altLang="en-US" sz="1800" b="0" dirty="0">
+                      <a:endParaRPr lang="ko-KR" altLang="en-US" sz="2400" b="1" dirty="0">
                         <a:solidFill>
                           <a:schemeClr val="tx1"/>
                         </a:solidFill>
@@ -20115,7 +20657,7 @@
                     <a:p>
                       <a:pPr algn="ctr" latinLnBrk="1"/>
                       <a:r>
-                        <a:rPr lang="en-US" altLang="ko-KR" sz="1800" b="0" dirty="0" smtClean="0">
+                        <a:rPr lang="en-US" altLang="ko-KR" sz="2400" b="1" dirty="0" smtClean="0">
                           <a:solidFill>
                             <a:schemeClr val="tx1"/>
                           </a:solidFill>
@@ -20123,7 +20665,7 @@
                         </a:rPr>
                         <a:t>0</a:t>
                       </a:r>
-                      <a:endParaRPr lang="ko-KR" altLang="en-US" sz="1800" b="0" dirty="0">
+                      <a:endParaRPr lang="ko-KR" altLang="en-US" sz="2400" b="1" dirty="0">
                         <a:solidFill>
                           <a:schemeClr val="tx1"/>
                         </a:solidFill>
@@ -20186,7 +20728,7 @@
                     <a:p>
                       <a:pPr algn="ctr" latinLnBrk="1"/>
                       <a:r>
-                        <a:rPr lang="en-US" altLang="ko-KR" sz="1800" b="0" dirty="0" smtClean="0">
+                        <a:rPr lang="en-US" altLang="ko-KR" sz="2400" b="1" dirty="0" smtClean="0">
                           <a:solidFill>
                             <a:schemeClr val="tx1"/>
                           </a:solidFill>
@@ -20194,7 +20736,7 @@
                         </a:rPr>
                         <a:t>0</a:t>
                       </a:r>
-                      <a:endParaRPr lang="ko-KR" altLang="en-US" sz="1800" b="0" dirty="0">
+                      <a:endParaRPr lang="ko-KR" altLang="en-US" sz="2400" b="1" dirty="0">
                         <a:solidFill>
                           <a:schemeClr val="tx1"/>
                         </a:solidFill>
@@ -20257,7 +20799,7 @@
                     <a:p>
                       <a:pPr algn="ctr" latinLnBrk="1"/>
                       <a:r>
-                        <a:rPr lang="en-US" altLang="ko-KR" sz="1800" b="0" kern="1200" dirty="0" smtClean="0">
+                        <a:rPr lang="en-US" altLang="ko-KR" sz="2400" b="1" kern="1200" dirty="0" smtClean="0">
                           <a:solidFill>
                             <a:schemeClr val="tx1"/>
                           </a:solidFill>
@@ -20267,7 +20809,7 @@
                         </a:rPr>
                         <a:t>…</a:t>
                       </a:r>
-                      <a:endParaRPr lang="ko-KR" altLang="en-US" sz="1800" b="0" dirty="0">
+                      <a:endParaRPr lang="ko-KR" altLang="en-US" sz="2400" b="1" dirty="0">
                         <a:solidFill>
                           <a:schemeClr val="tx1"/>
                         </a:solidFill>
@@ -20330,7 +20872,7 @@
                     <a:p>
                       <a:pPr algn="ctr" latinLnBrk="1"/>
                       <a:r>
-                        <a:rPr lang="en-US" altLang="ko-KR" sz="1800" b="0" dirty="0" smtClean="0">
+                        <a:rPr lang="en-US" altLang="ko-KR" sz="2400" b="1" dirty="0" smtClean="0">
                           <a:solidFill>
                             <a:schemeClr val="tx1"/>
                           </a:solidFill>
@@ -20338,7 +20880,7 @@
                         </a:rPr>
                         <a:t>0</a:t>
                       </a:r>
-                      <a:endParaRPr lang="ko-KR" altLang="en-US" sz="1800" b="0" dirty="0">
+                      <a:endParaRPr lang="ko-KR" altLang="en-US" sz="2400" b="1" dirty="0">
                         <a:solidFill>
                           <a:schemeClr val="tx1"/>
                         </a:solidFill>
@@ -20403,7 +20945,7 @@
                     <a:p>
                       <a:pPr algn="ctr" latinLnBrk="1"/>
                       <a:r>
-                        <a:rPr lang="en-US" altLang="ko-KR" sz="1800" b="0" dirty="0" smtClean="0">
+                        <a:rPr lang="en-US" altLang="ko-KR" sz="2400" b="1" dirty="0" smtClean="0">
                           <a:solidFill>
                             <a:schemeClr val="tx1"/>
                           </a:solidFill>
@@ -20411,7 +20953,7 @@
                         </a:rPr>
                         <a:t>1</a:t>
                       </a:r>
-                      <a:endParaRPr lang="ko-KR" altLang="en-US" sz="1800" b="0" dirty="0">
+                      <a:endParaRPr lang="ko-KR" altLang="en-US" sz="2400" b="1" dirty="0">
                         <a:solidFill>
                           <a:schemeClr val="tx1"/>
                         </a:solidFill>
@@ -20476,7 +21018,7 @@
                     <a:p>
                       <a:pPr algn="ctr" latinLnBrk="1"/>
                       <a:r>
-                        <a:rPr lang="en-US" altLang="ko-KR" sz="1800" b="0" dirty="0" smtClean="0">
+                        <a:rPr lang="en-US" altLang="ko-KR" sz="2400" b="1" dirty="0" smtClean="0">
                           <a:solidFill>
                             <a:schemeClr val="tx1"/>
                           </a:solidFill>
@@ -20484,7 +21026,7 @@
                         </a:rPr>
                         <a:t>0</a:t>
                       </a:r>
-                      <a:endParaRPr lang="ko-KR" altLang="en-US" sz="1800" b="0" dirty="0">
+                      <a:endParaRPr lang="ko-KR" altLang="en-US" sz="2400" b="1" dirty="0">
                         <a:solidFill>
                           <a:schemeClr val="tx1"/>
                         </a:solidFill>
@@ -20547,7 +21089,7 @@
                     <a:p>
                       <a:pPr algn="ctr" latinLnBrk="1"/>
                       <a:r>
-                        <a:rPr lang="en-US" altLang="ko-KR" sz="1800" b="0" dirty="0" smtClean="0">
+                        <a:rPr lang="en-US" altLang="ko-KR" sz="2400" b="1" dirty="0" smtClean="0">
                           <a:solidFill>
                             <a:schemeClr val="tx1"/>
                           </a:solidFill>
@@ -20555,7 +21097,7 @@
                         </a:rPr>
                         <a:t>1</a:t>
                       </a:r>
-                      <a:endParaRPr lang="ko-KR" altLang="en-US" sz="1800" b="0" dirty="0">
+                      <a:endParaRPr lang="ko-KR" altLang="en-US" sz="2400" b="1" dirty="0">
                         <a:solidFill>
                           <a:schemeClr val="tx1"/>
                         </a:solidFill>
@@ -20618,7 +21160,7 @@
                     <a:p>
                       <a:pPr algn="ctr" latinLnBrk="1"/>
                       <a:r>
-                        <a:rPr lang="en-US" altLang="ko-KR" sz="1800" b="0" dirty="0" smtClean="0">
+                        <a:rPr lang="en-US" altLang="ko-KR" sz="2400" b="1" dirty="0" smtClean="0">
                           <a:solidFill>
                             <a:schemeClr val="tx1"/>
                           </a:solidFill>
@@ -20626,7 +21168,7 @@
                         </a:rPr>
                         <a:t>1</a:t>
                       </a:r>
-                      <a:endParaRPr lang="ko-KR" altLang="en-US" sz="1800" b="0" dirty="0">
+                      <a:endParaRPr lang="ko-KR" altLang="en-US" sz="2400" b="1" dirty="0">
                         <a:solidFill>
                           <a:schemeClr val="tx1"/>
                         </a:solidFill>
@@ -20689,7 +21231,7 @@
                     <a:p>
                       <a:pPr algn="ctr" latinLnBrk="1"/>
                       <a:r>
-                        <a:rPr lang="en-US" altLang="ko-KR" sz="1800" b="0" kern="1200" dirty="0" smtClean="0">
+                        <a:rPr lang="en-US" altLang="ko-KR" sz="2400" b="1" kern="1200" dirty="0" smtClean="0">
                           <a:solidFill>
                             <a:schemeClr val="tx1"/>
                           </a:solidFill>
@@ -20699,7 +21241,7 @@
                         </a:rPr>
                         <a:t>…</a:t>
                       </a:r>
-                      <a:endParaRPr lang="ko-KR" altLang="en-US" sz="1800" b="0" dirty="0">
+                      <a:endParaRPr lang="ko-KR" altLang="en-US" sz="2400" b="1" dirty="0">
                         <a:solidFill>
                           <a:schemeClr val="tx1"/>
                         </a:solidFill>
@@ -20762,7 +21304,7 @@
                     <a:p>
                       <a:pPr algn="ctr" latinLnBrk="1"/>
                       <a:r>
-                        <a:rPr lang="en-US" altLang="ko-KR" sz="1800" b="0" dirty="0" smtClean="0">
+                        <a:rPr lang="en-US" altLang="ko-KR" sz="2400" b="1" dirty="0" smtClean="0">
                           <a:solidFill>
                             <a:schemeClr val="tx1"/>
                           </a:solidFill>
@@ -20770,7 +21312,7 @@
                         </a:rPr>
                         <a:t>0</a:t>
                       </a:r>
-                      <a:endParaRPr lang="ko-KR" altLang="en-US" sz="1800" b="0" dirty="0">
+                      <a:endParaRPr lang="ko-KR" altLang="en-US" sz="2400" b="1" dirty="0">
                         <a:solidFill>
                           <a:schemeClr val="tx1"/>
                         </a:solidFill>
@@ -20835,7 +21377,7 @@
                     <a:p>
                       <a:pPr algn="ctr" latinLnBrk="1"/>
                       <a:r>
-                        <a:rPr lang="en-US" altLang="ko-KR" sz="1800" b="0" dirty="0" smtClean="0">
+                        <a:rPr lang="en-US" altLang="ko-KR" sz="2400" b="1" dirty="0" smtClean="0">
                           <a:solidFill>
                             <a:schemeClr val="tx1"/>
                           </a:solidFill>
@@ -20843,7 +21385,7 @@
                         </a:rPr>
                         <a:t>2</a:t>
                       </a:r>
-                      <a:endParaRPr lang="ko-KR" altLang="en-US" sz="1800" b="0" dirty="0">
+                      <a:endParaRPr lang="ko-KR" altLang="en-US" sz="2400" b="1" dirty="0">
                         <a:solidFill>
                           <a:schemeClr val="tx1"/>
                         </a:solidFill>
@@ -20908,7 +21450,7 @@
                     <a:p>
                       <a:pPr algn="ctr" latinLnBrk="1"/>
                       <a:r>
-                        <a:rPr lang="en-US" altLang="ko-KR" sz="1800" b="0" dirty="0" smtClean="0">
+                        <a:rPr lang="en-US" altLang="ko-KR" sz="2400" b="1" dirty="0" smtClean="0">
                           <a:solidFill>
                             <a:schemeClr val="tx1"/>
                           </a:solidFill>
@@ -20916,7 +21458,7 @@
                         </a:rPr>
                         <a:t>0</a:t>
                       </a:r>
-                      <a:endParaRPr lang="ko-KR" altLang="en-US" sz="1800" b="0" dirty="0">
+                      <a:endParaRPr lang="ko-KR" altLang="en-US" sz="2400" b="1" dirty="0">
                         <a:solidFill>
                           <a:schemeClr val="tx1"/>
                         </a:solidFill>
@@ -20979,7 +21521,7 @@
                     <a:p>
                       <a:pPr algn="ctr" latinLnBrk="1"/>
                       <a:r>
-                        <a:rPr lang="en-US" altLang="ko-KR" sz="1800" b="0" dirty="0" smtClean="0">
+                        <a:rPr lang="en-US" altLang="ko-KR" sz="2400" b="1" dirty="0" smtClean="0">
                           <a:solidFill>
                             <a:schemeClr val="tx1"/>
                           </a:solidFill>
@@ -20987,7 +21529,7 @@
                         </a:rPr>
                         <a:t>0</a:t>
                       </a:r>
-                      <a:endParaRPr lang="ko-KR" altLang="en-US" sz="1800" b="0" dirty="0">
+                      <a:endParaRPr lang="ko-KR" altLang="en-US" sz="2400" b="1" dirty="0">
                         <a:solidFill>
                           <a:schemeClr val="tx1"/>
                         </a:solidFill>
@@ -21050,7 +21592,7 @@
                     <a:p>
                       <a:pPr algn="ctr" latinLnBrk="1"/>
                       <a:r>
-                        <a:rPr lang="en-US" altLang="ko-KR" sz="1800" b="0" dirty="0" smtClean="0">
+                        <a:rPr lang="en-US" altLang="ko-KR" sz="2400" b="1" dirty="0" smtClean="0">
                           <a:solidFill>
                             <a:schemeClr val="tx1"/>
                           </a:solidFill>
@@ -21058,7 +21600,7 @@
                         </a:rPr>
                         <a:t>0</a:t>
                       </a:r>
-                      <a:endParaRPr lang="ko-KR" altLang="en-US" sz="1800" b="0" dirty="0">
+                      <a:endParaRPr lang="ko-KR" altLang="en-US" sz="2400" b="1" dirty="0">
                         <a:solidFill>
                           <a:schemeClr val="tx1"/>
                         </a:solidFill>
@@ -21121,7 +21663,7 @@
                     <a:p>
                       <a:pPr algn="ctr" latinLnBrk="1"/>
                       <a:r>
-                        <a:rPr lang="en-US" altLang="ko-KR" sz="1800" b="0" kern="1200" dirty="0" smtClean="0">
+                        <a:rPr lang="en-US" altLang="ko-KR" sz="2400" b="1" kern="1200" dirty="0" smtClean="0">
                           <a:solidFill>
                             <a:schemeClr val="tx1"/>
                           </a:solidFill>
@@ -21131,7 +21673,7 @@
                         </a:rPr>
                         <a:t>…</a:t>
                       </a:r>
-                      <a:endParaRPr lang="ko-KR" altLang="en-US" sz="1800" b="0" dirty="0">
+                      <a:endParaRPr lang="ko-KR" altLang="en-US" sz="2400" b="1" dirty="0">
                         <a:solidFill>
                           <a:schemeClr val="tx1"/>
                         </a:solidFill>
@@ -21194,7 +21736,7 @@
                     <a:p>
                       <a:pPr algn="ctr" latinLnBrk="1"/>
                       <a:r>
-                        <a:rPr lang="en-US" altLang="ko-KR" sz="1800" b="0" dirty="0" smtClean="0">
+                        <a:rPr lang="en-US" altLang="ko-KR" sz="2400" b="1" dirty="0" smtClean="0">
                           <a:solidFill>
                             <a:schemeClr val="tx1"/>
                           </a:solidFill>
@@ -21202,7 +21744,7 @@
                         </a:rPr>
                         <a:t>0</a:t>
                       </a:r>
-                      <a:endParaRPr lang="ko-KR" altLang="en-US" sz="1800" b="0" dirty="0">
+                      <a:endParaRPr lang="ko-KR" altLang="en-US" sz="2400" b="1" dirty="0">
                         <a:solidFill>
                           <a:schemeClr val="tx1"/>
                         </a:solidFill>
@@ -21267,7 +21809,7 @@
                     <a:p>
                       <a:pPr algn="ctr" latinLnBrk="1"/>
                       <a:r>
-                        <a:rPr lang="en-US" altLang="ko-KR" sz="1800" b="0" dirty="0" smtClean="0">
+                        <a:rPr lang="en-US" altLang="ko-KR" sz="2400" b="1" dirty="0" smtClean="0">
                           <a:solidFill>
                             <a:schemeClr val="tx1"/>
                           </a:solidFill>
@@ -21275,7 +21817,7 @@
                         </a:rPr>
                         <a:t>3</a:t>
                       </a:r>
-                      <a:endParaRPr lang="ko-KR" altLang="en-US" sz="1800" b="0" dirty="0">
+                      <a:endParaRPr lang="ko-KR" altLang="en-US" sz="2400" b="1" dirty="0">
                         <a:solidFill>
                           <a:schemeClr val="tx1"/>
                         </a:solidFill>
@@ -21340,7 +21882,7 @@
                     <a:p>
                       <a:pPr algn="ctr" latinLnBrk="1"/>
                       <a:r>
-                        <a:rPr lang="en-US" altLang="ko-KR" sz="1800" b="0" dirty="0" smtClean="0">
+                        <a:rPr lang="en-US" altLang="ko-KR" sz="2400" b="1" dirty="0" smtClean="0">
                           <a:solidFill>
                             <a:schemeClr val="tx1"/>
                           </a:solidFill>
@@ -21348,7 +21890,7 @@
                         </a:rPr>
                         <a:t>1</a:t>
                       </a:r>
-                      <a:endParaRPr lang="ko-KR" altLang="en-US" sz="1800" b="0" dirty="0">
+                      <a:endParaRPr lang="ko-KR" altLang="en-US" sz="2400" b="1" dirty="0">
                         <a:solidFill>
                           <a:schemeClr val="tx1"/>
                         </a:solidFill>
@@ -21411,7 +21953,7 @@
                     <a:p>
                       <a:pPr algn="ctr" latinLnBrk="1"/>
                       <a:r>
-                        <a:rPr lang="en-US" altLang="ko-KR" sz="1800" b="0" dirty="0" smtClean="0">
+                        <a:rPr lang="en-US" altLang="ko-KR" sz="2400" b="1" dirty="0" smtClean="0">
                           <a:solidFill>
                             <a:schemeClr val="tx1"/>
                           </a:solidFill>
@@ -21419,7 +21961,7 @@
                         </a:rPr>
                         <a:t>1</a:t>
                       </a:r>
-                      <a:endParaRPr lang="ko-KR" altLang="en-US" sz="1800" b="0" dirty="0">
+                      <a:endParaRPr lang="ko-KR" altLang="en-US" sz="2400" b="1" dirty="0">
                         <a:solidFill>
                           <a:schemeClr val="tx1"/>
                         </a:solidFill>
@@ -21482,7 +22024,7 @@
                     <a:p>
                       <a:pPr algn="ctr" latinLnBrk="1"/>
                       <a:r>
-                        <a:rPr lang="en-US" altLang="ko-KR" sz="1800" b="0" dirty="0" smtClean="0">
+                        <a:rPr lang="en-US" altLang="ko-KR" sz="2400" b="1" dirty="0" smtClean="0">
                           <a:solidFill>
                             <a:schemeClr val="tx1"/>
                           </a:solidFill>
@@ -21490,7 +22032,7 @@
                         </a:rPr>
                         <a:t>0</a:t>
                       </a:r>
-                      <a:endParaRPr lang="ko-KR" altLang="en-US" sz="1800" b="0" dirty="0">
+                      <a:endParaRPr lang="ko-KR" altLang="en-US" sz="2400" b="1" dirty="0">
                         <a:solidFill>
                           <a:schemeClr val="tx1"/>
                         </a:solidFill>
@@ -21553,7 +22095,7 @@
                     <a:p>
                       <a:pPr algn="ctr" latinLnBrk="1"/>
                       <a:r>
-                        <a:rPr lang="en-US" altLang="ko-KR" sz="1800" b="0" kern="1200" dirty="0" smtClean="0">
+                        <a:rPr lang="en-US" altLang="ko-KR" sz="2400" b="1" kern="1200" dirty="0" smtClean="0">
                           <a:solidFill>
                             <a:schemeClr val="tx1"/>
                           </a:solidFill>
@@ -21563,7 +22105,7 @@
                         </a:rPr>
                         <a:t>…</a:t>
                       </a:r>
-                      <a:endParaRPr lang="ko-KR" altLang="en-US" sz="1800" b="0" dirty="0">
+                      <a:endParaRPr lang="ko-KR" altLang="en-US" sz="2400" b="1" dirty="0">
                         <a:solidFill>
                           <a:schemeClr val="tx1"/>
                         </a:solidFill>
@@ -21626,7 +22168,7 @@
                     <a:p>
                       <a:pPr algn="ctr" latinLnBrk="1"/>
                       <a:r>
-                        <a:rPr lang="en-US" altLang="ko-KR" sz="1800" b="0" dirty="0" smtClean="0">
+                        <a:rPr lang="en-US" altLang="ko-KR" sz="2400" b="1" dirty="0" smtClean="0">
                           <a:solidFill>
                             <a:schemeClr val="tx1"/>
                           </a:solidFill>
@@ -21634,7 +22176,7 @@
                         </a:rPr>
                         <a:t>0</a:t>
                       </a:r>
-                      <a:endParaRPr lang="ko-KR" altLang="en-US" sz="1800" b="0" dirty="0">
+                      <a:endParaRPr lang="ko-KR" altLang="en-US" sz="2400" b="1" dirty="0">
                         <a:solidFill>
                           <a:schemeClr val="tx1"/>
                         </a:solidFill>
@@ -21699,7 +22241,7 @@
                     <a:p>
                       <a:pPr algn="ctr" latinLnBrk="1"/>
                       <a:r>
-                        <a:rPr lang="en-US" altLang="ko-KR" sz="1800" b="0" dirty="0" smtClean="0">
+                        <a:rPr lang="en-US" altLang="ko-KR" sz="2400" b="1" dirty="0" smtClean="0">
                           <a:solidFill>
                             <a:schemeClr val="tx1"/>
                           </a:solidFill>
@@ -21707,7 +22249,7 @@
                         </a:rPr>
                         <a:t>4</a:t>
                       </a:r>
-                      <a:endParaRPr lang="ko-KR" altLang="en-US" sz="1800" b="0" dirty="0">
+                      <a:endParaRPr lang="ko-KR" altLang="en-US" sz="2400" b="1" dirty="0">
                         <a:solidFill>
                           <a:schemeClr val="tx1"/>
                         </a:solidFill>
@@ -21772,7 +22314,7 @@
                     <a:p>
                       <a:pPr algn="ctr" latinLnBrk="1"/>
                       <a:r>
-                        <a:rPr lang="en-US" altLang="ko-KR" sz="1800" b="0" dirty="0" smtClean="0">
+                        <a:rPr lang="en-US" altLang="ko-KR" sz="2400" b="1" dirty="0" smtClean="0">
                           <a:solidFill>
                             <a:schemeClr val="tx1"/>
                           </a:solidFill>
@@ -21780,7 +22322,7 @@
                         </a:rPr>
                         <a:t>0</a:t>
                       </a:r>
-                      <a:endParaRPr lang="ko-KR" altLang="en-US" sz="1800" b="0" dirty="0">
+                      <a:endParaRPr lang="ko-KR" altLang="en-US" sz="2400" b="1" dirty="0">
                         <a:solidFill>
                           <a:schemeClr val="tx1"/>
                         </a:solidFill>
@@ -21843,7 +22385,7 @@
                     <a:p>
                       <a:pPr algn="ctr" latinLnBrk="1"/>
                       <a:r>
-                        <a:rPr lang="en-US" altLang="ko-KR" sz="1800" b="0" dirty="0" smtClean="0">
+                        <a:rPr lang="en-US" altLang="ko-KR" sz="2400" b="1" dirty="0" smtClean="0">
                           <a:solidFill>
                             <a:schemeClr val="tx1"/>
                           </a:solidFill>
@@ -21851,7 +22393,7 @@
                         </a:rPr>
                         <a:t>0</a:t>
                       </a:r>
-                      <a:endParaRPr lang="ko-KR" altLang="en-US" sz="1800" b="0" dirty="0">
+                      <a:endParaRPr lang="ko-KR" altLang="en-US" sz="2400" b="1" dirty="0">
                         <a:solidFill>
                           <a:schemeClr val="tx1"/>
                         </a:solidFill>
@@ -21914,7 +22456,7 @@
                     <a:p>
                       <a:pPr algn="ctr" latinLnBrk="1"/>
                       <a:r>
-                        <a:rPr lang="en-US" altLang="ko-KR" sz="1800" b="0" dirty="0" smtClean="0">
+                        <a:rPr lang="en-US" altLang="ko-KR" sz="2400" b="1" dirty="0" smtClean="0">
                           <a:solidFill>
                             <a:schemeClr val="tx1"/>
                           </a:solidFill>
@@ -21922,7 +22464,7 @@
                         </a:rPr>
                         <a:t>0</a:t>
                       </a:r>
-                      <a:endParaRPr lang="ko-KR" altLang="en-US" sz="1800" b="0" dirty="0">
+                      <a:endParaRPr lang="ko-KR" altLang="en-US" sz="2400" b="1" dirty="0">
                         <a:solidFill>
                           <a:schemeClr val="tx1"/>
                         </a:solidFill>
@@ -21985,7 +22527,7 @@
                     <a:p>
                       <a:pPr algn="ctr" latinLnBrk="1"/>
                       <a:r>
-                        <a:rPr lang="en-US" altLang="ko-KR" sz="1800" b="0" kern="1200" dirty="0" smtClean="0">
+                        <a:rPr lang="en-US" altLang="ko-KR" sz="2400" b="1" kern="1200" dirty="0" smtClean="0">
                           <a:solidFill>
                             <a:schemeClr val="tx1"/>
                           </a:solidFill>
@@ -21995,7 +22537,7 @@
                         </a:rPr>
                         <a:t>…</a:t>
                       </a:r>
-                      <a:endParaRPr lang="ko-KR" altLang="en-US" sz="1800" b="0" dirty="0">
+                      <a:endParaRPr lang="ko-KR" altLang="en-US" sz="2400" b="1" dirty="0">
                         <a:solidFill>
                           <a:schemeClr val="tx1"/>
                         </a:solidFill>
@@ -22058,7 +22600,7 @@
                     <a:p>
                       <a:pPr algn="ctr" latinLnBrk="1"/>
                       <a:r>
-                        <a:rPr lang="en-US" altLang="ko-KR" sz="1800" b="0" dirty="0" smtClean="0">
+                        <a:rPr lang="en-US" altLang="ko-KR" sz="2400" b="1" dirty="0" smtClean="0">
                           <a:solidFill>
                             <a:schemeClr val="tx1"/>
                           </a:solidFill>
@@ -22066,7 +22608,7 @@
                         </a:rPr>
                         <a:t>0</a:t>
                       </a:r>
-                      <a:endParaRPr lang="ko-KR" altLang="en-US" sz="1800" b="0" dirty="0">
+                      <a:endParaRPr lang="ko-KR" altLang="en-US" sz="2400" b="1" dirty="0">
                         <a:solidFill>
                           <a:schemeClr val="tx1"/>
                         </a:solidFill>
@@ -22131,7 +22673,7 @@
                     <a:p>
                       <a:pPr algn="ctr" latinLnBrk="1"/>
                       <a:r>
-                        <a:rPr lang="en-US" altLang="ko-KR" sz="1800" b="0" dirty="0" smtClean="0">
+                        <a:rPr lang="en-US" altLang="ko-KR" sz="2400" b="1" dirty="0" smtClean="0">
                           <a:solidFill>
                             <a:schemeClr val="tx1"/>
                           </a:solidFill>
@@ -22139,7 +22681,7 @@
                         </a:rPr>
                         <a:t>5</a:t>
                       </a:r>
-                      <a:endParaRPr lang="ko-KR" altLang="en-US" sz="1800" b="0" dirty="0">
+                      <a:endParaRPr lang="ko-KR" altLang="en-US" sz="2400" b="1" dirty="0">
                         <a:solidFill>
                           <a:schemeClr val="tx1"/>
                         </a:solidFill>
@@ -22204,7 +22746,7 @@
                     <a:p>
                       <a:pPr algn="ctr" latinLnBrk="1"/>
                       <a:r>
-                        <a:rPr lang="en-US" altLang="ko-KR" sz="1800" b="0" dirty="0" smtClean="0">
+                        <a:rPr lang="en-US" altLang="ko-KR" sz="2400" b="1" dirty="0" smtClean="0">
                           <a:solidFill>
                             <a:schemeClr val="tx1"/>
                           </a:solidFill>
@@ -22212,7 +22754,7 @@
                         </a:rPr>
                         <a:t>0</a:t>
                       </a:r>
-                      <a:endParaRPr lang="ko-KR" altLang="en-US" sz="1800" b="0" dirty="0">
+                      <a:endParaRPr lang="ko-KR" altLang="en-US" sz="2400" b="1" dirty="0">
                         <a:solidFill>
                           <a:schemeClr val="tx1"/>
                         </a:solidFill>
@@ -22275,7 +22817,7 @@
                     <a:p>
                       <a:pPr algn="ctr" latinLnBrk="1"/>
                       <a:r>
-                        <a:rPr lang="en-US" altLang="ko-KR" sz="1800" b="0" dirty="0" smtClean="0">
+                        <a:rPr lang="en-US" altLang="ko-KR" sz="2400" b="1" dirty="0" smtClean="0">
                           <a:solidFill>
                             <a:schemeClr val="tx1"/>
                           </a:solidFill>
@@ -22283,7 +22825,7 @@
                         </a:rPr>
                         <a:t>0</a:t>
                       </a:r>
-                      <a:endParaRPr lang="ko-KR" altLang="en-US" sz="1800" b="0" dirty="0">
+                      <a:endParaRPr lang="ko-KR" altLang="en-US" sz="2400" b="1" dirty="0">
                         <a:solidFill>
                           <a:schemeClr val="tx1"/>
                         </a:solidFill>
@@ -22346,7 +22888,7 @@
                     <a:p>
                       <a:pPr algn="ctr" latinLnBrk="1"/>
                       <a:r>
-                        <a:rPr lang="en-US" altLang="ko-KR" sz="1800" b="0" dirty="0" smtClean="0">
+                        <a:rPr lang="en-US" altLang="ko-KR" sz="2400" b="1" dirty="0" smtClean="0">
                           <a:solidFill>
                             <a:schemeClr val="tx1"/>
                           </a:solidFill>
@@ -22354,7 +22896,7 @@
                         </a:rPr>
                         <a:t>1</a:t>
                       </a:r>
-                      <a:endParaRPr lang="ko-KR" altLang="en-US" sz="1800" b="0" dirty="0">
+                      <a:endParaRPr lang="ko-KR" altLang="en-US" sz="2400" b="1" dirty="0">
                         <a:solidFill>
                           <a:schemeClr val="tx1"/>
                         </a:solidFill>
@@ -22417,7 +22959,7 @@
                     <a:p>
                       <a:pPr algn="ctr" latinLnBrk="1"/>
                       <a:r>
-                        <a:rPr lang="en-US" altLang="ko-KR" sz="1800" b="0" kern="1200" dirty="0" smtClean="0">
+                        <a:rPr lang="en-US" altLang="ko-KR" sz="2400" b="1" kern="1200" dirty="0" smtClean="0">
                           <a:solidFill>
                             <a:schemeClr val="tx1"/>
                           </a:solidFill>
@@ -22427,7 +22969,7 @@
                         </a:rPr>
                         <a:t>…</a:t>
                       </a:r>
-                      <a:endParaRPr lang="ko-KR" altLang="en-US" sz="1800" b="0" dirty="0">
+                      <a:endParaRPr lang="ko-KR" altLang="en-US" sz="2400" b="1" dirty="0">
                         <a:solidFill>
                           <a:schemeClr val="tx1"/>
                         </a:solidFill>
@@ -22490,7 +23032,7 @@
                     <a:p>
                       <a:pPr algn="ctr" latinLnBrk="1"/>
                       <a:r>
-                        <a:rPr lang="en-US" altLang="ko-KR" sz="1800" b="0" dirty="0" smtClean="0">
+                        <a:rPr lang="en-US" altLang="ko-KR" sz="2400" b="1" dirty="0" smtClean="0">
                           <a:solidFill>
                             <a:schemeClr val="tx1"/>
                           </a:solidFill>
@@ -22498,7 +23040,7 @@
                         </a:rPr>
                         <a:t>1</a:t>
                       </a:r>
-                      <a:endParaRPr lang="ko-KR" altLang="en-US" sz="1800" b="0" dirty="0">
+                      <a:endParaRPr lang="ko-KR" altLang="en-US" sz="2400" b="1" dirty="0">
                         <a:solidFill>
                           <a:schemeClr val="tx1"/>
                         </a:solidFill>
@@ -22579,7 +23121,7 @@
                         <a:defRPr/>
                       </a:pPr>
                       <a:r>
-                        <a:rPr lang="en-US" altLang="ko-KR" sz="1800" b="0" kern="1200" dirty="0" smtClean="0">
+                        <a:rPr lang="en-US" altLang="ko-KR" sz="2400" b="1" kern="1200" dirty="0" smtClean="0">
                           <a:solidFill>
                             <a:schemeClr val="tx1"/>
                           </a:solidFill>
@@ -22589,7 +23131,7 @@
                         </a:rPr>
                         <a:t>︙</a:t>
                       </a:r>
-                      <a:endParaRPr lang="ko-KR" altLang="en-US" sz="1800" b="0" kern="1200" dirty="0" smtClean="0">
+                      <a:endParaRPr lang="ko-KR" altLang="en-US" sz="2400" b="1" kern="1200" dirty="0" smtClean="0">
                         <a:solidFill>
                           <a:schemeClr val="tx1"/>
                         </a:solidFill>
@@ -22656,7 +23198,7 @@
                     <a:p>
                       <a:pPr algn="ctr" latinLnBrk="1"/>
                       <a:r>
-                        <a:rPr lang="en-US" altLang="ko-KR" sz="1800" b="0" kern="1200" dirty="0" smtClean="0">
+                        <a:rPr lang="en-US" altLang="ko-KR" sz="2400" b="1" kern="1200" dirty="0" smtClean="0">
                           <a:solidFill>
                             <a:schemeClr val="tx1"/>
                           </a:solidFill>
@@ -22666,7 +23208,7 @@
                         </a:rPr>
                         <a:t>︙</a:t>
                       </a:r>
-                      <a:endParaRPr lang="ko-KR" altLang="en-US" sz="1800" b="0" dirty="0">
+                      <a:endParaRPr lang="ko-KR" altLang="en-US" sz="2400" b="1" dirty="0">
                         <a:solidFill>
                           <a:schemeClr val="tx1"/>
                         </a:solidFill>
@@ -22729,7 +23271,7 @@
                     <a:p>
                       <a:pPr algn="ctr" latinLnBrk="1"/>
                       <a:r>
-                        <a:rPr lang="en-US" altLang="ko-KR" sz="1800" b="0" kern="1200" dirty="0" smtClean="0">
+                        <a:rPr lang="en-US" altLang="ko-KR" sz="2400" b="1" kern="1200" dirty="0" smtClean="0">
                           <a:solidFill>
                             <a:schemeClr val="tx1"/>
                           </a:solidFill>
@@ -22739,7 +23281,7 @@
                         </a:rPr>
                         <a:t>︙</a:t>
                       </a:r>
-                      <a:endParaRPr lang="ko-KR" altLang="en-US" sz="1800" b="0" dirty="0">
+                      <a:endParaRPr lang="ko-KR" altLang="en-US" sz="2400" b="1" dirty="0">
                         <a:solidFill>
                           <a:schemeClr val="tx1"/>
                         </a:solidFill>
@@ -22802,7 +23344,7 @@
                     <a:p>
                       <a:pPr algn="ctr" latinLnBrk="1"/>
                       <a:r>
-                        <a:rPr lang="en-US" altLang="ko-KR" sz="1800" b="0" kern="1200" dirty="0" smtClean="0">
+                        <a:rPr lang="en-US" altLang="ko-KR" sz="2400" b="1" kern="1200" dirty="0" smtClean="0">
                           <a:solidFill>
                             <a:schemeClr val="tx1"/>
                           </a:solidFill>
@@ -22812,7 +23354,7 @@
                         </a:rPr>
                         <a:t>︙</a:t>
                       </a:r>
-                      <a:endParaRPr lang="ko-KR" altLang="en-US" sz="1800" b="0" dirty="0">
+                      <a:endParaRPr lang="ko-KR" altLang="en-US" sz="2400" b="1" dirty="0">
                         <a:solidFill>
                           <a:schemeClr val="tx1"/>
                         </a:solidFill>
@@ -22874,7 +23416,7 @@
                     <a:lstStyle/>
                     <a:p>
                       <a:pPr algn="ctr" latinLnBrk="1"/>
-                      <a:endParaRPr lang="ko-KR" altLang="en-US" sz="1800" b="0" dirty="0">
+                      <a:endParaRPr lang="ko-KR" altLang="en-US" sz="2400" b="1" dirty="0">
                         <a:solidFill>
                           <a:schemeClr val="tx1"/>
                         </a:solidFill>
@@ -22937,7 +23479,7 @@
                     <a:p>
                       <a:pPr algn="ctr" latinLnBrk="1"/>
                       <a:r>
-                        <a:rPr lang="en-US" altLang="ko-KR" sz="1800" b="0" kern="1200" dirty="0" smtClean="0">
+                        <a:rPr lang="en-US" altLang="ko-KR" sz="2400" b="1" kern="1200" dirty="0" smtClean="0">
                           <a:solidFill>
                             <a:schemeClr val="tx1"/>
                           </a:solidFill>
@@ -22947,7 +23489,7 @@
                         </a:rPr>
                         <a:t>︙</a:t>
                       </a:r>
-                      <a:endParaRPr lang="ko-KR" altLang="en-US" sz="1800" b="0" dirty="0">
+                      <a:endParaRPr lang="ko-KR" altLang="en-US" sz="2400" b="1" dirty="0">
                         <a:solidFill>
                           <a:schemeClr val="tx1"/>
                         </a:solidFill>
@@ -23012,7 +23554,7 @@
                     <a:p>
                       <a:pPr algn="ctr" latinLnBrk="1"/>
                       <a:r>
-                        <a:rPr lang="en-US" altLang="ko-KR" sz="1800" b="0" dirty="0" smtClean="0">
+                        <a:rPr lang="en-US" altLang="ko-KR" sz="2400" b="1" dirty="0" smtClean="0">
                           <a:solidFill>
                             <a:schemeClr val="tx1"/>
                           </a:solidFill>
@@ -23020,7 +23562,7 @@
                         </a:rPr>
                         <a:t>p-1</a:t>
                       </a:r>
-                      <a:endParaRPr lang="ko-KR" altLang="en-US" sz="1800" b="0" dirty="0">
+                      <a:endParaRPr lang="ko-KR" altLang="en-US" sz="2400" b="1" dirty="0">
                         <a:solidFill>
                           <a:schemeClr val="tx1"/>
                         </a:solidFill>
@@ -23085,7 +23627,7 @@
                     <a:p>
                       <a:pPr algn="ctr" latinLnBrk="1"/>
                       <a:r>
-                        <a:rPr lang="en-US" altLang="ko-KR" sz="1800" b="0" dirty="0" smtClean="0">
+                        <a:rPr lang="en-US" altLang="ko-KR" sz="2400" b="1" dirty="0" smtClean="0">
                           <a:solidFill>
                             <a:schemeClr val="tx1"/>
                           </a:solidFill>
@@ -23093,7 +23635,7 @@
                         </a:rPr>
                         <a:t>0</a:t>
                       </a:r>
-                      <a:endParaRPr lang="ko-KR" altLang="en-US" sz="1800" b="0" dirty="0">
+                      <a:endParaRPr lang="ko-KR" altLang="en-US" sz="2400" b="1" dirty="0">
                         <a:solidFill>
                           <a:schemeClr val="tx1"/>
                         </a:solidFill>
@@ -23156,7 +23698,7 @@
                     <a:p>
                       <a:pPr algn="ctr" latinLnBrk="1"/>
                       <a:r>
-                        <a:rPr lang="en-US" altLang="ko-KR" sz="1800" b="0" dirty="0" smtClean="0">
+                        <a:rPr lang="en-US" altLang="ko-KR" sz="2400" b="1" dirty="0" smtClean="0">
                           <a:solidFill>
                             <a:schemeClr val="tx1"/>
                           </a:solidFill>
@@ -23164,7 +23706,7 @@
                         </a:rPr>
                         <a:t>0</a:t>
                       </a:r>
-                      <a:endParaRPr lang="ko-KR" altLang="en-US" sz="1800" b="0" dirty="0">
+                      <a:endParaRPr lang="ko-KR" altLang="en-US" sz="2400" b="1" dirty="0">
                         <a:solidFill>
                           <a:schemeClr val="tx1"/>
                         </a:solidFill>
@@ -23227,7 +23769,7 @@
                     <a:p>
                       <a:pPr algn="ctr" latinLnBrk="1"/>
                       <a:r>
-                        <a:rPr lang="en-US" altLang="ko-KR" sz="1800" b="0" dirty="0" smtClean="0">
+                        <a:rPr lang="en-US" altLang="ko-KR" sz="2400" b="1" dirty="0" smtClean="0">
                           <a:solidFill>
                             <a:schemeClr val="tx1"/>
                           </a:solidFill>
@@ -23235,7 +23777,7 @@
                         </a:rPr>
                         <a:t>0</a:t>
                       </a:r>
-                      <a:endParaRPr lang="ko-KR" altLang="en-US" sz="1800" b="0" dirty="0">
+                      <a:endParaRPr lang="ko-KR" altLang="en-US" sz="2400" b="1" dirty="0">
                         <a:solidFill>
                           <a:schemeClr val="tx1"/>
                         </a:solidFill>
@@ -23298,7 +23840,7 @@
                     <a:p>
                       <a:pPr algn="ctr" latinLnBrk="1"/>
                       <a:r>
-                        <a:rPr lang="en-US" altLang="ko-KR" sz="1800" b="0" kern="1200" dirty="0" smtClean="0">
+                        <a:rPr lang="en-US" altLang="ko-KR" sz="2400" b="1" kern="1200" dirty="0" smtClean="0">
                           <a:solidFill>
                             <a:schemeClr val="tx1"/>
                           </a:solidFill>
@@ -23308,7 +23850,7 @@
                         </a:rPr>
                         <a:t>…</a:t>
                       </a:r>
-                      <a:endParaRPr lang="ko-KR" altLang="en-US" sz="1800" b="0" dirty="0">
+                      <a:endParaRPr lang="ko-KR" altLang="en-US" sz="2400" b="1" dirty="0">
                         <a:solidFill>
                           <a:schemeClr val="tx1"/>
                         </a:solidFill>
@@ -23371,7 +23913,7 @@
                     <a:p>
                       <a:pPr algn="ctr" latinLnBrk="1"/>
                       <a:r>
-                        <a:rPr lang="en-US" altLang="ko-KR" sz="1800" b="0" dirty="0" smtClean="0">
+                        <a:rPr lang="en-US" altLang="ko-KR" sz="2400" b="1" dirty="0" smtClean="0">
                           <a:solidFill>
                             <a:schemeClr val="tx1"/>
                           </a:solidFill>
@@ -23379,7 +23921,7 @@
                         </a:rPr>
                         <a:t>0</a:t>
                       </a:r>
-                      <a:endParaRPr lang="ko-KR" altLang="en-US" sz="1800" b="0" dirty="0">
+                      <a:endParaRPr lang="ko-KR" altLang="en-US" sz="2400" b="1" dirty="0">
                         <a:solidFill>
                           <a:schemeClr val="tx1"/>
                         </a:solidFill>
@@ -23600,7 +24142,7 @@
           <p:nvPr/>
         </p:nvPicPr>
         <p:blipFill>
-          <a:blip r:embed="rId4" cstate="print">
+          <a:blip r:embed="rId7" cstate="print">
             <a:extLst>
               <a:ext uri="{28A0092B-C50C-407E-A947-70E740481C1C}">
                 <a14:useLocalDpi xmlns:a14="http://schemas.microsoft.com/office/drawing/2010/main" val="0"/>
@@ -23622,7 +24164,7 @@
           </a:prstGeom>
           <a:noFill/>
           <a:extLst>
-            <a:ext uri="{909E8E84-426E-40DD-AFC4-6F175D3DCCD1}">
+            <a:ext uri="{909E8E84-426E-40dd-AFC4-6F175D3DCCD1}">
               <a14:hiddenFill xmlns:a14="http://schemas.microsoft.com/office/drawing/2010/main">
                 <a:solidFill>
                   <a:srgbClr val="FFFFFF"/>
@@ -25025,12 +25567,16 @@
             <a:graphicFrameLocks noGrp="1"/>
           </p:cNvGraphicFramePr>
           <p:nvPr>
-            <p:extLst/>
+            <p:extLst>
+              <p:ext uri="{D42A27DB-BD31-4B8C-83A1-F6EECF244321}">
+                <p14:modId xmlns:p14="http://schemas.microsoft.com/office/powerpoint/2010/main" val="789064070"/>
+              </p:ext>
+            </p:extLst>
           </p:nvPr>
         </p:nvGraphicFramePr>
         <p:xfrm>
           <a:off x="21153523" y="27927618"/>
-          <a:ext cx="1983797" cy="1559104"/>
+          <a:ext cx="1983797" cy="1559103"/>
         </p:xfrm>
         <a:graphic>
           <a:graphicData uri="http://schemas.openxmlformats.org/drawingml/2006/table">
@@ -28722,12 +29268,16 @@
             <a:graphicFrameLocks noGrp="1"/>
           </p:cNvGraphicFramePr>
           <p:nvPr>
-            <p:extLst/>
+            <p:extLst>
+              <p:ext uri="{D42A27DB-BD31-4B8C-83A1-F6EECF244321}">
+                <p14:modId xmlns:p14="http://schemas.microsoft.com/office/powerpoint/2010/main" val="1064935546"/>
+              </p:ext>
+            </p:extLst>
           </p:nvPr>
         </p:nvGraphicFramePr>
         <p:xfrm>
           <a:off x="16427816" y="28618180"/>
-          <a:ext cx="3142672" cy="304800"/>
+          <a:ext cx="3142672" cy="365760"/>
         </p:xfrm>
         <a:graphic>
           <a:graphicData uri="http://schemas.openxmlformats.org/drawingml/2006/table">
@@ -28752,7 +29302,7 @@
                     <a:p>
                       <a:pPr algn="ctr" latinLnBrk="1"/>
                       <a:r>
-                        <a:rPr lang="en-US" altLang="ko-KR" sz="1400" b="0" dirty="0" smtClean="0">
+                        <a:rPr lang="en-US" altLang="ko-KR" sz="1800" b="1" dirty="0" smtClean="0">
                           <a:solidFill>
                             <a:schemeClr val="tx1"/>
                           </a:solidFill>
@@ -28761,7 +29311,7 @@
                         </a:rPr>
                         <a:t>1</a:t>
                       </a:r>
-                      <a:endParaRPr lang="ko-KR" altLang="en-US" sz="1400" b="0" dirty="0">
+                      <a:endParaRPr lang="ko-KR" altLang="en-US" sz="1800" b="1" dirty="0">
                         <a:solidFill>
                           <a:schemeClr val="tx1"/>
                         </a:solidFill>
@@ -28819,7 +29369,7 @@
                     <a:p>
                       <a:pPr algn="ctr" latinLnBrk="1"/>
                       <a:r>
-                        <a:rPr lang="en-US" altLang="ko-KR" sz="1400" b="0" dirty="0" smtClean="0">
+                        <a:rPr lang="en-US" altLang="ko-KR" sz="1800" b="1" dirty="0" smtClean="0">
                           <a:solidFill>
                             <a:schemeClr val="tx1"/>
                           </a:solidFill>
@@ -28828,7 +29378,7 @@
                         </a:rPr>
                         <a:t>0</a:t>
                       </a:r>
-                      <a:endParaRPr lang="ko-KR" altLang="en-US" sz="1400" b="0" dirty="0">
+                      <a:endParaRPr lang="ko-KR" altLang="en-US" sz="1800" b="1" dirty="0">
                         <a:solidFill>
                           <a:schemeClr val="tx1"/>
                         </a:solidFill>
@@ -28886,7 +29436,7 @@
                     <a:p>
                       <a:pPr algn="ctr" latinLnBrk="1"/>
                       <a:r>
-                        <a:rPr lang="en-US" altLang="ko-KR" sz="1400" b="0" dirty="0" smtClean="0">
+                        <a:rPr lang="en-US" altLang="ko-KR" sz="1800" b="1" dirty="0" smtClean="0">
                           <a:solidFill>
                             <a:schemeClr val="tx1"/>
                           </a:solidFill>
@@ -28895,7 +29445,7 @@
                         </a:rPr>
                         <a:t>0</a:t>
                       </a:r>
-                      <a:endParaRPr lang="ko-KR" altLang="en-US" sz="1400" b="0" dirty="0">
+                      <a:endParaRPr lang="ko-KR" altLang="en-US" sz="1800" b="1" dirty="0">
                         <a:solidFill>
                           <a:schemeClr val="tx1"/>
                         </a:solidFill>
@@ -28953,7 +29503,7 @@
                     <a:p>
                       <a:pPr algn="ctr" latinLnBrk="1"/>
                       <a:r>
-                        <a:rPr lang="en-US" altLang="ko-KR" sz="1400" b="0" dirty="0" smtClean="0">
+                        <a:rPr lang="en-US" altLang="ko-KR" sz="1800" b="1" dirty="0" smtClean="0">
                           <a:solidFill>
                             <a:schemeClr val="tx1"/>
                           </a:solidFill>
@@ -28962,7 +29512,7 @@
                         </a:rPr>
                         <a:t>0</a:t>
                       </a:r>
-                      <a:endParaRPr lang="ko-KR" altLang="en-US" sz="1400" b="0" dirty="0">
+                      <a:endParaRPr lang="ko-KR" altLang="en-US" sz="1800" b="1" dirty="0">
                         <a:solidFill>
                           <a:schemeClr val="tx1"/>
                         </a:solidFill>
@@ -29020,7 +29570,7 @@
                     <a:p>
                       <a:pPr algn="ctr" latinLnBrk="1"/>
                       <a:r>
-                        <a:rPr lang="en-US" altLang="ko-KR" sz="1400" b="0" dirty="0" smtClean="0">
+                        <a:rPr lang="en-US" altLang="ko-KR" sz="1800" b="1" dirty="0" smtClean="0">
                           <a:solidFill>
                             <a:schemeClr val="tx1"/>
                           </a:solidFill>
@@ -29029,7 +29579,7 @@
                         </a:rPr>
                         <a:t>0</a:t>
                       </a:r>
-                      <a:endParaRPr lang="ko-KR" altLang="en-US" sz="1400" b="0" dirty="0">
+                      <a:endParaRPr lang="ko-KR" altLang="en-US" sz="1800" b="1" dirty="0">
                         <a:solidFill>
                           <a:schemeClr val="tx1"/>
                         </a:solidFill>
@@ -29087,16 +29637,16 @@
                     <a:p>
                       <a:pPr algn="ctr" latinLnBrk="1"/>
                       <a:r>
-                        <a:rPr lang="en-US" altLang="ko-KR" sz="1400" b="0" dirty="0" smtClean="0">
+                        <a:rPr lang="en-US" altLang="ko-KR" sz="1800" b="1" dirty="0" smtClean="0">
                           <a:solidFill>
                             <a:schemeClr val="tx1"/>
                           </a:solidFill>
                           <a:latin typeface="+mn-ea"/>
                           <a:ea typeface="+mn-ea"/>
                         </a:rPr>
-                        <a:t>〮〮〮</a:t>
+                        <a:t> 〮〮</a:t>
                       </a:r>
-                      <a:endParaRPr lang="ko-KR" altLang="en-US" sz="1400" b="0" dirty="0">
+                      <a:endParaRPr lang="ko-KR" altLang="en-US" sz="1800" b="1" dirty="0">
                         <a:solidFill>
                           <a:schemeClr val="tx1"/>
                         </a:solidFill>
@@ -29154,7 +29704,7 @@
                     <a:p>
                       <a:pPr algn="ctr" latinLnBrk="1"/>
                       <a:r>
-                        <a:rPr lang="en-US" altLang="ko-KR" sz="1400" b="0" dirty="0" smtClean="0">
+                        <a:rPr lang="en-US" altLang="ko-KR" sz="1800" b="1" dirty="0" smtClean="0">
                           <a:solidFill>
                             <a:schemeClr val="tx1"/>
                           </a:solidFill>
@@ -29163,7 +29713,7 @@
                         </a:rPr>
                         <a:t>1</a:t>
                       </a:r>
-                      <a:endParaRPr lang="ko-KR" altLang="en-US" sz="1400" b="0" dirty="0">
+                      <a:endParaRPr lang="ko-KR" altLang="en-US" sz="1800" b="1" dirty="0">
                         <a:solidFill>
                           <a:schemeClr val="tx1"/>
                         </a:solidFill>
@@ -29340,12 +29890,16 @@
             <a:graphicFrameLocks noGrp="1"/>
           </p:cNvGraphicFramePr>
           <p:nvPr>
-            <p:extLst/>
+            <p:extLst>
+              <p:ext uri="{D42A27DB-BD31-4B8C-83A1-F6EECF244321}">
+                <p14:modId xmlns:p14="http://schemas.microsoft.com/office/powerpoint/2010/main" val="2104460654"/>
+              </p:ext>
+            </p:extLst>
           </p:nvPr>
         </p:nvGraphicFramePr>
         <p:xfrm>
           <a:off x="24657423" y="28616448"/>
-          <a:ext cx="2117585" cy="304800"/>
+          <a:ext cx="2117585" cy="731519"/>
         </p:xfrm>
         <a:graphic>
           <a:graphicData uri="http://schemas.openxmlformats.org/drawingml/2006/table">
@@ -31545,13 +32099,13 @@
               <a:t> </a:t>
             </a:r>
             <a:r>
-              <a:rPr lang="en-US" altLang="ko-KR" sz="2400" dirty="0" err="1" smtClean="0">
+              <a:rPr lang="en-US" altLang="ko-KR" sz="2400" dirty="0" err="1">
                 <a:latin typeface="Calibri" panose="020F0502020204030204" pitchFamily="34" charset="0"/>
               </a:rPr>
               <a:t>AllAxisObjArr</a:t>
             </a:r>
             <a:r>
-              <a:rPr lang="en-US" altLang="ko-KR" sz="2400" dirty="0" smtClean="0">
+              <a:rPr lang="en-US" altLang="ko-KR" sz="2400" dirty="0">
                 <a:latin typeface="Calibri" panose="020F0502020204030204" pitchFamily="34" charset="0"/>
               </a:rPr>
               <a:t> = [axis1, axis2]; </a:t>
@@ -32089,82 +32643,10 @@
           </a:p>
         </p:txBody>
       </p:sp>
-      <p:pic>
-        <p:nvPicPr>
-          <p:cNvPr id="24" name="그림 23"/>
-          <p:cNvPicPr>
-            <a:picLocks/>
-          </p:cNvPicPr>
-          <p:nvPr/>
-        </p:nvPicPr>
-        <p:blipFill>
-          <a:blip r:embed="rId5"/>
-          <a:stretch>
-            <a:fillRect/>
-          </a:stretch>
-        </p:blipFill>
-        <p:spPr>
-          <a:xfrm>
-            <a:off x="612459" y="21083425"/>
-            <a:ext cx="13374000" cy="6764400"/>
-          </a:xfrm>
-          <a:prstGeom prst="rect">
-            <a:avLst/>
-          </a:prstGeom>
-        </p:spPr>
-      </p:pic>
-      <p:pic>
-        <p:nvPicPr>
-          <p:cNvPr id="25" name="그림 24"/>
-          <p:cNvPicPr>
-            <a:picLocks/>
-          </p:cNvPicPr>
-          <p:nvPr/>
-        </p:nvPicPr>
-        <p:blipFill>
-          <a:blip r:embed="rId6"/>
-          <a:stretch>
-            <a:fillRect/>
-          </a:stretch>
-        </p:blipFill>
-        <p:spPr>
-          <a:xfrm>
-            <a:off x="594371" y="29568224"/>
-            <a:ext cx="13374000" cy="6764400"/>
-          </a:xfrm>
-          <a:prstGeom prst="rect">
-            <a:avLst/>
-          </a:prstGeom>
-        </p:spPr>
-      </p:pic>
-      <p:pic>
-        <p:nvPicPr>
-          <p:cNvPr id="27" name="그림 26"/>
-          <p:cNvPicPr>
-            <a:picLocks/>
-          </p:cNvPicPr>
-          <p:nvPr/>
-        </p:nvPicPr>
-        <p:blipFill>
-          <a:blip r:embed="rId7"/>
-          <a:stretch>
-            <a:fillRect/>
-          </a:stretch>
-        </p:blipFill>
-        <p:spPr>
-          <a:xfrm>
-            <a:off x="21877195" y="6971919"/>
-            <a:ext cx="7736400" cy="3510000"/>
-          </a:xfrm>
-          <a:prstGeom prst="rect">
-            <a:avLst/>
-          </a:prstGeom>
-        </p:spPr>
-      </p:pic>
     </p:spTree>
     <p:extLst>
       <p:ext uri="{BB962C8B-B14F-4D97-AF65-F5344CB8AC3E}">
-        <p14:creationId xmlns:p14="http://schemas.microsoft.com/office/powerpoint/2010/main" val="3244654379"/>
+        <p14:creationId xmlns:p14="http://schemas.microsoft.com/office/powerpoint/2010/main" val="134445729"/>
       </p:ext>
     </p:extLst>
   </p:cSld>
@@ -32174,7 +32656,7 @@
   <p:timing>
     <p:tnLst>
       <p:par>
-        <p:cTn id="1" dur="indefinite" restart="never" nodeType="tmRoot"/>
+        <p:cTn xmlns:p14="http://schemas.microsoft.com/office/powerpoint/2010/main" id="1" dur="indefinite" restart="never" nodeType="tmRoot"/>
       </p:par>
     </p:tnLst>
   </p:timing>
@@ -33575,7 +34057,7 @@
   <p:timing>
     <p:tnLst>
       <p:par>
-        <p:cTn id="1" dur="indefinite" restart="never" nodeType="tmRoot"/>
+        <p:cTn xmlns:p14="http://schemas.microsoft.com/office/powerpoint/2010/main" id="1" dur="indefinite" restart="never" nodeType="tmRoot"/>
       </p:par>
     </p:tnLst>
   </p:timing>
@@ -35386,7 +35868,7 @@
   <p:timing>
     <p:tnLst>
       <p:par>
-        <p:cTn id="1" dur="indefinite" restart="never" nodeType="tmRoot"/>
+        <p:cTn xmlns:p14="http://schemas.microsoft.com/office/powerpoint/2010/main" id="1" dur="indefinite" restart="never" nodeType="tmRoot"/>
       </p:par>
     </p:tnLst>
   </p:timing>
@@ -37286,7 +37768,7 @@
   <p:timing>
     <p:tnLst>
       <p:par>
-        <p:cTn id="1" dur="indefinite" restart="never" nodeType="tmRoot"/>
+        <p:cTn xmlns:p14="http://schemas.microsoft.com/office/powerpoint/2010/main" id="1" dur="indefinite" restart="never" nodeType="tmRoot"/>
       </p:par>
     </p:tnLst>
   </p:timing>

--- a/papers/useR_2014/UseR_2014_poster.pptx
+++ b/papers/useR_2014/UseR_2014_poster.pptx
@@ -9698,7 +9698,7 @@
         <p:spPr>
           <a:xfrm>
             <a:off x="320277" y="39679266"/>
-            <a:ext cx="14386324" cy="1754326"/>
+            <a:ext cx="14386324" cy="2123658"/>
           </a:xfrm>
           <a:prstGeom prst="rect">
             <a:avLst/>
@@ -9712,95 +9712,116 @@
           <a:p>
             <a:pPr algn="just"/>
             <a:r>
-              <a:rPr lang="en-US" altLang="ko-KR" sz="3600" dirty="0" smtClean="0">
+              <a:rPr lang="en-US" altLang="ko-KR" sz="4400" dirty="0" smtClean="0">
                 <a:latin typeface="Times New Roman" panose="02020603050405020304" pitchFamily="18" charset="0"/>
                 <a:cs typeface="Times New Roman" panose="02020603050405020304" pitchFamily="18" charset="0"/>
               </a:rPr>
               <a:t>This work was supported in part by the </a:t>
             </a:r>
             <a:r>
-              <a:rPr lang="en-US" altLang="ko-KR" sz="3600" b="1" dirty="0" smtClean="0">
+              <a:rPr lang="en-US" altLang="ko-KR" sz="4400" b="1" dirty="0" smtClean="0">
                 <a:latin typeface="Times New Roman" panose="02020603050405020304" pitchFamily="18" charset="0"/>
                 <a:cs typeface="Times New Roman" panose="02020603050405020304" pitchFamily="18" charset="0"/>
               </a:rPr>
-              <a:t>Korean Ministry of Science, ICT &amp; </a:t>
-            </a:r>
-            <a:r>
-              <a:rPr lang="en-US" altLang="ko-KR" sz="3600" b="1" dirty="0" smtClean="0">
+              <a:t>Korean Ministry of </a:t>
+            </a:r>
+            <a:r>
+              <a:rPr lang="en-US" altLang="ko-KR" sz="4400" b="1" dirty="0" smtClean="0">
                 <a:latin typeface="Times New Roman" panose="02020603050405020304" pitchFamily="18" charset="0"/>
                 <a:cs typeface="Times New Roman" panose="02020603050405020304" pitchFamily="18" charset="0"/>
               </a:rPr>
               <a:t/>
             </a:r>
             <a:br>
-              <a:rPr lang="en-US" altLang="ko-KR" sz="3600" b="1" dirty="0" smtClean="0">
+              <a:rPr lang="en-US" altLang="ko-KR" sz="4400" b="1" dirty="0" smtClean="0">
                 <a:latin typeface="Times New Roman" panose="02020603050405020304" pitchFamily="18" charset="0"/>
                 <a:cs typeface="Times New Roman" panose="02020603050405020304" pitchFamily="18" charset="0"/>
               </a:rPr>
             </a:br>
             <a:r>
-              <a:rPr lang="en-US" altLang="ko-KR" sz="3600" b="1" dirty="0" smtClean="0">
+              <a:rPr lang="en-US" altLang="ko-KR" sz="4400" b="1" dirty="0" smtClean="0">
                 <a:latin typeface="Times New Roman" panose="02020603050405020304" pitchFamily="18" charset="0"/>
                 <a:cs typeface="Times New Roman" panose="02020603050405020304" pitchFamily="18" charset="0"/>
               </a:rPr>
-              <a:t>Future </a:t>
-            </a:r>
-            <a:r>
-              <a:rPr lang="en-US" altLang="ko-KR" sz="3600" b="1" dirty="0" smtClean="0">
+              <a:t>Science</a:t>
+            </a:r>
+            <a:r>
+              <a:rPr lang="en-US" altLang="ko-KR" sz="4400" b="1" dirty="0" smtClean="0">
                 <a:latin typeface="Times New Roman" panose="02020603050405020304" pitchFamily="18" charset="0"/>
                 <a:cs typeface="Times New Roman" panose="02020603050405020304" pitchFamily="18" charset="0"/>
               </a:rPr>
-              <a:t>Planning</a:t>
-            </a:r>
-            <a:r>
-              <a:rPr lang="en-US" altLang="ko-KR" sz="3600" dirty="0" smtClean="0">
+              <a:t>, ICT &amp; </a:t>
+            </a:r>
+            <a:r>
+              <a:rPr lang="en-US" altLang="ko-KR" sz="4400" b="1" dirty="0" smtClean="0">
                 <a:latin typeface="Times New Roman" panose="02020603050405020304" pitchFamily="18" charset="0"/>
                 <a:cs typeface="Times New Roman" panose="02020603050405020304" pitchFamily="18" charset="0"/>
               </a:rPr>
-              <a:t> (KEIT-10047038) and by </a:t>
-            </a:r>
-            <a:r>
-              <a:rPr lang="en-US" altLang="ko-KR" sz="3600" b="1" dirty="0" smtClean="0">
+              <a:t>Future </a:t>
+            </a:r>
+            <a:r>
+              <a:rPr lang="en-US" altLang="ko-KR" sz="4400" b="1" dirty="0" smtClean="0">
                 <a:latin typeface="Times New Roman" panose="02020603050405020304" pitchFamily="18" charset="0"/>
                 <a:cs typeface="Times New Roman" panose="02020603050405020304" pitchFamily="18" charset="0"/>
               </a:rPr>
-              <a:t>Google Summer of Code </a:t>
-            </a:r>
-            <a:r>
-              <a:rPr lang="en-US" altLang="ko-KR" sz="3600" b="1" dirty="0" smtClean="0">
+              <a:t>Planning</a:t>
+            </a:r>
+            <a:r>
+              <a:rPr lang="en-US" altLang="ko-KR" sz="4400" dirty="0" smtClean="0">
                 <a:latin typeface="Times New Roman" panose="02020603050405020304" pitchFamily="18" charset="0"/>
                 <a:cs typeface="Times New Roman" panose="02020603050405020304" pitchFamily="18" charset="0"/>
               </a:rPr>
-              <a:t/>
-            </a:r>
-            <a:br>
-              <a:rPr lang="en-US" altLang="ko-KR" sz="3600" b="1" dirty="0" smtClean="0">
+              <a:t> (KEIT-10047038) and by </a:t>
+            </a:r>
+            <a:r>
+              <a:rPr lang="en-US" altLang="ko-KR" sz="4400" dirty="0" smtClean="0">
                 <a:latin typeface="Times New Roman" panose="02020603050405020304" pitchFamily="18" charset="0"/>
                 <a:cs typeface="Times New Roman" panose="02020603050405020304" pitchFamily="18" charset="0"/>
               </a:rPr>
-            </a:br>
-            <a:r>
-              <a:rPr lang="en-US" altLang="ko-KR" sz="3600" dirty="0" smtClean="0">
+              <a:t/>
+            </a:r>
+            <a:br>
+              <a:rPr lang="en-US" altLang="ko-KR" sz="4400" dirty="0" smtClean="0">
                 <a:latin typeface="Times New Roman" panose="02020603050405020304" pitchFamily="18" charset="0"/>
                 <a:cs typeface="Times New Roman" panose="02020603050405020304" pitchFamily="18" charset="0"/>
               </a:rPr>
-              <a:t>(</a:t>
-            </a:r>
-            <a:r>
-              <a:rPr lang="en-US" altLang="ko-KR" sz="3600" dirty="0" err="1" smtClean="0">
+            </a:br>
+            <a:r>
+              <a:rPr lang="en-US" altLang="ko-KR" sz="4400" b="1" dirty="0" smtClean="0">
                 <a:latin typeface="Times New Roman" panose="02020603050405020304" pitchFamily="18" charset="0"/>
                 <a:cs typeface="Times New Roman" panose="02020603050405020304" pitchFamily="18" charset="0"/>
               </a:rPr>
-              <a:t>GSoC</a:t>
-            </a:r>
-            <a:r>
-              <a:rPr lang="en-US" altLang="ko-KR" sz="3600" dirty="0" smtClean="0">
+              <a:t>Google </a:t>
+            </a:r>
+            <a:r>
+              <a:rPr lang="en-US" altLang="ko-KR" sz="4400" b="1" dirty="0" smtClean="0">
                 <a:latin typeface="Times New Roman" panose="02020603050405020304" pitchFamily="18" charset="0"/>
                 <a:cs typeface="Times New Roman" panose="02020603050405020304" pitchFamily="18" charset="0"/>
               </a:rPr>
+              <a:t>Summer of Code </a:t>
+            </a:r>
+            <a:r>
+              <a:rPr lang="en-US" altLang="ko-KR" sz="4400" dirty="0" smtClean="0">
+                <a:latin typeface="Times New Roman" panose="02020603050405020304" pitchFamily="18" charset="0"/>
+                <a:cs typeface="Times New Roman" panose="02020603050405020304" pitchFamily="18" charset="0"/>
+              </a:rPr>
+              <a:t>(</a:t>
+            </a:r>
+            <a:r>
+              <a:rPr lang="en-US" altLang="ko-KR" sz="4400" dirty="0" err="1" smtClean="0">
+                <a:latin typeface="Times New Roman" panose="02020603050405020304" pitchFamily="18" charset="0"/>
+                <a:cs typeface="Times New Roman" panose="02020603050405020304" pitchFamily="18" charset="0"/>
+              </a:rPr>
+              <a:t>GSoC</a:t>
+            </a:r>
+            <a:r>
+              <a:rPr lang="en-US" altLang="ko-KR" sz="4400" dirty="0" smtClean="0">
+                <a:latin typeface="Times New Roman" panose="02020603050405020304" pitchFamily="18" charset="0"/>
+                <a:cs typeface="Times New Roman" panose="02020603050405020304" pitchFamily="18" charset="0"/>
+              </a:rPr>
               <a:t>) 2013 and 2014.</a:t>
             </a:r>
-            <a:endParaRPr lang="en-US" altLang="ko-KR" sz="3600" dirty="0">
+            <a:endParaRPr lang="en-US" altLang="ko-KR" sz="4400" dirty="0">
               <a:latin typeface="Times New Roman" panose="02020603050405020304" pitchFamily="18" charset="0"/>
               <a:cs typeface="Times New Roman" panose="02020603050405020304" pitchFamily="18" charset="0"/>
             </a:endParaRPr>
